--- a/asset/Learn/Collect-Contrast Classroom.pptx
+++ b/asset/Learn/Collect-Contrast Classroom.pptx
@@ -6,10 +6,10 @@
     <p:sldMasterId id="2147483703" r:id="rId2"/>
   </p:sldMasterIdLst>
   <p:notesMasterIdLst>
-    <p:notesMasterId r:id="rId22"/>
+    <p:notesMasterId r:id="rId24"/>
   </p:notesMasterIdLst>
   <p:handoutMasterIdLst>
-    <p:handoutMasterId r:id="rId23"/>
+    <p:handoutMasterId r:id="rId25"/>
   </p:handoutMasterIdLst>
   <p:sldIdLst>
     <p:sldId id="262" r:id="rId3"/>
@@ -28,9 +28,11 @@
     <p:sldId id="592" r:id="rId16"/>
     <p:sldId id="593" r:id="rId17"/>
     <p:sldId id="602" r:id="rId18"/>
-    <p:sldId id="587" r:id="rId19"/>
-    <p:sldId id="596" r:id="rId20"/>
-    <p:sldId id="588" r:id="rId21"/>
+    <p:sldId id="603" r:id="rId19"/>
+    <p:sldId id="604" r:id="rId20"/>
+    <p:sldId id="587" r:id="rId21"/>
+    <p:sldId id="596" r:id="rId22"/>
+    <p:sldId id="588" r:id="rId23"/>
   </p:sldIdLst>
   <p:sldSz cx="9144000" cy="6858000" type="screen4x3"/>
   <p:notesSz cx="6807200" cy="9939338"/>
@@ -163,6 +165,8 @@
             <p14:sldId id="592"/>
             <p14:sldId id="593"/>
             <p14:sldId id="602"/>
+            <p14:sldId id="603"/>
+            <p14:sldId id="604"/>
           </p14:sldIdLst>
         </p14:section>
         <p14:section name="4.　収集機能・比較機能の活用" id="{90ACA6EE-2460-4B2B-89B7-9CF0264B1CF2}">
@@ -322,7 +326,7 @@
               <a:rPr kumimoji="1" lang="ja-JP" altLang="en-US" smtClean="0">
                 <a:ea typeface="メイリオ" panose="020B0604030504040204" pitchFamily="50" charset="-128"/>
               </a:rPr>
-              <a:t>2021/7/29</a:t>
+              <a:t>2021/12/8</a:t>
             </a:fld>
             <a:endParaRPr kumimoji="1" lang="ja-JP" altLang="en-US" dirty="0">
               <a:ea typeface="メイリオ" panose="020B0604030504040204" pitchFamily="50" charset="-128"/>
@@ -468,7 +472,7 @@
             <a:fld id="{4B26993D-C081-44EB-B0F5-A9F467792B62}" type="datetimeFigureOut">
               <a:rPr lang="ja-JP" altLang="en-US" smtClean="0"/>
               <a:pPr/>
-              <a:t>2021/7/29</a:t>
+              <a:t>2021/12/8</a:t>
             </a:fld>
             <a:endParaRPr lang="ja-JP" altLang="en-US" dirty="0"/>
           </a:p>
@@ -1091,7 +1095,7 @@
           <a:p>
             <a:fld id="{56F9016B-CCA6-43BE-8BEE-59565A35F4F7}" type="datetimeFigureOut">
               <a:rPr kumimoji="1" lang="ja-JP" altLang="en-US" smtClean="0"/>
-              <a:t>2021/7/29</a:t>
+              <a:t>2021/12/8</a:t>
             </a:fld>
             <a:endParaRPr kumimoji="1" lang="ja-JP" altLang="en-US"/>
           </a:p>
@@ -1293,7 +1297,7 @@
           <a:p>
             <a:fld id="{56F9016B-CCA6-43BE-8BEE-59565A35F4F7}" type="datetimeFigureOut">
               <a:rPr kumimoji="1" lang="ja-JP" altLang="en-US" smtClean="0"/>
-              <a:t>2021/7/29</a:t>
+              <a:t>2021/12/8</a:t>
             </a:fld>
             <a:endParaRPr kumimoji="1" lang="ja-JP" altLang="en-US"/>
           </a:p>
@@ -1539,7 +1543,7 @@
           <a:p>
             <a:fld id="{56F9016B-CCA6-43BE-8BEE-59565A35F4F7}" type="datetimeFigureOut">
               <a:rPr kumimoji="1" lang="ja-JP" altLang="en-US" smtClean="0"/>
-              <a:t>2021/7/29</a:t>
+              <a:t>2021/12/8</a:t>
             </a:fld>
             <a:endParaRPr kumimoji="1" lang="ja-JP" altLang="en-US"/>
           </a:p>
@@ -1835,7 +1839,7 @@
           <a:p>
             <a:fld id="{56F9016B-CCA6-43BE-8BEE-59565A35F4F7}" type="datetimeFigureOut">
               <a:rPr kumimoji="1" lang="ja-JP" altLang="en-US" smtClean="0"/>
-              <a:t>2021/7/29</a:t>
+              <a:t>2021/12/8</a:t>
             </a:fld>
             <a:endParaRPr kumimoji="1" lang="ja-JP" altLang="en-US"/>
           </a:p>
@@ -2266,7 +2270,7 @@
           <a:p>
             <a:fld id="{56F9016B-CCA6-43BE-8BEE-59565A35F4F7}" type="datetimeFigureOut">
               <a:rPr kumimoji="1" lang="ja-JP" altLang="en-US" smtClean="0"/>
-              <a:t>2021/7/29</a:t>
+              <a:t>2021/12/8</a:t>
             </a:fld>
             <a:endParaRPr kumimoji="1" lang="ja-JP" altLang="en-US"/>
           </a:p>
@@ -2384,7 +2388,7 @@
           <a:p>
             <a:fld id="{56F9016B-CCA6-43BE-8BEE-59565A35F4F7}" type="datetimeFigureOut">
               <a:rPr kumimoji="1" lang="ja-JP" altLang="en-US" smtClean="0"/>
-              <a:t>2021/7/29</a:t>
+              <a:t>2021/12/8</a:t>
             </a:fld>
             <a:endParaRPr kumimoji="1" lang="ja-JP" altLang="en-US"/>
           </a:p>
@@ -2479,7 +2483,7 @@
           <a:p>
             <a:fld id="{56F9016B-CCA6-43BE-8BEE-59565A35F4F7}" type="datetimeFigureOut">
               <a:rPr kumimoji="1" lang="ja-JP" altLang="en-US" smtClean="0"/>
-              <a:t>2021/7/29</a:t>
+              <a:t>2021/12/8</a:t>
             </a:fld>
             <a:endParaRPr kumimoji="1" lang="ja-JP" altLang="en-US"/>
           </a:p>
@@ -2788,7 +2792,7 @@
           <a:p>
             <a:fld id="{56F9016B-CCA6-43BE-8BEE-59565A35F4F7}" type="datetimeFigureOut">
               <a:rPr kumimoji="1" lang="ja-JP" altLang="en-US" smtClean="0"/>
-              <a:t>2021/7/29</a:t>
+              <a:t>2021/12/8</a:t>
             </a:fld>
             <a:endParaRPr kumimoji="1" lang="ja-JP" altLang="en-US"/>
           </a:p>
@@ -3041,7 +3045,7 @@
           <a:p>
             <a:fld id="{56F9016B-CCA6-43BE-8BEE-59565A35F4F7}" type="datetimeFigureOut">
               <a:rPr kumimoji="1" lang="ja-JP" altLang="en-US" smtClean="0"/>
-              <a:t>2021/7/29</a:t>
+              <a:t>2021/12/8</a:t>
             </a:fld>
             <a:endParaRPr kumimoji="1" lang="ja-JP" altLang="en-US"/>
           </a:p>
@@ -3318,7 +3322,7 @@
           <a:p>
             <a:fld id="{56F9016B-CCA6-43BE-8BEE-59565A35F4F7}" type="datetimeFigureOut">
               <a:rPr kumimoji="1" lang="ja-JP" altLang="en-US" smtClean="0"/>
-              <a:t>2021/7/29</a:t>
+              <a:t>2021/12/8</a:t>
             </a:fld>
             <a:endParaRPr kumimoji="1" lang="ja-JP" altLang="en-US"/>
           </a:p>
@@ -3530,7 +3534,7 @@
           <a:p>
             <a:fld id="{56F9016B-CCA6-43BE-8BEE-59565A35F4F7}" type="datetimeFigureOut">
               <a:rPr kumimoji="1" lang="ja-JP" altLang="en-US" smtClean="0"/>
-              <a:t>2021/7/29</a:t>
+              <a:t>2021/12/8</a:t>
             </a:fld>
             <a:endParaRPr kumimoji="1" lang="ja-JP" altLang="en-US"/>
           </a:p>
@@ -6589,7 +6593,7 @@
           <a:p>
             <a:fld id="{56F9016B-CCA6-43BE-8BEE-59565A35F4F7}" type="datetimeFigureOut">
               <a:rPr kumimoji="1" lang="ja-JP" altLang="en-US" smtClean="0"/>
-              <a:t>2021/7/29</a:t>
+              <a:t>2021/12/8</a:t>
             </a:fld>
             <a:endParaRPr kumimoji="1" lang="ja-JP" altLang="en-US"/>
           </a:p>
@@ -7026,8 +7030,17 @@
             </a:pPr>
             <a:r>
               <a:rPr dirty="0"/>
-              <a:t>Exastro IT Automation Version 1.7.2</a:t>
-            </a:r>
+              <a:t>Exastro IT Automation Version </a:t>
+            </a:r>
+            <a:r>
+              <a:rPr dirty="0" smtClean="0"/>
+              <a:t>1.</a:t>
+            </a:r>
+            <a:r>
+              <a:rPr lang="en-US" dirty="0" smtClean="0"/>
+              <a:t>8</a:t>
+            </a:r>
+            <a:endParaRPr dirty="0"/>
           </a:p>
           <a:p>
             <a:r>
@@ -7219,7 +7232,19 @@
             </a:pPr>
             <a:r>
               <a:rPr sz="4000" dirty="0"/>
-              <a:t>Collect function / Contrast function</a:t>
+              <a:t>Collect function / </a:t>
+            </a:r>
+            <a:r>
+              <a:rPr lang="en-US" sz="4000" dirty="0" smtClean="0"/>
+              <a:t>Compare</a:t>
+            </a:r>
+            <a:r>
+              <a:rPr sz="4000" dirty="0" smtClean="0"/>
+              <a:t> </a:t>
+            </a:r>
+            <a:r>
+              <a:rPr sz="4000" dirty="0"/>
+              <a:t>function</a:t>
             </a:r>
             <a:endParaRPr lang="en-US" altLang="ja-JP" sz="4000" b="1" kern="0" spc="-150" dirty="0" smtClean="0">
               <a:solidFill>
@@ -9440,12 +9465,24 @@
           <a:lstStyle/>
           <a:p>
             <a:r>
-              <a:rPr altLang="ja-JP"/>
+              <a:rPr altLang="ja-JP" dirty="0"/>
               <a:t>3.</a:t>
             </a:r>
             <a:r>
-              <a:rPr altLang="en-US"/>
-              <a:t>　Contrast Function</a:t>
+              <a:rPr altLang="en-US" dirty="0"/>
+              <a:t>　</a:t>
+            </a:r>
+            <a:r>
+              <a:rPr lang="en-US" altLang="en-US" dirty="0" smtClean="0"/>
+              <a:t>Compare</a:t>
+            </a:r>
+            <a:r>
+              <a:rPr altLang="en-US" dirty="0" smtClean="0"/>
+              <a:t> </a:t>
+            </a:r>
+            <a:r>
+              <a:rPr altLang="en-US" dirty="0"/>
+              <a:t>Function</a:t>
             </a:r>
             <a:endParaRPr lang="ja-JP" altLang="en-US" dirty="0"/>
           </a:p>
@@ -9504,15 +9541,27 @@
           <a:lstStyle/>
           <a:p>
             <a:r>
-              <a:rPr altLang="ja-JP"/>
+              <a:rPr altLang="ja-JP" dirty="0"/>
               <a:t>3.1</a:t>
             </a:r>
             <a:r>
-              <a:rPr altLang="en-US"/>
-              <a:t> What is the Contrast function</a:t>
-            </a:r>
-            <a:r>
-              <a:rPr altLang="ja-JP"/>
+              <a:rPr altLang="en-US" dirty="0"/>
+              <a:t> What is the </a:t>
+            </a:r>
+            <a:r>
+              <a:rPr lang="en-US" altLang="en-US" dirty="0" smtClean="0"/>
+              <a:t>Compare</a:t>
+            </a:r>
+            <a:r>
+              <a:rPr altLang="en-US" dirty="0" smtClean="0"/>
+              <a:t> </a:t>
+            </a:r>
+            <a:r>
+              <a:rPr altLang="en-US" dirty="0"/>
+              <a:t>function</a:t>
+            </a:r>
+            <a:r>
+              <a:rPr altLang="ja-JP" dirty="0"/>
               <a:t>?</a:t>
             </a:r>
           </a:p>
@@ -9546,7 +9595,19 @@
             </a:pPr>
             <a:r>
               <a:rPr sz="1800" dirty="0"/>
-              <a:t>The contrast function compares parameter sheets with each other and checks for differences. By using it together with the </a:t>
+              <a:t>The </a:t>
+            </a:r>
+            <a:r>
+              <a:rPr lang="en-US" sz="1800" dirty="0" smtClean="0"/>
+              <a:t>Compare</a:t>
+            </a:r>
+            <a:r>
+              <a:rPr sz="1800" dirty="0" smtClean="0"/>
+              <a:t> </a:t>
+            </a:r>
+            <a:r>
+              <a:rPr sz="1800" dirty="0"/>
+              <a:t>function compares parameter sheets with each other and checks for differences. By using it together with the </a:t>
             </a:r>
             <a:r>
               <a:rPr lang="en-US" sz="1800" dirty="0" smtClean="0"/>
@@ -13729,10 +13790,10 @@
               </a:defRPr>
             </a:pPr>
             <a:r>
-              <a:rPr dirty="0"/>
-              <a:t>Contrast</a:t>
-            </a:r>
-            <a:endParaRPr kumimoji="0" lang="en-US" altLang="ja-JP" sz="1600" b="1" kern="0" dirty="0" smtClean="0">
+              <a:rPr lang="en-US" sz="1200" dirty="0" err="1" smtClean="0"/>
+              <a:t>Comparisoin</a:t>
+            </a:r>
+            <a:endParaRPr kumimoji="0" lang="en-US" altLang="ja-JP" sz="1200" b="1" kern="0" dirty="0" smtClean="0">
               <a:solidFill>
                 <a:srgbClr val="FFFFFF"/>
               </a:solidFill>
@@ -14199,10 +14260,10 @@
               </a:defRPr>
             </a:pPr>
             <a:r>
-              <a:rPr dirty="0"/>
-              <a:t>Contrast</a:t>
-            </a:r>
-            <a:endParaRPr kumimoji="0" lang="en-US" altLang="ja-JP" sz="1600" b="1" kern="0" dirty="0" smtClean="0">
+              <a:rPr lang="en-US" sz="1200" dirty="0" smtClean="0"/>
+              <a:t>Comparison</a:t>
+            </a:r>
+            <a:endParaRPr kumimoji="0" lang="en-US" altLang="ja-JP" sz="1200" b="1" kern="0" dirty="0" smtClean="0">
               <a:solidFill>
                 <a:srgbClr val="FFFFFF"/>
               </a:solidFill>
@@ -14463,12 +14524,24 @@
           <a:lstStyle/>
           <a:p>
             <a:r>
-              <a:rPr altLang="ja-JP"/>
+              <a:rPr altLang="ja-JP" dirty="0"/>
               <a:t>3.2</a:t>
             </a:r>
             <a:r>
-              <a:rPr altLang="en-US"/>
-              <a:t> Contrast menu group</a:t>
+              <a:rPr altLang="en-US" dirty="0"/>
+              <a:t> </a:t>
+            </a:r>
+            <a:r>
+              <a:rPr lang="en-US" altLang="en-US" dirty="0" smtClean="0"/>
+              <a:t>Compare</a:t>
+            </a:r>
+            <a:r>
+              <a:rPr altLang="en-US" dirty="0" smtClean="0"/>
+              <a:t> </a:t>
+            </a:r>
+            <a:r>
+              <a:rPr altLang="en-US" dirty="0"/>
+              <a:t>menu group</a:t>
             </a:r>
             <a:endParaRPr lang="ja-JP" altLang="en-US" dirty="0"/>
           </a:p>
@@ -14501,7 +14574,19 @@
             </a:pPr>
             <a:r>
               <a:rPr altLang="en-US" dirty="0"/>
-              <a:t>The Contrast menu group </a:t>
+              <a:t>The </a:t>
+            </a:r>
+            <a:r>
+              <a:rPr lang="en-US" altLang="en-US" dirty="0" smtClean="0"/>
+              <a:t>Compare</a:t>
+            </a:r>
+            <a:r>
+              <a:rPr altLang="en-US" dirty="0" smtClean="0"/>
+              <a:t> </a:t>
+            </a:r>
+            <a:r>
+              <a:rPr altLang="en-US" dirty="0"/>
+              <a:t>menu group </a:t>
             </a:r>
             <a:r>
               <a:rPr lang="en-US" altLang="en-US" dirty="0" smtClean="0"/>
@@ -17330,8 +17415,16 @@
               </a:defRPr>
             </a:pPr>
             <a:r>
+              <a:rPr lang="en-US" sz="1600" dirty="0" smtClean="0"/>
+              <a:t>Compare</a:t>
+            </a:r>
+            <a:r>
+              <a:rPr sz="1600" dirty="0" smtClean="0"/>
+              <a:t> </a:t>
+            </a:r>
+            <a:r>
               <a:rPr sz="1600" dirty="0"/>
-              <a:t>Contrast definition</a:t>
+              <a:t>definition</a:t>
             </a:r>
             <a:endParaRPr kumimoji="1" lang="en-US" altLang="ja-JP" sz="1600" b="1" dirty="0" smtClean="0">
               <a:solidFill>
@@ -17439,8 +17532,12 @@
               </a:defRPr>
             </a:pPr>
             <a:r>
+              <a:rPr lang="en-US" sz="1600" dirty="0" smtClean="0"/>
+              <a:t>Compare</a:t>
+            </a:r>
+            <a:r>
               <a:rPr sz="1600" dirty="0" smtClean="0"/>
-              <a:t>Contrast </a:t>
+              <a:t> </a:t>
             </a:r>
             <a:r>
               <a:rPr sz="1600" dirty="0"/>
@@ -17504,7 +17601,11 @@
             </a:pPr>
             <a:r>
               <a:rPr sz="1600" dirty="0" smtClean="0"/>
-              <a:t>Run Contrast</a:t>
+              <a:t>Run </a:t>
+            </a:r>
+            <a:r>
+              <a:rPr lang="en-US" sz="1600" dirty="0" smtClean="0"/>
+              <a:t>Compare</a:t>
             </a:r>
             <a:endParaRPr sz="1600" dirty="0"/>
           </a:p>
@@ -17541,8 +17642,17 @@
             </a:pPr>
             <a:r>
               <a:rPr sz="1400" dirty="0"/>
-              <a:t>Run the defined Contrast. </a:t>
-            </a:r>
+              <a:t>Run the defined </a:t>
+            </a:r>
+            <a:r>
+              <a:rPr lang="en-US" sz="1400" dirty="0" smtClean="0"/>
+              <a:t>Compare</a:t>
+            </a:r>
+            <a:r>
+              <a:rPr sz="1400" dirty="0" smtClean="0"/>
+              <a:t>. </a:t>
+            </a:r>
+            <a:endParaRPr sz="1400" dirty="0"/>
           </a:p>
           <a:p>
             <a:pPr marL="285750" indent="-285750">
@@ -17658,7 +17768,7 @@
         <p:spPr>
           <a:xfrm>
             <a:off x="7724338" y="2005018"/>
-            <a:ext cx="1024242" cy="646331"/>
+            <a:ext cx="1024242" cy="830997"/>
           </a:xfrm>
           <a:prstGeom prst="rect">
             <a:avLst/>
@@ -17678,7 +17788,12 @@
               </a:defRPr>
             </a:pPr>
             <a:r>
-              <a:t>Run contrast</a:t>
+              <a:rPr dirty="0"/>
+              <a:t>Run </a:t>
+            </a:r>
+            <a:r>
+              <a:rPr lang="en-US" dirty="0" smtClean="0"/>
+              <a:t>Compare</a:t>
             </a:r>
             <a:endParaRPr lang="en-US" altLang="ja-JP" sz="1200" dirty="0" smtClean="0">
               <a:solidFill>
@@ -17695,6 +17810,7 @@
               </a:defRPr>
             </a:pPr>
             <a:r>
+              <a:rPr dirty="0"/>
               <a:t>Select Menu</a:t>
             </a:r>
             <a:endParaRPr lang="ja-JP" altLang="en-US" sz="1200" dirty="0">
@@ -17759,7 +17875,7 @@
         <p:spPr>
           <a:xfrm>
             <a:off x="7866175" y="3826478"/>
-            <a:ext cx="1024242" cy="830997"/>
+            <a:ext cx="1024242" cy="1015663"/>
           </a:xfrm>
           <a:prstGeom prst="rect">
             <a:avLst/>
@@ -17780,7 +17896,7 @@
             </a:pPr>
             <a:r>
               <a:rPr lang="en-US" dirty="0" smtClean="0"/>
-              <a:t>Select the columns you want to contrast</a:t>
+              <a:t>Select the columns you want to Compare</a:t>
             </a:r>
             <a:endParaRPr lang="ja-JP" altLang="en-US" sz="1200" dirty="0">
               <a:solidFill>
@@ -17827,7 +17943,23 @@
             </a:r>
             <a:r>
               <a:rPr dirty="0"/>
-              <a:t>from the menus we selected in the "Contrast definition" menu. </a:t>
+              <a:t>from the menus we selected in the </a:t>
+            </a:r>
+            <a:r>
+              <a:rPr dirty="0" smtClean="0"/>
+              <a:t>"</a:t>
+            </a:r>
+            <a:r>
+              <a:rPr lang="en-US" dirty="0" smtClean="0"/>
+              <a:t>Compare</a:t>
+            </a:r>
+            <a:r>
+              <a:rPr dirty="0" smtClean="0"/>
+              <a:t> </a:t>
+            </a:r>
+            <a:r>
+              <a:rPr dirty="0"/>
+              <a:t>definition" menu. </a:t>
             </a:r>
           </a:p>
         </p:txBody>
@@ -18053,7 +18185,19 @@
             </a:pPr>
             <a:r>
               <a:rPr dirty="0"/>
-              <a:t>The Base date (time) depicts the time and date of the contrast. </a:t>
+              <a:t>The Base date (time) depicts the time and date of the </a:t>
+            </a:r>
+            <a:r>
+              <a:rPr lang="en-US" dirty="0" smtClean="0"/>
+              <a:t>Compare</a:t>
+            </a:r>
+            <a:r>
+              <a:rPr dirty="0" err="1" smtClean="0"/>
+              <a:t>.</a:t>
+            </a:r>
+            <a:r>
+              <a:rPr dirty="0" smtClean="0"/>
+              <a:t> </a:t>
             </a:r>
             <a:endParaRPr lang="en-US" altLang="ja-JP" dirty="0" smtClean="0"/>
           </a:p>
@@ -20031,38 +20175,6041 @@
             <p:ph type="title"/>
           </p:nvPr>
         </p:nvSpPr>
-        <p:spPr>
-          <a:xfrm>
-            <a:off x="179388" y="3106628"/>
-            <a:ext cx="8784000" cy="405683"/>
-          </a:xfrm>
-        </p:spPr>
+        <p:spPr/>
         <p:txBody>
           <a:bodyPr/>
           <a:lstStyle/>
           <a:p>
             <a:r>
-              <a:rPr lang="en-US" altLang="ja-JP" sz="2400" dirty="0"/>
-              <a:t>4.</a:t>
-            </a:r>
-            <a:r>
-              <a:rPr lang="ja-JP" altLang="en-US" sz="2400" dirty="0"/>
-              <a:t>　</a:t>
-            </a:r>
-            <a:r>
-              <a:rPr lang="en-US" altLang="ja-JP" sz="2400" dirty="0" smtClean="0">
-                <a:latin typeface="+mn-ea"/>
+              <a:rPr lang="en-US" altLang="ja-JP" dirty="0" smtClean="0"/>
+              <a:t>3.3</a:t>
+            </a:r>
+            <a:r>
+              <a:rPr lang="ja-JP" altLang="en-US" dirty="0" smtClean="0"/>
+              <a:t> </a:t>
+            </a:r>
+            <a:r>
+              <a:rPr lang="en-US" altLang="ja-JP" dirty="0" smtClean="0"/>
+              <a:t>Workflow</a:t>
+            </a:r>
+            <a:r>
+              <a:rPr lang="ja-JP" altLang="en-US" dirty="0" smtClean="0"/>
+              <a:t>（</a:t>
+            </a:r>
+            <a:r>
+              <a:rPr lang="en-US" altLang="ja-JP" dirty="0" smtClean="0"/>
+              <a:t>1/2</a:t>
+            </a:r>
+            <a:r>
+              <a:rPr lang="ja-JP" altLang="en-US" dirty="0" smtClean="0"/>
+              <a:t>）</a:t>
+            </a:r>
+            <a:endParaRPr lang="ja-JP" altLang="en-US" dirty="0"/>
+          </a:p>
+        </p:txBody>
+      </p:sp>
+      <p:sp>
+        <p:nvSpPr>
+          <p:cNvPr id="21" name="コンテンツ プレースホルダー 2"/>
+          <p:cNvSpPr>
+            <a:spLocks noGrp="1"/>
+          </p:cNvSpPr>
+          <p:nvPr>
+            <p:ph sz="quarter" idx="10"/>
+          </p:nvPr>
+        </p:nvSpPr>
+        <p:spPr>
+          <a:xfrm>
+            <a:off x="252833" y="836712"/>
+            <a:ext cx="8639767" cy="5688718"/>
+          </a:xfrm>
+        </p:spPr>
+        <p:txBody>
+          <a:bodyPr>
+            <a:normAutofit/>
+          </a:bodyPr>
+          <a:lstStyle/>
+          <a:p>
+            <a:pPr marL="0" indent="0">
+              <a:buNone/>
+            </a:pPr>
+            <a:r>
+              <a:rPr lang="en-US" altLang="ja-JP" dirty="0" smtClean="0"/>
+              <a:t>The following figure illustrates a standard workflow for the Compare function</a:t>
+            </a:r>
+            <a:endParaRPr lang="en-US" altLang="ja-JP" dirty="0"/>
+          </a:p>
+        </p:txBody>
+      </p:sp>
+      <p:graphicFrame>
+        <p:nvGraphicFramePr>
+          <p:cNvPr id="5" name="表 4"/>
+          <p:cNvGraphicFramePr>
+            <a:graphicFrameLocks noGrp="1"/>
+          </p:cNvGraphicFramePr>
+          <p:nvPr>
+            <p:extLst>
+              <p:ext uri="{D42A27DB-BD31-4B8C-83A1-F6EECF244321}">
+                <p14:modId xmlns:p14="http://schemas.microsoft.com/office/powerpoint/2010/main" val="3223723019"/>
+              </p:ext>
+            </p:extLst>
+          </p:nvPr>
+        </p:nvGraphicFramePr>
+        <p:xfrm>
+          <a:off x="237574" y="2121201"/>
+          <a:ext cx="2894226" cy="2209800"/>
+        </p:xfrm>
+        <a:graphic>
+          <a:graphicData uri="http://schemas.openxmlformats.org/drawingml/2006/table">
+            <a:tbl>
+              <a:tblPr firstRow="1" bandRow="1">
+                <a:tableStyleId>{69CF1AB2-1976-4502-BF36-3FF5EA218861}</a:tableStyleId>
+              </a:tblPr>
+              <a:tblGrid>
+                <a:gridCol w="387668">
+                  <a:extLst>
+                    <a:ext uri="{9D8B030D-6E8A-4147-A177-3AD203B41FA5}">
+                      <a16:colId xmlns:a16="http://schemas.microsoft.com/office/drawing/2014/main" val="3261435330"/>
+                    </a:ext>
+                  </a:extLst>
+                </a:gridCol>
+                <a:gridCol w="2506558">
+                  <a:extLst>
+                    <a:ext uri="{9D8B030D-6E8A-4147-A177-3AD203B41FA5}">
+                      <a16:colId xmlns:a16="http://schemas.microsoft.com/office/drawing/2014/main" val="3494894693"/>
+                    </a:ext>
+                  </a:extLst>
+                </a:gridCol>
+              </a:tblGrid>
+              <a:tr h="370840">
+                <a:tc>
+                  <a:txBody>
+                    <a:bodyPr/>
+                    <a:lstStyle/>
+                    <a:p>
+                      <a:pPr algn="ctr"/>
+                      <a:r>
+                        <a:rPr kumimoji="1" lang="ja-JP" altLang="en-US" sz="1600" b="1" dirty="0" smtClean="0">
+                          <a:solidFill>
+                            <a:srgbClr val="FF0000"/>
+                          </a:solidFill>
+                        </a:rPr>
+                        <a:t>①</a:t>
+                      </a:r>
+                      <a:endParaRPr kumimoji="1" lang="ja-JP" altLang="en-US" sz="1600" b="1" dirty="0">
+                        <a:solidFill>
+                          <a:srgbClr val="FF0000"/>
+                        </a:solidFill>
+                      </a:endParaRPr>
+                    </a:p>
+                  </a:txBody>
+                  <a:tcPr anchor="ctr">
+                    <a:lnL w="12700" cap="flat" cmpd="sng" algn="ctr">
+                      <a:solidFill>
+                        <a:schemeClr val="bg1">
+                          <a:lumMod val="75000"/>
+                        </a:schemeClr>
+                      </a:solidFill>
+                      <a:prstDash val="solid"/>
+                      <a:round/>
+                      <a:headEnd type="none" w="med" len="med"/>
+                      <a:tailEnd type="none" w="med" len="med"/>
+                    </a:lnL>
+                    <a:lnR w="12700" cap="flat" cmpd="sng" algn="ctr">
+                      <a:solidFill>
+                        <a:schemeClr val="bg1">
+                          <a:lumMod val="75000"/>
+                        </a:schemeClr>
+                      </a:solidFill>
+                      <a:prstDash val="solid"/>
+                      <a:round/>
+                      <a:headEnd type="none" w="med" len="med"/>
+                      <a:tailEnd type="none" w="med" len="med"/>
+                    </a:lnR>
+                    <a:lnT w="12700" cap="flat" cmpd="sng" algn="ctr">
+                      <a:solidFill>
+                        <a:schemeClr val="bg1">
+                          <a:lumMod val="75000"/>
+                        </a:schemeClr>
+                      </a:solidFill>
+                      <a:prstDash val="solid"/>
+                      <a:round/>
+                      <a:headEnd type="none" w="med" len="med"/>
+                      <a:tailEnd type="none" w="med" len="med"/>
+                    </a:lnT>
+                    <a:lnB w="12700" cap="flat" cmpd="sng" algn="ctr">
+                      <a:solidFill>
+                        <a:schemeClr val="bg1">
+                          <a:lumMod val="75000"/>
+                        </a:schemeClr>
+                      </a:solidFill>
+                      <a:prstDash val="solid"/>
+                      <a:round/>
+                      <a:headEnd type="none" w="med" len="med"/>
+                      <a:tailEnd type="none" w="med" len="med"/>
+                    </a:lnB>
+                    <a:solidFill>
+                      <a:schemeClr val="bg1">
+                        <a:lumMod val="95000"/>
+                      </a:schemeClr>
+                    </a:solidFill>
+                  </a:tcPr>
+                </a:tc>
+                <a:tc>
+                  <a:txBody>
+                    <a:bodyPr/>
+                    <a:lstStyle/>
+                    <a:p>
+                      <a:r>
+                        <a:rPr kumimoji="1" lang="en-US" altLang="ja-JP" sz="1200" b="0" dirty="0" smtClean="0"/>
+                        <a:t>Create Parameter sheets</a:t>
+                      </a:r>
+                      <a:endParaRPr kumimoji="1" lang="ja-JP" altLang="en-US" sz="1200" b="0" dirty="0" smtClean="0">
+                        <a:solidFill>
+                          <a:srgbClr val="002060"/>
+                        </a:solidFill>
+                      </a:endParaRPr>
+                    </a:p>
+                  </a:txBody>
+                  <a:tcPr anchor="ctr">
+                    <a:lnL w="12700" cap="flat" cmpd="sng" algn="ctr">
+                      <a:solidFill>
+                        <a:schemeClr val="bg1">
+                          <a:lumMod val="75000"/>
+                        </a:schemeClr>
+                      </a:solidFill>
+                      <a:prstDash val="solid"/>
+                      <a:round/>
+                      <a:headEnd type="none" w="med" len="med"/>
+                      <a:tailEnd type="none" w="med" len="med"/>
+                    </a:lnL>
+                    <a:lnR w="12700" cap="flat" cmpd="sng" algn="ctr">
+                      <a:solidFill>
+                        <a:schemeClr val="bg1">
+                          <a:lumMod val="75000"/>
+                        </a:schemeClr>
+                      </a:solidFill>
+                      <a:prstDash val="solid"/>
+                      <a:round/>
+                      <a:headEnd type="none" w="med" len="med"/>
+                      <a:tailEnd type="none" w="med" len="med"/>
+                    </a:lnR>
+                    <a:lnT w="12700" cap="flat" cmpd="sng" algn="ctr">
+                      <a:solidFill>
+                        <a:schemeClr val="bg1">
+                          <a:lumMod val="75000"/>
+                        </a:schemeClr>
+                      </a:solidFill>
+                      <a:prstDash val="solid"/>
+                      <a:round/>
+                      <a:headEnd type="none" w="med" len="med"/>
+                      <a:tailEnd type="none" w="med" len="med"/>
+                    </a:lnT>
+                    <a:lnB w="12700" cap="flat" cmpd="sng" algn="ctr">
+                      <a:solidFill>
+                        <a:schemeClr val="bg1">
+                          <a:lumMod val="75000"/>
+                        </a:schemeClr>
+                      </a:solidFill>
+                      <a:prstDash val="solid"/>
+                      <a:round/>
+                      <a:headEnd type="none" w="med" len="med"/>
+                      <a:tailEnd type="none" w="med" len="med"/>
+                    </a:lnB>
+                    <a:solidFill>
+                      <a:schemeClr val="bg1">
+                        <a:lumMod val="95000"/>
+                      </a:schemeClr>
+                    </a:solidFill>
+                  </a:tcPr>
+                </a:tc>
+                <a:extLst>
+                  <a:ext uri="{0D108BD9-81ED-4DB2-BD59-A6C34878D82A}">
+                    <a16:rowId xmlns:a16="http://schemas.microsoft.com/office/drawing/2014/main" val="390252670"/>
+                  </a:ext>
+                </a:extLst>
+              </a:tr>
+              <a:tr h="370840">
+                <a:tc>
+                  <a:txBody>
+                    <a:bodyPr/>
+                    <a:lstStyle/>
+                    <a:p>
+                      <a:pPr algn="ctr"/>
+                      <a:r>
+                        <a:rPr kumimoji="1" lang="ja-JP" altLang="en-US" sz="1600" b="1" dirty="0" smtClean="0">
+                          <a:solidFill>
+                            <a:srgbClr val="FF0000"/>
+                          </a:solidFill>
+                        </a:rPr>
+                        <a:t>②</a:t>
+                      </a:r>
+                      <a:endParaRPr kumimoji="1" lang="ja-JP" altLang="en-US" sz="1600" b="1" dirty="0">
+                        <a:solidFill>
+                          <a:srgbClr val="FF0000"/>
+                        </a:solidFill>
+                      </a:endParaRPr>
+                    </a:p>
+                  </a:txBody>
+                  <a:tcPr anchor="ctr">
+                    <a:lnL w="12700" cap="flat" cmpd="sng" algn="ctr">
+                      <a:solidFill>
+                        <a:schemeClr val="bg1">
+                          <a:lumMod val="75000"/>
+                        </a:schemeClr>
+                      </a:solidFill>
+                      <a:prstDash val="solid"/>
+                      <a:round/>
+                      <a:headEnd type="none" w="med" len="med"/>
+                      <a:tailEnd type="none" w="med" len="med"/>
+                    </a:lnL>
+                    <a:lnR w="12700" cap="flat" cmpd="sng" algn="ctr">
+                      <a:solidFill>
+                        <a:schemeClr val="bg1">
+                          <a:lumMod val="75000"/>
+                        </a:schemeClr>
+                      </a:solidFill>
+                      <a:prstDash val="solid"/>
+                      <a:round/>
+                      <a:headEnd type="none" w="med" len="med"/>
+                      <a:tailEnd type="none" w="med" len="med"/>
+                    </a:lnR>
+                    <a:lnT w="12700" cap="flat" cmpd="sng" algn="ctr">
+                      <a:solidFill>
+                        <a:schemeClr val="bg1">
+                          <a:lumMod val="75000"/>
+                        </a:schemeClr>
+                      </a:solidFill>
+                      <a:prstDash val="solid"/>
+                      <a:round/>
+                      <a:headEnd type="none" w="med" len="med"/>
+                      <a:tailEnd type="none" w="med" len="med"/>
+                    </a:lnT>
+                    <a:lnB w="12700" cap="flat" cmpd="sng" algn="ctr">
+                      <a:solidFill>
+                        <a:schemeClr val="bg1">
+                          <a:lumMod val="75000"/>
+                        </a:schemeClr>
+                      </a:solidFill>
+                      <a:prstDash val="solid"/>
+                      <a:round/>
+                      <a:headEnd type="none" w="med" len="med"/>
+                      <a:tailEnd type="none" w="med" len="med"/>
+                    </a:lnB>
+                    <a:solidFill>
+                      <a:schemeClr val="bg1">
+                        <a:lumMod val="95000"/>
+                      </a:schemeClr>
+                    </a:solidFill>
+                  </a:tcPr>
+                </a:tc>
+                <a:tc>
+                  <a:txBody>
+                    <a:bodyPr/>
+                    <a:lstStyle/>
+                    <a:p>
+                      <a:r>
+                        <a:rPr kumimoji="1" lang="en-US" altLang="ja-JP" sz="1200" b="0" dirty="0" smtClean="0"/>
+                        <a:t>Register data</a:t>
+                      </a:r>
+                      <a:r>
+                        <a:rPr kumimoji="1" lang="en-US" altLang="ja-JP" sz="1200" b="0" baseline="0" dirty="0" smtClean="0"/>
+                        <a:t> to the parameter sheets and run Collect function</a:t>
+                      </a:r>
+                      <a:endParaRPr kumimoji="1" lang="ja-JP" altLang="en-US" sz="1200" b="0" dirty="0" smtClean="0">
+                        <a:solidFill>
+                          <a:schemeClr val="tx1"/>
+                        </a:solidFill>
+                      </a:endParaRPr>
+                    </a:p>
+                  </a:txBody>
+                  <a:tcPr anchor="ctr">
+                    <a:lnL w="12700" cap="flat" cmpd="sng" algn="ctr">
+                      <a:solidFill>
+                        <a:schemeClr val="bg1">
+                          <a:lumMod val="75000"/>
+                        </a:schemeClr>
+                      </a:solidFill>
+                      <a:prstDash val="solid"/>
+                      <a:round/>
+                      <a:headEnd type="none" w="med" len="med"/>
+                      <a:tailEnd type="none" w="med" len="med"/>
+                    </a:lnL>
+                    <a:lnR w="12700" cap="flat" cmpd="sng" algn="ctr">
+                      <a:solidFill>
+                        <a:schemeClr val="bg1">
+                          <a:lumMod val="75000"/>
+                        </a:schemeClr>
+                      </a:solidFill>
+                      <a:prstDash val="solid"/>
+                      <a:round/>
+                      <a:headEnd type="none" w="med" len="med"/>
+                      <a:tailEnd type="none" w="med" len="med"/>
+                    </a:lnR>
+                    <a:lnT w="12700" cap="flat" cmpd="sng" algn="ctr">
+                      <a:solidFill>
+                        <a:schemeClr val="bg1">
+                          <a:lumMod val="75000"/>
+                        </a:schemeClr>
+                      </a:solidFill>
+                      <a:prstDash val="solid"/>
+                      <a:round/>
+                      <a:headEnd type="none" w="med" len="med"/>
+                      <a:tailEnd type="none" w="med" len="med"/>
+                    </a:lnT>
+                    <a:lnB w="12700" cap="flat" cmpd="sng" algn="ctr">
+                      <a:solidFill>
+                        <a:schemeClr val="bg1">
+                          <a:lumMod val="75000"/>
+                        </a:schemeClr>
+                      </a:solidFill>
+                      <a:prstDash val="solid"/>
+                      <a:round/>
+                      <a:headEnd type="none" w="med" len="med"/>
+                      <a:tailEnd type="none" w="med" len="med"/>
+                    </a:lnB>
+                    <a:solidFill>
+                      <a:schemeClr val="bg1">
+                        <a:lumMod val="95000"/>
+                      </a:schemeClr>
+                    </a:solidFill>
+                  </a:tcPr>
+                </a:tc>
+                <a:extLst>
+                  <a:ext uri="{0D108BD9-81ED-4DB2-BD59-A6C34878D82A}">
+                    <a16:rowId xmlns:a16="http://schemas.microsoft.com/office/drawing/2014/main" val="2289614555"/>
+                  </a:ext>
+                </a:extLst>
+              </a:tr>
+              <a:tr h="370840">
+                <a:tc>
+                  <a:txBody>
+                    <a:bodyPr/>
+                    <a:lstStyle/>
+                    <a:p>
+                      <a:pPr algn="ctr"/>
+                      <a:r>
+                        <a:rPr kumimoji="1" lang="ja-JP" altLang="en-US" sz="1600" b="1" dirty="0" smtClean="0">
+                          <a:solidFill>
+                            <a:srgbClr val="FF0000"/>
+                          </a:solidFill>
+                        </a:rPr>
+                        <a:t>③</a:t>
+                      </a:r>
+                      <a:endParaRPr kumimoji="1" lang="ja-JP" altLang="en-US" sz="1600" b="1" dirty="0">
+                        <a:solidFill>
+                          <a:srgbClr val="FF0000"/>
+                        </a:solidFill>
+                      </a:endParaRPr>
+                    </a:p>
+                  </a:txBody>
+                  <a:tcPr anchor="ctr">
+                    <a:lnL w="12700" cap="flat" cmpd="sng" algn="ctr">
+                      <a:solidFill>
+                        <a:schemeClr val="bg1">
+                          <a:lumMod val="75000"/>
+                        </a:schemeClr>
+                      </a:solidFill>
+                      <a:prstDash val="solid"/>
+                      <a:round/>
+                      <a:headEnd type="none" w="med" len="med"/>
+                      <a:tailEnd type="none" w="med" len="med"/>
+                    </a:lnL>
+                    <a:lnR w="12700" cap="flat" cmpd="sng" algn="ctr">
+                      <a:solidFill>
+                        <a:schemeClr val="bg1">
+                          <a:lumMod val="75000"/>
+                        </a:schemeClr>
+                      </a:solidFill>
+                      <a:prstDash val="solid"/>
+                      <a:round/>
+                      <a:headEnd type="none" w="med" len="med"/>
+                      <a:tailEnd type="none" w="med" len="med"/>
+                    </a:lnR>
+                    <a:lnT w="12700" cap="flat" cmpd="sng" algn="ctr">
+                      <a:solidFill>
+                        <a:schemeClr val="bg1">
+                          <a:lumMod val="75000"/>
+                        </a:schemeClr>
+                      </a:solidFill>
+                      <a:prstDash val="solid"/>
+                      <a:round/>
+                      <a:headEnd type="none" w="med" len="med"/>
+                      <a:tailEnd type="none" w="med" len="med"/>
+                    </a:lnT>
+                    <a:lnB w="12700" cap="flat" cmpd="sng" algn="ctr">
+                      <a:solidFill>
+                        <a:schemeClr val="bg1">
+                          <a:lumMod val="75000"/>
+                        </a:schemeClr>
+                      </a:solidFill>
+                      <a:prstDash val="solid"/>
+                      <a:round/>
+                      <a:headEnd type="none" w="med" len="med"/>
+                      <a:tailEnd type="none" w="med" len="med"/>
+                    </a:lnB>
+                    <a:solidFill>
+                      <a:schemeClr val="bg1">
+                        <a:lumMod val="95000"/>
+                      </a:schemeClr>
+                    </a:solidFill>
+                  </a:tcPr>
+                </a:tc>
+                <a:tc>
+                  <a:txBody>
+                    <a:bodyPr/>
+                    <a:lstStyle/>
+                    <a:p>
+                      <a:r>
+                        <a:rPr kumimoji="1" lang="en-US" altLang="ja-JP" sz="1200" b="0" dirty="0" smtClean="0"/>
+                        <a:t>Create Comparison definition</a:t>
+                      </a:r>
+                      <a:endParaRPr kumimoji="1" lang="ja-JP" altLang="en-US" sz="1200" b="0" dirty="0">
+                        <a:solidFill>
+                          <a:srgbClr val="002060"/>
+                        </a:solidFill>
+                      </a:endParaRPr>
+                    </a:p>
+                  </a:txBody>
+                  <a:tcPr anchor="ctr">
+                    <a:lnL w="12700" cap="flat" cmpd="sng" algn="ctr">
+                      <a:solidFill>
+                        <a:schemeClr val="bg1">
+                          <a:lumMod val="75000"/>
+                        </a:schemeClr>
+                      </a:solidFill>
+                      <a:prstDash val="solid"/>
+                      <a:round/>
+                      <a:headEnd type="none" w="med" len="med"/>
+                      <a:tailEnd type="none" w="med" len="med"/>
+                    </a:lnL>
+                    <a:lnR w="12700" cap="flat" cmpd="sng" algn="ctr">
+                      <a:solidFill>
+                        <a:schemeClr val="bg1">
+                          <a:lumMod val="75000"/>
+                        </a:schemeClr>
+                      </a:solidFill>
+                      <a:prstDash val="solid"/>
+                      <a:round/>
+                      <a:headEnd type="none" w="med" len="med"/>
+                      <a:tailEnd type="none" w="med" len="med"/>
+                    </a:lnR>
+                    <a:lnT w="12700" cap="flat" cmpd="sng" algn="ctr">
+                      <a:solidFill>
+                        <a:schemeClr val="bg1">
+                          <a:lumMod val="75000"/>
+                        </a:schemeClr>
+                      </a:solidFill>
+                      <a:prstDash val="solid"/>
+                      <a:round/>
+                      <a:headEnd type="none" w="med" len="med"/>
+                      <a:tailEnd type="none" w="med" len="med"/>
+                    </a:lnT>
+                    <a:lnB w="12700" cap="flat" cmpd="sng" algn="ctr">
+                      <a:solidFill>
+                        <a:schemeClr val="bg1">
+                          <a:lumMod val="75000"/>
+                        </a:schemeClr>
+                      </a:solidFill>
+                      <a:prstDash val="solid"/>
+                      <a:round/>
+                      <a:headEnd type="none" w="med" len="med"/>
+                      <a:tailEnd type="none" w="med" len="med"/>
+                    </a:lnB>
+                    <a:solidFill>
+                      <a:schemeClr val="bg1">
+                        <a:lumMod val="95000"/>
+                      </a:schemeClr>
+                    </a:solidFill>
+                  </a:tcPr>
+                </a:tc>
+                <a:extLst>
+                  <a:ext uri="{0D108BD9-81ED-4DB2-BD59-A6C34878D82A}">
+                    <a16:rowId xmlns:a16="http://schemas.microsoft.com/office/drawing/2014/main" val="2635798848"/>
+                  </a:ext>
+                </a:extLst>
+              </a:tr>
+              <a:tr h="370840">
+                <a:tc>
+                  <a:txBody>
+                    <a:bodyPr/>
+                    <a:lstStyle/>
+                    <a:p>
+                      <a:pPr algn="ctr"/>
+                      <a:r>
+                        <a:rPr kumimoji="1" lang="ja-JP" altLang="en-US" sz="1600" b="1" dirty="0" smtClean="0">
+                          <a:solidFill>
+                            <a:srgbClr val="FF0000"/>
+                          </a:solidFill>
+                        </a:rPr>
+                        <a:t>④</a:t>
+                      </a:r>
+                      <a:endParaRPr kumimoji="1" lang="ja-JP" altLang="en-US" sz="1600" b="1" dirty="0">
+                        <a:solidFill>
+                          <a:srgbClr val="FF0000"/>
+                        </a:solidFill>
+                      </a:endParaRPr>
+                    </a:p>
+                  </a:txBody>
+                  <a:tcPr anchor="ctr">
+                    <a:lnL w="12700" cap="flat" cmpd="sng" algn="ctr">
+                      <a:solidFill>
+                        <a:schemeClr val="bg1">
+                          <a:lumMod val="75000"/>
+                        </a:schemeClr>
+                      </a:solidFill>
+                      <a:prstDash val="solid"/>
+                      <a:round/>
+                      <a:headEnd type="none" w="med" len="med"/>
+                      <a:tailEnd type="none" w="med" len="med"/>
+                    </a:lnL>
+                    <a:lnR w="12700" cap="flat" cmpd="sng" algn="ctr">
+                      <a:solidFill>
+                        <a:schemeClr val="bg1">
+                          <a:lumMod val="75000"/>
+                        </a:schemeClr>
+                      </a:solidFill>
+                      <a:prstDash val="solid"/>
+                      <a:round/>
+                      <a:headEnd type="none" w="med" len="med"/>
+                      <a:tailEnd type="none" w="med" len="med"/>
+                    </a:lnR>
+                    <a:lnT w="12700" cap="flat" cmpd="sng" algn="ctr">
+                      <a:solidFill>
+                        <a:schemeClr val="bg1">
+                          <a:lumMod val="75000"/>
+                        </a:schemeClr>
+                      </a:solidFill>
+                      <a:prstDash val="solid"/>
+                      <a:round/>
+                      <a:headEnd type="none" w="med" len="med"/>
+                      <a:tailEnd type="none" w="med" len="med"/>
+                    </a:lnT>
+                    <a:lnB w="12700" cap="flat" cmpd="sng" algn="ctr">
+                      <a:solidFill>
+                        <a:schemeClr val="bg1">
+                          <a:lumMod val="75000"/>
+                        </a:schemeClr>
+                      </a:solidFill>
+                      <a:prstDash val="solid"/>
+                      <a:round/>
+                      <a:headEnd type="none" w="med" len="med"/>
+                      <a:tailEnd type="none" w="med" len="med"/>
+                    </a:lnB>
+                    <a:solidFill>
+                      <a:schemeClr val="bg1">
+                        <a:lumMod val="95000"/>
+                      </a:schemeClr>
+                    </a:solidFill>
+                  </a:tcPr>
+                </a:tc>
+                <a:tc>
+                  <a:txBody>
+                    <a:bodyPr/>
+                    <a:lstStyle/>
+                    <a:p>
+                      <a:r>
+                        <a:rPr kumimoji="1" lang="en-US" altLang="ja-JP" sz="1200" b="0" dirty="0" smtClean="0"/>
+                        <a:t>(Optional) configure detailed</a:t>
+                      </a:r>
+                      <a:r>
+                        <a:rPr kumimoji="1" lang="en-US" altLang="ja-JP" sz="1200" b="0" baseline="0" dirty="0" smtClean="0"/>
+                        <a:t> information for the </a:t>
+                      </a:r>
+                      <a:r>
+                        <a:rPr kumimoji="1" lang="en-US" altLang="ja-JP" sz="1200" b="0" dirty="0" smtClean="0"/>
+                        <a:t>comparison</a:t>
+                      </a:r>
+                      <a:r>
+                        <a:rPr kumimoji="1" lang="en-US" altLang="ja-JP" sz="1200" b="0" baseline="0" dirty="0" smtClean="0"/>
+                        <a:t> definition</a:t>
+                      </a:r>
+                      <a:endParaRPr kumimoji="1" lang="ja-JP" altLang="en-US" sz="1200" b="0" dirty="0">
+                        <a:solidFill>
+                          <a:srgbClr val="002060"/>
+                        </a:solidFill>
+                      </a:endParaRPr>
+                    </a:p>
+                  </a:txBody>
+                  <a:tcPr anchor="ctr">
+                    <a:lnL w="12700" cap="flat" cmpd="sng" algn="ctr">
+                      <a:solidFill>
+                        <a:schemeClr val="bg1">
+                          <a:lumMod val="75000"/>
+                        </a:schemeClr>
+                      </a:solidFill>
+                      <a:prstDash val="solid"/>
+                      <a:round/>
+                      <a:headEnd type="none" w="med" len="med"/>
+                      <a:tailEnd type="none" w="med" len="med"/>
+                    </a:lnL>
+                    <a:lnR w="12700" cap="flat" cmpd="sng" algn="ctr">
+                      <a:solidFill>
+                        <a:schemeClr val="bg1">
+                          <a:lumMod val="75000"/>
+                        </a:schemeClr>
+                      </a:solidFill>
+                      <a:prstDash val="solid"/>
+                      <a:round/>
+                      <a:headEnd type="none" w="med" len="med"/>
+                      <a:tailEnd type="none" w="med" len="med"/>
+                    </a:lnR>
+                    <a:lnT w="12700" cap="flat" cmpd="sng" algn="ctr">
+                      <a:solidFill>
+                        <a:schemeClr val="bg1">
+                          <a:lumMod val="75000"/>
+                        </a:schemeClr>
+                      </a:solidFill>
+                      <a:prstDash val="solid"/>
+                      <a:round/>
+                      <a:headEnd type="none" w="med" len="med"/>
+                      <a:tailEnd type="none" w="med" len="med"/>
+                    </a:lnT>
+                    <a:lnB w="12700" cap="flat" cmpd="sng" algn="ctr">
+                      <a:solidFill>
+                        <a:schemeClr val="bg1">
+                          <a:lumMod val="75000"/>
+                        </a:schemeClr>
+                      </a:solidFill>
+                      <a:prstDash val="solid"/>
+                      <a:round/>
+                      <a:headEnd type="none" w="med" len="med"/>
+                      <a:tailEnd type="none" w="med" len="med"/>
+                    </a:lnB>
+                    <a:solidFill>
+                      <a:schemeClr val="bg1">
+                        <a:lumMod val="95000"/>
+                      </a:schemeClr>
+                    </a:solidFill>
+                  </a:tcPr>
+                </a:tc>
+                <a:extLst>
+                  <a:ext uri="{0D108BD9-81ED-4DB2-BD59-A6C34878D82A}">
+                    <a16:rowId xmlns:a16="http://schemas.microsoft.com/office/drawing/2014/main" val="1100677892"/>
+                  </a:ext>
+                </a:extLst>
+              </a:tr>
+              <a:tr h="370840">
+                <a:tc>
+                  <a:txBody>
+                    <a:bodyPr/>
+                    <a:lstStyle/>
+                    <a:p>
+                      <a:pPr algn="ctr"/>
+                      <a:r>
+                        <a:rPr kumimoji="1" lang="ja-JP" altLang="en-US" sz="1600" b="1" dirty="0" smtClean="0">
+                          <a:solidFill>
+                            <a:srgbClr val="FF0000"/>
+                          </a:solidFill>
+                        </a:rPr>
+                        <a:t>⑤</a:t>
+                      </a:r>
+                      <a:endParaRPr kumimoji="1" lang="ja-JP" altLang="en-US" sz="1600" b="1" dirty="0">
+                        <a:solidFill>
+                          <a:srgbClr val="FF0000"/>
+                        </a:solidFill>
+                      </a:endParaRPr>
+                    </a:p>
+                  </a:txBody>
+                  <a:tcPr anchor="ctr">
+                    <a:lnL w="12700" cap="flat" cmpd="sng" algn="ctr">
+                      <a:solidFill>
+                        <a:schemeClr val="bg1">
+                          <a:lumMod val="75000"/>
+                        </a:schemeClr>
+                      </a:solidFill>
+                      <a:prstDash val="solid"/>
+                      <a:round/>
+                      <a:headEnd type="none" w="med" len="med"/>
+                      <a:tailEnd type="none" w="med" len="med"/>
+                    </a:lnL>
+                    <a:lnR w="12700" cap="flat" cmpd="sng" algn="ctr">
+                      <a:solidFill>
+                        <a:schemeClr val="bg1">
+                          <a:lumMod val="75000"/>
+                        </a:schemeClr>
+                      </a:solidFill>
+                      <a:prstDash val="solid"/>
+                      <a:round/>
+                      <a:headEnd type="none" w="med" len="med"/>
+                      <a:tailEnd type="none" w="med" len="med"/>
+                    </a:lnR>
+                    <a:lnT w="12700" cap="flat" cmpd="sng" algn="ctr">
+                      <a:solidFill>
+                        <a:schemeClr val="bg1">
+                          <a:lumMod val="75000"/>
+                        </a:schemeClr>
+                      </a:solidFill>
+                      <a:prstDash val="solid"/>
+                      <a:round/>
+                      <a:headEnd type="none" w="med" len="med"/>
+                      <a:tailEnd type="none" w="med" len="med"/>
+                    </a:lnT>
+                    <a:lnB w="12700" cap="flat" cmpd="sng" algn="ctr">
+                      <a:solidFill>
+                        <a:schemeClr val="bg1">
+                          <a:lumMod val="75000"/>
+                        </a:schemeClr>
+                      </a:solidFill>
+                      <a:prstDash val="solid"/>
+                      <a:round/>
+                      <a:headEnd type="none" w="med" len="med"/>
+                      <a:tailEnd type="none" w="med" len="med"/>
+                    </a:lnB>
+                    <a:solidFill>
+                      <a:schemeClr val="bg1">
+                        <a:lumMod val="95000"/>
+                      </a:schemeClr>
+                    </a:solidFill>
+                  </a:tcPr>
+                </a:tc>
+                <a:tc>
+                  <a:txBody>
+                    <a:bodyPr/>
+                    <a:lstStyle/>
+                    <a:p>
+                      <a:r>
+                        <a:rPr kumimoji="1" lang="en-US" altLang="ja-JP" sz="1200" b="0" dirty="0" smtClean="0">
+                          <a:solidFill>
+                            <a:schemeClr val="dk1"/>
+                          </a:solidFill>
+                        </a:rPr>
+                        <a:t>Run</a:t>
+                      </a:r>
+                      <a:r>
+                        <a:rPr kumimoji="1" lang="en-US" altLang="ja-JP" sz="1200" b="0" baseline="0" dirty="0" smtClean="0">
+                          <a:solidFill>
+                            <a:schemeClr val="dk1"/>
+                          </a:solidFill>
+                        </a:rPr>
+                        <a:t> Comparison</a:t>
+                      </a:r>
+                      <a:endParaRPr kumimoji="1" lang="ja-JP" altLang="en-US" sz="1200" b="0" dirty="0" smtClean="0">
+                        <a:solidFill>
+                          <a:srgbClr val="002060"/>
+                        </a:solidFill>
+                      </a:endParaRPr>
+                    </a:p>
+                  </a:txBody>
+                  <a:tcPr anchor="ctr">
+                    <a:lnL w="12700" cap="flat" cmpd="sng" algn="ctr">
+                      <a:solidFill>
+                        <a:schemeClr val="bg1">
+                          <a:lumMod val="75000"/>
+                        </a:schemeClr>
+                      </a:solidFill>
+                      <a:prstDash val="solid"/>
+                      <a:round/>
+                      <a:headEnd type="none" w="med" len="med"/>
+                      <a:tailEnd type="none" w="med" len="med"/>
+                    </a:lnL>
+                    <a:lnR w="12700" cap="flat" cmpd="sng" algn="ctr">
+                      <a:solidFill>
+                        <a:schemeClr val="bg1">
+                          <a:lumMod val="75000"/>
+                        </a:schemeClr>
+                      </a:solidFill>
+                      <a:prstDash val="solid"/>
+                      <a:round/>
+                      <a:headEnd type="none" w="med" len="med"/>
+                      <a:tailEnd type="none" w="med" len="med"/>
+                    </a:lnR>
+                    <a:lnT w="12700" cap="flat" cmpd="sng" algn="ctr">
+                      <a:solidFill>
+                        <a:schemeClr val="bg1">
+                          <a:lumMod val="75000"/>
+                        </a:schemeClr>
+                      </a:solidFill>
+                      <a:prstDash val="solid"/>
+                      <a:round/>
+                      <a:headEnd type="none" w="med" len="med"/>
+                      <a:tailEnd type="none" w="med" len="med"/>
+                    </a:lnT>
+                    <a:lnB w="12700" cap="flat" cmpd="sng" algn="ctr">
+                      <a:solidFill>
+                        <a:schemeClr val="bg1">
+                          <a:lumMod val="75000"/>
+                        </a:schemeClr>
+                      </a:solidFill>
+                      <a:prstDash val="solid"/>
+                      <a:round/>
+                      <a:headEnd type="none" w="med" len="med"/>
+                      <a:tailEnd type="none" w="med" len="med"/>
+                    </a:lnB>
+                    <a:solidFill>
+                      <a:schemeClr val="bg1">
+                        <a:lumMod val="95000"/>
+                      </a:schemeClr>
+                    </a:solidFill>
+                  </a:tcPr>
+                </a:tc>
+                <a:extLst>
+                  <a:ext uri="{0D108BD9-81ED-4DB2-BD59-A6C34878D82A}">
+                    <a16:rowId xmlns:a16="http://schemas.microsoft.com/office/drawing/2014/main" val="924922777"/>
+                  </a:ext>
+                </a:extLst>
+              </a:tr>
+            </a:tbl>
+          </a:graphicData>
+        </a:graphic>
+      </p:graphicFrame>
+      <p:sp>
+        <p:nvSpPr>
+          <p:cNvPr id="46" name="正方形/長方形 45"/>
+          <p:cNvSpPr/>
+          <p:nvPr/>
+        </p:nvSpPr>
+        <p:spPr>
+          <a:xfrm>
+            <a:off x="3287346" y="1593063"/>
+            <a:ext cx="5656244" cy="4845120"/>
+          </a:xfrm>
+          <a:prstGeom prst="rect">
+            <a:avLst/>
+          </a:prstGeom>
+          <a:solidFill>
+            <a:srgbClr val="E1EEFF"/>
+          </a:solidFill>
+          <a:ln w="19050" cap="flat" cmpd="sng" algn="ctr">
+            <a:solidFill>
+              <a:srgbClr val="002060"/>
+            </a:solidFill>
+            <a:prstDash val="solid"/>
+            <a:miter lim="800000"/>
+          </a:ln>
+          <a:effectLst/>
+        </p:spPr>
+        <p:txBody>
+          <a:bodyPr rtlCol="0" anchor="t"/>
+          <a:lstStyle/>
+          <a:p>
+            <a:pPr marL="0" marR="0" lvl="0" indent="0" defTabSz="457200" eaLnBrk="1" fontAlgn="auto" latinLnBrk="0" hangingPunct="1">
+              <a:lnSpc>
+                <a:spcPct val="100000"/>
+              </a:lnSpc>
+              <a:spcBef>
+                <a:spcPts val="0"/>
+              </a:spcBef>
+              <a:spcAft>
+                <a:spcPts val="0"/>
+              </a:spcAft>
+              <a:buClrTx/>
+              <a:buSzTx/>
+              <a:buFontTx/>
+              <a:buNone/>
+              <a:tabLst/>
+              <a:defRPr/>
+            </a:pPr>
+            <a:endParaRPr kumimoji="0" lang="ja-JP" altLang="en-US" sz="1400" b="1" i="0" u="none" strike="noStrike" kern="0" cap="none" spc="0" normalizeH="0" baseline="0" noProof="0" dirty="0" smtClean="0">
+              <a:ln>
+                <a:noFill/>
+              </a:ln>
+              <a:solidFill>
+                <a:srgbClr val="002060"/>
+              </a:solidFill>
+              <a:effectLst/>
+              <a:uLnTx/>
+              <a:uFillTx/>
+              <a:latin typeface="游ゴシック" panose="020B0400000000000000" pitchFamily="50" charset="-128"/>
+              <a:ea typeface="游ゴシック" panose="020B0400000000000000" pitchFamily="50" charset="-128"/>
+              <a:cs typeface="+mn-cs"/>
+            </a:endParaRPr>
+          </a:p>
+        </p:txBody>
+      </p:sp>
+      <p:sp>
+        <p:nvSpPr>
+          <p:cNvPr id="47" name="フローチャート: 磁気ディスク 46"/>
+          <p:cNvSpPr/>
+          <p:nvPr/>
+        </p:nvSpPr>
+        <p:spPr>
+          <a:xfrm>
+            <a:off x="3913532" y="1833702"/>
+            <a:ext cx="4403872" cy="3014557"/>
+          </a:xfrm>
+          <a:prstGeom prst="flowChartMagneticDisk">
+            <a:avLst/>
+          </a:prstGeom>
+          <a:solidFill>
+            <a:srgbClr val="44546A">
+              <a:lumMod val="20000"/>
+              <a:lumOff val="80000"/>
+            </a:srgbClr>
+          </a:solidFill>
+          <a:ln w="19050" cap="flat" cmpd="sng" algn="ctr">
+            <a:solidFill>
+              <a:srgbClr val="002060"/>
+            </a:solidFill>
+            <a:prstDash val="solid"/>
+            <a:miter lim="800000"/>
+          </a:ln>
+          <a:effectLst/>
+        </p:spPr>
+        <p:txBody>
+          <a:bodyPr rtlCol="0" anchor="ctr"/>
+          <a:lstStyle/>
+          <a:p>
+            <a:pPr marL="0" marR="0" lvl="0" indent="0" algn="ctr" defTabSz="457200" eaLnBrk="1" fontAlgn="auto" latinLnBrk="0" hangingPunct="1">
+              <a:lnSpc>
+                <a:spcPct val="100000"/>
+              </a:lnSpc>
+              <a:spcBef>
+                <a:spcPts val="0"/>
+              </a:spcBef>
+              <a:spcAft>
+                <a:spcPts val="0"/>
+              </a:spcAft>
+              <a:buClrTx/>
+              <a:buSzTx/>
+              <a:buFontTx/>
+              <a:buNone/>
+              <a:tabLst/>
+              <a:defRPr/>
+            </a:pPr>
+            <a:endParaRPr kumimoji="0" lang="ja-JP" altLang="en-US" sz="1800" b="0" i="0" u="none" strike="noStrike" kern="0" cap="none" spc="0" normalizeH="0" baseline="0" noProof="0" smtClean="0">
+              <a:ln>
+                <a:noFill/>
+              </a:ln>
+              <a:solidFill>
+                <a:prstClr val="white"/>
+              </a:solidFill>
+              <a:effectLst/>
+              <a:uLnTx/>
+              <a:uFillTx/>
+              <a:latin typeface="Calibri" panose="020F0502020204030204"/>
+              <a:ea typeface="游ゴシック" panose="020B0400000000000000" pitchFamily="50" charset="-128"/>
+              <a:cs typeface="+mn-cs"/>
+            </a:endParaRPr>
+          </a:p>
+        </p:txBody>
+      </p:sp>
+      <p:graphicFrame>
+        <p:nvGraphicFramePr>
+          <p:cNvPr id="44" name="表 43"/>
+          <p:cNvGraphicFramePr>
+            <a:graphicFrameLocks noGrp="1"/>
+          </p:cNvGraphicFramePr>
+          <p:nvPr>
+            <p:extLst>
+              <p:ext uri="{D42A27DB-BD31-4B8C-83A1-F6EECF244321}">
+                <p14:modId xmlns:p14="http://schemas.microsoft.com/office/powerpoint/2010/main" val="4149255320"/>
+              </p:ext>
+            </p:extLst>
+          </p:nvPr>
+        </p:nvGraphicFramePr>
+        <p:xfrm>
+          <a:off x="5055963" y="2044732"/>
+          <a:ext cx="2119011" cy="919488"/>
+        </p:xfrm>
+        <a:graphic>
+          <a:graphicData uri="http://schemas.openxmlformats.org/drawingml/2006/table">
+            <a:tbl>
+              <a:tblPr firstRow="1" bandRow="1"/>
+              <a:tblGrid>
+                <a:gridCol w="706337">
+                  <a:extLst>
+                    <a:ext uri="{9D8B030D-6E8A-4147-A177-3AD203B41FA5}">
+                      <a16:colId xmlns:a16="http://schemas.microsoft.com/office/drawing/2014/main" val="1336170667"/>
+                    </a:ext>
+                  </a:extLst>
+                </a:gridCol>
+                <a:gridCol w="706337">
+                  <a:extLst>
+                    <a:ext uri="{9D8B030D-6E8A-4147-A177-3AD203B41FA5}">
+                      <a16:colId xmlns:a16="http://schemas.microsoft.com/office/drawing/2014/main" val="2403226912"/>
+                    </a:ext>
+                  </a:extLst>
+                </a:gridCol>
+                <a:gridCol w="706337">
+                  <a:extLst>
+                    <a:ext uri="{9D8B030D-6E8A-4147-A177-3AD203B41FA5}">
+                      <a16:colId xmlns:a16="http://schemas.microsoft.com/office/drawing/2014/main" val="182218515"/>
+                    </a:ext>
+                  </a:extLst>
+                </a:gridCol>
+              </a:tblGrid>
+              <a:tr h="187967">
+                <a:tc gridSpan="3">
+                  <a:txBody>
+                    <a:bodyPr/>
+                    <a:lstStyle>
+                      <a:lvl1pPr marL="0" algn="l" defTabSz="914400" rtl="0" eaLnBrk="1" latinLnBrk="0" hangingPunct="1">
+                        <a:defRPr kumimoji="1" sz="1800" b="1" kern="1200">
+                          <a:solidFill>
+                            <a:schemeClr val="lt1"/>
+                          </a:solidFill>
+                          <a:latin typeface="Calibri" panose="020F0502020204030204"/>
+                        </a:defRPr>
+                      </a:lvl1pPr>
+                      <a:lvl2pPr marL="457200" algn="l" defTabSz="914400" rtl="0" eaLnBrk="1" latinLnBrk="0" hangingPunct="1">
+                        <a:defRPr kumimoji="1" sz="1800" b="1" kern="1200">
+                          <a:solidFill>
+                            <a:schemeClr val="lt1"/>
+                          </a:solidFill>
+                          <a:latin typeface="Calibri" panose="020F0502020204030204"/>
+                        </a:defRPr>
+                      </a:lvl2pPr>
+                      <a:lvl3pPr marL="914400" algn="l" defTabSz="914400" rtl="0" eaLnBrk="1" latinLnBrk="0" hangingPunct="1">
+                        <a:defRPr kumimoji="1" sz="1800" b="1" kern="1200">
+                          <a:solidFill>
+                            <a:schemeClr val="lt1"/>
+                          </a:solidFill>
+                          <a:latin typeface="Calibri" panose="020F0502020204030204"/>
+                        </a:defRPr>
+                      </a:lvl3pPr>
+                      <a:lvl4pPr marL="1371600" algn="l" defTabSz="914400" rtl="0" eaLnBrk="1" latinLnBrk="0" hangingPunct="1">
+                        <a:defRPr kumimoji="1" sz="1800" b="1" kern="1200">
+                          <a:solidFill>
+                            <a:schemeClr val="lt1"/>
+                          </a:solidFill>
+                          <a:latin typeface="Calibri" panose="020F0502020204030204"/>
+                        </a:defRPr>
+                      </a:lvl4pPr>
+                      <a:lvl5pPr marL="1828800" algn="l" defTabSz="914400" rtl="0" eaLnBrk="1" latinLnBrk="0" hangingPunct="1">
+                        <a:defRPr kumimoji="1" sz="1800" b="1" kern="1200">
+                          <a:solidFill>
+                            <a:schemeClr val="lt1"/>
+                          </a:solidFill>
+                          <a:latin typeface="Calibri" panose="020F0502020204030204"/>
+                        </a:defRPr>
+                      </a:lvl5pPr>
+                      <a:lvl6pPr marL="2286000" algn="l" defTabSz="914400" rtl="0" eaLnBrk="1" latinLnBrk="0" hangingPunct="1">
+                        <a:defRPr kumimoji="1" sz="1800" b="1" kern="1200">
+                          <a:solidFill>
+                            <a:schemeClr val="lt1"/>
+                          </a:solidFill>
+                          <a:latin typeface="Calibri" panose="020F0502020204030204"/>
+                        </a:defRPr>
+                      </a:lvl6pPr>
+                      <a:lvl7pPr marL="2743200" algn="l" defTabSz="914400" rtl="0" eaLnBrk="1" latinLnBrk="0" hangingPunct="1">
+                        <a:defRPr kumimoji="1" sz="1800" b="1" kern="1200">
+                          <a:solidFill>
+                            <a:schemeClr val="lt1"/>
+                          </a:solidFill>
+                          <a:latin typeface="Calibri" panose="020F0502020204030204"/>
+                        </a:defRPr>
+                      </a:lvl7pPr>
+                      <a:lvl8pPr marL="3200400" algn="l" defTabSz="914400" rtl="0" eaLnBrk="1" latinLnBrk="0" hangingPunct="1">
+                        <a:defRPr kumimoji="1" sz="1800" b="1" kern="1200">
+                          <a:solidFill>
+                            <a:schemeClr val="lt1"/>
+                          </a:solidFill>
+                          <a:latin typeface="Calibri" panose="020F0502020204030204"/>
+                        </a:defRPr>
+                      </a:lvl8pPr>
+                      <a:lvl9pPr marL="3657600" algn="l" defTabSz="914400" rtl="0" eaLnBrk="1" latinLnBrk="0" hangingPunct="1">
+                        <a:defRPr kumimoji="1" sz="1800" b="1" kern="1200">
+                          <a:solidFill>
+                            <a:schemeClr val="lt1"/>
+                          </a:solidFill>
+                          <a:latin typeface="Calibri" panose="020F0502020204030204"/>
+                        </a:defRPr>
+                      </a:lvl9pPr>
+                    </a:lstStyle>
+                    <a:p>
+                      <a:pPr algn="ctr"/>
+                      <a:r>
+                        <a:rPr kumimoji="1" lang="en-US" altLang="ja-JP" sz="1600" b="1" dirty="0" err="1" smtClean="0">
+                          <a:solidFill>
+                            <a:schemeClr val="bg1"/>
+                          </a:solidFill>
+                          <a:latin typeface="游ゴシック" panose="020B0400000000000000" pitchFamily="50" charset="-128"/>
+                          <a:ea typeface="游ゴシック" panose="020B0400000000000000" pitchFamily="50" charset="-128"/>
+                        </a:rPr>
+                        <a:t>Parametersheet</a:t>
+                      </a:r>
+                      <a:r>
+                        <a:rPr kumimoji="1" lang="en-US" altLang="ja-JP" sz="1600" b="1" dirty="0" smtClean="0">
+                          <a:solidFill>
+                            <a:schemeClr val="bg1"/>
+                          </a:solidFill>
+                          <a:latin typeface="游ゴシック" panose="020B0400000000000000" pitchFamily="50" charset="-128"/>
+                          <a:ea typeface="游ゴシック" panose="020B0400000000000000" pitchFamily="50" charset="-128"/>
+                        </a:rPr>
+                        <a:t> A</a:t>
+                      </a:r>
+                      <a:endParaRPr kumimoji="1" lang="ja-JP" altLang="en-US" sz="1600" b="1" dirty="0">
+                        <a:solidFill>
+                          <a:schemeClr val="bg1"/>
+                        </a:solidFill>
+                        <a:latin typeface="游ゴシック" panose="020B0400000000000000" pitchFamily="50" charset="-128"/>
+                        <a:ea typeface="游ゴシック" panose="020B0400000000000000" pitchFamily="50" charset="-128"/>
+                      </a:endParaRPr>
+                    </a:p>
+                  </a:txBody>
+                  <a:tcPr marL="62656" marR="62656" marT="31328" marB="31328" anchor="ctr">
+                    <a:lnL w="12700" cap="flat" cmpd="sng" algn="ctr">
+                      <a:solidFill>
+                        <a:srgbClr val="002060"/>
+                      </a:solidFill>
+                      <a:prstDash val="solid"/>
+                      <a:round/>
+                      <a:headEnd type="none" w="med" len="med"/>
+                      <a:tailEnd type="none" w="med" len="med"/>
+                    </a:lnL>
+                    <a:lnR w="12700" cap="flat" cmpd="sng" algn="ctr">
+                      <a:solidFill>
+                        <a:srgbClr val="002060"/>
+                      </a:solidFill>
+                      <a:prstDash val="solid"/>
+                      <a:round/>
+                      <a:headEnd type="none" w="med" len="med"/>
+                      <a:tailEnd type="none" w="med" len="med"/>
+                    </a:lnR>
+                    <a:lnT w="12700" cap="flat" cmpd="sng" algn="ctr">
+                      <a:solidFill>
+                        <a:srgbClr val="002060"/>
+                      </a:solidFill>
+                      <a:prstDash val="solid"/>
+                      <a:round/>
+                      <a:headEnd type="none" w="med" len="med"/>
+                      <a:tailEnd type="none" w="med" len="med"/>
+                    </a:lnT>
+                    <a:lnB w="12700" cap="flat" cmpd="sng" algn="ctr">
+                      <a:solidFill>
+                        <a:sysClr val="window" lastClr="FFFFFF"/>
+                      </a:solidFill>
+                      <a:prstDash val="solid"/>
+                      <a:round/>
+                      <a:headEnd type="none" w="med" len="med"/>
+                      <a:tailEnd type="none" w="med" len="med"/>
+                    </a:lnB>
+                    <a:lnTlToBr w="12700" cmpd="sng">
+                      <a:noFill/>
+                      <a:prstDash val="solid"/>
+                    </a:lnTlToBr>
+                    <a:lnBlToTr w="12700" cmpd="sng">
+                      <a:noFill/>
+                      <a:prstDash val="solid"/>
+                    </a:lnBlToTr>
+                    <a:solidFill>
+                      <a:srgbClr val="002060"/>
+                    </a:solidFill>
+                  </a:tcPr>
+                </a:tc>
+                <a:tc hMerge="1">
+                  <a:txBody>
+                    <a:bodyPr/>
+                    <a:lstStyle/>
+                    <a:p>
+                      <a:endParaRPr kumimoji="1" lang="ja-JP" altLang="en-US"/>
+                    </a:p>
+                  </a:txBody>
+                  <a:tcPr/>
+                </a:tc>
+                <a:tc hMerge="1">
+                  <a:txBody>
+                    <a:bodyPr/>
+                    <a:lstStyle/>
+                    <a:p>
+                      <a:endParaRPr kumimoji="1" lang="ja-JP" altLang="en-US"/>
+                    </a:p>
+                  </a:txBody>
+                  <a:tcPr/>
+                </a:tc>
+                <a:extLst>
+                  <a:ext uri="{0D108BD9-81ED-4DB2-BD59-A6C34878D82A}">
+                    <a16:rowId xmlns:a16="http://schemas.microsoft.com/office/drawing/2014/main" val="1061808490"/>
+                  </a:ext>
+                </a:extLst>
+              </a:tr>
+              <a:tr h="146197">
+                <a:tc>
+                  <a:txBody>
+                    <a:bodyPr/>
+                    <a:lstStyle>
+                      <a:lvl1pPr marL="0" algn="l" defTabSz="914400" rtl="0" eaLnBrk="1" latinLnBrk="0" hangingPunct="1">
+                        <a:defRPr kumimoji="1" sz="1800" kern="1200">
+                          <a:solidFill>
+                            <a:schemeClr val="dk1"/>
+                          </a:solidFill>
+                          <a:latin typeface="Calibri" panose="020F0502020204030204"/>
+                        </a:defRPr>
+                      </a:lvl1pPr>
+                      <a:lvl2pPr marL="457200" algn="l" defTabSz="914400" rtl="0" eaLnBrk="1" latinLnBrk="0" hangingPunct="1">
+                        <a:defRPr kumimoji="1" sz="1800" kern="1200">
+                          <a:solidFill>
+                            <a:schemeClr val="dk1"/>
+                          </a:solidFill>
+                          <a:latin typeface="Calibri" panose="020F0502020204030204"/>
+                        </a:defRPr>
+                      </a:lvl2pPr>
+                      <a:lvl3pPr marL="914400" algn="l" defTabSz="914400" rtl="0" eaLnBrk="1" latinLnBrk="0" hangingPunct="1">
+                        <a:defRPr kumimoji="1" sz="1800" kern="1200">
+                          <a:solidFill>
+                            <a:schemeClr val="dk1"/>
+                          </a:solidFill>
+                          <a:latin typeface="Calibri" panose="020F0502020204030204"/>
+                        </a:defRPr>
+                      </a:lvl3pPr>
+                      <a:lvl4pPr marL="1371600" algn="l" defTabSz="914400" rtl="0" eaLnBrk="1" latinLnBrk="0" hangingPunct="1">
+                        <a:defRPr kumimoji="1" sz="1800" kern="1200">
+                          <a:solidFill>
+                            <a:schemeClr val="dk1"/>
+                          </a:solidFill>
+                          <a:latin typeface="Calibri" panose="020F0502020204030204"/>
+                        </a:defRPr>
+                      </a:lvl4pPr>
+                      <a:lvl5pPr marL="1828800" algn="l" defTabSz="914400" rtl="0" eaLnBrk="1" latinLnBrk="0" hangingPunct="1">
+                        <a:defRPr kumimoji="1" sz="1800" kern="1200">
+                          <a:solidFill>
+                            <a:schemeClr val="dk1"/>
+                          </a:solidFill>
+                          <a:latin typeface="Calibri" panose="020F0502020204030204"/>
+                        </a:defRPr>
+                      </a:lvl5pPr>
+                      <a:lvl6pPr marL="2286000" algn="l" defTabSz="914400" rtl="0" eaLnBrk="1" latinLnBrk="0" hangingPunct="1">
+                        <a:defRPr kumimoji="1" sz="1800" kern="1200">
+                          <a:solidFill>
+                            <a:schemeClr val="dk1"/>
+                          </a:solidFill>
+                          <a:latin typeface="Calibri" panose="020F0502020204030204"/>
+                        </a:defRPr>
+                      </a:lvl6pPr>
+                      <a:lvl7pPr marL="2743200" algn="l" defTabSz="914400" rtl="0" eaLnBrk="1" latinLnBrk="0" hangingPunct="1">
+                        <a:defRPr kumimoji="1" sz="1800" kern="1200">
+                          <a:solidFill>
+                            <a:schemeClr val="dk1"/>
+                          </a:solidFill>
+                          <a:latin typeface="Calibri" panose="020F0502020204030204"/>
+                        </a:defRPr>
+                      </a:lvl7pPr>
+                      <a:lvl8pPr marL="3200400" algn="l" defTabSz="914400" rtl="0" eaLnBrk="1" latinLnBrk="0" hangingPunct="1">
+                        <a:defRPr kumimoji="1" sz="1800" kern="1200">
+                          <a:solidFill>
+                            <a:schemeClr val="dk1"/>
+                          </a:solidFill>
+                          <a:latin typeface="Calibri" panose="020F0502020204030204"/>
+                        </a:defRPr>
+                      </a:lvl8pPr>
+                      <a:lvl9pPr marL="3657600" algn="l" defTabSz="914400" rtl="0" eaLnBrk="1" latinLnBrk="0" hangingPunct="1">
+                        <a:defRPr kumimoji="1" sz="1800" kern="1200">
+                          <a:solidFill>
+                            <a:schemeClr val="dk1"/>
+                          </a:solidFill>
+                          <a:latin typeface="Calibri" panose="020F0502020204030204"/>
+                        </a:defRPr>
+                      </a:lvl9pPr>
+                    </a:lstStyle>
+                    <a:p>
+                      <a:pPr algn="ctr"/>
+                      <a:r>
+                        <a:rPr kumimoji="1" lang="en-US" altLang="ja-JP" sz="1600" b="1" dirty="0" smtClean="0">
+                          <a:solidFill>
+                            <a:schemeClr val="bg1"/>
+                          </a:solidFill>
+                          <a:latin typeface="游ゴシック" panose="020B0400000000000000" pitchFamily="50" charset="-128"/>
+                          <a:ea typeface="游ゴシック" panose="020B0400000000000000" pitchFamily="50" charset="-128"/>
+                        </a:rPr>
+                        <a:t>Item1</a:t>
+                      </a:r>
+                      <a:endParaRPr kumimoji="1" lang="ja-JP" altLang="en-US" sz="1600" b="1" dirty="0">
+                        <a:solidFill>
+                          <a:schemeClr val="bg1"/>
+                        </a:solidFill>
+                        <a:latin typeface="游ゴシック" panose="020B0400000000000000" pitchFamily="50" charset="-128"/>
+                        <a:ea typeface="游ゴシック" panose="020B0400000000000000" pitchFamily="50" charset="-128"/>
+                      </a:endParaRPr>
+                    </a:p>
+                  </a:txBody>
+                  <a:tcPr marL="62656" marR="62656" marT="31328" marB="31328" anchor="ctr">
+                    <a:lnL w="12700" cap="flat" cmpd="sng" algn="ctr">
+                      <a:solidFill>
+                        <a:sysClr val="window" lastClr="FFFFFF"/>
+                      </a:solidFill>
+                      <a:prstDash val="solid"/>
+                      <a:round/>
+                      <a:headEnd type="none" w="med" len="med"/>
+                      <a:tailEnd type="none" w="med" len="med"/>
+                    </a:lnL>
+                    <a:lnR w="12700" cap="flat" cmpd="sng" algn="ctr">
+                      <a:solidFill>
+                        <a:sysClr val="window" lastClr="FFFFFF"/>
+                      </a:solidFill>
+                      <a:prstDash val="solid"/>
+                      <a:round/>
+                      <a:headEnd type="none" w="med" len="med"/>
+                      <a:tailEnd type="none" w="med" len="med"/>
+                    </a:lnR>
+                    <a:lnT w="12700" cap="flat" cmpd="sng" algn="ctr">
+                      <a:solidFill>
+                        <a:sysClr val="window" lastClr="FFFFFF"/>
+                      </a:solidFill>
+                      <a:prstDash val="solid"/>
+                      <a:round/>
+                      <a:headEnd type="none" w="med" len="med"/>
+                      <a:tailEnd type="none" w="med" len="med"/>
+                    </a:lnT>
+                    <a:lnB w="12700" cap="flat" cmpd="sng" algn="ctr">
+                      <a:solidFill>
+                        <a:srgbClr val="002060"/>
+                      </a:solidFill>
+                      <a:prstDash val="solid"/>
+                      <a:round/>
+                      <a:headEnd type="none" w="med" len="med"/>
+                      <a:tailEnd type="none" w="med" len="med"/>
+                    </a:lnB>
+                    <a:lnTlToBr w="12700" cmpd="sng">
+                      <a:noFill/>
+                      <a:prstDash val="solid"/>
+                    </a:lnTlToBr>
+                    <a:lnBlToTr w="12700" cmpd="sng">
+                      <a:noFill/>
+                      <a:prstDash val="solid"/>
+                    </a:lnBlToTr>
+                    <a:solidFill>
+                      <a:schemeClr val="accent6">
+                        <a:lumMod val="75000"/>
+                        <a:lumOff val="25000"/>
+                      </a:schemeClr>
+                    </a:solidFill>
+                  </a:tcPr>
+                </a:tc>
+                <a:tc>
+                  <a:txBody>
+                    <a:bodyPr/>
+                    <a:lstStyle>
+                      <a:lvl1pPr marL="0" algn="l" defTabSz="914400" rtl="0" eaLnBrk="1" latinLnBrk="0" hangingPunct="1">
+                        <a:defRPr kumimoji="1" sz="1800" kern="1200">
+                          <a:solidFill>
+                            <a:schemeClr val="dk1"/>
+                          </a:solidFill>
+                          <a:latin typeface="Calibri" panose="020F0502020204030204"/>
+                        </a:defRPr>
+                      </a:lvl1pPr>
+                      <a:lvl2pPr marL="457200" algn="l" defTabSz="914400" rtl="0" eaLnBrk="1" latinLnBrk="0" hangingPunct="1">
+                        <a:defRPr kumimoji="1" sz="1800" kern="1200">
+                          <a:solidFill>
+                            <a:schemeClr val="dk1"/>
+                          </a:solidFill>
+                          <a:latin typeface="Calibri" panose="020F0502020204030204"/>
+                        </a:defRPr>
+                      </a:lvl2pPr>
+                      <a:lvl3pPr marL="914400" algn="l" defTabSz="914400" rtl="0" eaLnBrk="1" latinLnBrk="0" hangingPunct="1">
+                        <a:defRPr kumimoji="1" sz="1800" kern="1200">
+                          <a:solidFill>
+                            <a:schemeClr val="dk1"/>
+                          </a:solidFill>
+                          <a:latin typeface="Calibri" panose="020F0502020204030204"/>
+                        </a:defRPr>
+                      </a:lvl3pPr>
+                      <a:lvl4pPr marL="1371600" algn="l" defTabSz="914400" rtl="0" eaLnBrk="1" latinLnBrk="0" hangingPunct="1">
+                        <a:defRPr kumimoji="1" sz="1800" kern="1200">
+                          <a:solidFill>
+                            <a:schemeClr val="dk1"/>
+                          </a:solidFill>
+                          <a:latin typeface="Calibri" panose="020F0502020204030204"/>
+                        </a:defRPr>
+                      </a:lvl4pPr>
+                      <a:lvl5pPr marL="1828800" algn="l" defTabSz="914400" rtl="0" eaLnBrk="1" latinLnBrk="0" hangingPunct="1">
+                        <a:defRPr kumimoji="1" sz="1800" kern="1200">
+                          <a:solidFill>
+                            <a:schemeClr val="dk1"/>
+                          </a:solidFill>
+                          <a:latin typeface="Calibri" panose="020F0502020204030204"/>
+                        </a:defRPr>
+                      </a:lvl5pPr>
+                      <a:lvl6pPr marL="2286000" algn="l" defTabSz="914400" rtl="0" eaLnBrk="1" latinLnBrk="0" hangingPunct="1">
+                        <a:defRPr kumimoji="1" sz="1800" kern="1200">
+                          <a:solidFill>
+                            <a:schemeClr val="dk1"/>
+                          </a:solidFill>
+                          <a:latin typeface="Calibri" panose="020F0502020204030204"/>
+                        </a:defRPr>
+                      </a:lvl6pPr>
+                      <a:lvl7pPr marL="2743200" algn="l" defTabSz="914400" rtl="0" eaLnBrk="1" latinLnBrk="0" hangingPunct="1">
+                        <a:defRPr kumimoji="1" sz="1800" kern="1200">
+                          <a:solidFill>
+                            <a:schemeClr val="dk1"/>
+                          </a:solidFill>
+                          <a:latin typeface="Calibri" panose="020F0502020204030204"/>
+                        </a:defRPr>
+                      </a:lvl7pPr>
+                      <a:lvl8pPr marL="3200400" algn="l" defTabSz="914400" rtl="0" eaLnBrk="1" latinLnBrk="0" hangingPunct="1">
+                        <a:defRPr kumimoji="1" sz="1800" kern="1200">
+                          <a:solidFill>
+                            <a:schemeClr val="dk1"/>
+                          </a:solidFill>
+                          <a:latin typeface="Calibri" panose="020F0502020204030204"/>
+                        </a:defRPr>
+                      </a:lvl8pPr>
+                      <a:lvl9pPr marL="3657600" algn="l" defTabSz="914400" rtl="0" eaLnBrk="1" latinLnBrk="0" hangingPunct="1">
+                        <a:defRPr kumimoji="1" sz="1800" kern="1200">
+                          <a:solidFill>
+                            <a:schemeClr val="dk1"/>
+                          </a:solidFill>
+                          <a:latin typeface="Calibri" panose="020F0502020204030204"/>
+                        </a:defRPr>
+                      </a:lvl9pPr>
+                    </a:lstStyle>
+                    <a:p>
+                      <a:pPr algn="ctr"/>
+                      <a:r>
+                        <a:rPr kumimoji="1" lang="en-US" altLang="ja-JP" sz="1600" b="1" dirty="0" smtClean="0">
+                          <a:solidFill>
+                            <a:schemeClr val="bg1"/>
+                          </a:solidFill>
+                          <a:latin typeface="游ゴシック" panose="020B0400000000000000" pitchFamily="50" charset="-128"/>
+                          <a:ea typeface="游ゴシック" panose="020B0400000000000000" pitchFamily="50" charset="-128"/>
+                        </a:rPr>
+                        <a:t>Item2</a:t>
+                      </a:r>
+                      <a:endParaRPr kumimoji="1" lang="ja-JP" altLang="en-US" sz="1600" b="1" dirty="0">
+                        <a:solidFill>
+                          <a:schemeClr val="bg1"/>
+                        </a:solidFill>
+                        <a:latin typeface="游ゴシック" panose="020B0400000000000000" pitchFamily="50" charset="-128"/>
+                        <a:ea typeface="游ゴシック" panose="020B0400000000000000" pitchFamily="50" charset="-128"/>
+                      </a:endParaRPr>
+                    </a:p>
+                  </a:txBody>
+                  <a:tcPr marL="62656" marR="62656" marT="31328" marB="31328" anchor="ctr">
+                    <a:lnL w="12700" cap="flat" cmpd="sng" algn="ctr">
+                      <a:solidFill>
+                        <a:sysClr val="window" lastClr="FFFFFF"/>
+                      </a:solidFill>
+                      <a:prstDash val="solid"/>
+                      <a:round/>
+                      <a:headEnd type="none" w="med" len="med"/>
+                      <a:tailEnd type="none" w="med" len="med"/>
+                    </a:lnL>
+                    <a:lnR w="12700" cap="flat" cmpd="sng" algn="ctr">
+                      <a:solidFill>
+                        <a:sysClr val="window" lastClr="FFFFFF"/>
+                      </a:solidFill>
+                      <a:prstDash val="solid"/>
+                      <a:round/>
+                      <a:headEnd type="none" w="med" len="med"/>
+                      <a:tailEnd type="none" w="med" len="med"/>
+                    </a:lnR>
+                    <a:lnT w="12700" cap="flat" cmpd="sng" algn="ctr">
+                      <a:solidFill>
+                        <a:sysClr val="window" lastClr="FFFFFF"/>
+                      </a:solidFill>
+                      <a:prstDash val="solid"/>
+                      <a:round/>
+                      <a:headEnd type="none" w="med" len="med"/>
+                      <a:tailEnd type="none" w="med" len="med"/>
+                    </a:lnT>
+                    <a:lnB w="12700" cap="flat" cmpd="sng" algn="ctr">
+                      <a:solidFill>
+                        <a:srgbClr val="002060"/>
+                      </a:solidFill>
+                      <a:prstDash val="solid"/>
+                      <a:round/>
+                      <a:headEnd type="none" w="med" len="med"/>
+                      <a:tailEnd type="none" w="med" len="med"/>
+                    </a:lnB>
+                    <a:lnTlToBr w="12700" cmpd="sng">
+                      <a:noFill/>
+                      <a:prstDash val="solid"/>
+                    </a:lnTlToBr>
+                    <a:lnBlToTr w="12700" cmpd="sng">
+                      <a:noFill/>
+                      <a:prstDash val="solid"/>
+                    </a:lnBlToTr>
+                    <a:solidFill>
+                      <a:schemeClr val="accent6">
+                        <a:lumMod val="75000"/>
+                        <a:lumOff val="25000"/>
+                      </a:schemeClr>
+                    </a:solidFill>
+                  </a:tcPr>
+                </a:tc>
+                <a:tc>
+                  <a:txBody>
+                    <a:bodyPr/>
+                    <a:lstStyle>
+                      <a:lvl1pPr marL="0" algn="l" defTabSz="914400" rtl="0" eaLnBrk="1" latinLnBrk="0" hangingPunct="1">
+                        <a:defRPr kumimoji="1" sz="1800" kern="1200">
+                          <a:solidFill>
+                            <a:schemeClr val="dk1"/>
+                          </a:solidFill>
+                          <a:latin typeface="Calibri" panose="020F0502020204030204"/>
+                        </a:defRPr>
+                      </a:lvl1pPr>
+                      <a:lvl2pPr marL="457200" algn="l" defTabSz="914400" rtl="0" eaLnBrk="1" latinLnBrk="0" hangingPunct="1">
+                        <a:defRPr kumimoji="1" sz="1800" kern="1200">
+                          <a:solidFill>
+                            <a:schemeClr val="dk1"/>
+                          </a:solidFill>
+                          <a:latin typeface="Calibri" panose="020F0502020204030204"/>
+                        </a:defRPr>
+                      </a:lvl2pPr>
+                      <a:lvl3pPr marL="914400" algn="l" defTabSz="914400" rtl="0" eaLnBrk="1" latinLnBrk="0" hangingPunct="1">
+                        <a:defRPr kumimoji="1" sz="1800" kern="1200">
+                          <a:solidFill>
+                            <a:schemeClr val="dk1"/>
+                          </a:solidFill>
+                          <a:latin typeface="Calibri" panose="020F0502020204030204"/>
+                        </a:defRPr>
+                      </a:lvl3pPr>
+                      <a:lvl4pPr marL="1371600" algn="l" defTabSz="914400" rtl="0" eaLnBrk="1" latinLnBrk="0" hangingPunct="1">
+                        <a:defRPr kumimoji="1" sz="1800" kern="1200">
+                          <a:solidFill>
+                            <a:schemeClr val="dk1"/>
+                          </a:solidFill>
+                          <a:latin typeface="Calibri" panose="020F0502020204030204"/>
+                        </a:defRPr>
+                      </a:lvl4pPr>
+                      <a:lvl5pPr marL="1828800" algn="l" defTabSz="914400" rtl="0" eaLnBrk="1" latinLnBrk="0" hangingPunct="1">
+                        <a:defRPr kumimoji="1" sz="1800" kern="1200">
+                          <a:solidFill>
+                            <a:schemeClr val="dk1"/>
+                          </a:solidFill>
+                          <a:latin typeface="Calibri" panose="020F0502020204030204"/>
+                        </a:defRPr>
+                      </a:lvl5pPr>
+                      <a:lvl6pPr marL="2286000" algn="l" defTabSz="914400" rtl="0" eaLnBrk="1" latinLnBrk="0" hangingPunct="1">
+                        <a:defRPr kumimoji="1" sz="1800" kern="1200">
+                          <a:solidFill>
+                            <a:schemeClr val="dk1"/>
+                          </a:solidFill>
+                          <a:latin typeface="Calibri" panose="020F0502020204030204"/>
+                        </a:defRPr>
+                      </a:lvl6pPr>
+                      <a:lvl7pPr marL="2743200" algn="l" defTabSz="914400" rtl="0" eaLnBrk="1" latinLnBrk="0" hangingPunct="1">
+                        <a:defRPr kumimoji="1" sz="1800" kern="1200">
+                          <a:solidFill>
+                            <a:schemeClr val="dk1"/>
+                          </a:solidFill>
+                          <a:latin typeface="Calibri" panose="020F0502020204030204"/>
+                        </a:defRPr>
+                      </a:lvl7pPr>
+                      <a:lvl8pPr marL="3200400" algn="l" defTabSz="914400" rtl="0" eaLnBrk="1" latinLnBrk="0" hangingPunct="1">
+                        <a:defRPr kumimoji="1" sz="1800" kern="1200">
+                          <a:solidFill>
+                            <a:schemeClr val="dk1"/>
+                          </a:solidFill>
+                          <a:latin typeface="Calibri" panose="020F0502020204030204"/>
+                        </a:defRPr>
+                      </a:lvl8pPr>
+                      <a:lvl9pPr marL="3657600" algn="l" defTabSz="914400" rtl="0" eaLnBrk="1" latinLnBrk="0" hangingPunct="1">
+                        <a:defRPr kumimoji="1" sz="1800" kern="1200">
+                          <a:solidFill>
+                            <a:schemeClr val="dk1"/>
+                          </a:solidFill>
+                          <a:latin typeface="Calibri" panose="020F0502020204030204"/>
+                        </a:defRPr>
+                      </a:lvl9pPr>
+                    </a:lstStyle>
+                    <a:p>
+                      <a:pPr algn="ctr"/>
+                      <a:r>
+                        <a:rPr kumimoji="1" lang="en-US" altLang="ja-JP" sz="1600" b="1" dirty="0" smtClean="0">
+                          <a:solidFill>
+                            <a:schemeClr val="bg1"/>
+                          </a:solidFill>
+                          <a:latin typeface="游ゴシック" panose="020B0400000000000000" pitchFamily="50" charset="-128"/>
+                          <a:ea typeface="游ゴシック" panose="020B0400000000000000" pitchFamily="50" charset="-128"/>
+                        </a:rPr>
+                        <a:t>Item3</a:t>
+                      </a:r>
+                      <a:endParaRPr kumimoji="1" lang="ja-JP" altLang="en-US" sz="1600" b="1" dirty="0">
+                        <a:solidFill>
+                          <a:schemeClr val="bg1"/>
+                        </a:solidFill>
+                        <a:latin typeface="游ゴシック" panose="020B0400000000000000" pitchFamily="50" charset="-128"/>
+                        <a:ea typeface="游ゴシック" panose="020B0400000000000000" pitchFamily="50" charset="-128"/>
+                      </a:endParaRPr>
+                    </a:p>
+                  </a:txBody>
+                  <a:tcPr marL="62656" marR="62656" marT="31328" marB="31328" anchor="ctr">
+                    <a:lnL w="12700" cap="flat" cmpd="sng" algn="ctr">
+                      <a:solidFill>
+                        <a:sysClr val="window" lastClr="FFFFFF"/>
+                      </a:solidFill>
+                      <a:prstDash val="solid"/>
+                      <a:round/>
+                      <a:headEnd type="none" w="med" len="med"/>
+                      <a:tailEnd type="none" w="med" len="med"/>
+                    </a:lnL>
+                    <a:lnR w="12700" cap="flat" cmpd="sng" algn="ctr">
+                      <a:solidFill>
+                        <a:sysClr val="window" lastClr="FFFFFF"/>
+                      </a:solidFill>
+                      <a:prstDash val="solid"/>
+                      <a:round/>
+                      <a:headEnd type="none" w="med" len="med"/>
+                      <a:tailEnd type="none" w="med" len="med"/>
+                    </a:lnR>
+                    <a:lnT w="12700" cap="flat" cmpd="sng" algn="ctr">
+                      <a:solidFill>
+                        <a:sysClr val="window" lastClr="FFFFFF"/>
+                      </a:solidFill>
+                      <a:prstDash val="solid"/>
+                      <a:round/>
+                      <a:headEnd type="none" w="med" len="med"/>
+                      <a:tailEnd type="none" w="med" len="med"/>
+                    </a:lnT>
+                    <a:lnB w="12700" cap="flat" cmpd="sng" algn="ctr">
+                      <a:solidFill>
+                        <a:srgbClr val="002060"/>
+                      </a:solidFill>
+                      <a:prstDash val="solid"/>
+                      <a:round/>
+                      <a:headEnd type="none" w="med" len="med"/>
+                      <a:tailEnd type="none" w="med" len="med"/>
+                    </a:lnB>
+                    <a:lnTlToBr w="12700" cmpd="sng">
+                      <a:noFill/>
+                      <a:prstDash val="solid"/>
+                    </a:lnTlToBr>
+                    <a:lnBlToTr w="12700" cmpd="sng">
+                      <a:noFill/>
+                      <a:prstDash val="solid"/>
+                    </a:lnBlToTr>
+                    <a:solidFill>
+                      <a:schemeClr val="accent6">
+                        <a:lumMod val="75000"/>
+                        <a:lumOff val="25000"/>
+                      </a:schemeClr>
+                    </a:solidFill>
+                  </a:tcPr>
+                </a:tc>
+                <a:extLst>
+                  <a:ext uri="{0D108BD9-81ED-4DB2-BD59-A6C34878D82A}">
+                    <a16:rowId xmlns:a16="http://schemas.microsoft.com/office/drawing/2014/main" val="704012225"/>
+                  </a:ext>
+                </a:extLst>
+              </a:tr>
+              <a:tr h="146197">
+                <a:tc>
+                  <a:txBody>
+                    <a:bodyPr/>
+                    <a:lstStyle>
+                      <a:lvl1pPr marL="0" algn="l" defTabSz="914400" rtl="0" eaLnBrk="1" latinLnBrk="0" hangingPunct="1">
+                        <a:defRPr kumimoji="1" sz="1800" kern="1200">
+                          <a:solidFill>
+                            <a:schemeClr val="dk1"/>
+                          </a:solidFill>
+                          <a:latin typeface="Calibri" panose="020F0502020204030204"/>
+                        </a:defRPr>
+                      </a:lvl1pPr>
+                      <a:lvl2pPr marL="457200" algn="l" defTabSz="914400" rtl="0" eaLnBrk="1" latinLnBrk="0" hangingPunct="1">
+                        <a:defRPr kumimoji="1" sz="1800" kern="1200">
+                          <a:solidFill>
+                            <a:schemeClr val="dk1"/>
+                          </a:solidFill>
+                          <a:latin typeface="Calibri" panose="020F0502020204030204"/>
+                        </a:defRPr>
+                      </a:lvl2pPr>
+                      <a:lvl3pPr marL="914400" algn="l" defTabSz="914400" rtl="0" eaLnBrk="1" latinLnBrk="0" hangingPunct="1">
+                        <a:defRPr kumimoji="1" sz="1800" kern="1200">
+                          <a:solidFill>
+                            <a:schemeClr val="dk1"/>
+                          </a:solidFill>
+                          <a:latin typeface="Calibri" panose="020F0502020204030204"/>
+                        </a:defRPr>
+                      </a:lvl3pPr>
+                      <a:lvl4pPr marL="1371600" algn="l" defTabSz="914400" rtl="0" eaLnBrk="1" latinLnBrk="0" hangingPunct="1">
+                        <a:defRPr kumimoji="1" sz="1800" kern="1200">
+                          <a:solidFill>
+                            <a:schemeClr val="dk1"/>
+                          </a:solidFill>
+                          <a:latin typeface="Calibri" panose="020F0502020204030204"/>
+                        </a:defRPr>
+                      </a:lvl4pPr>
+                      <a:lvl5pPr marL="1828800" algn="l" defTabSz="914400" rtl="0" eaLnBrk="1" latinLnBrk="0" hangingPunct="1">
+                        <a:defRPr kumimoji="1" sz="1800" kern="1200">
+                          <a:solidFill>
+                            <a:schemeClr val="dk1"/>
+                          </a:solidFill>
+                          <a:latin typeface="Calibri" panose="020F0502020204030204"/>
+                        </a:defRPr>
+                      </a:lvl5pPr>
+                      <a:lvl6pPr marL="2286000" algn="l" defTabSz="914400" rtl="0" eaLnBrk="1" latinLnBrk="0" hangingPunct="1">
+                        <a:defRPr kumimoji="1" sz="1800" kern="1200">
+                          <a:solidFill>
+                            <a:schemeClr val="dk1"/>
+                          </a:solidFill>
+                          <a:latin typeface="Calibri" panose="020F0502020204030204"/>
+                        </a:defRPr>
+                      </a:lvl6pPr>
+                      <a:lvl7pPr marL="2743200" algn="l" defTabSz="914400" rtl="0" eaLnBrk="1" latinLnBrk="0" hangingPunct="1">
+                        <a:defRPr kumimoji="1" sz="1800" kern="1200">
+                          <a:solidFill>
+                            <a:schemeClr val="dk1"/>
+                          </a:solidFill>
+                          <a:latin typeface="Calibri" panose="020F0502020204030204"/>
+                        </a:defRPr>
+                      </a:lvl7pPr>
+                      <a:lvl8pPr marL="3200400" algn="l" defTabSz="914400" rtl="0" eaLnBrk="1" latinLnBrk="0" hangingPunct="1">
+                        <a:defRPr kumimoji="1" sz="1800" kern="1200">
+                          <a:solidFill>
+                            <a:schemeClr val="dk1"/>
+                          </a:solidFill>
+                          <a:latin typeface="Calibri" panose="020F0502020204030204"/>
+                        </a:defRPr>
+                      </a:lvl8pPr>
+                      <a:lvl9pPr marL="3657600" algn="l" defTabSz="914400" rtl="0" eaLnBrk="1" latinLnBrk="0" hangingPunct="1">
+                        <a:defRPr kumimoji="1" sz="1800" kern="1200">
+                          <a:solidFill>
+                            <a:schemeClr val="dk1"/>
+                          </a:solidFill>
+                          <a:latin typeface="Calibri" panose="020F0502020204030204"/>
+                        </a:defRPr>
+                      </a:lvl9pPr>
+                    </a:lstStyle>
+                    <a:p>
+                      <a:pPr algn="ctr"/>
+                      <a:r>
+                        <a:rPr kumimoji="1" lang="en-US" altLang="ja-JP" sz="1600" dirty="0" smtClean="0"/>
+                        <a:t>AAA</a:t>
+                      </a:r>
+                      <a:endParaRPr kumimoji="1" lang="ja-JP" altLang="en-US" sz="1600" dirty="0"/>
+                    </a:p>
+                  </a:txBody>
+                  <a:tcPr marL="62656" marR="62656" marT="31328" marB="31328">
+                    <a:lnL w="12700" cap="flat" cmpd="sng" algn="ctr">
+                      <a:solidFill>
+                        <a:srgbClr val="002060"/>
+                      </a:solidFill>
+                      <a:prstDash val="solid"/>
+                      <a:round/>
+                      <a:headEnd type="none" w="med" len="med"/>
+                      <a:tailEnd type="none" w="med" len="med"/>
+                    </a:lnL>
+                    <a:lnR w="12700" cap="flat" cmpd="sng" algn="ctr">
+                      <a:solidFill>
+                        <a:srgbClr val="002060"/>
+                      </a:solidFill>
+                      <a:prstDash val="solid"/>
+                      <a:round/>
+                      <a:headEnd type="none" w="med" len="med"/>
+                      <a:tailEnd type="none" w="med" len="med"/>
+                    </a:lnR>
+                    <a:lnT w="12700" cap="flat" cmpd="sng" algn="ctr">
+                      <a:solidFill>
+                        <a:srgbClr val="002060"/>
+                      </a:solidFill>
+                      <a:prstDash val="solid"/>
+                      <a:round/>
+                      <a:headEnd type="none" w="med" len="med"/>
+                      <a:tailEnd type="none" w="med" len="med"/>
+                    </a:lnT>
+                    <a:lnB w="12700" cap="flat" cmpd="sng" algn="ctr">
+                      <a:solidFill>
+                        <a:srgbClr val="002060"/>
+                      </a:solidFill>
+                      <a:prstDash val="solid"/>
+                      <a:round/>
+                      <a:headEnd type="none" w="med" len="med"/>
+                      <a:tailEnd type="none" w="med" len="med"/>
+                    </a:lnB>
+                    <a:lnTlToBr w="12700" cmpd="sng">
+                      <a:noFill/>
+                      <a:prstDash val="solid"/>
+                    </a:lnTlToBr>
+                    <a:lnBlToTr w="12700" cmpd="sng">
+                      <a:noFill/>
+                      <a:prstDash val="solid"/>
+                    </a:lnBlToTr>
+                    <a:solidFill>
+                      <a:sysClr val="window" lastClr="FFFFFF"/>
+                    </a:solidFill>
+                  </a:tcPr>
+                </a:tc>
+                <a:tc>
+                  <a:txBody>
+                    <a:bodyPr/>
+                    <a:lstStyle>
+                      <a:lvl1pPr marL="0" algn="l" defTabSz="914400" rtl="0" eaLnBrk="1" latinLnBrk="0" hangingPunct="1">
+                        <a:defRPr kumimoji="1" sz="1800" kern="1200">
+                          <a:solidFill>
+                            <a:schemeClr val="dk1"/>
+                          </a:solidFill>
+                          <a:latin typeface="Calibri" panose="020F0502020204030204"/>
+                        </a:defRPr>
+                      </a:lvl1pPr>
+                      <a:lvl2pPr marL="457200" algn="l" defTabSz="914400" rtl="0" eaLnBrk="1" latinLnBrk="0" hangingPunct="1">
+                        <a:defRPr kumimoji="1" sz="1800" kern="1200">
+                          <a:solidFill>
+                            <a:schemeClr val="dk1"/>
+                          </a:solidFill>
+                          <a:latin typeface="Calibri" panose="020F0502020204030204"/>
+                        </a:defRPr>
+                      </a:lvl2pPr>
+                      <a:lvl3pPr marL="914400" algn="l" defTabSz="914400" rtl="0" eaLnBrk="1" latinLnBrk="0" hangingPunct="1">
+                        <a:defRPr kumimoji="1" sz="1800" kern="1200">
+                          <a:solidFill>
+                            <a:schemeClr val="dk1"/>
+                          </a:solidFill>
+                          <a:latin typeface="Calibri" panose="020F0502020204030204"/>
+                        </a:defRPr>
+                      </a:lvl3pPr>
+                      <a:lvl4pPr marL="1371600" algn="l" defTabSz="914400" rtl="0" eaLnBrk="1" latinLnBrk="0" hangingPunct="1">
+                        <a:defRPr kumimoji="1" sz="1800" kern="1200">
+                          <a:solidFill>
+                            <a:schemeClr val="dk1"/>
+                          </a:solidFill>
+                          <a:latin typeface="Calibri" panose="020F0502020204030204"/>
+                        </a:defRPr>
+                      </a:lvl4pPr>
+                      <a:lvl5pPr marL="1828800" algn="l" defTabSz="914400" rtl="0" eaLnBrk="1" latinLnBrk="0" hangingPunct="1">
+                        <a:defRPr kumimoji="1" sz="1800" kern="1200">
+                          <a:solidFill>
+                            <a:schemeClr val="dk1"/>
+                          </a:solidFill>
+                          <a:latin typeface="Calibri" panose="020F0502020204030204"/>
+                        </a:defRPr>
+                      </a:lvl5pPr>
+                      <a:lvl6pPr marL="2286000" algn="l" defTabSz="914400" rtl="0" eaLnBrk="1" latinLnBrk="0" hangingPunct="1">
+                        <a:defRPr kumimoji="1" sz="1800" kern="1200">
+                          <a:solidFill>
+                            <a:schemeClr val="dk1"/>
+                          </a:solidFill>
+                          <a:latin typeface="Calibri" panose="020F0502020204030204"/>
+                        </a:defRPr>
+                      </a:lvl6pPr>
+                      <a:lvl7pPr marL="2743200" algn="l" defTabSz="914400" rtl="0" eaLnBrk="1" latinLnBrk="0" hangingPunct="1">
+                        <a:defRPr kumimoji="1" sz="1800" kern="1200">
+                          <a:solidFill>
+                            <a:schemeClr val="dk1"/>
+                          </a:solidFill>
+                          <a:latin typeface="Calibri" panose="020F0502020204030204"/>
+                        </a:defRPr>
+                      </a:lvl7pPr>
+                      <a:lvl8pPr marL="3200400" algn="l" defTabSz="914400" rtl="0" eaLnBrk="1" latinLnBrk="0" hangingPunct="1">
+                        <a:defRPr kumimoji="1" sz="1800" kern="1200">
+                          <a:solidFill>
+                            <a:schemeClr val="dk1"/>
+                          </a:solidFill>
+                          <a:latin typeface="Calibri" panose="020F0502020204030204"/>
+                        </a:defRPr>
+                      </a:lvl8pPr>
+                      <a:lvl9pPr marL="3657600" algn="l" defTabSz="914400" rtl="0" eaLnBrk="1" latinLnBrk="0" hangingPunct="1">
+                        <a:defRPr kumimoji="1" sz="1800" kern="1200">
+                          <a:solidFill>
+                            <a:schemeClr val="dk1"/>
+                          </a:solidFill>
+                          <a:latin typeface="Calibri" panose="020F0502020204030204"/>
+                        </a:defRPr>
+                      </a:lvl9pPr>
+                    </a:lstStyle>
+                    <a:p>
+                      <a:pPr algn="ctr"/>
+                      <a:r>
+                        <a:rPr kumimoji="1" lang="en-US" altLang="ja-JP" sz="1600" dirty="0" smtClean="0"/>
+                        <a:t>BBB</a:t>
+                      </a:r>
+                      <a:endParaRPr kumimoji="1" lang="ja-JP" altLang="en-US" sz="1600" dirty="0"/>
+                    </a:p>
+                  </a:txBody>
+                  <a:tcPr marL="62656" marR="62656" marT="31328" marB="31328">
+                    <a:lnL w="12700" cap="flat" cmpd="sng" algn="ctr">
+                      <a:solidFill>
+                        <a:srgbClr val="002060"/>
+                      </a:solidFill>
+                      <a:prstDash val="solid"/>
+                      <a:round/>
+                      <a:headEnd type="none" w="med" len="med"/>
+                      <a:tailEnd type="none" w="med" len="med"/>
+                    </a:lnL>
+                    <a:lnR w="12700" cap="flat" cmpd="sng" algn="ctr">
+                      <a:solidFill>
+                        <a:srgbClr val="002060"/>
+                      </a:solidFill>
+                      <a:prstDash val="solid"/>
+                      <a:round/>
+                      <a:headEnd type="none" w="med" len="med"/>
+                      <a:tailEnd type="none" w="med" len="med"/>
+                    </a:lnR>
+                    <a:lnT w="12700" cap="flat" cmpd="sng" algn="ctr">
+                      <a:solidFill>
+                        <a:srgbClr val="002060"/>
+                      </a:solidFill>
+                      <a:prstDash val="solid"/>
+                      <a:round/>
+                      <a:headEnd type="none" w="med" len="med"/>
+                      <a:tailEnd type="none" w="med" len="med"/>
+                    </a:lnT>
+                    <a:lnB w="12700" cap="flat" cmpd="sng" algn="ctr">
+                      <a:solidFill>
+                        <a:srgbClr val="002060"/>
+                      </a:solidFill>
+                      <a:prstDash val="solid"/>
+                      <a:round/>
+                      <a:headEnd type="none" w="med" len="med"/>
+                      <a:tailEnd type="none" w="med" len="med"/>
+                    </a:lnB>
+                    <a:lnTlToBr w="12700" cmpd="sng">
+                      <a:noFill/>
+                      <a:prstDash val="solid"/>
+                    </a:lnTlToBr>
+                    <a:lnBlToTr w="12700" cmpd="sng">
+                      <a:noFill/>
+                      <a:prstDash val="solid"/>
+                    </a:lnBlToTr>
+                    <a:solidFill>
+                      <a:sysClr val="window" lastClr="FFFFFF"/>
+                    </a:solidFill>
+                  </a:tcPr>
+                </a:tc>
+                <a:tc>
+                  <a:txBody>
+                    <a:bodyPr/>
+                    <a:lstStyle>
+                      <a:lvl1pPr marL="0" algn="l" defTabSz="914400" rtl="0" eaLnBrk="1" latinLnBrk="0" hangingPunct="1">
+                        <a:defRPr kumimoji="1" sz="1800" kern="1200">
+                          <a:solidFill>
+                            <a:schemeClr val="dk1"/>
+                          </a:solidFill>
+                          <a:latin typeface="Calibri" panose="020F0502020204030204"/>
+                        </a:defRPr>
+                      </a:lvl1pPr>
+                      <a:lvl2pPr marL="457200" algn="l" defTabSz="914400" rtl="0" eaLnBrk="1" latinLnBrk="0" hangingPunct="1">
+                        <a:defRPr kumimoji="1" sz="1800" kern="1200">
+                          <a:solidFill>
+                            <a:schemeClr val="dk1"/>
+                          </a:solidFill>
+                          <a:latin typeface="Calibri" panose="020F0502020204030204"/>
+                        </a:defRPr>
+                      </a:lvl2pPr>
+                      <a:lvl3pPr marL="914400" algn="l" defTabSz="914400" rtl="0" eaLnBrk="1" latinLnBrk="0" hangingPunct="1">
+                        <a:defRPr kumimoji="1" sz="1800" kern="1200">
+                          <a:solidFill>
+                            <a:schemeClr val="dk1"/>
+                          </a:solidFill>
+                          <a:latin typeface="Calibri" panose="020F0502020204030204"/>
+                        </a:defRPr>
+                      </a:lvl3pPr>
+                      <a:lvl4pPr marL="1371600" algn="l" defTabSz="914400" rtl="0" eaLnBrk="1" latinLnBrk="0" hangingPunct="1">
+                        <a:defRPr kumimoji="1" sz="1800" kern="1200">
+                          <a:solidFill>
+                            <a:schemeClr val="dk1"/>
+                          </a:solidFill>
+                          <a:latin typeface="Calibri" panose="020F0502020204030204"/>
+                        </a:defRPr>
+                      </a:lvl4pPr>
+                      <a:lvl5pPr marL="1828800" algn="l" defTabSz="914400" rtl="0" eaLnBrk="1" latinLnBrk="0" hangingPunct="1">
+                        <a:defRPr kumimoji="1" sz="1800" kern="1200">
+                          <a:solidFill>
+                            <a:schemeClr val="dk1"/>
+                          </a:solidFill>
+                          <a:latin typeface="Calibri" panose="020F0502020204030204"/>
+                        </a:defRPr>
+                      </a:lvl5pPr>
+                      <a:lvl6pPr marL="2286000" algn="l" defTabSz="914400" rtl="0" eaLnBrk="1" latinLnBrk="0" hangingPunct="1">
+                        <a:defRPr kumimoji="1" sz="1800" kern="1200">
+                          <a:solidFill>
+                            <a:schemeClr val="dk1"/>
+                          </a:solidFill>
+                          <a:latin typeface="Calibri" panose="020F0502020204030204"/>
+                        </a:defRPr>
+                      </a:lvl6pPr>
+                      <a:lvl7pPr marL="2743200" algn="l" defTabSz="914400" rtl="0" eaLnBrk="1" latinLnBrk="0" hangingPunct="1">
+                        <a:defRPr kumimoji="1" sz="1800" kern="1200">
+                          <a:solidFill>
+                            <a:schemeClr val="dk1"/>
+                          </a:solidFill>
+                          <a:latin typeface="Calibri" panose="020F0502020204030204"/>
+                        </a:defRPr>
+                      </a:lvl7pPr>
+                      <a:lvl8pPr marL="3200400" algn="l" defTabSz="914400" rtl="0" eaLnBrk="1" latinLnBrk="0" hangingPunct="1">
+                        <a:defRPr kumimoji="1" sz="1800" kern="1200">
+                          <a:solidFill>
+                            <a:schemeClr val="dk1"/>
+                          </a:solidFill>
+                          <a:latin typeface="Calibri" panose="020F0502020204030204"/>
+                        </a:defRPr>
+                      </a:lvl8pPr>
+                      <a:lvl9pPr marL="3657600" algn="l" defTabSz="914400" rtl="0" eaLnBrk="1" latinLnBrk="0" hangingPunct="1">
+                        <a:defRPr kumimoji="1" sz="1800" kern="1200">
+                          <a:solidFill>
+                            <a:schemeClr val="dk1"/>
+                          </a:solidFill>
+                          <a:latin typeface="Calibri" panose="020F0502020204030204"/>
+                        </a:defRPr>
+                      </a:lvl9pPr>
+                    </a:lstStyle>
+                    <a:p>
+                      <a:pPr algn="ctr"/>
+                      <a:r>
+                        <a:rPr kumimoji="1" lang="en-US" altLang="ja-JP" sz="1600" dirty="0" smtClean="0"/>
+                        <a:t>CCC</a:t>
+                      </a:r>
+                      <a:endParaRPr kumimoji="1" lang="ja-JP" altLang="en-US" sz="1600" dirty="0"/>
+                    </a:p>
+                  </a:txBody>
+                  <a:tcPr marL="62656" marR="62656" marT="31328" marB="31328">
+                    <a:lnL w="12700" cap="flat" cmpd="sng" algn="ctr">
+                      <a:solidFill>
+                        <a:srgbClr val="002060"/>
+                      </a:solidFill>
+                      <a:prstDash val="solid"/>
+                      <a:round/>
+                      <a:headEnd type="none" w="med" len="med"/>
+                      <a:tailEnd type="none" w="med" len="med"/>
+                    </a:lnL>
+                    <a:lnR w="12700" cap="flat" cmpd="sng" algn="ctr">
+                      <a:solidFill>
+                        <a:srgbClr val="002060"/>
+                      </a:solidFill>
+                      <a:prstDash val="solid"/>
+                      <a:round/>
+                      <a:headEnd type="none" w="med" len="med"/>
+                      <a:tailEnd type="none" w="med" len="med"/>
+                    </a:lnR>
+                    <a:lnT w="12700" cap="flat" cmpd="sng" algn="ctr">
+                      <a:solidFill>
+                        <a:srgbClr val="002060"/>
+                      </a:solidFill>
+                      <a:prstDash val="solid"/>
+                      <a:round/>
+                      <a:headEnd type="none" w="med" len="med"/>
+                      <a:tailEnd type="none" w="med" len="med"/>
+                    </a:lnT>
+                    <a:lnB w="12700" cap="flat" cmpd="sng" algn="ctr">
+                      <a:solidFill>
+                        <a:srgbClr val="002060"/>
+                      </a:solidFill>
+                      <a:prstDash val="solid"/>
+                      <a:round/>
+                      <a:headEnd type="none" w="med" len="med"/>
+                      <a:tailEnd type="none" w="med" len="med"/>
+                    </a:lnB>
+                    <a:lnTlToBr w="12700" cmpd="sng">
+                      <a:noFill/>
+                      <a:prstDash val="solid"/>
+                    </a:lnTlToBr>
+                    <a:lnBlToTr w="12700" cmpd="sng">
+                      <a:noFill/>
+                      <a:prstDash val="solid"/>
+                    </a:lnBlToTr>
+                    <a:solidFill>
+                      <a:sysClr val="window" lastClr="FFFFFF"/>
+                    </a:solidFill>
+                  </a:tcPr>
+                </a:tc>
+                <a:extLst>
+                  <a:ext uri="{0D108BD9-81ED-4DB2-BD59-A6C34878D82A}">
+                    <a16:rowId xmlns:a16="http://schemas.microsoft.com/office/drawing/2014/main" val="2059330187"/>
+                  </a:ext>
+                </a:extLst>
+              </a:tr>
+            </a:tbl>
+          </a:graphicData>
+        </a:graphic>
+      </p:graphicFrame>
+      <p:graphicFrame>
+        <p:nvGraphicFramePr>
+          <p:cNvPr id="109" name="表 108"/>
+          <p:cNvGraphicFramePr>
+            <a:graphicFrameLocks noGrp="1"/>
+          </p:cNvGraphicFramePr>
+          <p:nvPr>
+            <p:extLst>
+              <p:ext uri="{D42A27DB-BD31-4B8C-83A1-F6EECF244321}">
+                <p14:modId xmlns:p14="http://schemas.microsoft.com/office/powerpoint/2010/main" val="1591911561"/>
+              </p:ext>
+            </p:extLst>
+          </p:nvPr>
+        </p:nvGraphicFramePr>
+        <p:xfrm>
+          <a:off x="5055963" y="3660784"/>
+          <a:ext cx="2119011" cy="919488"/>
+        </p:xfrm>
+        <a:graphic>
+          <a:graphicData uri="http://schemas.openxmlformats.org/drawingml/2006/table">
+            <a:tbl>
+              <a:tblPr firstRow="1" bandRow="1"/>
+              <a:tblGrid>
+                <a:gridCol w="706337">
+                  <a:extLst>
+                    <a:ext uri="{9D8B030D-6E8A-4147-A177-3AD203B41FA5}">
+                      <a16:colId xmlns:a16="http://schemas.microsoft.com/office/drawing/2014/main" val="1336170667"/>
+                    </a:ext>
+                  </a:extLst>
+                </a:gridCol>
+                <a:gridCol w="706337">
+                  <a:extLst>
+                    <a:ext uri="{9D8B030D-6E8A-4147-A177-3AD203B41FA5}">
+                      <a16:colId xmlns:a16="http://schemas.microsoft.com/office/drawing/2014/main" val="2403226912"/>
+                    </a:ext>
+                  </a:extLst>
+                </a:gridCol>
+                <a:gridCol w="706337">
+                  <a:extLst>
+                    <a:ext uri="{9D8B030D-6E8A-4147-A177-3AD203B41FA5}">
+                      <a16:colId xmlns:a16="http://schemas.microsoft.com/office/drawing/2014/main" val="182218515"/>
+                    </a:ext>
+                  </a:extLst>
+                </a:gridCol>
+              </a:tblGrid>
+              <a:tr h="187967">
+                <a:tc gridSpan="3">
+                  <a:txBody>
+                    <a:bodyPr/>
+                    <a:lstStyle>
+                      <a:lvl1pPr marL="0" algn="l" defTabSz="914400" rtl="0" eaLnBrk="1" latinLnBrk="0" hangingPunct="1">
+                        <a:defRPr kumimoji="1" sz="1800" b="1" kern="1200">
+                          <a:solidFill>
+                            <a:schemeClr val="lt1"/>
+                          </a:solidFill>
+                          <a:latin typeface="Calibri" panose="020F0502020204030204"/>
+                        </a:defRPr>
+                      </a:lvl1pPr>
+                      <a:lvl2pPr marL="457200" algn="l" defTabSz="914400" rtl="0" eaLnBrk="1" latinLnBrk="0" hangingPunct="1">
+                        <a:defRPr kumimoji="1" sz="1800" b="1" kern="1200">
+                          <a:solidFill>
+                            <a:schemeClr val="lt1"/>
+                          </a:solidFill>
+                          <a:latin typeface="Calibri" panose="020F0502020204030204"/>
+                        </a:defRPr>
+                      </a:lvl2pPr>
+                      <a:lvl3pPr marL="914400" algn="l" defTabSz="914400" rtl="0" eaLnBrk="1" latinLnBrk="0" hangingPunct="1">
+                        <a:defRPr kumimoji="1" sz="1800" b="1" kern="1200">
+                          <a:solidFill>
+                            <a:schemeClr val="lt1"/>
+                          </a:solidFill>
+                          <a:latin typeface="Calibri" panose="020F0502020204030204"/>
+                        </a:defRPr>
+                      </a:lvl3pPr>
+                      <a:lvl4pPr marL="1371600" algn="l" defTabSz="914400" rtl="0" eaLnBrk="1" latinLnBrk="0" hangingPunct="1">
+                        <a:defRPr kumimoji="1" sz="1800" b="1" kern="1200">
+                          <a:solidFill>
+                            <a:schemeClr val="lt1"/>
+                          </a:solidFill>
+                          <a:latin typeface="Calibri" panose="020F0502020204030204"/>
+                        </a:defRPr>
+                      </a:lvl4pPr>
+                      <a:lvl5pPr marL="1828800" algn="l" defTabSz="914400" rtl="0" eaLnBrk="1" latinLnBrk="0" hangingPunct="1">
+                        <a:defRPr kumimoji="1" sz="1800" b="1" kern="1200">
+                          <a:solidFill>
+                            <a:schemeClr val="lt1"/>
+                          </a:solidFill>
+                          <a:latin typeface="Calibri" panose="020F0502020204030204"/>
+                        </a:defRPr>
+                      </a:lvl5pPr>
+                      <a:lvl6pPr marL="2286000" algn="l" defTabSz="914400" rtl="0" eaLnBrk="1" latinLnBrk="0" hangingPunct="1">
+                        <a:defRPr kumimoji="1" sz="1800" b="1" kern="1200">
+                          <a:solidFill>
+                            <a:schemeClr val="lt1"/>
+                          </a:solidFill>
+                          <a:latin typeface="Calibri" panose="020F0502020204030204"/>
+                        </a:defRPr>
+                      </a:lvl6pPr>
+                      <a:lvl7pPr marL="2743200" algn="l" defTabSz="914400" rtl="0" eaLnBrk="1" latinLnBrk="0" hangingPunct="1">
+                        <a:defRPr kumimoji="1" sz="1800" b="1" kern="1200">
+                          <a:solidFill>
+                            <a:schemeClr val="lt1"/>
+                          </a:solidFill>
+                          <a:latin typeface="Calibri" panose="020F0502020204030204"/>
+                        </a:defRPr>
+                      </a:lvl7pPr>
+                      <a:lvl8pPr marL="3200400" algn="l" defTabSz="914400" rtl="0" eaLnBrk="1" latinLnBrk="0" hangingPunct="1">
+                        <a:defRPr kumimoji="1" sz="1800" b="1" kern="1200">
+                          <a:solidFill>
+                            <a:schemeClr val="lt1"/>
+                          </a:solidFill>
+                          <a:latin typeface="Calibri" panose="020F0502020204030204"/>
+                        </a:defRPr>
+                      </a:lvl8pPr>
+                      <a:lvl9pPr marL="3657600" algn="l" defTabSz="914400" rtl="0" eaLnBrk="1" latinLnBrk="0" hangingPunct="1">
+                        <a:defRPr kumimoji="1" sz="1800" b="1" kern="1200">
+                          <a:solidFill>
+                            <a:schemeClr val="lt1"/>
+                          </a:solidFill>
+                          <a:latin typeface="Calibri" panose="020F0502020204030204"/>
+                        </a:defRPr>
+                      </a:lvl9pPr>
+                    </a:lstStyle>
+                    <a:p>
+                      <a:pPr algn="ctr"/>
+                      <a:r>
+                        <a:rPr kumimoji="1" lang="en-US" altLang="ja-JP" sz="1600" b="1" dirty="0" err="1" smtClean="0">
+                          <a:solidFill>
+                            <a:schemeClr val="bg1"/>
+                          </a:solidFill>
+                          <a:latin typeface="游ゴシック" panose="020B0400000000000000" pitchFamily="50" charset="-128"/>
+                          <a:ea typeface="游ゴシック" panose="020B0400000000000000" pitchFamily="50" charset="-128"/>
+                        </a:rPr>
+                        <a:t>Parametersheet</a:t>
+                      </a:r>
+                      <a:r>
+                        <a:rPr kumimoji="1" lang="en-US" altLang="ja-JP" sz="1600" b="1" dirty="0" smtClean="0">
+                          <a:solidFill>
+                            <a:schemeClr val="bg1"/>
+                          </a:solidFill>
+                          <a:latin typeface="游ゴシック" panose="020B0400000000000000" pitchFamily="50" charset="-128"/>
+                          <a:ea typeface="游ゴシック" panose="020B0400000000000000" pitchFamily="50" charset="-128"/>
+                        </a:rPr>
+                        <a:t> B</a:t>
+                      </a:r>
+                      <a:endParaRPr kumimoji="1" lang="ja-JP" altLang="en-US" sz="1600" b="1" dirty="0">
+                        <a:solidFill>
+                          <a:schemeClr val="bg1"/>
+                        </a:solidFill>
+                        <a:latin typeface="游ゴシック" panose="020B0400000000000000" pitchFamily="50" charset="-128"/>
+                        <a:ea typeface="游ゴシック" panose="020B0400000000000000" pitchFamily="50" charset="-128"/>
+                      </a:endParaRPr>
+                    </a:p>
+                  </a:txBody>
+                  <a:tcPr marL="62656" marR="62656" marT="31328" marB="31328" anchor="ctr">
+                    <a:lnL w="12700" cap="flat" cmpd="sng" algn="ctr">
+                      <a:solidFill>
+                        <a:srgbClr val="002060"/>
+                      </a:solidFill>
+                      <a:prstDash val="solid"/>
+                      <a:round/>
+                      <a:headEnd type="none" w="med" len="med"/>
+                      <a:tailEnd type="none" w="med" len="med"/>
+                    </a:lnL>
+                    <a:lnR w="12700" cap="flat" cmpd="sng" algn="ctr">
+                      <a:solidFill>
+                        <a:srgbClr val="002060"/>
+                      </a:solidFill>
+                      <a:prstDash val="solid"/>
+                      <a:round/>
+                      <a:headEnd type="none" w="med" len="med"/>
+                      <a:tailEnd type="none" w="med" len="med"/>
+                    </a:lnR>
+                    <a:lnT w="12700" cap="flat" cmpd="sng" algn="ctr">
+                      <a:solidFill>
+                        <a:srgbClr val="002060"/>
+                      </a:solidFill>
+                      <a:prstDash val="solid"/>
+                      <a:round/>
+                      <a:headEnd type="none" w="med" len="med"/>
+                      <a:tailEnd type="none" w="med" len="med"/>
+                    </a:lnT>
+                    <a:lnB w="12700" cap="flat" cmpd="sng" algn="ctr">
+                      <a:solidFill>
+                        <a:sysClr val="window" lastClr="FFFFFF"/>
+                      </a:solidFill>
+                      <a:prstDash val="solid"/>
+                      <a:round/>
+                      <a:headEnd type="none" w="med" len="med"/>
+                      <a:tailEnd type="none" w="med" len="med"/>
+                    </a:lnB>
+                    <a:lnTlToBr w="12700" cmpd="sng">
+                      <a:noFill/>
+                      <a:prstDash val="solid"/>
+                    </a:lnTlToBr>
+                    <a:lnBlToTr w="12700" cmpd="sng">
+                      <a:noFill/>
+                      <a:prstDash val="solid"/>
+                    </a:lnBlToTr>
+                    <a:solidFill>
+                      <a:schemeClr val="accent4"/>
+                    </a:solidFill>
+                  </a:tcPr>
+                </a:tc>
+                <a:tc hMerge="1">
+                  <a:txBody>
+                    <a:bodyPr/>
+                    <a:lstStyle/>
+                    <a:p>
+                      <a:endParaRPr kumimoji="1" lang="ja-JP" altLang="en-US"/>
+                    </a:p>
+                  </a:txBody>
+                  <a:tcPr/>
+                </a:tc>
+                <a:tc hMerge="1">
+                  <a:txBody>
+                    <a:bodyPr/>
+                    <a:lstStyle/>
+                    <a:p>
+                      <a:endParaRPr kumimoji="1" lang="ja-JP" altLang="en-US"/>
+                    </a:p>
+                  </a:txBody>
+                  <a:tcPr/>
+                </a:tc>
+                <a:extLst>
+                  <a:ext uri="{0D108BD9-81ED-4DB2-BD59-A6C34878D82A}">
+                    <a16:rowId xmlns:a16="http://schemas.microsoft.com/office/drawing/2014/main" val="1061808490"/>
+                  </a:ext>
+                </a:extLst>
+              </a:tr>
+              <a:tr h="146197">
+                <a:tc>
+                  <a:txBody>
+                    <a:bodyPr/>
+                    <a:lstStyle>
+                      <a:lvl1pPr marL="0" algn="l" defTabSz="914400" rtl="0" eaLnBrk="1" latinLnBrk="0" hangingPunct="1">
+                        <a:defRPr kumimoji="1" sz="1800" kern="1200">
+                          <a:solidFill>
+                            <a:schemeClr val="dk1"/>
+                          </a:solidFill>
+                          <a:latin typeface="Calibri" panose="020F0502020204030204"/>
+                        </a:defRPr>
+                      </a:lvl1pPr>
+                      <a:lvl2pPr marL="457200" algn="l" defTabSz="914400" rtl="0" eaLnBrk="1" latinLnBrk="0" hangingPunct="1">
+                        <a:defRPr kumimoji="1" sz="1800" kern="1200">
+                          <a:solidFill>
+                            <a:schemeClr val="dk1"/>
+                          </a:solidFill>
+                          <a:latin typeface="Calibri" panose="020F0502020204030204"/>
+                        </a:defRPr>
+                      </a:lvl2pPr>
+                      <a:lvl3pPr marL="914400" algn="l" defTabSz="914400" rtl="0" eaLnBrk="1" latinLnBrk="0" hangingPunct="1">
+                        <a:defRPr kumimoji="1" sz="1800" kern="1200">
+                          <a:solidFill>
+                            <a:schemeClr val="dk1"/>
+                          </a:solidFill>
+                          <a:latin typeface="Calibri" panose="020F0502020204030204"/>
+                        </a:defRPr>
+                      </a:lvl3pPr>
+                      <a:lvl4pPr marL="1371600" algn="l" defTabSz="914400" rtl="0" eaLnBrk="1" latinLnBrk="0" hangingPunct="1">
+                        <a:defRPr kumimoji="1" sz="1800" kern="1200">
+                          <a:solidFill>
+                            <a:schemeClr val="dk1"/>
+                          </a:solidFill>
+                          <a:latin typeface="Calibri" panose="020F0502020204030204"/>
+                        </a:defRPr>
+                      </a:lvl4pPr>
+                      <a:lvl5pPr marL="1828800" algn="l" defTabSz="914400" rtl="0" eaLnBrk="1" latinLnBrk="0" hangingPunct="1">
+                        <a:defRPr kumimoji="1" sz="1800" kern="1200">
+                          <a:solidFill>
+                            <a:schemeClr val="dk1"/>
+                          </a:solidFill>
+                          <a:latin typeface="Calibri" panose="020F0502020204030204"/>
+                        </a:defRPr>
+                      </a:lvl5pPr>
+                      <a:lvl6pPr marL="2286000" algn="l" defTabSz="914400" rtl="0" eaLnBrk="1" latinLnBrk="0" hangingPunct="1">
+                        <a:defRPr kumimoji="1" sz="1800" kern="1200">
+                          <a:solidFill>
+                            <a:schemeClr val="dk1"/>
+                          </a:solidFill>
+                          <a:latin typeface="Calibri" panose="020F0502020204030204"/>
+                        </a:defRPr>
+                      </a:lvl6pPr>
+                      <a:lvl7pPr marL="2743200" algn="l" defTabSz="914400" rtl="0" eaLnBrk="1" latinLnBrk="0" hangingPunct="1">
+                        <a:defRPr kumimoji="1" sz="1800" kern="1200">
+                          <a:solidFill>
+                            <a:schemeClr val="dk1"/>
+                          </a:solidFill>
+                          <a:latin typeface="Calibri" panose="020F0502020204030204"/>
+                        </a:defRPr>
+                      </a:lvl7pPr>
+                      <a:lvl8pPr marL="3200400" algn="l" defTabSz="914400" rtl="0" eaLnBrk="1" latinLnBrk="0" hangingPunct="1">
+                        <a:defRPr kumimoji="1" sz="1800" kern="1200">
+                          <a:solidFill>
+                            <a:schemeClr val="dk1"/>
+                          </a:solidFill>
+                          <a:latin typeface="Calibri" panose="020F0502020204030204"/>
+                        </a:defRPr>
+                      </a:lvl8pPr>
+                      <a:lvl9pPr marL="3657600" algn="l" defTabSz="914400" rtl="0" eaLnBrk="1" latinLnBrk="0" hangingPunct="1">
+                        <a:defRPr kumimoji="1" sz="1800" kern="1200">
+                          <a:solidFill>
+                            <a:schemeClr val="dk1"/>
+                          </a:solidFill>
+                          <a:latin typeface="Calibri" panose="020F0502020204030204"/>
+                        </a:defRPr>
+                      </a:lvl9pPr>
+                    </a:lstStyle>
+                    <a:p>
+                      <a:pPr algn="ctr"/>
+                      <a:r>
+                        <a:rPr kumimoji="1" lang="en-US" altLang="ja-JP" sz="1600" b="1" dirty="0" smtClean="0">
+                          <a:solidFill>
+                            <a:schemeClr val="bg1"/>
+                          </a:solidFill>
+                          <a:latin typeface="游ゴシック" panose="020B0400000000000000" pitchFamily="50" charset="-128"/>
+                          <a:ea typeface="游ゴシック" panose="020B0400000000000000" pitchFamily="50" charset="-128"/>
+                        </a:rPr>
+                        <a:t>Item1</a:t>
+                      </a:r>
+                      <a:endParaRPr kumimoji="1" lang="ja-JP" altLang="en-US" sz="1600" b="1" dirty="0">
+                        <a:solidFill>
+                          <a:schemeClr val="bg1"/>
+                        </a:solidFill>
+                        <a:latin typeface="游ゴシック" panose="020B0400000000000000" pitchFamily="50" charset="-128"/>
+                        <a:ea typeface="游ゴシック" panose="020B0400000000000000" pitchFamily="50" charset="-128"/>
+                      </a:endParaRPr>
+                    </a:p>
+                  </a:txBody>
+                  <a:tcPr marL="62656" marR="62656" marT="31328" marB="31328" anchor="ctr">
+                    <a:lnL w="12700" cap="flat" cmpd="sng" algn="ctr">
+                      <a:solidFill>
+                        <a:sysClr val="window" lastClr="FFFFFF"/>
+                      </a:solidFill>
+                      <a:prstDash val="solid"/>
+                      <a:round/>
+                      <a:headEnd type="none" w="med" len="med"/>
+                      <a:tailEnd type="none" w="med" len="med"/>
+                    </a:lnL>
+                    <a:lnR w="12700" cap="flat" cmpd="sng" algn="ctr">
+                      <a:solidFill>
+                        <a:sysClr val="window" lastClr="FFFFFF"/>
+                      </a:solidFill>
+                      <a:prstDash val="solid"/>
+                      <a:round/>
+                      <a:headEnd type="none" w="med" len="med"/>
+                      <a:tailEnd type="none" w="med" len="med"/>
+                    </a:lnR>
+                    <a:lnT w="12700" cap="flat" cmpd="sng" algn="ctr">
+                      <a:solidFill>
+                        <a:sysClr val="window" lastClr="FFFFFF"/>
+                      </a:solidFill>
+                      <a:prstDash val="solid"/>
+                      <a:round/>
+                      <a:headEnd type="none" w="med" len="med"/>
+                      <a:tailEnd type="none" w="med" len="med"/>
+                    </a:lnT>
+                    <a:lnB w="12700" cap="flat" cmpd="sng" algn="ctr">
+                      <a:solidFill>
+                        <a:srgbClr val="002060"/>
+                      </a:solidFill>
+                      <a:prstDash val="solid"/>
+                      <a:round/>
+                      <a:headEnd type="none" w="med" len="med"/>
+                      <a:tailEnd type="none" w="med" len="med"/>
+                    </a:lnB>
+                    <a:lnTlToBr w="12700" cmpd="sng">
+                      <a:noFill/>
+                      <a:prstDash val="solid"/>
+                    </a:lnTlToBr>
+                    <a:lnBlToTr w="12700" cmpd="sng">
+                      <a:noFill/>
+                      <a:prstDash val="solid"/>
+                    </a:lnBlToTr>
+                    <a:solidFill>
+                      <a:schemeClr val="accent4">
+                        <a:lumMod val="60000"/>
+                        <a:lumOff val="40000"/>
+                      </a:schemeClr>
+                    </a:solidFill>
+                  </a:tcPr>
+                </a:tc>
+                <a:tc>
+                  <a:txBody>
+                    <a:bodyPr/>
+                    <a:lstStyle>
+                      <a:lvl1pPr marL="0" algn="l" defTabSz="914400" rtl="0" eaLnBrk="1" latinLnBrk="0" hangingPunct="1">
+                        <a:defRPr kumimoji="1" sz="1800" kern="1200">
+                          <a:solidFill>
+                            <a:schemeClr val="dk1"/>
+                          </a:solidFill>
+                          <a:latin typeface="Calibri" panose="020F0502020204030204"/>
+                        </a:defRPr>
+                      </a:lvl1pPr>
+                      <a:lvl2pPr marL="457200" algn="l" defTabSz="914400" rtl="0" eaLnBrk="1" latinLnBrk="0" hangingPunct="1">
+                        <a:defRPr kumimoji="1" sz="1800" kern="1200">
+                          <a:solidFill>
+                            <a:schemeClr val="dk1"/>
+                          </a:solidFill>
+                          <a:latin typeface="Calibri" panose="020F0502020204030204"/>
+                        </a:defRPr>
+                      </a:lvl2pPr>
+                      <a:lvl3pPr marL="914400" algn="l" defTabSz="914400" rtl="0" eaLnBrk="1" latinLnBrk="0" hangingPunct="1">
+                        <a:defRPr kumimoji="1" sz="1800" kern="1200">
+                          <a:solidFill>
+                            <a:schemeClr val="dk1"/>
+                          </a:solidFill>
+                          <a:latin typeface="Calibri" panose="020F0502020204030204"/>
+                        </a:defRPr>
+                      </a:lvl3pPr>
+                      <a:lvl4pPr marL="1371600" algn="l" defTabSz="914400" rtl="0" eaLnBrk="1" latinLnBrk="0" hangingPunct="1">
+                        <a:defRPr kumimoji="1" sz="1800" kern="1200">
+                          <a:solidFill>
+                            <a:schemeClr val="dk1"/>
+                          </a:solidFill>
+                          <a:latin typeface="Calibri" panose="020F0502020204030204"/>
+                        </a:defRPr>
+                      </a:lvl4pPr>
+                      <a:lvl5pPr marL="1828800" algn="l" defTabSz="914400" rtl="0" eaLnBrk="1" latinLnBrk="0" hangingPunct="1">
+                        <a:defRPr kumimoji="1" sz="1800" kern="1200">
+                          <a:solidFill>
+                            <a:schemeClr val="dk1"/>
+                          </a:solidFill>
+                          <a:latin typeface="Calibri" panose="020F0502020204030204"/>
+                        </a:defRPr>
+                      </a:lvl5pPr>
+                      <a:lvl6pPr marL="2286000" algn="l" defTabSz="914400" rtl="0" eaLnBrk="1" latinLnBrk="0" hangingPunct="1">
+                        <a:defRPr kumimoji="1" sz="1800" kern="1200">
+                          <a:solidFill>
+                            <a:schemeClr val="dk1"/>
+                          </a:solidFill>
+                          <a:latin typeface="Calibri" panose="020F0502020204030204"/>
+                        </a:defRPr>
+                      </a:lvl6pPr>
+                      <a:lvl7pPr marL="2743200" algn="l" defTabSz="914400" rtl="0" eaLnBrk="1" latinLnBrk="0" hangingPunct="1">
+                        <a:defRPr kumimoji="1" sz="1800" kern="1200">
+                          <a:solidFill>
+                            <a:schemeClr val="dk1"/>
+                          </a:solidFill>
+                          <a:latin typeface="Calibri" panose="020F0502020204030204"/>
+                        </a:defRPr>
+                      </a:lvl7pPr>
+                      <a:lvl8pPr marL="3200400" algn="l" defTabSz="914400" rtl="0" eaLnBrk="1" latinLnBrk="0" hangingPunct="1">
+                        <a:defRPr kumimoji="1" sz="1800" kern="1200">
+                          <a:solidFill>
+                            <a:schemeClr val="dk1"/>
+                          </a:solidFill>
+                          <a:latin typeface="Calibri" panose="020F0502020204030204"/>
+                        </a:defRPr>
+                      </a:lvl8pPr>
+                      <a:lvl9pPr marL="3657600" algn="l" defTabSz="914400" rtl="0" eaLnBrk="1" latinLnBrk="0" hangingPunct="1">
+                        <a:defRPr kumimoji="1" sz="1800" kern="1200">
+                          <a:solidFill>
+                            <a:schemeClr val="dk1"/>
+                          </a:solidFill>
+                          <a:latin typeface="Calibri" panose="020F0502020204030204"/>
+                        </a:defRPr>
+                      </a:lvl9pPr>
+                    </a:lstStyle>
+                    <a:p>
+                      <a:pPr algn="ctr"/>
+                      <a:r>
+                        <a:rPr kumimoji="1" lang="en-US" altLang="ja-JP" sz="1600" b="1" dirty="0" smtClean="0">
+                          <a:solidFill>
+                            <a:schemeClr val="bg1"/>
+                          </a:solidFill>
+                          <a:latin typeface="游ゴシック" panose="020B0400000000000000" pitchFamily="50" charset="-128"/>
+                          <a:ea typeface="游ゴシック" panose="020B0400000000000000" pitchFamily="50" charset="-128"/>
+                        </a:rPr>
+                        <a:t>Item2</a:t>
+                      </a:r>
+                      <a:endParaRPr kumimoji="1" lang="ja-JP" altLang="en-US" sz="1600" b="1" dirty="0">
+                        <a:solidFill>
+                          <a:schemeClr val="bg1"/>
+                        </a:solidFill>
+                        <a:latin typeface="游ゴシック" panose="020B0400000000000000" pitchFamily="50" charset="-128"/>
+                        <a:ea typeface="游ゴシック" panose="020B0400000000000000" pitchFamily="50" charset="-128"/>
+                      </a:endParaRPr>
+                    </a:p>
+                  </a:txBody>
+                  <a:tcPr marL="62656" marR="62656" marT="31328" marB="31328" anchor="ctr">
+                    <a:lnL w="12700" cap="flat" cmpd="sng" algn="ctr">
+                      <a:solidFill>
+                        <a:sysClr val="window" lastClr="FFFFFF"/>
+                      </a:solidFill>
+                      <a:prstDash val="solid"/>
+                      <a:round/>
+                      <a:headEnd type="none" w="med" len="med"/>
+                      <a:tailEnd type="none" w="med" len="med"/>
+                    </a:lnL>
+                    <a:lnR w="12700" cap="flat" cmpd="sng" algn="ctr">
+                      <a:solidFill>
+                        <a:sysClr val="window" lastClr="FFFFFF"/>
+                      </a:solidFill>
+                      <a:prstDash val="solid"/>
+                      <a:round/>
+                      <a:headEnd type="none" w="med" len="med"/>
+                      <a:tailEnd type="none" w="med" len="med"/>
+                    </a:lnR>
+                    <a:lnT w="12700" cap="flat" cmpd="sng" algn="ctr">
+                      <a:solidFill>
+                        <a:sysClr val="window" lastClr="FFFFFF"/>
+                      </a:solidFill>
+                      <a:prstDash val="solid"/>
+                      <a:round/>
+                      <a:headEnd type="none" w="med" len="med"/>
+                      <a:tailEnd type="none" w="med" len="med"/>
+                    </a:lnT>
+                    <a:lnB w="12700" cap="flat" cmpd="sng" algn="ctr">
+                      <a:solidFill>
+                        <a:srgbClr val="002060"/>
+                      </a:solidFill>
+                      <a:prstDash val="solid"/>
+                      <a:round/>
+                      <a:headEnd type="none" w="med" len="med"/>
+                      <a:tailEnd type="none" w="med" len="med"/>
+                    </a:lnB>
+                    <a:lnTlToBr w="12700" cmpd="sng">
+                      <a:noFill/>
+                      <a:prstDash val="solid"/>
+                    </a:lnTlToBr>
+                    <a:lnBlToTr w="12700" cmpd="sng">
+                      <a:noFill/>
+                      <a:prstDash val="solid"/>
+                    </a:lnBlToTr>
+                    <a:solidFill>
+                      <a:schemeClr val="accent4">
+                        <a:lumMod val="60000"/>
+                        <a:lumOff val="40000"/>
+                      </a:schemeClr>
+                    </a:solidFill>
+                  </a:tcPr>
+                </a:tc>
+                <a:tc>
+                  <a:txBody>
+                    <a:bodyPr/>
+                    <a:lstStyle>
+                      <a:lvl1pPr marL="0" algn="l" defTabSz="914400" rtl="0" eaLnBrk="1" latinLnBrk="0" hangingPunct="1">
+                        <a:defRPr kumimoji="1" sz="1800" kern="1200">
+                          <a:solidFill>
+                            <a:schemeClr val="dk1"/>
+                          </a:solidFill>
+                          <a:latin typeface="Calibri" panose="020F0502020204030204"/>
+                        </a:defRPr>
+                      </a:lvl1pPr>
+                      <a:lvl2pPr marL="457200" algn="l" defTabSz="914400" rtl="0" eaLnBrk="1" latinLnBrk="0" hangingPunct="1">
+                        <a:defRPr kumimoji="1" sz="1800" kern="1200">
+                          <a:solidFill>
+                            <a:schemeClr val="dk1"/>
+                          </a:solidFill>
+                          <a:latin typeface="Calibri" panose="020F0502020204030204"/>
+                        </a:defRPr>
+                      </a:lvl2pPr>
+                      <a:lvl3pPr marL="914400" algn="l" defTabSz="914400" rtl="0" eaLnBrk="1" latinLnBrk="0" hangingPunct="1">
+                        <a:defRPr kumimoji="1" sz="1800" kern="1200">
+                          <a:solidFill>
+                            <a:schemeClr val="dk1"/>
+                          </a:solidFill>
+                          <a:latin typeface="Calibri" panose="020F0502020204030204"/>
+                        </a:defRPr>
+                      </a:lvl3pPr>
+                      <a:lvl4pPr marL="1371600" algn="l" defTabSz="914400" rtl="0" eaLnBrk="1" latinLnBrk="0" hangingPunct="1">
+                        <a:defRPr kumimoji="1" sz="1800" kern="1200">
+                          <a:solidFill>
+                            <a:schemeClr val="dk1"/>
+                          </a:solidFill>
+                          <a:latin typeface="Calibri" panose="020F0502020204030204"/>
+                        </a:defRPr>
+                      </a:lvl4pPr>
+                      <a:lvl5pPr marL="1828800" algn="l" defTabSz="914400" rtl="0" eaLnBrk="1" latinLnBrk="0" hangingPunct="1">
+                        <a:defRPr kumimoji="1" sz="1800" kern="1200">
+                          <a:solidFill>
+                            <a:schemeClr val="dk1"/>
+                          </a:solidFill>
+                          <a:latin typeface="Calibri" panose="020F0502020204030204"/>
+                        </a:defRPr>
+                      </a:lvl5pPr>
+                      <a:lvl6pPr marL="2286000" algn="l" defTabSz="914400" rtl="0" eaLnBrk="1" latinLnBrk="0" hangingPunct="1">
+                        <a:defRPr kumimoji="1" sz="1800" kern="1200">
+                          <a:solidFill>
+                            <a:schemeClr val="dk1"/>
+                          </a:solidFill>
+                          <a:latin typeface="Calibri" panose="020F0502020204030204"/>
+                        </a:defRPr>
+                      </a:lvl6pPr>
+                      <a:lvl7pPr marL="2743200" algn="l" defTabSz="914400" rtl="0" eaLnBrk="1" latinLnBrk="0" hangingPunct="1">
+                        <a:defRPr kumimoji="1" sz="1800" kern="1200">
+                          <a:solidFill>
+                            <a:schemeClr val="dk1"/>
+                          </a:solidFill>
+                          <a:latin typeface="Calibri" panose="020F0502020204030204"/>
+                        </a:defRPr>
+                      </a:lvl7pPr>
+                      <a:lvl8pPr marL="3200400" algn="l" defTabSz="914400" rtl="0" eaLnBrk="1" latinLnBrk="0" hangingPunct="1">
+                        <a:defRPr kumimoji="1" sz="1800" kern="1200">
+                          <a:solidFill>
+                            <a:schemeClr val="dk1"/>
+                          </a:solidFill>
+                          <a:latin typeface="Calibri" panose="020F0502020204030204"/>
+                        </a:defRPr>
+                      </a:lvl8pPr>
+                      <a:lvl9pPr marL="3657600" algn="l" defTabSz="914400" rtl="0" eaLnBrk="1" latinLnBrk="0" hangingPunct="1">
+                        <a:defRPr kumimoji="1" sz="1800" kern="1200">
+                          <a:solidFill>
+                            <a:schemeClr val="dk1"/>
+                          </a:solidFill>
+                          <a:latin typeface="Calibri" panose="020F0502020204030204"/>
+                        </a:defRPr>
+                      </a:lvl9pPr>
+                    </a:lstStyle>
+                    <a:p>
+                      <a:pPr algn="ctr"/>
+                      <a:r>
+                        <a:rPr kumimoji="1" lang="en-US" altLang="ja-JP" sz="1600" b="1" dirty="0" smtClean="0">
+                          <a:solidFill>
+                            <a:schemeClr val="bg1"/>
+                          </a:solidFill>
+                          <a:latin typeface="游ゴシック" panose="020B0400000000000000" pitchFamily="50" charset="-128"/>
+                          <a:ea typeface="游ゴシック" panose="020B0400000000000000" pitchFamily="50" charset="-128"/>
+                        </a:rPr>
+                        <a:t>Item3</a:t>
+                      </a:r>
+                      <a:endParaRPr kumimoji="1" lang="ja-JP" altLang="en-US" sz="1600" b="1" dirty="0">
+                        <a:solidFill>
+                          <a:schemeClr val="bg1"/>
+                        </a:solidFill>
+                        <a:latin typeface="游ゴシック" panose="020B0400000000000000" pitchFamily="50" charset="-128"/>
+                        <a:ea typeface="游ゴシック" panose="020B0400000000000000" pitchFamily="50" charset="-128"/>
+                      </a:endParaRPr>
+                    </a:p>
+                  </a:txBody>
+                  <a:tcPr marL="62656" marR="62656" marT="31328" marB="31328" anchor="ctr">
+                    <a:lnL w="12700" cap="flat" cmpd="sng" algn="ctr">
+                      <a:solidFill>
+                        <a:sysClr val="window" lastClr="FFFFFF"/>
+                      </a:solidFill>
+                      <a:prstDash val="solid"/>
+                      <a:round/>
+                      <a:headEnd type="none" w="med" len="med"/>
+                      <a:tailEnd type="none" w="med" len="med"/>
+                    </a:lnL>
+                    <a:lnR w="12700" cap="flat" cmpd="sng" algn="ctr">
+                      <a:solidFill>
+                        <a:sysClr val="window" lastClr="FFFFFF"/>
+                      </a:solidFill>
+                      <a:prstDash val="solid"/>
+                      <a:round/>
+                      <a:headEnd type="none" w="med" len="med"/>
+                      <a:tailEnd type="none" w="med" len="med"/>
+                    </a:lnR>
+                    <a:lnT w="12700" cap="flat" cmpd="sng" algn="ctr">
+                      <a:solidFill>
+                        <a:sysClr val="window" lastClr="FFFFFF"/>
+                      </a:solidFill>
+                      <a:prstDash val="solid"/>
+                      <a:round/>
+                      <a:headEnd type="none" w="med" len="med"/>
+                      <a:tailEnd type="none" w="med" len="med"/>
+                    </a:lnT>
+                    <a:lnB w="12700" cap="flat" cmpd="sng" algn="ctr">
+                      <a:solidFill>
+                        <a:srgbClr val="002060"/>
+                      </a:solidFill>
+                      <a:prstDash val="solid"/>
+                      <a:round/>
+                      <a:headEnd type="none" w="med" len="med"/>
+                      <a:tailEnd type="none" w="med" len="med"/>
+                    </a:lnB>
+                    <a:lnTlToBr w="12700" cmpd="sng">
+                      <a:noFill/>
+                      <a:prstDash val="solid"/>
+                    </a:lnTlToBr>
+                    <a:lnBlToTr w="12700" cmpd="sng">
+                      <a:noFill/>
+                      <a:prstDash val="solid"/>
+                    </a:lnBlToTr>
+                    <a:solidFill>
+                      <a:schemeClr val="accent4">
+                        <a:lumMod val="60000"/>
+                        <a:lumOff val="40000"/>
+                      </a:schemeClr>
+                    </a:solidFill>
+                  </a:tcPr>
+                </a:tc>
+                <a:extLst>
+                  <a:ext uri="{0D108BD9-81ED-4DB2-BD59-A6C34878D82A}">
+                    <a16:rowId xmlns:a16="http://schemas.microsoft.com/office/drawing/2014/main" val="704012225"/>
+                  </a:ext>
+                </a:extLst>
+              </a:tr>
+              <a:tr h="146197">
+                <a:tc>
+                  <a:txBody>
+                    <a:bodyPr/>
+                    <a:lstStyle>
+                      <a:lvl1pPr marL="0" algn="l" defTabSz="914400" rtl="0" eaLnBrk="1" latinLnBrk="0" hangingPunct="1">
+                        <a:defRPr kumimoji="1" sz="1800" kern="1200">
+                          <a:solidFill>
+                            <a:schemeClr val="dk1"/>
+                          </a:solidFill>
+                          <a:latin typeface="Calibri" panose="020F0502020204030204"/>
+                        </a:defRPr>
+                      </a:lvl1pPr>
+                      <a:lvl2pPr marL="457200" algn="l" defTabSz="914400" rtl="0" eaLnBrk="1" latinLnBrk="0" hangingPunct="1">
+                        <a:defRPr kumimoji="1" sz="1800" kern="1200">
+                          <a:solidFill>
+                            <a:schemeClr val="dk1"/>
+                          </a:solidFill>
+                          <a:latin typeface="Calibri" panose="020F0502020204030204"/>
+                        </a:defRPr>
+                      </a:lvl2pPr>
+                      <a:lvl3pPr marL="914400" algn="l" defTabSz="914400" rtl="0" eaLnBrk="1" latinLnBrk="0" hangingPunct="1">
+                        <a:defRPr kumimoji="1" sz="1800" kern="1200">
+                          <a:solidFill>
+                            <a:schemeClr val="dk1"/>
+                          </a:solidFill>
+                          <a:latin typeface="Calibri" panose="020F0502020204030204"/>
+                        </a:defRPr>
+                      </a:lvl3pPr>
+                      <a:lvl4pPr marL="1371600" algn="l" defTabSz="914400" rtl="0" eaLnBrk="1" latinLnBrk="0" hangingPunct="1">
+                        <a:defRPr kumimoji="1" sz="1800" kern="1200">
+                          <a:solidFill>
+                            <a:schemeClr val="dk1"/>
+                          </a:solidFill>
+                          <a:latin typeface="Calibri" panose="020F0502020204030204"/>
+                        </a:defRPr>
+                      </a:lvl4pPr>
+                      <a:lvl5pPr marL="1828800" algn="l" defTabSz="914400" rtl="0" eaLnBrk="1" latinLnBrk="0" hangingPunct="1">
+                        <a:defRPr kumimoji="1" sz="1800" kern="1200">
+                          <a:solidFill>
+                            <a:schemeClr val="dk1"/>
+                          </a:solidFill>
+                          <a:latin typeface="Calibri" panose="020F0502020204030204"/>
+                        </a:defRPr>
+                      </a:lvl5pPr>
+                      <a:lvl6pPr marL="2286000" algn="l" defTabSz="914400" rtl="0" eaLnBrk="1" latinLnBrk="0" hangingPunct="1">
+                        <a:defRPr kumimoji="1" sz="1800" kern="1200">
+                          <a:solidFill>
+                            <a:schemeClr val="dk1"/>
+                          </a:solidFill>
+                          <a:latin typeface="Calibri" panose="020F0502020204030204"/>
+                        </a:defRPr>
+                      </a:lvl6pPr>
+                      <a:lvl7pPr marL="2743200" algn="l" defTabSz="914400" rtl="0" eaLnBrk="1" latinLnBrk="0" hangingPunct="1">
+                        <a:defRPr kumimoji="1" sz="1800" kern="1200">
+                          <a:solidFill>
+                            <a:schemeClr val="dk1"/>
+                          </a:solidFill>
+                          <a:latin typeface="Calibri" panose="020F0502020204030204"/>
+                        </a:defRPr>
+                      </a:lvl7pPr>
+                      <a:lvl8pPr marL="3200400" algn="l" defTabSz="914400" rtl="0" eaLnBrk="1" latinLnBrk="0" hangingPunct="1">
+                        <a:defRPr kumimoji="1" sz="1800" kern="1200">
+                          <a:solidFill>
+                            <a:schemeClr val="dk1"/>
+                          </a:solidFill>
+                          <a:latin typeface="Calibri" panose="020F0502020204030204"/>
+                        </a:defRPr>
+                      </a:lvl8pPr>
+                      <a:lvl9pPr marL="3657600" algn="l" defTabSz="914400" rtl="0" eaLnBrk="1" latinLnBrk="0" hangingPunct="1">
+                        <a:defRPr kumimoji="1" sz="1800" kern="1200">
+                          <a:solidFill>
+                            <a:schemeClr val="dk1"/>
+                          </a:solidFill>
+                          <a:latin typeface="Calibri" panose="020F0502020204030204"/>
+                        </a:defRPr>
+                      </a:lvl9pPr>
+                    </a:lstStyle>
+                    <a:p>
+                      <a:pPr algn="ctr"/>
+                      <a:r>
+                        <a:rPr kumimoji="1" lang="en-US" altLang="ja-JP" sz="1600" dirty="0" smtClean="0"/>
+                        <a:t>AAA</a:t>
+                      </a:r>
+                      <a:endParaRPr kumimoji="1" lang="ja-JP" altLang="en-US" sz="1600" dirty="0"/>
+                    </a:p>
+                  </a:txBody>
+                  <a:tcPr marL="62656" marR="62656" marT="31328" marB="31328">
+                    <a:lnL w="12700" cap="flat" cmpd="sng" algn="ctr">
+                      <a:solidFill>
+                        <a:srgbClr val="002060"/>
+                      </a:solidFill>
+                      <a:prstDash val="solid"/>
+                      <a:round/>
+                      <a:headEnd type="none" w="med" len="med"/>
+                      <a:tailEnd type="none" w="med" len="med"/>
+                    </a:lnL>
+                    <a:lnR w="12700" cap="flat" cmpd="sng" algn="ctr">
+                      <a:solidFill>
+                        <a:srgbClr val="002060"/>
+                      </a:solidFill>
+                      <a:prstDash val="solid"/>
+                      <a:round/>
+                      <a:headEnd type="none" w="med" len="med"/>
+                      <a:tailEnd type="none" w="med" len="med"/>
+                    </a:lnR>
+                    <a:lnT w="12700" cap="flat" cmpd="sng" algn="ctr">
+                      <a:solidFill>
+                        <a:srgbClr val="002060"/>
+                      </a:solidFill>
+                      <a:prstDash val="solid"/>
+                      <a:round/>
+                      <a:headEnd type="none" w="med" len="med"/>
+                      <a:tailEnd type="none" w="med" len="med"/>
+                    </a:lnT>
+                    <a:lnB w="12700" cap="flat" cmpd="sng" algn="ctr">
+                      <a:solidFill>
+                        <a:srgbClr val="002060"/>
+                      </a:solidFill>
+                      <a:prstDash val="solid"/>
+                      <a:round/>
+                      <a:headEnd type="none" w="med" len="med"/>
+                      <a:tailEnd type="none" w="med" len="med"/>
+                    </a:lnB>
+                    <a:lnTlToBr w="12700" cmpd="sng">
+                      <a:noFill/>
+                      <a:prstDash val="solid"/>
+                    </a:lnTlToBr>
+                    <a:lnBlToTr w="12700" cmpd="sng">
+                      <a:noFill/>
+                      <a:prstDash val="solid"/>
+                    </a:lnBlToTr>
+                    <a:solidFill>
+                      <a:sysClr val="window" lastClr="FFFFFF"/>
+                    </a:solidFill>
+                  </a:tcPr>
+                </a:tc>
+                <a:tc>
+                  <a:txBody>
+                    <a:bodyPr/>
+                    <a:lstStyle>
+                      <a:lvl1pPr marL="0" algn="l" defTabSz="914400" rtl="0" eaLnBrk="1" latinLnBrk="0" hangingPunct="1">
+                        <a:defRPr kumimoji="1" sz="1800" kern="1200">
+                          <a:solidFill>
+                            <a:schemeClr val="dk1"/>
+                          </a:solidFill>
+                          <a:latin typeface="Calibri" panose="020F0502020204030204"/>
+                        </a:defRPr>
+                      </a:lvl1pPr>
+                      <a:lvl2pPr marL="457200" algn="l" defTabSz="914400" rtl="0" eaLnBrk="1" latinLnBrk="0" hangingPunct="1">
+                        <a:defRPr kumimoji="1" sz="1800" kern="1200">
+                          <a:solidFill>
+                            <a:schemeClr val="dk1"/>
+                          </a:solidFill>
+                          <a:latin typeface="Calibri" panose="020F0502020204030204"/>
+                        </a:defRPr>
+                      </a:lvl2pPr>
+                      <a:lvl3pPr marL="914400" algn="l" defTabSz="914400" rtl="0" eaLnBrk="1" latinLnBrk="0" hangingPunct="1">
+                        <a:defRPr kumimoji="1" sz="1800" kern="1200">
+                          <a:solidFill>
+                            <a:schemeClr val="dk1"/>
+                          </a:solidFill>
+                          <a:latin typeface="Calibri" panose="020F0502020204030204"/>
+                        </a:defRPr>
+                      </a:lvl3pPr>
+                      <a:lvl4pPr marL="1371600" algn="l" defTabSz="914400" rtl="0" eaLnBrk="1" latinLnBrk="0" hangingPunct="1">
+                        <a:defRPr kumimoji="1" sz="1800" kern="1200">
+                          <a:solidFill>
+                            <a:schemeClr val="dk1"/>
+                          </a:solidFill>
+                          <a:latin typeface="Calibri" panose="020F0502020204030204"/>
+                        </a:defRPr>
+                      </a:lvl4pPr>
+                      <a:lvl5pPr marL="1828800" algn="l" defTabSz="914400" rtl="0" eaLnBrk="1" latinLnBrk="0" hangingPunct="1">
+                        <a:defRPr kumimoji="1" sz="1800" kern="1200">
+                          <a:solidFill>
+                            <a:schemeClr val="dk1"/>
+                          </a:solidFill>
+                          <a:latin typeface="Calibri" panose="020F0502020204030204"/>
+                        </a:defRPr>
+                      </a:lvl5pPr>
+                      <a:lvl6pPr marL="2286000" algn="l" defTabSz="914400" rtl="0" eaLnBrk="1" latinLnBrk="0" hangingPunct="1">
+                        <a:defRPr kumimoji="1" sz="1800" kern="1200">
+                          <a:solidFill>
+                            <a:schemeClr val="dk1"/>
+                          </a:solidFill>
+                          <a:latin typeface="Calibri" panose="020F0502020204030204"/>
+                        </a:defRPr>
+                      </a:lvl6pPr>
+                      <a:lvl7pPr marL="2743200" algn="l" defTabSz="914400" rtl="0" eaLnBrk="1" latinLnBrk="0" hangingPunct="1">
+                        <a:defRPr kumimoji="1" sz="1800" kern="1200">
+                          <a:solidFill>
+                            <a:schemeClr val="dk1"/>
+                          </a:solidFill>
+                          <a:latin typeface="Calibri" panose="020F0502020204030204"/>
+                        </a:defRPr>
+                      </a:lvl7pPr>
+                      <a:lvl8pPr marL="3200400" algn="l" defTabSz="914400" rtl="0" eaLnBrk="1" latinLnBrk="0" hangingPunct="1">
+                        <a:defRPr kumimoji="1" sz="1800" kern="1200">
+                          <a:solidFill>
+                            <a:schemeClr val="dk1"/>
+                          </a:solidFill>
+                          <a:latin typeface="Calibri" panose="020F0502020204030204"/>
+                        </a:defRPr>
+                      </a:lvl8pPr>
+                      <a:lvl9pPr marL="3657600" algn="l" defTabSz="914400" rtl="0" eaLnBrk="1" latinLnBrk="0" hangingPunct="1">
+                        <a:defRPr kumimoji="1" sz="1800" kern="1200">
+                          <a:solidFill>
+                            <a:schemeClr val="dk1"/>
+                          </a:solidFill>
+                          <a:latin typeface="Calibri" panose="020F0502020204030204"/>
+                        </a:defRPr>
+                      </a:lvl9pPr>
+                    </a:lstStyle>
+                    <a:p>
+                      <a:pPr algn="ctr"/>
+                      <a:r>
+                        <a:rPr kumimoji="1" lang="en-US" altLang="ja-JP" sz="1600" dirty="0" smtClean="0"/>
+                        <a:t>BBB</a:t>
+                      </a:r>
+                      <a:endParaRPr kumimoji="1" lang="ja-JP" altLang="en-US" sz="1600" dirty="0"/>
+                    </a:p>
+                  </a:txBody>
+                  <a:tcPr marL="62656" marR="62656" marT="31328" marB="31328">
+                    <a:lnL w="12700" cap="flat" cmpd="sng" algn="ctr">
+                      <a:solidFill>
+                        <a:srgbClr val="002060"/>
+                      </a:solidFill>
+                      <a:prstDash val="solid"/>
+                      <a:round/>
+                      <a:headEnd type="none" w="med" len="med"/>
+                      <a:tailEnd type="none" w="med" len="med"/>
+                    </a:lnL>
+                    <a:lnR w="12700" cap="flat" cmpd="sng" algn="ctr">
+                      <a:solidFill>
+                        <a:srgbClr val="002060"/>
+                      </a:solidFill>
+                      <a:prstDash val="solid"/>
+                      <a:round/>
+                      <a:headEnd type="none" w="med" len="med"/>
+                      <a:tailEnd type="none" w="med" len="med"/>
+                    </a:lnR>
+                    <a:lnT w="12700" cap="flat" cmpd="sng" algn="ctr">
+                      <a:solidFill>
+                        <a:srgbClr val="002060"/>
+                      </a:solidFill>
+                      <a:prstDash val="solid"/>
+                      <a:round/>
+                      <a:headEnd type="none" w="med" len="med"/>
+                      <a:tailEnd type="none" w="med" len="med"/>
+                    </a:lnT>
+                    <a:lnB w="12700" cap="flat" cmpd="sng" algn="ctr">
+                      <a:solidFill>
+                        <a:srgbClr val="002060"/>
+                      </a:solidFill>
+                      <a:prstDash val="solid"/>
+                      <a:round/>
+                      <a:headEnd type="none" w="med" len="med"/>
+                      <a:tailEnd type="none" w="med" len="med"/>
+                    </a:lnB>
+                    <a:lnTlToBr w="12700" cmpd="sng">
+                      <a:noFill/>
+                      <a:prstDash val="solid"/>
+                    </a:lnTlToBr>
+                    <a:lnBlToTr w="12700" cmpd="sng">
+                      <a:noFill/>
+                      <a:prstDash val="solid"/>
+                    </a:lnBlToTr>
+                    <a:solidFill>
+                      <a:sysClr val="window" lastClr="FFFFFF"/>
+                    </a:solidFill>
+                  </a:tcPr>
+                </a:tc>
+                <a:tc>
+                  <a:txBody>
+                    <a:bodyPr/>
+                    <a:lstStyle>
+                      <a:lvl1pPr marL="0" algn="l" defTabSz="914400" rtl="0" eaLnBrk="1" latinLnBrk="0" hangingPunct="1">
+                        <a:defRPr kumimoji="1" sz="1800" kern="1200">
+                          <a:solidFill>
+                            <a:schemeClr val="dk1"/>
+                          </a:solidFill>
+                          <a:latin typeface="Calibri" panose="020F0502020204030204"/>
+                        </a:defRPr>
+                      </a:lvl1pPr>
+                      <a:lvl2pPr marL="457200" algn="l" defTabSz="914400" rtl="0" eaLnBrk="1" latinLnBrk="0" hangingPunct="1">
+                        <a:defRPr kumimoji="1" sz="1800" kern="1200">
+                          <a:solidFill>
+                            <a:schemeClr val="dk1"/>
+                          </a:solidFill>
+                          <a:latin typeface="Calibri" panose="020F0502020204030204"/>
+                        </a:defRPr>
+                      </a:lvl2pPr>
+                      <a:lvl3pPr marL="914400" algn="l" defTabSz="914400" rtl="0" eaLnBrk="1" latinLnBrk="0" hangingPunct="1">
+                        <a:defRPr kumimoji="1" sz="1800" kern="1200">
+                          <a:solidFill>
+                            <a:schemeClr val="dk1"/>
+                          </a:solidFill>
+                          <a:latin typeface="Calibri" panose="020F0502020204030204"/>
+                        </a:defRPr>
+                      </a:lvl3pPr>
+                      <a:lvl4pPr marL="1371600" algn="l" defTabSz="914400" rtl="0" eaLnBrk="1" latinLnBrk="0" hangingPunct="1">
+                        <a:defRPr kumimoji="1" sz="1800" kern="1200">
+                          <a:solidFill>
+                            <a:schemeClr val="dk1"/>
+                          </a:solidFill>
+                          <a:latin typeface="Calibri" panose="020F0502020204030204"/>
+                        </a:defRPr>
+                      </a:lvl4pPr>
+                      <a:lvl5pPr marL="1828800" algn="l" defTabSz="914400" rtl="0" eaLnBrk="1" latinLnBrk="0" hangingPunct="1">
+                        <a:defRPr kumimoji="1" sz="1800" kern="1200">
+                          <a:solidFill>
+                            <a:schemeClr val="dk1"/>
+                          </a:solidFill>
+                          <a:latin typeface="Calibri" panose="020F0502020204030204"/>
+                        </a:defRPr>
+                      </a:lvl5pPr>
+                      <a:lvl6pPr marL="2286000" algn="l" defTabSz="914400" rtl="0" eaLnBrk="1" latinLnBrk="0" hangingPunct="1">
+                        <a:defRPr kumimoji="1" sz="1800" kern="1200">
+                          <a:solidFill>
+                            <a:schemeClr val="dk1"/>
+                          </a:solidFill>
+                          <a:latin typeface="Calibri" panose="020F0502020204030204"/>
+                        </a:defRPr>
+                      </a:lvl6pPr>
+                      <a:lvl7pPr marL="2743200" algn="l" defTabSz="914400" rtl="0" eaLnBrk="1" latinLnBrk="0" hangingPunct="1">
+                        <a:defRPr kumimoji="1" sz="1800" kern="1200">
+                          <a:solidFill>
+                            <a:schemeClr val="dk1"/>
+                          </a:solidFill>
+                          <a:latin typeface="Calibri" panose="020F0502020204030204"/>
+                        </a:defRPr>
+                      </a:lvl7pPr>
+                      <a:lvl8pPr marL="3200400" algn="l" defTabSz="914400" rtl="0" eaLnBrk="1" latinLnBrk="0" hangingPunct="1">
+                        <a:defRPr kumimoji="1" sz="1800" kern="1200">
+                          <a:solidFill>
+                            <a:schemeClr val="dk1"/>
+                          </a:solidFill>
+                          <a:latin typeface="Calibri" panose="020F0502020204030204"/>
+                        </a:defRPr>
+                      </a:lvl8pPr>
+                      <a:lvl9pPr marL="3657600" algn="l" defTabSz="914400" rtl="0" eaLnBrk="1" latinLnBrk="0" hangingPunct="1">
+                        <a:defRPr kumimoji="1" sz="1800" kern="1200">
+                          <a:solidFill>
+                            <a:schemeClr val="dk1"/>
+                          </a:solidFill>
+                          <a:latin typeface="Calibri" panose="020F0502020204030204"/>
+                        </a:defRPr>
+                      </a:lvl9pPr>
+                    </a:lstStyle>
+                    <a:p>
+                      <a:pPr algn="ctr"/>
+                      <a:r>
+                        <a:rPr kumimoji="1" lang="en-US" altLang="ja-JP" sz="1600" dirty="0" smtClean="0"/>
+                        <a:t>DDD</a:t>
+                      </a:r>
+                      <a:endParaRPr kumimoji="1" lang="ja-JP" altLang="en-US" sz="1600" dirty="0"/>
+                    </a:p>
+                  </a:txBody>
+                  <a:tcPr marL="62656" marR="62656" marT="31328" marB="31328">
+                    <a:lnL w="12700" cap="flat" cmpd="sng" algn="ctr">
+                      <a:solidFill>
+                        <a:srgbClr val="002060"/>
+                      </a:solidFill>
+                      <a:prstDash val="solid"/>
+                      <a:round/>
+                      <a:headEnd type="none" w="med" len="med"/>
+                      <a:tailEnd type="none" w="med" len="med"/>
+                    </a:lnL>
+                    <a:lnR w="12700" cap="flat" cmpd="sng" algn="ctr">
+                      <a:solidFill>
+                        <a:srgbClr val="002060"/>
+                      </a:solidFill>
+                      <a:prstDash val="solid"/>
+                      <a:round/>
+                      <a:headEnd type="none" w="med" len="med"/>
+                      <a:tailEnd type="none" w="med" len="med"/>
+                    </a:lnR>
+                    <a:lnT w="12700" cap="flat" cmpd="sng" algn="ctr">
+                      <a:solidFill>
+                        <a:srgbClr val="002060"/>
+                      </a:solidFill>
+                      <a:prstDash val="solid"/>
+                      <a:round/>
+                      <a:headEnd type="none" w="med" len="med"/>
+                      <a:tailEnd type="none" w="med" len="med"/>
+                    </a:lnT>
+                    <a:lnB w="12700" cap="flat" cmpd="sng" algn="ctr">
+                      <a:solidFill>
+                        <a:srgbClr val="002060"/>
+                      </a:solidFill>
+                      <a:prstDash val="solid"/>
+                      <a:round/>
+                      <a:headEnd type="none" w="med" len="med"/>
+                      <a:tailEnd type="none" w="med" len="med"/>
+                    </a:lnB>
+                    <a:lnTlToBr w="12700" cmpd="sng">
+                      <a:noFill/>
+                      <a:prstDash val="solid"/>
+                    </a:lnTlToBr>
+                    <a:lnBlToTr w="12700" cmpd="sng">
+                      <a:noFill/>
+                      <a:prstDash val="solid"/>
+                    </a:lnBlToTr>
+                    <a:solidFill>
+                      <a:sysClr val="window" lastClr="FFFFFF"/>
+                    </a:solidFill>
+                  </a:tcPr>
+                </a:tc>
+                <a:extLst>
+                  <a:ext uri="{0D108BD9-81ED-4DB2-BD59-A6C34878D82A}">
+                    <a16:rowId xmlns:a16="http://schemas.microsoft.com/office/drawing/2014/main" val="2059330187"/>
+                  </a:ext>
+                </a:extLst>
+              </a:tr>
+            </a:tbl>
+          </a:graphicData>
+        </a:graphic>
+      </p:graphicFrame>
+      <p:sp>
+        <p:nvSpPr>
+          <p:cNvPr id="33" name="正方形/長方形 32"/>
+          <p:cNvSpPr/>
+          <p:nvPr/>
+        </p:nvSpPr>
+        <p:spPr bwMode="auto">
+          <a:xfrm>
+            <a:off x="5055962" y="2641229"/>
+            <a:ext cx="2119011" cy="314697"/>
+          </a:xfrm>
+          <a:prstGeom prst="rect">
+            <a:avLst/>
+          </a:prstGeom>
+          <a:noFill/>
+          <a:ln w="38100">
+            <a:solidFill>
+              <a:srgbClr val="FF0000"/>
+            </a:solidFill>
+            <a:prstDash val="solid"/>
+          </a:ln>
+          <a:effectLst/>
+          <a:extLst/>
+        </p:spPr>
+        <p:txBody>
+          <a:bodyPr rot="0" spcFirstLastPara="0" vertOverflow="overflow" horzOverflow="overflow" vert="horz" wrap="none" lIns="72000" tIns="72000" rIns="72000" bIns="72000" numCol="1" spcCol="0" rtlCol="0" fromWordArt="0" anchor="ctr" anchorCtr="0" forceAA="0" compatLnSpc="1">
+            <a:prstTxWarp prst="textNoShape">
+              <a:avLst/>
+            </a:prstTxWarp>
+            <a:noAutofit/>
+          </a:bodyPr>
+          <a:lstStyle/>
+          <a:p>
+            <a:pPr algn="r"/>
+            <a:endParaRPr kumimoji="1" lang="ja-JP" altLang="en-US" b="1" dirty="0" smtClean="0">
+              <a:solidFill>
+                <a:schemeClr val="bg1"/>
+              </a:solidFill>
+              <a:latin typeface="+mn-ea"/>
+            </a:endParaRPr>
+          </a:p>
+        </p:txBody>
+      </p:sp>
+      <p:cxnSp>
+        <p:nvCxnSpPr>
+          <p:cNvPr id="61" name="直線コネクタ 60"/>
+          <p:cNvCxnSpPr>
+            <a:stCxn id="68" idx="2"/>
+            <a:endCxn id="115" idx="0"/>
+          </p:cNvCxnSpPr>
+          <p:nvPr/>
+        </p:nvCxnSpPr>
+        <p:spPr bwMode="auto">
+          <a:xfrm>
+            <a:off x="6115468" y="3109438"/>
+            <a:ext cx="0" cy="432380"/>
+          </a:xfrm>
+          <a:prstGeom prst="line">
+            <a:avLst/>
+          </a:prstGeom>
+          <a:solidFill>
+            <a:schemeClr val="bg1"/>
+          </a:solidFill>
+          <a:ln w="38100" cap="flat" cmpd="sng" algn="ctr">
+            <a:solidFill>
+              <a:srgbClr val="FF0000"/>
+            </a:solidFill>
+            <a:prstDash val="sysDash"/>
+            <a:round/>
+            <a:headEnd type="oval" w="med" len="med"/>
+            <a:tailEnd type="oval" w="med" len="med"/>
+          </a:ln>
+          <a:effectLst/>
+          <a:extLst>
+            <a:ext uri="{AF507438-7753-43E0-B8FC-AC1667EBCBE1}">
+              <a14:hiddenEffects xmlns:a14="http://schemas.microsoft.com/office/drawing/2010/main">
+                <a:effectLst>
+                  <a:outerShdw dist="35921" dir="2700000" algn="ctr" rotWithShape="0">
+                    <a:schemeClr val="tx1">
+                      <a:alpha val="50000"/>
+                    </a:schemeClr>
+                  </a:outerShdw>
+                </a:effectLst>
+              </a14:hiddenEffects>
+            </a:ext>
+          </a:extLst>
+        </p:spPr>
+      </p:cxnSp>
+      <p:sp>
+        <p:nvSpPr>
+          <p:cNvPr id="68" name="正方形/長方形 67"/>
+          <p:cNvSpPr/>
+          <p:nvPr/>
+        </p:nvSpPr>
+        <p:spPr bwMode="auto">
+          <a:xfrm>
+            <a:off x="4927468" y="1957438"/>
+            <a:ext cx="2376000" cy="1152000"/>
+          </a:xfrm>
+          <a:prstGeom prst="rect">
+            <a:avLst/>
+          </a:prstGeom>
+          <a:noFill/>
+          <a:ln w="38100">
+            <a:solidFill>
+              <a:srgbClr val="FF0000"/>
+            </a:solidFill>
+            <a:prstDash val="solid"/>
+          </a:ln>
+          <a:effectLst/>
+          <a:extLst/>
+        </p:spPr>
+        <p:txBody>
+          <a:bodyPr rot="0" spcFirstLastPara="0" vertOverflow="overflow" horzOverflow="overflow" vert="horz" wrap="none" lIns="72000" tIns="72000" rIns="72000" bIns="72000" numCol="1" spcCol="0" rtlCol="0" fromWordArt="0" anchor="ctr" anchorCtr="0" forceAA="0" compatLnSpc="1">
+            <a:prstTxWarp prst="textNoShape">
+              <a:avLst/>
+            </a:prstTxWarp>
+            <a:noAutofit/>
+          </a:bodyPr>
+          <a:lstStyle/>
+          <a:p>
+            <a:pPr algn="r"/>
+            <a:endParaRPr kumimoji="1" lang="ja-JP" altLang="en-US" b="1" dirty="0" smtClean="0">
+              <a:solidFill>
+                <a:schemeClr val="bg1"/>
+              </a:solidFill>
+              <a:latin typeface="+mn-ea"/>
+            </a:endParaRPr>
+          </a:p>
+        </p:txBody>
+      </p:sp>
+      <p:graphicFrame>
+        <p:nvGraphicFramePr>
+          <p:cNvPr id="105" name="表 104"/>
+          <p:cNvGraphicFramePr>
+            <a:graphicFrameLocks noGrp="1"/>
+          </p:cNvGraphicFramePr>
+          <p:nvPr>
+            <p:extLst>
+              <p:ext uri="{D42A27DB-BD31-4B8C-83A1-F6EECF244321}">
+                <p14:modId xmlns:p14="http://schemas.microsoft.com/office/powerpoint/2010/main" val="1480004294"/>
+              </p:ext>
+            </p:extLst>
+          </p:nvPr>
+        </p:nvGraphicFramePr>
+        <p:xfrm>
+          <a:off x="3362780" y="5389912"/>
+          <a:ext cx="5457808" cy="919488"/>
+        </p:xfrm>
+        <a:graphic>
+          <a:graphicData uri="http://schemas.openxmlformats.org/drawingml/2006/table">
+            <a:tbl>
+              <a:tblPr firstRow="1" bandRow="1"/>
+              <a:tblGrid>
+                <a:gridCol w="921180">
+                  <a:extLst>
+                    <a:ext uri="{9D8B030D-6E8A-4147-A177-3AD203B41FA5}">
+                      <a16:colId xmlns:a16="http://schemas.microsoft.com/office/drawing/2014/main" val="1232184175"/>
+                    </a:ext>
+                  </a:extLst>
+                </a:gridCol>
+                <a:gridCol w="1528873">
+                  <a:extLst>
+                    <a:ext uri="{9D8B030D-6E8A-4147-A177-3AD203B41FA5}">
+                      <a16:colId xmlns:a16="http://schemas.microsoft.com/office/drawing/2014/main" val="2071000"/>
+                    </a:ext>
+                  </a:extLst>
+                </a:gridCol>
+                <a:gridCol w="1002585">
+                  <a:extLst>
+                    <a:ext uri="{9D8B030D-6E8A-4147-A177-3AD203B41FA5}">
+                      <a16:colId xmlns:a16="http://schemas.microsoft.com/office/drawing/2014/main" val="1336170667"/>
+                    </a:ext>
+                  </a:extLst>
+                </a:gridCol>
+                <a:gridCol w="1002585">
+                  <a:extLst>
+                    <a:ext uri="{9D8B030D-6E8A-4147-A177-3AD203B41FA5}">
+                      <a16:colId xmlns:a16="http://schemas.microsoft.com/office/drawing/2014/main" val="2403226912"/>
+                    </a:ext>
+                  </a:extLst>
+                </a:gridCol>
+                <a:gridCol w="1002585">
+                  <a:extLst>
+                    <a:ext uri="{9D8B030D-6E8A-4147-A177-3AD203B41FA5}">
+                      <a16:colId xmlns:a16="http://schemas.microsoft.com/office/drawing/2014/main" val="182218515"/>
+                    </a:ext>
+                  </a:extLst>
+                </a:gridCol>
+              </a:tblGrid>
+              <a:tr h="146197">
+                <a:tc>
+                  <a:txBody>
+                    <a:bodyPr/>
+                    <a:lstStyle/>
+                    <a:p>
+                      <a:pPr algn="ctr"/>
+                      <a:r>
+                        <a:rPr kumimoji="1" lang="en-US" altLang="ja-JP" sz="1200" b="1" dirty="0" smtClean="0">
+                          <a:solidFill>
+                            <a:schemeClr val="bg1"/>
+                          </a:solidFill>
+                          <a:latin typeface="游ゴシック" panose="020B0400000000000000" pitchFamily="50" charset="-128"/>
+                          <a:ea typeface="游ゴシック" panose="020B0400000000000000" pitchFamily="50" charset="-128"/>
+                        </a:rPr>
+                        <a:t>Results</a:t>
+                      </a:r>
+                      <a:endParaRPr kumimoji="1" lang="ja-JP" altLang="en-US" sz="1200" b="1" dirty="0">
+                        <a:solidFill>
+                          <a:schemeClr val="bg1"/>
+                        </a:solidFill>
+                        <a:latin typeface="游ゴシック" panose="020B0400000000000000" pitchFamily="50" charset="-128"/>
+                        <a:ea typeface="游ゴシック" panose="020B0400000000000000" pitchFamily="50" charset="-128"/>
+                      </a:endParaRPr>
+                    </a:p>
+                  </a:txBody>
+                  <a:tcPr marL="62656" marR="62656" marT="31328" marB="31328" anchor="ctr">
+                    <a:lnL w="12700" cap="flat" cmpd="sng" algn="ctr">
+                      <a:solidFill>
+                        <a:srgbClr val="002060"/>
+                      </a:solidFill>
+                      <a:prstDash val="solid"/>
+                      <a:round/>
+                      <a:headEnd type="none" w="med" len="med"/>
+                      <a:tailEnd type="none" w="med" len="med"/>
+                    </a:lnL>
+                    <a:lnR w="12700" cap="flat" cmpd="sng" algn="ctr">
+                      <a:solidFill>
+                        <a:schemeClr val="bg1"/>
+                      </a:solidFill>
+                      <a:prstDash val="solid"/>
+                      <a:round/>
+                      <a:headEnd type="none" w="med" len="med"/>
+                      <a:tailEnd type="none" w="med" len="med"/>
+                    </a:lnR>
+                    <a:lnT w="12700" cap="flat" cmpd="sng" algn="ctr">
+                      <a:solidFill>
+                        <a:srgbClr val="002060"/>
+                      </a:solidFill>
+                      <a:prstDash val="solid"/>
+                      <a:round/>
+                      <a:headEnd type="none" w="med" len="med"/>
+                      <a:tailEnd type="none" w="med" len="med"/>
+                    </a:lnT>
+                    <a:lnB w="12700" cap="flat" cmpd="sng" algn="ctr">
+                      <a:solidFill>
+                        <a:srgbClr val="002060"/>
+                      </a:solidFill>
+                      <a:prstDash val="solid"/>
+                      <a:round/>
+                      <a:headEnd type="none" w="med" len="med"/>
+                      <a:tailEnd type="none" w="med" len="med"/>
+                    </a:lnB>
+                    <a:lnTlToBr w="12700" cmpd="sng">
+                      <a:noFill/>
+                      <a:prstDash val="solid"/>
+                    </a:lnTlToBr>
+                    <a:lnBlToTr w="12700" cmpd="sng">
+                      <a:noFill/>
+                      <a:prstDash val="solid"/>
+                    </a:lnBlToTr>
+                    <a:solidFill>
+                      <a:srgbClr val="002060"/>
+                    </a:solidFill>
+                  </a:tcPr>
+                </a:tc>
+                <a:tc>
+                  <a:txBody>
+                    <a:bodyPr/>
+                    <a:lstStyle/>
+                    <a:p>
+                      <a:pPr algn="ctr"/>
+                      <a:r>
+                        <a:rPr kumimoji="1" lang="en-US" altLang="ja-JP" sz="1200" b="1" dirty="0" smtClean="0">
+                          <a:solidFill>
+                            <a:schemeClr val="bg1"/>
+                          </a:solidFill>
+                          <a:latin typeface="游ゴシック" panose="020B0400000000000000" pitchFamily="50" charset="-128"/>
+                          <a:ea typeface="游ゴシック" panose="020B0400000000000000" pitchFamily="50" charset="-128"/>
+                        </a:rPr>
+                        <a:t>Menu name</a:t>
+                      </a:r>
+                      <a:endParaRPr kumimoji="1" lang="ja-JP" altLang="en-US" sz="1200" b="1" dirty="0">
+                        <a:solidFill>
+                          <a:schemeClr val="bg1"/>
+                        </a:solidFill>
+                        <a:latin typeface="游ゴシック" panose="020B0400000000000000" pitchFamily="50" charset="-128"/>
+                        <a:ea typeface="游ゴシック" panose="020B0400000000000000" pitchFamily="50" charset="-128"/>
+                      </a:endParaRPr>
+                    </a:p>
+                  </a:txBody>
+                  <a:tcPr marL="62656" marR="62656" marT="31328" marB="31328" anchor="ctr">
+                    <a:lnL w="12700" cap="flat" cmpd="sng" algn="ctr">
+                      <a:solidFill>
+                        <a:schemeClr val="bg1"/>
+                      </a:solidFill>
+                      <a:prstDash val="solid"/>
+                      <a:round/>
+                      <a:headEnd type="none" w="med" len="med"/>
+                      <a:tailEnd type="none" w="med" len="med"/>
+                    </a:lnL>
+                    <a:lnR w="12700" cap="flat" cmpd="sng" algn="ctr">
+                      <a:solidFill>
+                        <a:schemeClr val="bg1"/>
+                      </a:solidFill>
+                      <a:prstDash val="solid"/>
+                      <a:round/>
+                      <a:headEnd type="none" w="med" len="med"/>
+                      <a:tailEnd type="none" w="med" len="med"/>
+                    </a:lnR>
+                    <a:lnT w="12700" cap="flat" cmpd="sng" algn="ctr">
+                      <a:solidFill>
+                        <a:srgbClr val="002060"/>
+                      </a:solidFill>
+                      <a:prstDash val="solid"/>
+                      <a:round/>
+                      <a:headEnd type="none" w="med" len="med"/>
+                      <a:tailEnd type="none" w="med" len="med"/>
+                    </a:lnT>
+                    <a:lnB w="12700" cap="flat" cmpd="sng" algn="ctr">
+                      <a:solidFill>
+                        <a:srgbClr val="002060"/>
+                      </a:solidFill>
+                      <a:prstDash val="solid"/>
+                      <a:round/>
+                      <a:headEnd type="none" w="med" len="med"/>
+                      <a:tailEnd type="none" w="med" len="med"/>
+                    </a:lnB>
+                    <a:lnTlToBr w="12700" cmpd="sng">
+                      <a:noFill/>
+                      <a:prstDash val="solid"/>
+                    </a:lnTlToBr>
+                    <a:lnBlToTr w="12700" cmpd="sng">
+                      <a:noFill/>
+                      <a:prstDash val="solid"/>
+                    </a:lnBlToTr>
+                    <a:solidFill>
+                      <a:srgbClr val="002060"/>
+                    </a:solidFill>
+                  </a:tcPr>
+                </a:tc>
+                <a:tc>
+                  <a:txBody>
+                    <a:bodyPr/>
+                    <a:lstStyle/>
+                    <a:p>
+                      <a:pPr algn="ctr"/>
+                      <a:r>
+                        <a:rPr kumimoji="1" lang="en-US" altLang="ja-JP" sz="1200" b="1" dirty="0" smtClean="0">
+                          <a:solidFill>
+                            <a:schemeClr val="bg1"/>
+                          </a:solidFill>
+                          <a:latin typeface="游ゴシック" panose="020B0400000000000000" pitchFamily="50" charset="-128"/>
+                          <a:ea typeface="游ゴシック" panose="020B0400000000000000" pitchFamily="50" charset="-128"/>
+                        </a:rPr>
+                        <a:t>Parameter</a:t>
+                      </a:r>
+                    </a:p>
+                    <a:p>
+                      <a:pPr algn="ctr"/>
+                      <a:r>
+                        <a:rPr kumimoji="1" lang="en-US" altLang="ja-JP" sz="1200" b="1" dirty="0" smtClean="0">
+                          <a:solidFill>
+                            <a:schemeClr val="bg1"/>
+                          </a:solidFill>
+                          <a:latin typeface="游ゴシック" panose="020B0400000000000000" pitchFamily="50" charset="-128"/>
+                          <a:ea typeface="游ゴシック" panose="020B0400000000000000" pitchFamily="50" charset="-128"/>
+                        </a:rPr>
+                        <a:t>/File</a:t>
+                      </a:r>
+                      <a:endParaRPr kumimoji="1" lang="ja-JP" altLang="en-US" sz="1200" b="1" dirty="0">
+                        <a:solidFill>
+                          <a:schemeClr val="bg1"/>
+                        </a:solidFill>
+                        <a:latin typeface="游ゴシック" panose="020B0400000000000000" pitchFamily="50" charset="-128"/>
+                        <a:ea typeface="游ゴシック" panose="020B0400000000000000" pitchFamily="50" charset="-128"/>
+                      </a:endParaRPr>
+                    </a:p>
+                  </a:txBody>
+                  <a:tcPr marL="62656" marR="62656" marT="31328" marB="31328" anchor="ctr">
+                    <a:lnL w="12700" cap="flat" cmpd="sng" algn="ctr">
+                      <a:solidFill>
+                        <a:schemeClr val="bg1"/>
+                      </a:solidFill>
+                      <a:prstDash val="solid"/>
+                      <a:round/>
+                      <a:headEnd type="none" w="med" len="med"/>
+                      <a:tailEnd type="none" w="med" len="med"/>
+                    </a:lnL>
+                    <a:lnR w="12700" cap="flat" cmpd="sng" algn="ctr">
+                      <a:solidFill>
+                        <a:schemeClr val="bg1"/>
+                      </a:solidFill>
+                      <a:prstDash val="solid"/>
+                      <a:round/>
+                      <a:headEnd type="none" w="med" len="med"/>
+                      <a:tailEnd type="none" w="med" len="med"/>
+                    </a:lnR>
+                    <a:lnT w="12700" cap="flat" cmpd="sng" algn="ctr">
+                      <a:solidFill>
+                        <a:srgbClr val="002060"/>
+                      </a:solidFill>
+                      <a:prstDash val="solid"/>
+                      <a:round/>
+                      <a:headEnd type="none" w="med" len="med"/>
+                      <a:tailEnd type="none" w="med" len="med"/>
+                    </a:lnT>
+                    <a:lnB w="12700" cap="flat" cmpd="sng" algn="ctr">
+                      <a:solidFill>
+                        <a:srgbClr val="002060"/>
+                      </a:solidFill>
+                      <a:prstDash val="solid"/>
+                      <a:round/>
+                      <a:headEnd type="none" w="med" len="med"/>
+                      <a:tailEnd type="none" w="med" len="med"/>
+                    </a:lnB>
+                    <a:lnTlToBr w="12700" cmpd="sng">
+                      <a:noFill/>
+                      <a:prstDash val="solid"/>
+                    </a:lnTlToBr>
+                    <a:lnBlToTr w="12700" cmpd="sng">
+                      <a:noFill/>
+                      <a:prstDash val="solid"/>
+                    </a:lnBlToTr>
+                    <a:solidFill>
+                      <a:srgbClr val="002060"/>
+                    </a:solidFill>
+                  </a:tcPr>
+                </a:tc>
+                <a:tc>
+                  <a:txBody>
+                    <a:bodyPr/>
+                    <a:lstStyle/>
+                    <a:p>
+                      <a:pPr algn="ctr"/>
+                      <a:r>
+                        <a:rPr kumimoji="1" lang="en-US" altLang="ja-JP" sz="1200" b="1" dirty="0" smtClean="0">
+                          <a:solidFill>
+                            <a:schemeClr val="bg1"/>
+                          </a:solidFill>
+                          <a:latin typeface="游ゴシック" panose="020B0400000000000000" pitchFamily="50" charset="-128"/>
+                          <a:ea typeface="游ゴシック" panose="020B0400000000000000" pitchFamily="50" charset="-128"/>
+                        </a:rPr>
+                        <a:t>Parameter</a:t>
+                      </a:r>
+                    </a:p>
+                    <a:p>
+                      <a:pPr algn="ctr"/>
+                      <a:r>
+                        <a:rPr kumimoji="1" lang="en-US" altLang="ja-JP" sz="1200" b="1" dirty="0" smtClean="0">
+                          <a:solidFill>
+                            <a:schemeClr val="bg1"/>
+                          </a:solidFill>
+                          <a:latin typeface="游ゴシック" panose="020B0400000000000000" pitchFamily="50" charset="-128"/>
+                          <a:ea typeface="游ゴシック" panose="020B0400000000000000" pitchFamily="50" charset="-128"/>
+                        </a:rPr>
+                        <a:t>/File</a:t>
+                      </a:r>
+                      <a:endParaRPr kumimoji="1" lang="ja-JP" altLang="en-US" sz="1200" b="1" dirty="0">
+                        <a:solidFill>
+                          <a:schemeClr val="bg1"/>
+                        </a:solidFill>
+                        <a:latin typeface="游ゴシック" panose="020B0400000000000000" pitchFamily="50" charset="-128"/>
+                        <a:ea typeface="游ゴシック" panose="020B0400000000000000" pitchFamily="50" charset="-128"/>
+                      </a:endParaRPr>
+                    </a:p>
+                  </a:txBody>
+                  <a:tcPr marL="62656" marR="62656" marT="31328" marB="31328" anchor="ctr">
+                    <a:lnL w="12700" cap="flat" cmpd="sng" algn="ctr">
+                      <a:solidFill>
+                        <a:schemeClr val="bg1"/>
+                      </a:solidFill>
+                      <a:prstDash val="solid"/>
+                      <a:round/>
+                      <a:headEnd type="none" w="med" len="med"/>
+                      <a:tailEnd type="none" w="med" len="med"/>
+                    </a:lnL>
+                    <a:lnR w="12700" cap="flat" cmpd="sng" algn="ctr">
+                      <a:solidFill>
+                        <a:schemeClr val="bg1"/>
+                      </a:solidFill>
+                      <a:prstDash val="solid"/>
+                      <a:round/>
+                      <a:headEnd type="none" w="med" len="med"/>
+                      <a:tailEnd type="none" w="med" len="med"/>
+                    </a:lnR>
+                    <a:lnT w="12700" cap="flat" cmpd="sng" algn="ctr">
+                      <a:solidFill>
+                        <a:srgbClr val="002060"/>
+                      </a:solidFill>
+                      <a:prstDash val="solid"/>
+                      <a:round/>
+                      <a:headEnd type="none" w="med" len="med"/>
+                      <a:tailEnd type="none" w="med" len="med"/>
+                    </a:lnT>
+                    <a:lnB w="12700" cap="flat" cmpd="sng" algn="ctr">
+                      <a:solidFill>
+                        <a:srgbClr val="002060"/>
+                      </a:solidFill>
+                      <a:prstDash val="solid"/>
+                      <a:round/>
+                      <a:headEnd type="none" w="med" len="med"/>
+                      <a:tailEnd type="none" w="med" len="med"/>
+                    </a:lnB>
+                    <a:lnTlToBr w="12700" cmpd="sng">
+                      <a:noFill/>
+                      <a:prstDash val="solid"/>
+                    </a:lnTlToBr>
+                    <a:lnBlToTr w="12700" cmpd="sng">
+                      <a:noFill/>
+                      <a:prstDash val="solid"/>
+                    </a:lnBlToTr>
+                    <a:solidFill>
+                      <a:srgbClr val="002060"/>
+                    </a:solidFill>
+                  </a:tcPr>
+                </a:tc>
+                <a:tc>
+                  <a:txBody>
+                    <a:bodyPr/>
+                    <a:lstStyle/>
+                    <a:p>
+                      <a:pPr algn="ctr"/>
+                      <a:r>
+                        <a:rPr kumimoji="1" lang="en-US" altLang="ja-JP" sz="1200" b="1" dirty="0" smtClean="0">
+                          <a:solidFill>
+                            <a:schemeClr val="bg1"/>
+                          </a:solidFill>
+                          <a:latin typeface="游ゴシック" panose="020B0400000000000000" pitchFamily="50" charset="-128"/>
+                          <a:ea typeface="游ゴシック" panose="020B0400000000000000" pitchFamily="50" charset="-128"/>
+                        </a:rPr>
+                        <a:t>Parameter</a:t>
+                      </a:r>
+                    </a:p>
+                    <a:p>
+                      <a:pPr algn="ctr"/>
+                      <a:r>
+                        <a:rPr kumimoji="1" lang="en-US" altLang="ja-JP" sz="1200" b="1" dirty="0" smtClean="0">
+                          <a:solidFill>
+                            <a:schemeClr val="bg1"/>
+                          </a:solidFill>
+                          <a:latin typeface="游ゴシック" panose="020B0400000000000000" pitchFamily="50" charset="-128"/>
+                          <a:ea typeface="游ゴシック" panose="020B0400000000000000" pitchFamily="50" charset="-128"/>
+                        </a:rPr>
+                        <a:t>/File</a:t>
+                      </a:r>
+                      <a:endParaRPr kumimoji="1" lang="ja-JP" altLang="en-US" sz="1200" b="1" dirty="0">
+                        <a:solidFill>
+                          <a:schemeClr val="bg1"/>
+                        </a:solidFill>
+                        <a:latin typeface="游ゴシック" panose="020B0400000000000000" pitchFamily="50" charset="-128"/>
+                        <a:ea typeface="游ゴシック" panose="020B0400000000000000" pitchFamily="50" charset="-128"/>
+                      </a:endParaRPr>
+                    </a:p>
+                  </a:txBody>
+                  <a:tcPr marL="62656" marR="62656" marT="31328" marB="31328" anchor="ctr">
+                    <a:lnL w="12700" cap="flat" cmpd="sng" algn="ctr">
+                      <a:solidFill>
+                        <a:schemeClr val="bg1"/>
+                      </a:solidFill>
+                      <a:prstDash val="solid"/>
+                      <a:round/>
+                      <a:headEnd type="none" w="med" len="med"/>
+                      <a:tailEnd type="none" w="med" len="med"/>
+                    </a:lnL>
+                    <a:lnR w="12700" cap="flat" cmpd="sng" algn="ctr">
+                      <a:solidFill>
+                        <a:srgbClr val="002060"/>
+                      </a:solidFill>
+                      <a:prstDash val="solid"/>
+                      <a:round/>
+                      <a:headEnd type="none" w="med" len="med"/>
+                      <a:tailEnd type="none" w="med" len="med"/>
+                    </a:lnR>
+                    <a:lnT w="12700" cap="flat" cmpd="sng" algn="ctr">
+                      <a:solidFill>
+                        <a:srgbClr val="002060"/>
+                      </a:solidFill>
+                      <a:prstDash val="solid"/>
+                      <a:round/>
+                      <a:headEnd type="none" w="med" len="med"/>
+                      <a:tailEnd type="none" w="med" len="med"/>
+                    </a:lnT>
+                    <a:lnB w="12700" cap="flat" cmpd="sng" algn="ctr">
+                      <a:solidFill>
+                        <a:srgbClr val="002060"/>
+                      </a:solidFill>
+                      <a:prstDash val="solid"/>
+                      <a:round/>
+                      <a:headEnd type="none" w="med" len="med"/>
+                      <a:tailEnd type="none" w="med" len="med"/>
+                    </a:lnB>
+                    <a:lnTlToBr w="12700" cmpd="sng">
+                      <a:noFill/>
+                      <a:prstDash val="solid"/>
+                    </a:lnTlToBr>
+                    <a:lnBlToTr w="12700" cmpd="sng">
+                      <a:noFill/>
+                      <a:prstDash val="solid"/>
+                    </a:lnBlToTr>
+                    <a:solidFill>
+                      <a:srgbClr val="002060"/>
+                    </a:solidFill>
+                  </a:tcPr>
+                </a:tc>
+                <a:extLst>
+                  <a:ext uri="{0D108BD9-81ED-4DB2-BD59-A6C34878D82A}">
+                    <a16:rowId xmlns:a16="http://schemas.microsoft.com/office/drawing/2014/main" val="3971531750"/>
+                  </a:ext>
+                </a:extLst>
+              </a:tr>
+              <a:tr h="146197">
+                <a:tc>
+                  <a:txBody>
+                    <a:bodyPr/>
+                    <a:lstStyle/>
+                    <a:p>
+                      <a:pPr algn="ctr"/>
+                      <a:r>
+                        <a:rPr kumimoji="1" lang="en-US" altLang="ja-JP" sz="1200" b="1" dirty="0" smtClean="0">
+                          <a:solidFill>
+                            <a:srgbClr val="C00000"/>
+                          </a:solidFill>
+                          <a:latin typeface="游ゴシック" panose="020B0400000000000000" pitchFamily="50" charset="-128"/>
+                          <a:ea typeface="游ゴシック" panose="020B0400000000000000" pitchFamily="50" charset="-128"/>
+                        </a:rPr>
+                        <a:t>Difference</a:t>
+                      </a:r>
+                      <a:endParaRPr kumimoji="1" lang="ja-JP" altLang="en-US" sz="1200" b="1" dirty="0">
+                        <a:solidFill>
+                          <a:srgbClr val="C00000"/>
+                        </a:solidFill>
+                        <a:latin typeface="游ゴシック" panose="020B0400000000000000" pitchFamily="50" charset="-128"/>
+                        <a:ea typeface="游ゴシック" panose="020B0400000000000000" pitchFamily="50" charset="-128"/>
+                      </a:endParaRPr>
+                    </a:p>
+                  </a:txBody>
+                  <a:tcPr marL="62656" marR="62656" marT="31328" marB="31328" anchor="ctr">
+                    <a:lnL w="12700" cap="flat" cmpd="sng" algn="ctr">
+                      <a:solidFill>
+                        <a:srgbClr val="002060"/>
+                      </a:solidFill>
+                      <a:prstDash val="solid"/>
+                      <a:round/>
+                      <a:headEnd type="none" w="med" len="med"/>
+                      <a:tailEnd type="none" w="med" len="med"/>
+                    </a:lnL>
+                    <a:lnR w="12700" cap="flat" cmpd="sng" algn="ctr">
+                      <a:solidFill>
+                        <a:srgbClr val="002060"/>
+                      </a:solidFill>
+                      <a:prstDash val="solid"/>
+                      <a:round/>
+                      <a:headEnd type="none" w="med" len="med"/>
+                      <a:tailEnd type="none" w="med" len="med"/>
+                    </a:lnR>
+                    <a:lnT w="12700" cap="flat" cmpd="sng" algn="ctr">
+                      <a:solidFill>
+                        <a:srgbClr val="002060"/>
+                      </a:solidFill>
+                      <a:prstDash val="solid"/>
+                      <a:round/>
+                      <a:headEnd type="none" w="med" len="med"/>
+                      <a:tailEnd type="none" w="med" len="med"/>
+                    </a:lnT>
+                    <a:lnB w="12700" cap="flat" cmpd="sng" algn="ctr">
+                      <a:solidFill>
+                        <a:srgbClr val="002060"/>
+                      </a:solidFill>
+                      <a:prstDash val="solid"/>
+                      <a:round/>
+                      <a:headEnd type="none" w="med" len="med"/>
+                      <a:tailEnd type="none" w="med" len="med"/>
+                    </a:lnB>
+                    <a:lnTlToBr w="12700" cmpd="sng">
+                      <a:noFill/>
+                      <a:prstDash val="solid"/>
+                    </a:lnTlToBr>
+                    <a:lnBlToTr w="12700" cmpd="sng">
+                      <a:noFill/>
+                      <a:prstDash val="solid"/>
+                    </a:lnBlToTr>
+                    <a:solidFill>
+                      <a:schemeClr val="bg1"/>
+                    </a:solidFill>
+                  </a:tcPr>
+                </a:tc>
+                <a:tc>
+                  <a:txBody>
+                    <a:bodyPr/>
+                    <a:lstStyle/>
+                    <a:p>
+                      <a:pPr algn="ctr"/>
+                      <a:r>
+                        <a:rPr kumimoji="1" lang="en-US" altLang="ja-JP" sz="1200" b="1" dirty="0" smtClean="0">
+                          <a:solidFill>
+                            <a:srgbClr val="002060"/>
+                          </a:solidFill>
+                          <a:latin typeface="游ゴシック" panose="020B0400000000000000" pitchFamily="50" charset="-128"/>
+                          <a:ea typeface="游ゴシック" panose="020B0400000000000000" pitchFamily="50" charset="-128"/>
+                        </a:rPr>
+                        <a:t>Parameter sheet A</a:t>
+                      </a:r>
+                      <a:endParaRPr kumimoji="1" lang="ja-JP" altLang="en-US" sz="1200" b="1" dirty="0">
+                        <a:solidFill>
+                          <a:srgbClr val="002060"/>
+                        </a:solidFill>
+                        <a:latin typeface="游ゴシック" panose="020B0400000000000000" pitchFamily="50" charset="-128"/>
+                        <a:ea typeface="游ゴシック" panose="020B0400000000000000" pitchFamily="50" charset="-128"/>
+                      </a:endParaRPr>
+                    </a:p>
+                  </a:txBody>
+                  <a:tcPr marL="62656" marR="62656" marT="31328" marB="31328" anchor="ctr">
+                    <a:lnL w="12700" cap="flat" cmpd="sng" algn="ctr">
+                      <a:solidFill>
+                        <a:srgbClr val="002060"/>
+                      </a:solidFill>
+                      <a:prstDash val="solid"/>
+                      <a:round/>
+                      <a:headEnd type="none" w="med" len="med"/>
+                      <a:tailEnd type="none" w="med" len="med"/>
+                    </a:lnL>
+                    <a:lnR w="12700" cap="flat" cmpd="sng" algn="ctr">
+                      <a:solidFill>
+                        <a:srgbClr val="002060"/>
+                      </a:solidFill>
+                      <a:prstDash val="solid"/>
+                      <a:round/>
+                      <a:headEnd type="none" w="med" len="med"/>
+                      <a:tailEnd type="none" w="med" len="med"/>
+                    </a:lnR>
+                    <a:lnT w="12700" cap="flat" cmpd="sng" algn="ctr">
+                      <a:solidFill>
+                        <a:srgbClr val="002060"/>
+                      </a:solidFill>
+                      <a:prstDash val="solid"/>
+                      <a:round/>
+                      <a:headEnd type="none" w="med" len="med"/>
+                      <a:tailEnd type="none" w="med" len="med"/>
+                    </a:lnT>
+                    <a:lnB w="12700" cap="flat" cmpd="sng" algn="ctr">
+                      <a:solidFill>
+                        <a:srgbClr val="002060"/>
+                      </a:solidFill>
+                      <a:prstDash val="solid"/>
+                      <a:round/>
+                      <a:headEnd type="none" w="med" len="med"/>
+                      <a:tailEnd type="none" w="med" len="med"/>
+                    </a:lnB>
+                    <a:lnTlToBr w="12700" cmpd="sng">
+                      <a:noFill/>
+                      <a:prstDash val="solid"/>
+                    </a:lnTlToBr>
+                    <a:lnBlToTr w="12700" cmpd="sng">
+                      <a:noFill/>
+                      <a:prstDash val="solid"/>
+                    </a:lnBlToTr>
+                    <a:solidFill>
+                      <a:schemeClr val="bg1"/>
+                    </a:solidFill>
+                  </a:tcPr>
+                </a:tc>
+                <a:tc>
+                  <a:txBody>
+                    <a:bodyPr/>
+                    <a:lstStyle>
+                      <a:lvl1pPr marL="0" algn="l" defTabSz="914400" rtl="0" eaLnBrk="1" latinLnBrk="0" hangingPunct="1">
+                        <a:defRPr kumimoji="1" sz="1800" kern="1200">
+                          <a:solidFill>
+                            <a:schemeClr val="dk1"/>
+                          </a:solidFill>
+                          <a:latin typeface="Calibri" panose="020F0502020204030204"/>
+                        </a:defRPr>
+                      </a:lvl1pPr>
+                      <a:lvl2pPr marL="457200" algn="l" defTabSz="914400" rtl="0" eaLnBrk="1" latinLnBrk="0" hangingPunct="1">
+                        <a:defRPr kumimoji="1" sz="1800" kern="1200">
+                          <a:solidFill>
+                            <a:schemeClr val="dk1"/>
+                          </a:solidFill>
+                          <a:latin typeface="Calibri" panose="020F0502020204030204"/>
+                        </a:defRPr>
+                      </a:lvl2pPr>
+                      <a:lvl3pPr marL="914400" algn="l" defTabSz="914400" rtl="0" eaLnBrk="1" latinLnBrk="0" hangingPunct="1">
+                        <a:defRPr kumimoji="1" sz="1800" kern="1200">
+                          <a:solidFill>
+                            <a:schemeClr val="dk1"/>
+                          </a:solidFill>
+                          <a:latin typeface="Calibri" panose="020F0502020204030204"/>
+                        </a:defRPr>
+                      </a:lvl3pPr>
+                      <a:lvl4pPr marL="1371600" algn="l" defTabSz="914400" rtl="0" eaLnBrk="1" latinLnBrk="0" hangingPunct="1">
+                        <a:defRPr kumimoji="1" sz="1800" kern="1200">
+                          <a:solidFill>
+                            <a:schemeClr val="dk1"/>
+                          </a:solidFill>
+                          <a:latin typeface="Calibri" panose="020F0502020204030204"/>
+                        </a:defRPr>
+                      </a:lvl4pPr>
+                      <a:lvl5pPr marL="1828800" algn="l" defTabSz="914400" rtl="0" eaLnBrk="1" latinLnBrk="0" hangingPunct="1">
+                        <a:defRPr kumimoji="1" sz="1800" kern="1200">
+                          <a:solidFill>
+                            <a:schemeClr val="dk1"/>
+                          </a:solidFill>
+                          <a:latin typeface="Calibri" panose="020F0502020204030204"/>
+                        </a:defRPr>
+                      </a:lvl5pPr>
+                      <a:lvl6pPr marL="2286000" algn="l" defTabSz="914400" rtl="0" eaLnBrk="1" latinLnBrk="0" hangingPunct="1">
+                        <a:defRPr kumimoji="1" sz="1800" kern="1200">
+                          <a:solidFill>
+                            <a:schemeClr val="dk1"/>
+                          </a:solidFill>
+                          <a:latin typeface="Calibri" panose="020F0502020204030204"/>
+                        </a:defRPr>
+                      </a:lvl6pPr>
+                      <a:lvl7pPr marL="2743200" algn="l" defTabSz="914400" rtl="0" eaLnBrk="1" latinLnBrk="0" hangingPunct="1">
+                        <a:defRPr kumimoji="1" sz="1800" kern="1200">
+                          <a:solidFill>
+                            <a:schemeClr val="dk1"/>
+                          </a:solidFill>
+                          <a:latin typeface="Calibri" panose="020F0502020204030204"/>
+                        </a:defRPr>
+                      </a:lvl7pPr>
+                      <a:lvl8pPr marL="3200400" algn="l" defTabSz="914400" rtl="0" eaLnBrk="1" latinLnBrk="0" hangingPunct="1">
+                        <a:defRPr kumimoji="1" sz="1800" kern="1200">
+                          <a:solidFill>
+                            <a:schemeClr val="dk1"/>
+                          </a:solidFill>
+                          <a:latin typeface="Calibri" panose="020F0502020204030204"/>
+                        </a:defRPr>
+                      </a:lvl8pPr>
+                      <a:lvl9pPr marL="3657600" algn="l" defTabSz="914400" rtl="0" eaLnBrk="1" latinLnBrk="0" hangingPunct="1">
+                        <a:defRPr kumimoji="1" sz="1800" kern="1200">
+                          <a:solidFill>
+                            <a:schemeClr val="dk1"/>
+                          </a:solidFill>
+                          <a:latin typeface="Calibri" panose="020F0502020204030204"/>
+                        </a:defRPr>
+                      </a:lvl9pPr>
+                    </a:lstStyle>
+                    <a:p>
+                      <a:pPr algn="ctr"/>
+                      <a:r>
+                        <a:rPr kumimoji="1" lang="en-US" altLang="ja-JP" sz="1200" b="1" dirty="0" smtClean="0">
+                          <a:solidFill>
+                            <a:srgbClr val="002060"/>
+                          </a:solidFill>
+                          <a:latin typeface="游ゴシック" panose="020B0400000000000000" pitchFamily="50" charset="-128"/>
+                          <a:ea typeface="游ゴシック" panose="020B0400000000000000" pitchFamily="50" charset="-128"/>
+                        </a:rPr>
+                        <a:t>Item</a:t>
+                      </a:r>
+                      <a:r>
+                        <a:rPr kumimoji="1" lang="en-US" altLang="ja-JP" sz="1200" b="1" baseline="0" dirty="0" smtClean="0">
+                          <a:solidFill>
+                            <a:srgbClr val="002060"/>
+                          </a:solidFill>
+                          <a:latin typeface="游ゴシック" panose="020B0400000000000000" pitchFamily="50" charset="-128"/>
+                          <a:ea typeface="游ゴシック" panose="020B0400000000000000" pitchFamily="50" charset="-128"/>
+                        </a:rPr>
+                        <a:t> </a:t>
+                      </a:r>
+                      <a:r>
+                        <a:rPr kumimoji="1" lang="en-US" altLang="ja-JP" sz="1200" b="1" dirty="0" smtClean="0">
+                          <a:solidFill>
+                            <a:srgbClr val="002060"/>
+                          </a:solidFill>
+                          <a:latin typeface="游ゴシック" panose="020B0400000000000000" pitchFamily="50" charset="-128"/>
+                          <a:ea typeface="游ゴシック" panose="020B0400000000000000" pitchFamily="50" charset="-128"/>
+                        </a:rPr>
+                        <a:t>1</a:t>
+                      </a:r>
+                      <a:endParaRPr kumimoji="1" lang="ja-JP" altLang="en-US" sz="1200" b="1" dirty="0">
+                        <a:solidFill>
+                          <a:srgbClr val="002060"/>
+                        </a:solidFill>
+                        <a:latin typeface="游ゴシック" panose="020B0400000000000000" pitchFamily="50" charset="-128"/>
+                        <a:ea typeface="游ゴシック" panose="020B0400000000000000" pitchFamily="50" charset="-128"/>
+                      </a:endParaRPr>
+                    </a:p>
+                  </a:txBody>
+                  <a:tcPr marL="62656" marR="62656" marT="31328" marB="31328" anchor="ctr">
+                    <a:lnL w="12700" cap="flat" cmpd="sng" algn="ctr">
+                      <a:solidFill>
+                        <a:srgbClr val="002060"/>
+                      </a:solidFill>
+                      <a:prstDash val="solid"/>
+                      <a:round/>
+                      <a:headEnd type="none" w="med" len="med"/>
+                      <a:tailEnd type="none" w="med" len="med"/>
+                    </a:lnL>
+                    <a:lnR w="12700" cap="flat" cmpd="sng" algn="ctr">
+                      <a:solidFill>
+                        <a:srgbClr val="002060"/>
+                      </a:solidFill>
+                      <a:prstDash val="solid"/>
+                      <a:round/>
+                      <a:headEnd type="none" w="med" len="med"/>
+                      <a:tailEnd type="none" w="med" len="med"/>
+                    </a:lnR>
+                    <a:lnT w="12700" cap="flat" cmpd="sng" algn="ctr">
+                      <a:solidFill>
+                        <a:srgbClr val="002060"/>
+                      </a:solidFill>
+                      <a:prstDash val="solid"/>
+                      <a:round/>
+                      <a:headEnd type="none" w="med" len="med"/>
+                      <a:tailEnd type="none" w="med" len="med"/>
+                    </a:lnT>
+                    <a:lnB w="12700" cap="flat" cmpd="sng" algn="ctr">
+                      <a:solidFill>
+                        <a:srgbClr val="002060"/>
+                      </a:solidFill>
+                      <a:prstDash val="solid"/>
+                      <a:round/>
+                      <a:headEnd type="none" w="med" len="med"/>
+                      <a:tailEnd type="none" w="med" len="med"/>
+                    </a:lnB>
+                    <a:lnTlToBr w="12700" cmpd="sng">
+                      <a:noFill/>
+                      <a:prstDash val="solid"/>
+                    </a:lnTlToBr>
+                    <a:lnBlToTr w="12700" cmpd="sng">
+                      <a:noFill/>
+                      <a:prstDash val="solid"/>
+                    </a:lnBlToTr>
+                    <a:solidFill>
+                      <a:schemeClr val="bg1"/>
+                    </a:solidFill>
+                  </a:tcPr>
+                </a:tc>
+                <a:tc>
+                  <a:txBody>
+                    <a:bodyPr/>
+                    <a:lstStyle>
+                      <a:lvl1pPr marL="0" algn="l" defTabSz="914400" rtl="0" eaLnBrk="1" latinLnBrk="0" hangingPunct="1">
+                        <a:defRPr kumimoji="1" sz="1800" kern="1200">
+                          <a:solidFill>
+                            <a:schemeClr val="dk1"/>
+                          </a:solidFill>
+                          <a:latin typeface="Calibri" panose="020F0502020204030204"/>
+                        </a:defRPr>
+                      </a:lvl1pPr>
+                      <a:lvl2pPr marL="457200" algn="l" defTabSz="914400" rtl="0" eaLnBrk="1" latinLnBrk="0" hangingPunct="1">
+                        <a:defRPr kumimoji="1" sz="1800" kern="1200">
+                          <a:solidFill>
+                            <a:schemeClr val="dk1"/>
+                          </a:solidFill>
+                          <a:latin typeface="Calibri" panose="020F0502020204030204"/>
+                        </a:defRPr>
+                      </a:lvl2pPr>
+                      <a:lvl3pPr marL="914400" algn="l" defTabSz="914400" rtl="0" eaLnBrk="1" latinLnBrk="0" hangingPunct="1">
+                        <a:defRPr kumimoji="1" sz="1800" kern="1200">
+                          <a:solidFill>
+                            <a:schemeClr val="dk1"/>
+                          </a:solidFill>
+                          <a:latin typeface="Calibri" panose="020F0502020204030204"/>
+                        </a:defRPr>
+                      </a:lvl3pPr>
+                      <a:lvl4pPr marL="1371600" algn="l" defTabSz="914400" rtl="0" eaLnBrk="1" latinLnBrk="0" hangingPunct="1">
+                        <a:defRPr kumimoji="1" sz="1800" kern="1200">
+                          <a:solidFill>
+                            <a:schemeClr val="dk1"/>
+                          </a:solidFill>
+                          <a:latin typeface="Calibri" panose="020F0502020204030204"/>
+                        </a:defRPr>
+                      </a:lvl4pPr>
+                      <a:lvl5pPr marL="1828800" algn="l" defTabSz="914400" rtl="0" eaLnBrk="1" latinLnBrk="0" hangingPunct="1">
+                        <a:defRPr kumimoji="1" sz="1800" kern="1200">
+                          <a:solidFill>
+                            <a:schemeClr val="dk1"/>
+                          </a:solidFill>
+                          <a:latin typeface="Calibri" panose="020F0502020204030204"/>
+                        </a:defRPr>
+                      </a:lvl5pPr>
+                      <a:lvl6pPr marL="2286000" algn="l" defTabSz="914400" rtl="0" eaLnBrk="1" latinLnBrk="0" hangingPunct="1">
+                        <a:defRPr kumimoji="1" sz="1800" kern="1200">
+                          <a:solidFill>
+                            <a:schemeClr val="dk1"/>
+                          </a:solidFill>
+                          <a:latin typeface="Calibri" panose="020F0502020204030204"/>
+                        </a:defRPr>
+                      </a:lvl6pPr>
+                      <a:lvl7pPr marL="2743200" algn="l" defTabSz="914400" rtl="0" eaLnBrk="1" latinLnBrk="0" hangingPunct="1">
+                        <a:defRPr kumimoji="1" sz="1800" kern="1200">
+                          <a:solidFill>
+                            <a:schemeClr val="dk1"/>
+                          </a:solidFill>
+                          <a:latin typeface="Calibri" panose="020F0502020204030204"/>
+                        </a:defRPr>
+                      </a:lvl7pPr>
+                      <a:lvl8pPr marL="3200400" algn="l" defTabSz="914400" rtl="0" eaLnBrk="1" latinLnBrk="0" hangingPunct="1">
+                        <a:defRPr kumimoji="1" sz="1800" kern="1200">
+                          <a:solidFill>
+                            <a:schemeClr val="dk1"/>
+                          </a:solidFill>
+                          <a:latin typeface="Calibri" panose="020F0502020204030204"/>
+                        </a:defRPr>
+                      </a:lvl8pPr>
+                      <a:lvl9pPr marL="3657600" algn="l" defTabSz="914400" rtl="0" eaLnBrk="1" latinLnBrk="0" hangingPunct="1">
+                        <a:defRPr kumimoji="1" sz="1800" kern="1200">
+                          <a:solidFill>
+                            <a:schemeClr val="dk1"/>
+                          </a:solidFill>
+                          <a:latin typeface="Calibri" panose="020F0502020204030204"/>
+                        </a:defRPr>
+                      </a:lvl9pPr>
+                    </a:lstStyle>
+                    <a:p>
+                      <a:pPr algn="ctr"/>
+                      <a:r>
+                        <a:rPr kumimoji="1" lang="en-US" altLang="ja-JP" sz="1200" b="1" dirty="0" smtClean="0">
+                          <a:solidFill>
+                            <a:srgbClr val="002060"/>
+                          </a:solidFill>
+                          <a:latin typeface="游ゴシック" panose="020B0400000000000000" pitchFamily="50" charset="-128"/>
+                          <a:ea typeface="游ゴシック" panose="020B0400000000000000" pitchFamily="50" charset="-128"/>
+                        </a:rPr>
+                        <a:t>Item</a:t>
+                      </a:r>
+                      <a:r>
+                        <a:rPr kumimoji="1" lang="en-US" altLang="ja-JP" sz="1200" b="1" baseline="0" dirty="0" smtClean="0">
+                          <a:solidFill>
+                            <a:srgbClr val="002060"/>
+                          </a:solidFill>
+                          <a:latin typeface="游ゴシック" panose="020B0400000000000000" pitchFamily="50" charset="-128"/>
+                          <a:ea typeface="游ゴシック" panose="020B0400000000000000" pitchFamily="50" charset="-128"/>
+                        </a:rPr>
+                        <a:t> </a:t>
+                      </a:r>
+                      <a:r>
+                        <a:rPr kumimoji="1" lang="en-US" altLang="ja-JP" sz="1200" b="1" dirty="0" smtClean="0">
+                          <a:solidFill>
+                            <a:srgbClr val="002060"/>
+                          </a:solidFill>
+                          <a:latin typeface="游ゴシック" panose="020B0400000000000000" pitchFamily="50" charset="-128"/>
+                          <a:ea typeface="游ゴシック" panose="020B0400000000000000" pitchFamily="50" charset="-128"/>
+                        </a:rPr>
+                        <a:t>2</a:t>
+                      </a:r>
+                      <a:endParaRPr kumimoji="1" lang="ja-JP" altLang="en-US" sz="1200" b="1" dirty="0">
+                        <a:solidFill>
+                          <a:srgbClr val="002060"/>
+                        </a:solidFill>
+                        <a:latin typeface="游ゴシック" panose="020B0400000000000000" pitchFamily="50" charset="-128"/>
+                        <a:ea typeface="游ゴシック" panose="020B0400000000000000" pitchFamily="50" charset="-128"/>
+                      </a:endParaRPr>
+                    </a:p>
+                  </a:txBody>
+                  <a:tcPr marL="62656" marR="62656" marT="31328" marB="31328" anchor="ctr">
+                    <a:lnL w="12700" cap="flat" cmpd="sng" algn="ctr">
+                      <a:solidFill>
+                        <a:srgbClr val="002060"/>
+                      </a:solidFill>
+                      <a:prstDash val="solid"/>
+                      <a:round/>
+                      <a:headEnd type="none" w="med" len="med"/>
+                      <a:tailEnd type="none" w="med" len="med"/>
+                    </a:lnL>
+                    <a:lnR w="12700" cap="flat" cmpd="sng" algn="ctr">
+                      <a:solidFill>
+                        <a:srgbClr val="002060"/>
+                      </a:solidFill>
+                      <a:prstDash val="solid"/>
+                      <a:round/>
+                      <a:headEnd type="none" w="med" len="med"/>
+                      <a:tailEnd type="none" w="med" len="med"/>
+                    </a:lnR>
+                    <a:lnT w="12700" cap="flat" cmpd="sng" algn="ctr">
+                      <a:solidFill>
+                        <a:srgbClr val="002060"/>
+                      </a:solidFill>
+                      <a:prstDash val="solid"/>
+                      <a:round/>
+                      <a:headEnd type="none" w="med" len="med"/>
+                      <a:tailEnd type="none" w="med" len="med"/>
+                    </a:lnT>
+                    <a:lnB w="12700" cap="flat" cmpd="sng" algn="ctr">
+                      <a:solidFill>
+                        <a:srgbClr val="002060"/>
+                      </a:solidFill>
+                      <a:prstDash val="solid"/>
+                      <a:round/>
+                      <a:headEnd type="none" w="med" len="med"/>
+                      <a:tailEnd type="none" w="med" len="med"/>
+                    </a:lnB>
+                    <a:lnTlToBr w="12700" cmpd="sng">
+                      <a:noFill/>
+                      <a:prstDash val="solid"/>
+                    </a:lnTlToBr>
+                    <a:lnBlToTr w="12700" cmpd="sng">
+                      <a:noFill/>
+                      <a:prstDash val="solid"/>
+                    </a:lnBlToTr>
+                    <a:solidFill>
+                      <a:schemeClr val="bg1"/>
+                    </a:solidFill>
+                  </a:tcPr>
+                </a:tc>
+                <a:tc>
+                  <a:txBody>
+                    <a:bodyPr/>
+                    <a:lstStyle>
+                      <a:lvl1pPr marL="0" algn="l" defTabSz="914400" rtl="0" eaLnBrk="1" latinLnBrk="0" hangingPunct="1">
+                        <a:defRPr kumimoji="1" sz="1800" kern="1200">
+                          <a:solidFill>
+                            <a:schemeClr val="dk1"/>
+                          </a:solidFill>
+                          <a:latin typeface="Calibri" panose="020F0502020204030204"/>
+                        </a:defRPr>
+                      </a:lvl1pPr>
+                      <a:lvl2pPr marL="457200" algn="l" defTabSz="914400" rtl="0" eaLnBrk="1" latinLnBrk="0" hangingPunct="1">
+                        <a:defRPr kumimoji="1" sz="1800" kern="1200">
+                          <a:solidFill>
+                            <a:schemeClr val="dk1"/>
+                          </a:solidFill>
+                          <a:latin typeface="Calibri" panose="020F0502020204030204"/>
+                        </a:defRPr>
+                      </a:lvl2pPr>
+                      <a:lvl3pPr marL="914400" algn="l" defTabSz="914400" rtl="0" eaLnBrk="1" latinLnBrk="0" hangingPunct="1">
+                        <a:defRPr kumimoji="1" sz="1800" kern="1200">
+                          <a:solidFill>
+                            <a:schemeClr val="dk1"/>
+                          </a:solidFill>
+                          <a:latin typeface="Calibri" panose="020F0502020204030204"/>
+                        </a:defRPr>
+                      </a:lvl3pPr>
+                      <a:lvl4pPr marL="1371600" algn="l" defTabSz="914400" rtl="0" eaLnBrk="1" latinLnBrk="0" hangingPunct="1">
+                        <a:defRPr kumimoji="1" sz="1800" kern="1200">
+                          <a:solidFill>
+                            <a:schemeClr val="dk1"/>
+                          </a:solidFill>
+                          <a:latin typeface="Calibri" panose="020F0502020204030204"/>
+                        </a:defRPr>
+                      </a:lvl4pPr>
+                      <a:lvl5pPr marL="1828800" algn="l" defTabSz="914400" rtl="0" eaLnBrk="1" latinLnBrk="0" hangingPunct="1">
+                        <a:defRPr kumimoji="1" sz="1800" kern="1200">
+                          <a:solidFill>
+                            <a:schemeClr val="dk1"/>
+                          </a:solidFill>
+                          <a:latin typeface="Calibri" panose="020F0502020204030204"/>
+                        </a:defRPr>
+                      </a:lvl5pPr>
+                      <a:lvl6pPr marL="2286000" algn="l" defTabSz="914400" rtl="0" eaLnBrk="1" latinLnBrk="0" hangingPunct="1">
+                        <a:defRPr kumimoji="1" sz="1800" kern="1200">
+                          <a:solidFill>
+                            <a:schemeClr val="dk1"/>
+                          </a:solidFill>
+                          <a:latin typeface="Calibri" panose="020F0502020204030204"/>
+                        </a:defRPr>
+                      </a:lvl6pPr>
+                      <a:lvl7pPr marL="2743200" algn="l" defTabSz="914400" rtl="0" eaLnBrk="1" latinLnBrk="0" hangingPunct="1">
+                        <a:defRPr kumimoji="1" sz="1800" kern="1200">
+                          <a:solidFill>
+                            <a:schemeClr val="dk1"/>
+                          </a:solidFill>
+                          <a:latin typeface="Calibri" panose="020F0502020204030204"/>
+                        </a:defRPr>
+                      </a:lvl7pPr>
+                      <a:lvl8pPr marL="3200400" algn="l" defTabSz="914400" rtl="0" eaLnBrk="1" latinLnBrk="0" hangingPunct="1">
+                        <a:defRPr kumimoji="1" sz="1800" kern="1200">
+                          <a:solidFill>
+                            <a:schemeClr val="dk1"/>
+                          </a:solidFill>
+                          <a:latin typeface="Calibri" panose="020F0502020204030204"/>
+                        </a:defRPr>
+                      </a:lvl8pPr>
+                      <a:lvl9pPr marL="3657600" algn="l" defTabSz="914400" rtl="0" eaLnBrk="1" latinLnBrk="0" hangingPunct="1">
+                        <a:defRPr kumimoji="1" sz="1800" kern="1200">
+                          <a:solidFill>
+                            <a:schemeClr val="dk1"/>
+                          </a:solidFill>
+                          <a:latin typeface="Calibri" panose="020F0502020204030204"/>
+                        </a:defRPr>
+                      </a:lvl9pPr>
+                    </a:lstStyle>
+                    <a:p>
+                      <a:pPr algn="ctr"/>
+                      <a:r>
+                        <a:rPr kumimoji="1" lang="en-US" altLang="ja-JP" sz="1200" b="1" dirty="0" smtClean="0">
+                          <a:solidFill>
+                            <a:srgbClr val="C00000"/>
+                          </a:solidFill>
+                          <a:latin typeface="游ゴシック" panose="020B0400000000000000" pitchFamily="50" charset="-128"/>
+                          <a:ea typeface="游ゴシック" panose="020B0400000000000000" pitchFamily="50" charset="-128"/>
+                        </a:rPr>
+                        <a:t>Item</a:t>
+                      </a:r>
+                      <a:r>
+                        <a:rPr kumimoji="1" lang="en-US" altLang="ja-JP" sz="1200" b="1" baseline="0" dirty="0" smtClean="0">
+                          <a:solidFill>
+                            <a:srgbClr val="C00000"/>
+                          </a:solidFill>
+                          <a:latin typeface="游ゴシック" panose="020B0400000000000000" pitchFamily="50" charset="-128"/>
+                          <a:ea typeface="游ゴシック" panose="020B0400000000000000" pitchFamily="50" charset="-128"/>
+                        </a:rPr>
+                        <a:t> </a:t>
+                      </a:r>
+                      <a:r>
+                        <a:rPr kumimoji="1" lang="en-US" altLang="ja-JP" sz="1200" b="1" dirty="0" smtClean="0">
+                          <a:solidFill>
+                            <a:srgbClr val="C00000"/>
+                          </a:solidFill>
+                          <a:latin typeface="游ゴシック" panose="020B0400000000000000" pitchFamily="50" charset="-128"/>
+                          <a:ea typeface="游ゴシック" panose="020B0400000000000000" pitchFamily="50" charset="-128"/>
+                        </a:rPr>
+                        <a:t>3</a:t>
+                      </a:r>
+                      <a:endParaRPr kumimoji="1" lang="ja-JP" altLang="en-US" sz="1200" b="1" dirty="0">
+                        <a:solidFill>
+                          <a:srgbClr val="C00000"/>
+                        </a:solidFill>
+                        <a:latin typeface="游ゴシック" panose="020B0400000000000000" pitchFamily="50" charset="-128"/>
+                        <a:ea typeface="游ゴシック" panose="020B0400000000000000" pitchFamily="50" charset="-128"/>
+                      </a:endParaRPr>
+                    </a:p>
+                  </a:txBody>
+                  <a:tcPr marL="62656" marR="62656" marT="31328" marB="31328" anchor="ctr">
+                    <a:lnL w="12700" cap="flat" cmpd="sng" algn="ctr">
+                      <a:solidFill>
+                        <a:srgbClr val="002060"/>
+                      </a:solidFill>
+                      <a:prstDash val="solid"/>
+                      <a:round/>
+                      <a:headEnd type="none" w="med" len="med"/>
+                      <a:tailEnd type="none" w="med" len="med"/>
+                    </a:lnL>
+                    <a:lnR w="12700" cap="flat" cmpd="sng" algn="ctr">
+                      <a:solidFill>
+                        <a:srgbClr val="002060"/>
+                      </a:solidFill>
+                      <a:prstDash val="solid"/>
+                      <a:round/>
+                      <a:headEnd type="none" w="med" len="med"/>
+                      <a:tailEnd type="none" w="med" len="med"/>
+                    </a:lnR>
+                    <a:lnT w="12700" cap="flat" cmpd="sng" algn="ctr">
+                      <a:solidFill>
+                        <a:srgbClr val="002060"/>
+                      </a:solidFill>
+                      <a:prstDash val="solid"/>
+                      <a:round/>
+                      <a:headEnd type="none" w="med" len="med"/>
+                      <a:tailEnd type="none" w="med" len="med"/>
+                    </a:lnT>
+                    <a:lnB w="12700" cap="flat" cmpd="sng" algn="ctr">
+                      <a:solidFill>
+                        <a:srgbClr val="002060"/>
+                      </a:solidFill>
+                      <a:prstDash val="solid"/>
+                      <a:round/>
+                      <a:headEnd type="none" w="med" len="med"/>
+                      <a:tailEnd type="none" w="med" len="med"/>
+                    </a:lnB>
+                    <a:lnTlToBr w="12700" cmpd="sng">
+                      <a:noFill/>
+                      <a:prstDash val="solid"/>
+                    </a:lnTlToBr>
+                    <a:lnBlToTr w="12700" cmpd="sng">
+                      <a:noFill/>
+                      <a:prstDash val="solid"/>
+                    </a:lnBlToTr>
+                    <a:solidFill>
+                      <a:schemeClr val="bg1"/>
+                    </a:solidFill>
+                  </a:tcPr>
+                </a:tc>
+                <a:extLst>
+                  <a:ext uri="{0D108BD9-81ED-4DB2-BD59-A6C34878D82A}">
+                    <a16:rowId xmlns:a16="http://schemas.microsoft.com/office/drawing/2014/main" val="704012225"/>
+                  </a:ext>
+                </a:extLst>
+              </a:tr>
+              <a:tr h="146197">
+                <a:tc>
+                  <a:txBody>
+                    <a:bodyPr/>
+                    <a:lstStyle/>
+                    <a:p>
+                      <a:pPr marL="0" marR="0" lvl="0" indent="0" algn="ctr" defTabSz="914400" rtl="0" eaLnBrk="1" fontAlgn="auto" latinLnBrk="0" hangingPunct="1">
+                        <a:lnSpc>
+                          <a:spcPct val="100000"/>
+                        </a:lnSpc>
+                        <a:spcBef>
+                          <a:spcPts val="0"/>
+                        </a:spcBef>
+                        <a:spcAft>
+                          <a:spcPts val="0"/>
+                        </a:spcAft>
+                        <a:buClrTx/>
+                        <a:buSzTx/>
+                        <a:buFontTx/>
+                        <a:buNone/>
+                        <a:tabLst/>
+                        <a:defRPr/>
+                      </a:pPr>
+                      <a:r>
+                        <a:rPr kumimoji="1" lang="en-US" altLang="ja-JP" sz="1200" b="1" dirty="0" smtClean="0">
+                          <a:solidFill>
+                            <a:srgbClr val="C00000"/>
+                          </a:solidFill>
+                          <a:latin typeface="游ゴシック" panose="020B0400000000000000" pitchFamily="50" charset="-128"/>
+                          <a:ea typeface="游ゴシック" panose="020B0400000000000000" pitchFamily="50" charset="-128"/>
+                        </a:rPr>
+                        <a:t>Difference</a:t>
+                      </a:r>
+                      <a:endParaRPr kumimoji="1" lang="ja-JP" altLang="en-US" sz="1200" b="1" dirty="0" smtClean="0">
+                        <a:solidFill>
+                          <a:srgbClr val="C00000"/>
+                        </a:solidFill>
+                        <a:latin typeface="游ゴシック" panose="020B0400000000000000" pitchFamily="50" charset="-128"/>
+                        <a:ea typeface="游ゴシック" panose="020B0400000000000000" pitchFamily="50" charset="-128"/>
+                      </a:endParaRPr>
+                    </a:p>
+                  </a:txBody>
+                  <a:tcPr marL="62656" marR="62656" marT="31328" marB="31328" anchor="ctr">
+                    <a:lnL w="12700" cap="flat" cmpd="sng" algn="ctr">
+                      <a:solidFill>
+                        <a:srgbClr val="002060"/>
+                      </a:solidFill>
+                      <a:prstDash val="solid"/>
+                      <a:round/>
+                      <a:headEnd type="none" w="med" len="med"/>
+                      <a:tailEnd type="none" w="med" len="med"/>
+                    </a:lnL>
+                    <a:lnR w="12700" cap="flat" cmpd="sng" algn="ctr">
+                      <a:solidFill>
+                        <a:srgbClr val="002060"/>
+                      </a:solidFill>
+                      <a:prstDash val="solid"/>
+                      <a:round/>
+                      <a:headEnd type="none" w="med" len="med"/>
+                      <a:tailEnd type="none" w="med" len="med"/>
+                    </a:lnR>
+                    <a:lnT w="12700" cap="flat" cmpd="sng" algn="ctr">
+                      <a:solidFill>
+                        <a:srgbClr val="002060"/>
+                      </a:solidFill>
+                      <a:prstDash val="solid"/>
+                      <a:round/>
+                      <a:headEnd type="none" w="med" len="med"/>
+                      <a:tailEnd type="none" w="med" len="med"/>
+                    </a:lnT>
+                    <a:lnB w="12700" cap="flat" cmpd="sng" algn="ctr">
+                      <a:solidFill>
+                        <a:srgbClr val="002060"/>
+                      </a:solidFill>
+                      <a:prstDash val="solid"/>
+                      <a:round/>
+                      <a:headEnd type="none" w="med" len="med"/>
+                      <a:tailEnd type="none" w="med" len="med"/>
+                    </a:lnB>
+                    <a:lnTlToBr w="12700" cmpd="sng">
+                      <a:noFill/>
+                      <a:prstDash val="solid"/>
+                    </a:lnTlToBr>
+                    <a:lnBlToTr w="12700" cmpd="sng">
+                      <a:noFill/>
+                      <a:prstDash val="solid"/>
+                    </a:lnBlToTr>
+                    <a:solidFill>
+                      <a:schemeClr val="bg1"/>
+                    </a:solidFill>
+                  </a:tcPr>
+                </a:tc>
+                <a:tc>
+                  <a:txBody>
+                    <a:bodyPr/>
+                    <a:lstStyle/>
+                    <a:p>
+                      <a:pPr algn="ctr"/>
+                      <a:r>
+                        <a:rPr kumimoji="1" lang="en-US" altLang="ja-JP" sz="1200" b="1" dirty="0" smtClean="0">
+                          <a:solidFill>
+                            <a:srgbClr val="002060"/>
+                          </a:solidFill>
+                          <a:latin typeface="游ゴシック" panose="020B0400000000000000" pitchFamily="50" charset="-128"/>
+                          <a:ea typeface="游ゴシック" panose="020B0400000000000000" pitchFamily="50" charset="-128"/>
+                        </a:rPr>
+                        <a:t>Parameter sheet B</a:t>
+                      </a:r>
+                      <a:endParaRPr kumimoji="1" lang="ja-JP" altLang="en-US" sz="1200" b="1" dirty="0">
+                        <a:solidFill>
+                          <a:srgbClr val="002060"/>
+                        </a:solidFill>
+                        <a:latin typeface="游ゴシック" panose="020B0400000000000000" pitchFamily="50" charset="-128"/>
+                        <a:ea typeface="游ゴシック" panose="020B0400000000000000" pitchFamily="50" charset="-128"/>
+                      </a:endParaRPr>
+                    </a:p>
+                  </a:txBody>
+                  <a:tcPr marL="62656" marR="62656" marT="31328" marB="31328" anchor="ctr">
+                    <a:lnL w="12700" cap="flat" cmpd="sng" algn="ctr">
+                      <a:solidFill>
+                        <a:srgbClr val="002060"/>
+                      </a:solidFill>
+                      <a:prstDash val="solid"/>
+                      <a:round/>
+                      <a:headEnd type="none" w="med" len="med"/>
+                      <a:tailEnd type="none" w="med" len="med"/>
+                    </a:lnL>
+                    <a:lnR w="12700" cap="flat" cmpd="sng" algn="ctr">
+                      <a:solidFill>
+                        <a:srgbClr val="002060"/>
+                      </a:solidFill>
+                      <a:prstDash val="solid"/>
+                      <a:round/>
+                      <a:headEnd type="none" w="med" len="med"/>
+                      <a:tailEnd type="none" w="med" len="med"/>
+                    </a:lnR>
+                    <a:lnT w="12700" cap="flat" cmpd="sng" algn="ctr">
+                      <a:solidFill>
+                        <a:srgbClr val="002060"/>
+                      </a:solidFill>
+                      <a:prstDash val="solid"/>
+                      <a:round/>
+                      <a:headEnd type="none" w="med" len="med"/>
+                      <a:tailEnd type="none" w="med" len="med"/>
+                    </a:lnT>
+                    <a:lnB w="12700" cap="flat" cmpd="sng" algn="ctr">
+                      <a:solidFill>
+                        <a:srgbClr val="002060"/>
+                      </a:solidFill>
+                      <a:prstDash val="solid"/>
+                      <a:round/>
+                      <a:headEnd type="none" w="med" len="med"/>
+                      <a:tailEnd type="none" w="med" len="med"/>
+                    </a:lnB>
+                    <a:lnTlToBr w="12700" cmpd="sng">
+                      <a:noFill/>
+                      <a:prstDash val="solid"/>
+                    </a:lnTlToBr>
+                    <a:lnBlToTr w="12700" cmpd="sng">
+                      <a:noFill/>
+                      <a:prstDash val="solid"/>
+                    </a:lnBlToTr>
+                    <a:solidFill>
+                      <a:schemeClr val="bg1"/>
+                    </a:solidFill>
+                  </a:tcPr>
+                </a:tc>
+                <a:tc>
+                  <a:txBody>
+                    <a:bodyPr/>
+                    <a:lstStyle>
+                      <a:lvl1pPr marL="0" algn="l" defTabSz="914400" rtl="0" eaLnBrk="1" latinLnBrk="0" hangingPunct="1">
+                        <a:defRPr kumimoji="1" sz="1800" kern="1200">
+                          <a:solidFill>
+                            <a:schemeClr val="dk1"/>
+                          </a:solidFill>
+                          <a:latin typeface="Calibri" panose="020F0502020204030204"/>
+                        </a:defRPr>
+                      </a:lvl1pPr>
+                      <a:lvl2pPr marL="457200" algn="l" defTabSz="914400" rtl="0" eaLnBrk="1" latinLnBrk="0" hangingPunct="1">
+                        <a:defRPr kumimoji="1" sz="1800" kern="1200">
+                          <a:solidFill>
+                            <a:schemeClr val="dk1"/>
+                          </a:solidFill>
+                          <a:latin typeface="Calibri" panose="020F0502020204030204"/>
+                        </a:defRPr>
+                      </a:lvl2pPr>
+                      <a:lvl3pPr marL="914400" algn="l" defTabSz="914400" rtl="0" eaLnBrk="1" latinLnBrk="0" hangingPunct="1">
+                        <a:defRPr kumimoji="1" sz="1800" kern="1200">
+                          <a:solidFill>
+                            <a:schemeClr val="dk1"/>
+                          </a:solidFill>
+                          <a:latin typeface="Calibri" panose="020F0502020204030204"/>
+                        </a:defRPr>
+                      </a:lvl3pPr>
+                      <a:lvl4pPr marL="1371600" algn="l" defTabSz="914400" rtl="0" eaLnBrk="1" latinLnBrk="0" hangingPunct="1">
+                        <a:defRPr kumimoji="1" sz="1800" kern="1200">
+                          <a:solidFill>
+                            <a:schemeClr val="dk1"/>
+                          </a:solidFill>
+                          <a:latin typeface="Calibri" panose="020F0502020204030204"/>
+                        </a:defRPr>
+                      </a:lvl4pPr>
+                      <a:lvl5pPr marL="1828800" algn="l" defTabSz="914400" rtl="0" eaLnBrk="1" latinLnBrk="0" hangingPunct="1">
+                        <a:defRPr kumimoji="1" sz="1800" kern="1200">
+                          <a:solidFill>
+                            <a:schemeClr val="dk1"/>
+                          </a:solidFill>
+                          <a:latin typeface="Calibri" panose="020F0502020204030204"/>
+                        </a:defRPr>
+                      </a:lvl5pPr>
+                      <a:lvl6pPr marL="2286000" algn="l" defTabSz="914400" rtl="0" eaLnBrk="1" latinLnBrk="0" hangingPunct="1">
+                        <a:defRPr kumimoji="1" sz="1800" kern="1200">
+                          <a:solidFill>
+                            <a:schemeClr val="dk1"/>
+                          </a:solidFill>
+                          <a:latin typeface="Calibri" panose="020F0502020204030204"/>
+                        </a:defRPr>
+                      </a:lvl6pPr>
+                      <a:lvl7pPr marL="2743200" algn="l" defTabSz="914400" rtl="0" eaLnBrk="1" latinLnBrk="0" hangingPunct="1">
+                        <a:defRPr kumimoji="1" sz="1800" kern="1200">
+                          <a:solidFill>
+                            <a:schemeClr val="dk1"/>
+                          </a:solidFill>
+                          <a:latin typeface="Calibri" panose="020F0502020204030204"/>
+                        </a:defRPr>
+                      </a:lvl7pPr>
+                      <a:lvl8pPr marL="3200400" algn="l" defTabSz="914400" rtl="0" eaLnBrk="1" latinLnBrk="0" hangingPunct="1">
+                        <a:defRPr kumimoji="1" sz="1800" kern="1200">
+                          <a:solidFill>
+                            <a:schemeClr val="dk1"/>
+                          </a:solidFill>
+                          <a:latin typeface="Calibri" panose="020F0502020204030204"/>
+                        </a:defRPr>
+                      </a:lvl8pPr>
+                      <a:lvl9pPr marL="3657600" algn="l" defTabSz="914400" rtl="0" eaLnBrk="1" latinLnBrk="0" hangingPunct="1">
+                        <a:defRPr kumimoji="1" sz="1800" kern="1200">
+                          <a:solidFill>
+                            <a:schemeClr val="dk1"/>
+                          </a:solidFill>
+                          <a:latin typeface="Calibri" panose="020F0502020204030204"/>
+                        </a:defRPr>
+                      </a:lvl9pPr>
+                    </a:lstStyle>
+                    <a:p>
+                      <a:pPr algn="ctr"/>
+                      <a:r>
+                        <a:rPr kumimoji="1" lang="en-US" altLang="ja-JP" sz="1200" b="1" dirty="0" smtClean="0">
+                          <a:solidFill>
+                            <a:srgbClr val="002060"/>
+                          </a:solidFill>
+                          <a:latin typeface="游ゴシック" panose="020B0400000000000000" pitchFamily="50" charset="-128"/>
+                          <a:ea typeface="游ゴシック" panose="020B0400000000000000" pitchFamily="50" charset="-128"/>
+                        </a:rPr>
+                        <a:t>Item</a:t>
+                      </a:r>
+                      <a:r>
+                        <a:rPr kumimoji="1" lang="en-US" altLang="ja-JP" sz="1200" b="1" baseline="0" dirty="0" smtClean="0">
+                          <a:solidFill>
+                            <a:srgbClr val="002060"/>
+                          </a:solidFill>
+                          <a:latin typeface="游ゴシック" panose="020B0400000000000000" pitchFamily="50" charset="-128"/>
+                          <a:ea typeface="游ゴシック" panose="020B0400000000000000" pitchFamily="50" charset="-128"/>
+                        </a:rPr>
+                        <a:t> </a:t>
+                      </a:r>
+                      <a:r>
+                        <a:rPr kumimoji="1" lang="en-US" altLang="ja-JP" sz="1200" b="1" dirty="0" smtClean="0">
+                          <a:solidFill>
+                            <a:srgbClr val="002060"/>
+                          </a:solidFill>
+                          <a:latin typeface="游ゴシック" panose="020B0400000000000000" pitchFamily="50" charset="-128"/>
+                          <a:ea typeface="游ゴシック" panose="020B0400000000000000" pitchFamily="50" charset="-128"/>
+                        </a:rPr>
+                        <a:t>1</a:t>
+                      </a:r>
+                      <a:endParaRPr kumimoji="1" lang="ja-JP" altLang="en-US" sz="1200" b="1" dirty="0">
+                        <a:solidFill>
+                          <a:srgbClr val="002060"/>
+                        </a:solidFill>
+                        <a:latin typeface="游ゴシック" panose="020B0400000000000000" pitchFamily="50" charset="-128"/>
+                        <a:ea typeface="游ゴシック" panose="020B0400000000000000" pitchFamily="50" charset="-128"/>
+                      </a:endParaRPr>
+                    </a:p>
+                  </a:txBody>
+                  <a:tcPr marL="62656" marR="62656" marT="31328" marB="31328" anchor="ctr">
+                    <a:lnL w="12700" cap="flat" cmpd="sng" algn="ctr">
+                      <a:solidFill>
+                        <a:srgbClr val="002060"/>
+                      </a:solidFill>
+                      <a:prstDash val="solid"/>
+                      <a:round/>
+                      <a:headEnd type="none" w="med" len="med"/>
+                      <a:tailEnd type="none" w="med" len="med"/>
+                    </a:lnL>
+                    <a:lnR w="12700" cap="flat" cmpd="sng" algn="ctr">
+                      <a:solidFill>
+                        <a:srgbClr val="002060"/>
+                      </a:solidFill>
+                      <a:prstDash val="solid"/>
+                      <a:round/>
+                      <a:headEnd type="none" w="med" len="med"/>
+                      <a:tailEnd type="none" w="med" len="med"/>
+                    </a:lnR>
+                    <a:lnT w="12700" cap="flat" cmpd="sng" algn="ctr">
+                      <a:solidFill>
+                        <a:srgbClr val="002060"/>
+                      </a:solidFill>
+                      <a:prstDash val="solid"/>
+                      <a:round/>
+                      <a:headEnd type="none" w="med" len="med"/>
+                      <a:tailEnd type="none" w="med" len="med"/>
+                    </a:lnT>
+                    <a:lnB w="12700" cap="flat" cmpd="sng" algn="ctr">
+                      <a:solidFill>
+                        <a:srgbClr val="002060"/>
+                      </a:solidFill>
+                      <a:prstDash val="solid"/>
+                      <a:round/>
+                      <a:headEnd type="none" w="med" len="med"/>
+                      <a:tailEnd type="none" w="med" len="med"/>
+                    </a:lnB>
+                    <a:lnTlToBr w="12700" cmpd="sng">
+                      <a:noFill/>
+                      <a:prstDash val="solid"/>
+                    </a:lnTlToBr>
+                    <a:lnBlToTr w="12700" cmpd="sng">
+                      <a:noFill/>
+                      <a:prstDash val="solid"/>
+                    </a:lnBlToTr>
+                    <a:solidFill>
+                      <a:schemeClr val="bg1"/>
+                    </a:solidFill>
+                  </a:tcPr>
+                </a:tc>
+                <a:tc>
+                  <a:txBody>
+                    <a:bodyPr/>
+                    <a:lstStyle>
+                      <a:lvl1pPr marL="0" algn="l" defTabSz="914400" rtl="0" eaLnBrk="1" latinLnBrk="0" hangingPunct="1">
+                        <a:defRPr kumimoji="1" sz="1800" kern="1200">
+                          <a:solidFill>
+                            <a:schemeClr val="dk1"/>
+                          </a:solidFill>
+                          <a:latin typeface="Calibri" panose="020F0502020204030204"/>
+                        </a:defRPr>
+                      </a:lvl1pPr>
+                      <a:lvl2pPr marL="457200" algn="l" defTabSz="914400" rtl="0" eaLnBrk="1" latinLnBrk="0" hangingPunct="1">
+                        <a:defRPr kumimoji="1" sz="1800" kern="1200">
+                          <a:solidFill>
+                            <a:schemeClr val="dk1"/>
+                          </a:solidFill>
+                          <a:latin typeface="Calibri" panose="020F0502020204030204"/>
+                        </a:defRPr>
+                      </a:lvl2pPr>
+                      <a:lvl3pPr marL="914400" algn="l" defTabSz="914400" rtl="0" eaLnBrk="1" latinLnBrk="0" hangingPunct="1">
+                        <a:defRPr kumimoji="1" sz="1800" kern="1200">
+                          <a:solidFill>
+                            <a:schemeClr val="dk1"/>
+                          </a:solidFill>
+                          <a:latin typeface="Calibri" panose="020F0502020204030204"/>
+                        </a:defRPr>
+                      </a:lvl3pPr>
+                      <a:lvl4pPr marL="1371600" algn="l" defTabSz="914400" rtl="0" eaLnBrk="1" latinLnBrk="0" hangingPunct="1">
+                        <a:defRPr kumimoji="1" sz="1800" kern="1200">
+                          <a:solidFill>
+                            <a:schemeClr val="dk1"/>
+                          </a:solidFill>
+                          <a:latin typeface="Calibri" panose="020F0502020204030204"/>
+                        </a:defRPr>
+                      </a:lvl4pPr>
+                      <a:lvl5pPr marL="1828800" algn="l" defTabSz="914400" rtl="0" eaLnBrk="1" latinLnBrk="0" hangingPunct="1">
+                        <a:defRPr kumimoji="1" sz="1800" kern="1200">
+                          <a:solidFill>
+                            <a:schemeClr val="dk1"/>
+                          </a:solidFill>
+                          <a:latin typeface="Calibri" panose="020F0502020204030204"/>
+                        </a:defRPr>
+                      </a:lvl5pPr>
+                      <a:lvl6pPr marL="2286000" algn="l" defTabSz="914400" rtl="0" eaLnBrk="1" latinLnBrk="0" hangingPunct="1">
+                        <a:defRPr kumimoji="1" sz="1800" kern="1200">
+                          <a:solidFill>
+                            <a:schemeClr val="dk1"/>
+                          </a:solidFill>
+                          <a:latin typeface="Calibri" panose="020F0502020204030204"/>
+                        </a:defRPr>
+                      </a:lvl6pPr>
+                      <a:lvl7pPr marL="2743200" algn="l" defTabSz="914400" rtl="0" eaLnBrk="1" latinLnBrk="0" hangingPunct="1">
+                        <a:defRPr kumimoji="1" sz="1800" kern="1200">
+                          <a:solidFill>
+                            <a:schemeClr val="dk1"/>
+                          </a:solidFill>
+                          <a:latin typeface="Calibri" panose="020F0502020204030204"/>
+                        </a:defRPr>
+                      </a:lvl7pPr>
+                      <a:lvl8pPr marL="3200400" algn="l" defTabSz="914400" rtl="0" eaLnBrk="1" latinLnBrk="0" hangingPunct="1">
+                        <a:defRPr kumimoji="1" sz="1800" kern="1200">
+                          <a:solidFill>
+                            <a:schemeClr val="dk1"/>
+                          </a:solidFill>
+                          <a:latin typeface="Calibri" panose="020F0502020204030204"/>
+                        </a:defRPr>
+                      </a:lvl8pPr>
+                      <a:lvl9pPr marL="3657600" algn="l" defTabSz="914400" rtl="0" eaLnBrk="1" latinLnBrk="0" hangingPunct="1">
+                        <a:defRPr kumimoji="1" sz="1800" kern="1200">
+                          <a:solidFill>
+                            <a:schemeClr val="dk1"/>
+                          </a:solidFill>
+                          <a:latin typeface="Calibri" panose="020F0502020204030204"/>
+                        </a:defRPr>
+                      </a:lvl9pPr>
+                    </a:lstStyle>
+                    <a:p>
+                      <a:pPr algn="ctr"/>
+                      <a:r>
+                        <a:rPr kumimoji="1" lang="en-US" altLang="ja-JP" sz="1200" b="1" dirty="0" smtClean="0">
+                          <a:solidFill>
+                            <a:srgbClr val="002060"/>
+                          </a:solidFill>
+                          <a:latin typeface="游ゴシック" panose="020B0400000000000000" pitchFamily="50" charset="-128"/>
+                          <a:ea typeface="游ゴシック" panose="020B0400000000000000" pitchFamily="50" charset="-128"/>
+                        </a:rPr>
+                        <a:t>Item</a:t>
+                      </a:r>
+                      <a:r>
+                        <a:rPr kumimoji="1" lang="en-US" altLang="ja-JP" sz="1200" b="1" baseline="0" dirty="0" smtClean="0">
+                          <a:solidFill>
+                            <a:srgbClr val="002060"/>
+                          </a:solidFill>
+                          <a:latin typeface="游ゴシック" panose="020B0400000000000000" pitchFamily="50" charset="-128"/>
+                          <a:ea typeface="游ゴシック" panose="020B0400000000000000" pitchFamily="50" charset="-128"/>
+                        </a:rPr>
+                        <a:t> </a:t>
+                      </a:r>
+                      <a:r>
+                        <a:rPr kumimoji="1" lang="en-US" altLang="ja-JP" sz="1200" b="1" dirty="0" smtClean="0">
+                          <a:solidFill>
+                            <a:srgbClr val="002060"/>
+                          </a:solidFill>
+                          <a:latin typeface="游ゴシック" panose="020B0400000000000000" pitchFamily="50" charset="-128"/>
+                          <a:ea typeface="游ゴシック" panose="020B0400000000000000" pitchFamily="50" charset="-128"/>
+                        </a:rPr>
+                        <a:t>2</a:t>
+                      </a:r>
+                      <a:endParaRPr kumimoji="1" lang="ja-JP" altLang="en-US" sz="1200" b="1" dirty="0">
+                        <a:solidFill>
+                          <a:srgbClr val="002060"/>
+                        </a:solidFill>
+                        <a:latin typeface="游ゴシック" panose="020B0400000000000000" pitchFamily="50" charset="-128"/>
+                        <a:ea typeface="游ゴシック" panose="020B0400000000000000" pitchFamily="50" charset="-128"/>
+                      </a:endParaRPr>
+                    </a:p>
+                  </a:txBody>
+                  <a:tcPr marL="62656" marR="62656" marT="31328" marB="31328" anchor="ctr">
+                    <a:lnL w="12700" cap="flat" cmpd="sng" algn="ctr">
+                      <a:solidFill>
+                        <a:srgbClr val="002060"/>
+                      </a:solidFill>
+                      <a:prstDash val="solid"/>
+                      <a:round/>
+                      <a:headEnd type="none" w="med" len="med"/>
+                      <a:tailEnd type="none" w="med" len="med"/>
+                    </a:lnL>
+                    <a:lnR w="12700" cap="flat" cmpd="sng" algn="ctr">
+                      <a:solidFill>
+                        <a:srgbClr val="002060"/>
+                      </a:solidFill>
+                      <a:prstDash val="solid"/>
+                      <a:round/>
+                      <a:headEnd type="none" w="med" len="med"/>
+                      <a:tailEnd type="none" w="med" len="med"/>
+                    </a:lnR>
+                    <a:lnT w="12700" cap="flat" cmpd="sng" algn="ctr">
+                      <a:solidFill>
+                        <a:srgbClr val="002060"/>
+                      </a:solidFill>
+                      <a:prstDash val="solid"/>
+                      <a:round/>
+                      <a:headEnd type="none" w="med" len="med"/>
+                      <a:tailEnd type="none" w="med" len="med"/>
+                    </a:lnT>
+                    <a:lnB w="12700" cap="flat" cmpd="sng" algn="ctr">
+                      <a:solidFill>
+                        <a:srgbClr val="002060"/>
+                      </a:solidFill>
+                      <a:prstDash val="solid"/>
+                      <a:round/>
+                      <a:headEnd type="none" w="med" len="med"/>
+                      <a:tailEnd type="none" w="med" len="med"/>
+                    </a:lnB>
+                    <a:lnTlToBr w="12700" cmpd="sng">
+                      <a:noFill/>
+                      <a:prstDash val="solid"/>
+                    </a:lnTlToBr>
+                    <a:lnBlToTr w="12700" cmpd="sng">
+                      <a:noFill/>
+                      <a:prstDash val="solid"/>
+                    </a:lnBlToTr>
+                    <a:solidFill>
+                      <a:schemeClr val="bg1"/>
+                    </a:solidFill>
+                  </a:tcPr>
+                </a:tc>
+                <a:tc>
+                  <a:txBody>
+                    <a:bodyPr/>
+                    <a:lstStyle>
+                      <a:lvl1pPr marL="0" algn="l" defTabSz="914400" rtl="0" eaLnBrk="1" latinLnBrk="0" hangingPunct="1">
+                        <a:defRPr kumimoji="1" sz="1800" kern="1200">
+                          <a:solidFill>
+                            <a:schemeClr val="dk1"/>
+                          </a:solidFill>
+                          <a:latin typeface="Calibri" panose="020F0502020204030204"/>
+                        </a:defRPr>
+                      </a:lvl1pPr>
+                      <a:lvl2pPr marL="457200" algn="l" defTabSz="914400" rtl="0" eaLnBrk="1" latinLnBrk="0" hangingPunct="1">
+                        <a:defRPr kumimoji="1" sz="1800" kern="1200">
+                          <a:solidFill>
+                            <a:schemeClr val="dk1"/>
+                          </a:solidFill>
+                          <a:latin typeface="Calibri" panose="020F0502020204030204"/>
+                        </a:defRPr>
+                      </a:lvl2pPr>
+                      <a:lvl3pPr marL="914400" algn="l" defTabSz="914400" rtl="0" eaLnBrk="1" latinLnBrk="0" hangingPunct="1">
+                        <a:defRPr kumimoji="1" sz="1800" kern="1200">
+                          <a:solidFill>
+                            <a:schemeClr val="dk1"/>
+                          </a:solidFill>
+                          <a:latin typeface="Calibri" panose="020F0502020204030204"/>
+                        </a:defRPr>
+                      </a:lvl3pPr>
+                      <a:lvl4pPr marL="1371600" algn="l" defTabSz="914400" rtl="0" eaLnBrk="1" latinLnBrk="0" hangingPunct="1">
+                        <a:defRPr kumimoji="1" sz="1800" kern="1200">
+                          <a:solidFill>
+                            <a:schemeClr val="dk1"/>
+                          </a:solidFill>
+                          <a:latin typeface="Calibri" panose="020F0502020204030204"/>
+                        </a:defRPr>
+                      </a:lvl4pPr>
+                      <a:lvl5pPr marL="1828800" algn="l" defTabSz="914400" rtl="0" eaLnBrk="1" latinLnBrk="0" hangingPunct="1">
+                        <a:defRPr kumimoji="1" sz="1800" kern="1200">
+                          <a:solidFill>
+                            <a:schemeClr val="dk1"/>
+                          </a:solidFill>
+                          <a:latin typeface="Calibri" panose="020F0502020204030204"/>
+                        </a:defRPr>
+                      </a:lvl5pPr>
+                      <a:lvl6pPr marL="2286000" algn="l" defTabSz="914400" rtl="0" eaLnBrk="1" latinLnBrk="0" hangingPunct="1">
+                        <a:defRPr kumimoji="1" sz="1800" kern="1200">
+                          <a:solidFill>
+                            <a:schemeClr val="dk1"/>
+                          </a:solidFill>
+                          <a:latin typeface="Calibri" panose="020F0502020204030204"/>
+                        </a:defRPr>
+                      </a:lvl6pPr>
+                      <a:lvl7pPr marL="2743200" algn="l" defTabSz="914400" rtl="0" eaLnBrk="1" latinLnBrk="0" hangingPunct="1">
+                        <a:defRPr kumimoji="1" sz="1800" kern="1200">
+                          <a:solidFill>
+                            <a:schemeClr val="dk1"/>
+                          </a:solidFill>
+                          <a:latin typeface="Calibri" panose="020F0502020204030204"/>
+                        </a:defRPr>
+                      </a:lvl7pPr>
+                      <a:lvl8pPr marL="3200400" algn="l" defTabSz="914400" rtl="0" eaLnBrk="1" latinLnBrk="0" hangingPunct="1">
+                        <a:defRPr kumimoji="1" sz="1800" kern="1200">
+                          <a:solidFill>
+                            <a:schemeClr val="dk1"/>
+                          </a:solidFill>
+                          <a:latin typeface="Calibri" panose="020F0502020204030204"/>
+                        </a:defRPr>
+                      </a:lvl8pPr>
+                      <a:lvl9pPr marL="3657600" algn="l" defTabSz="914400" rtl="0" eaLnBrk="1" latinLnBrk="0" hangingPunct="1">
+                        <a:defRPr kumimoji="1" sz="1800" kern="1200">
+                          <a:solidFill>
+                            <a:schemeClr val="dk1"/>
+                          </a:solidFill>
+                          <a:latin typeface="Calibri" panose="020F0502020204030204"/>
+                        </a:defRPr>
+                      </a:lvl9pPr>
+                    </a:lstStyle>
+                    <a:p>
+                      <a:pPr algn="ctr"/>
+                      <a:r>
+                        <a:rPr kumimoji="1" lang="en-US" altLang="ja-JP" sz="1200" b="1" dirty="0" smtClean="0">
+                          <a:solidFill>
+                            <a:srgbClr val="C00000"/>
+                          </a:solidFill>
+                          <a:latin typeface="游ゴシック" panose="020B0400000000000000" pitchFamily="50" charset="-128"/>
+                          <a:ea typeface="游ゴシック" panose="020B0400000000000000" pitchFamily="50" charset="-128"/>
+                        </a:rPr>
+                        <a:t>Item</a:t>
+                      </a:r>
+                      <a:r>
+                        <a:rPr kumimoji="1" lang="en-US" altLang="ja-JP" sz="1200" b="1" baseline="0" dirty="0" smtClean="0">
+                          <a:solidFill>
+                            <a:srgbClr val="C00000"/>
+                          </a:solidFill>
+                          <a:latin typeface="游ゴシック" panose="020B0400000000000000" pitchFamily="50" charset="-128"/>
+                          <a:ea typeface="游ゴシック" panose="020B0400000000000000" pitchFamily="50" charset="-128"/>
+                        </a:rPr>
+                        <a:t> </a:t>
+                      </a:r>
+                      <a:r>
+                        <a:rPr kumimoji="1" lang="en-US" altLang="ja-JP" sz="1200" b="1" dirty="0" smtClean="0">
+                          <a:solidFill>
+                            <a:srgbClr val="C00000"/>
+                          </a:solidFill>
+                          <a:latin typeface="游ゴシック" panose="020B0400000000000000" pitchFamily="50" charset="-128"/>
+                          <a:ea typeface="游ゴシック" panose="020B0400000000000000" pitchFamily="50" charset="-128"/>
+                        </a:rPr>
+                        <a:t>3</a:t>
+                      </a:r>
+                      <a:endParaRPr kumimoji="1" lang="ja-JP" altLang="en-US" sz="1200" b="1" dirty="0">
+                        <a:solidFill>
+                          <a:srgbClr val="C00000"/>
+                        </a:solidFill>
+                        <a:latin typeface="游ゴシック" panose="020B0400000000000000" pitchFamily="50" charset="-128"/>
+                        <a:ea typeface="游ゴシック" panose="020B0400000000000000" pitchFamily="50" charset="-128"/>
+                      </a:endParaRPr>
+                    </a:p>
+                  </a:txBody>
+                  <a:tcPr marL="62656" marR="62656" marT="31328" marB="31328" anchor="ctr">
+                    <a:lnL w="12700" cap="flat" cmpd="sng" algn="ctr">
+                      <a:solidFill>
+                        <a:srgbClr val="002060"/>
+                      </a:solidFill>
+                      <a:prstDash val="solid"/>
+                      <a:round/>
+                      <a:headEnd type="none" w="med" len="med"/>
+                      <a:tailEnd type="none" w="med" len="med"/>
+                    </a:lnL>
+                    <a:lnR w="12700" cap="flat" cmpd="sng" algn="ctr">
+                      <a:solidFill>
+                        <a:srgbClr val="002060"/>
+                      </a:solidFill>
+                      <a:prstDash val="solid"/>
+                      <a:round/>
+                      <a:headEnd type="none" w="med" len="med"/>
+                      <a:tailEnd type="none" w="med" len="med"/>
+                    </a:lnR>
+                    <a:lnT w="12700" cap="flat" cmpd="sng" algn="ctr">
+                      <a:solidFill>
+                        <a:srgbClr val="002060"/>
+                      </a:solidFill>
+                      <a:prstDash val="solid"/>
+                      <a:round/>
+                      <a:headEnd type="none" w="med" len="med"/>
+                      <a:tailEnd type="none" w="med" len="med"/>
+                    </a:lnT>
+                    <a:lnB w="12700" cap="flat" cmpd="sng" algn="ctr">
+                      <a:solidFill>
+                        <a:srgbClr val="002060"/>
+                      </a:solidFill>
+                      <a:prstDash val="solid"/>
+                      <a:round/>
+                      <a:headEnd type="none" w="med" len="med"/>
+                      <a:tailEnd type="none" w="med" len="med"/>
+                    </a:lnB>
+                    <a:lnTlToBr w="12700" cmpd="sng">
+                      <a:noFill/>
+                      <a:prstDash val="solid"/>
+                    </a:lnTlToBr>
+                    <a:lnBlToTr w="12700" cmpd="sng">
+                      <a:noFill/>
+                      <a:prstDash val="solid"/>
+                    </a:lnBlToTr>
+                    <a:solidFill>
+                      <a:schemeClr val="bg1"/>
+                    </a:solidFill>
+                  </a:tcPr>
+                </a:tc>
+                <a:extLst>
+                  <a:ext uri="{0D108BD9-81ED-4DB2-BD59-A6C34878D82A}">
+                    <a16:rowId xmlns:a16="http://schemas.microsoft.com/office/drawing/2014/main" val="2723094360"/>
+                  </a:ext>
+                </a:extLst>
+              </a:tr>
+            </a:tbl>
+          </a:graphicData>
+        </a:graphic>
+      </p:graphicFrame>
+      <p:pic>
+        <p:nvPicPr>
+          <p:cNvPr id="106" name="図 105"/>
+          <p:cNvPicPr>
+            <a:picLocks noChangeAspect="1"/>
+          </p:cNvPicPr>
+          <p:nvPr/>
+        </p:nvPicPr>
+        <p:blipFill>
+          <a:blip r:embed="rId2">
+            <a:extLst>
+              <a:ext uri="{28A0092B-C50C-407E-A947-70E740481C1C}">
+                <a14:useLocalDpi xmlns:a14="http://schemas.microsoft.com/office/drawing/2010/main" val="0"/>
+              </a:ext>
+            </a:extLst>
+          </a:blip>
+          <a:stretch>
+            <a:fillRect/>
+          </a:stretch>
+        </p:blipFill>
+        <p:spPr>
+          <a:xfrm>
+            <a:off x="3362779" y="1689964"/>
+            <a:ext cx="851605" cy="319726"/>
+          </a:xfrm>
+          <a:prstGeom prst="rect">
+            <a:avLst/>
+          </a:prstGeom>
+        </p:spPr>
+      </p:pic>
+      <p:sp>
+        <p:nvSpPr>
+          <p:cNvPr id="107" name="正方形/長方形 106"/>
+          <p:cNvSpPr/>
+          <p:nvPr/>
+        </p:nvSpPr>
+        <p:spPr bwMode="auto">
+          <a:xfrm>
+            <a:off x="3583655" y="5016282"/>
+            <a:ext cx="1276385" cy="308979"/>
+          </a:xfrm>
+          <a:prstGeom prst="rect">
+            <a:avLst/>
+          </a:prstGeom>
+          <a:solidFill>
+            <a:srgbClr val="002060"/>
+          </a:solidFill>
+          <a:ln w="38100">
+            <a:noFill/>
+            <a:prstDash val="sysDash"/>
+          </a:ln>
+          <a:effectLst/>
+          <a:extLst/>
+        </p:spPr>
+        <p:txBody>
+          <a:bodyPr rot="0" spcFirstLastPara="0" vertOverflow="overflow" horzOverflow="overflow" vert="horz" wrap="none" lIns="72000" tIns="72000" rIns="72000" bIns="72000" numCol="1" spcCol="0" rtlCol="0" fromWordArt="0" anchor="ctr" anchorCtr="0" forceAA="0" compatLnSpc="1">
+            <a:prstTxWarp prst="textNoShape">
+              <a:avLst/>
+            </a:prstTxWarp>
+            <a:noAutofit/>
+          </a:bodyPr>
+          <a:lstStyle/>
+          <a:p>
+            <a:pPr algn="ctr"/>
+            <a:r>
+              <a:rPr kumimoji="1" lang="en-US" altLang="ja-JP" sz="1200" b="1" dirty="0" smtClean="0">
+                <a:solidFill>
+                  <a:schemeClr val="bg1"/>
+                </a:solidFill>
+                <a:latin typeface="游ゴシック" panose="020B0400000000000000" pitchFamily="50" charset="-128"/>
+                <a:ea typeface="游ゴシック" panose="020B0400000000000000" pitchFamily="50" charset="-128"/>
               </a:rPr>
-              <a:t>Collect function / Contrast function application</a:t>
-            </a:r>
-            <a:endParaRPr lang="ja-JP" altLang="en-US" sz="2400" dirty="0"/>
+              <a:t>Run Comparison</a:t>
+            </a:r>
+            <a:endParaRPr kumimoji="1" lang="ja-JP" altLang="en-US" sz="1200" b="1" dirty="0" smtClean="0">
+              <a:solidFill>
+                <a:schemeClr val="bg1"/>
+              </a:solidFill>
+              <a:latin typeface="游ゴシック" panose="020B0400000000000000" pitchFamily="50" charset="-128"/>
+              <a:ea typeface="游ゴシック" panose="020B0400000000000000" pitchFamily="50" charset="-128"/>
+            </a:endParaRPr>
+          </a:p>
+        </p:txBody>
+      </p:sp>
+      <p:sp>
+        <p:nvSpPr>
+          <p:cNvPr id="115" name="正方形/長方形 114"/>
+          <p:cNvSpPr/>
+          <p:nvPr/>
+        </p:nvSpPr>
+        <p:spPr bwMode="auto">
+          <a:xfrm>
+            <a:off x="4927468" y="3541818"/>
+            <a:ext cx="2376000" cy="1152000"/>
+          </a:xfrm>
+          <a:prstGeom prst="rect">
+            <a:avLst/>
+          </a:prstGeom>
+          <a:noFill/>
+          <a:ln w="38100">
+            <a:solidFill>
+              <a:srgbClr val="FF0000"/>
+            </a:solidFill>
+            <a:prstDash val="solid"/>
+          </a:ln>
+          <a:effectLst/>
+          <a:extLst/>
+        </p:spPr>
+        <p:txBody>
+          <a:bodyPr rot="0" spcFirstLastPara="0" vertOverflow="overflow" horzOverflow="overflow" vert="horz" wrap="none" lIns="72000" tIns="72000" rIns="72000" bIns="72000" numCol="1" spcCol="0" rtlCol="0" fromWordArt="0" anchor="ctr" anchorCtr="0" forceAA="0" compatLnSpc="1">
+            <a:prstTxWarp prst="textNoShape">
+              <a:avLst/>
+            </a:prstTxWarp>
+            <a:noAutofit/>
+          </a:bodyPr>
+          <a:lstStyle/>
+          <a:p>
+            <a:pPr algn="r"/>
+            <a:endParaRPr kumimoji="1" lang="ja-JP" altLang="en-US" b="1" dirty="0" smtClean="0">
+              <a:solidFill>
+                <a:schemeClr val="bg1"/>
+              </a:solidFill>
+              <a:latin typeface="+mn-ea"/>
+            </a:endParaRPr>
+          </a:p>
+        </p:txBody>
+      </p:sp>
+      <p:sp>
+        <p:nvSpPr>
+          <p:cNvPr id="116" name="正方形/長方形 115"/>
+          <p:cNvSpPr/>
+          <p:nvPr/>
+        </p:nvSpPr>
+        <p:spPr bwMode="auto">
+          <a:xfrm>
+            <a:off x="5055962" y="4257281"/>
+            <a:ext cx="2119011" cy="314697"/>
+          </a:xfrm>
+          <a:prstGeom prst="rect">
+            <a:avLst/>
+          </a:prstGeom>
+          <a:noFill/>
+          <a:ln w="38100">
+            <a:solidFill>
+              <a:srgbClr val="FF0000"/>
+            </a:solidFill>
+            <a:prstDash val="solid"/>
+          </a:ln>
+          <a:effectLst/>
+          <a:extLst/>
+        </p:spPr>
+        <p:txBody>
+          <a:bodyPr rot="0" spcFirstLastPara="0" vertOverflow="overflow" horzOverflow="overflow" vert="horz" wrap="none" lIns="72000" tIns="72000" rIns="72000" bIns="72000" numCol="1" spcCol="0" rtlCol="0" fromWordArt="0" anchor="ctr" anchorCtr="0" forceAA="0" compatLnSpc="1">
+            <a:prstTxWarp prst="textNoShape">
+              <a:avLst/>
+            </a:prstTxWarp>
+            <a:noAutofit/>
+          </a:bodyPr>
+          <a:lstStyle/>
+          <a:p>
+            <a:pPr algn="r"/>
+            <a:endParaRPr kumimoji="1" lang="ja-JP" altLang="en-US" b="1" dirty="0" smtClean="0">
+              <a:solidFill>
+                <a:schemeClr val="bg1"/>
+              </a:solidFill>
+              <a:latin typeface="+mn-ea"/>
+            </a:endParaRPr>
+          </a:p>
+        </p:txBody>
+      </p:sp>
+      <p:sp>
+        <p:nvSpPr>
+          <p:cNvPr id="60" name="正方形/長方形 59"/>
+          <p:cNvSpPr/>
+          <p:nvPr/>
+        </p:nvSpPr>
+        <p:spPr bwMode="auto">
+          <a:xfrm>
+            <a:off x="6464386" y="2317488"/>
+            <a:ext cx="710587" cy="2254490"/>
+          </a:xfrm>
+          <a:prstGeom prst="rect">
+            <a:avLst/>
+          </a:prstGeom>
+          <a:solidFill>
+            <a:srgbClr val="FF0000">
+              <a:alpha val="20000"/>
+            </a:srgbClr>
+          </a:solidFill>
+          <a:ln w="38100">
+            <a:solidFill>
+              <a:srgbClr val="FF0000"/>
+            </a:solidFill>
+            <a:prstDash val="solid"/>
+          </a:ln>
+          <a:effectLst/>
+          <a:extLst/>
+        </p:spPr>
+        <p:txBody>
+          <a:bodyPr rot="0" spcFirstLastPara="0" vertOverflow="overflow" horzOverflow="overflow" vert="horz" wrap="none" lIns="72000" tIns="72000" rIns="72000" bIns="72000" numCol="1" spcCol="0" rtlCol="0" fromWordArt="0" anchor="ctr" anchorCtr="0" forceAA="0" compatLnSpc="1">
+            <a:prstTxWarp prst="textNoShape">
+              <a:avLst/>
+            </a:prstTxWarp>
+            <a:noAutofit/>
+          </a:bodyPr>
+          <a:lstStyle/>
+          <a:p>
+            <a:pPr algn="r"/>
+            <a:endParaRPr kumimoji="1" lang="ja-JP" altLang="en-US" b="1" dirty="0" smtClean="0">
+              <a:solidFill>
+                <a:schemeClr val="bg1"/>
+              </a:solidFill>
+              <a:latin typeface="+mn-ea"/>
+            </a:endParaRPr>
+          </a:p>
+        </p:txBody>
+      </p:sp>
+      <p:sp>
+        <p:nvSpPr>
+          <p:cNvPr id="101" name="円形吹き出し 100"/>
+          <p:cNvSpPr>
+            <a:spLocks noChangeAspect="1"/>
+          </p:cNvSpPr>
+          <p:nvPr/>
+        </p:nvSpPr>
+        <p:spPr bwMode="auto">
+          <a:xfrm>
+            <a:off x="7356486" y="2996238"/>
+            <a:ext cx="436085" cy="436085"/>
+          </a:xfrm>
+          <a:prstGeom prst="wedgeEllipseCallout">
+            <a:avLst>
+              <a:gd name="adj1" fmla="val -82593"/>
+              <a:gd name="adj2" fmla="val 31742"/>
+            </a:avLst>
+          </a:prstGeom>
+          <a:solidFill>
+            <a:srgbClr val="FF0000"/>
+          </a:solidFill>
+          <a:ln w="38100" cap="flat" cmpd="sng" algn="ctr">
+            <a:solidFill>
+              <a:srgbClr val="FFFFFF"/>
+            </a:solidFill>
+            <a:prstDash val="solid"/>
+          </a:ln>
+          <a:effectLst>
+            <a:outerShdw blurRad="40000" dist="23000" dir="5400000" rotWithShape="0">
+              <a:srgbClr val="000000">
+                <a:alpha val="35000"/>
+              </a:srgbClr>
+            </a:outerShdw>
+          </a:effectLst>
+          <a:extLst/>
+        </p:spPr>
+        <p:txBody>
+          <a:bodyPr rot="0" spcFirstLastPara="0" vertOverflow="overflow" horzOverflow="overflow" vert="horz" wrap="none" lIns="72001" tIns="72001" rIns="72001" bIns="72001" numCol="1" spcCol="0" rtlCol="0" fromWordArt="0" anchor="ctr" anchorCtr="1" forceAA="0" compatLnSpc="1">
+            <a:prstTxWarp prst="textNoShape">
+              <a:avLst/>
+            </a:prstTxWarp>
+            <a:noAutofit/>
+          </a:bodyPr>
+          <a:lstStyle/>
+          <a:p>
+            <a:pPr marL="0" marR="0" lvl="0" indent="0" algn="ctr" defTabSz="914369" eaLnBrk="1" fontAlgn="auto" latinLnBrk="0" hangingPunct="1">
+              <a:lnSpc>
+                <a:spcPct val="100000"/>
+              </a:lnSpc>
+              <a:spcBef>
+                <a:spcPts val="0"/>
+              </a:spcBef>
+              <a:spcAft>
+                <a:spcPts val="0"/>
+              </a:spcAft>
+              <a:buClrTx/>
+              <a:buSzTx/>
+              <a:buFontTx/>
+              <a:buNone/>
+              <a:tabLst/>
+              <a:defRPr/>
+            </a:pPr>
+            <a:r>
+              <a:rPr kumimoji="0" lang="ja-JP" altLang="en-US" sz="2000" b="1" kern="0" dirty="0" smtClean="0">
+                <a:solidFill>
+                  <a:srgbClr val="FFFFFF"/>
+                </a:solidFill>
+                <a:latin typeface="游ゴシック" panose="020B0400000000000000" pitchFamily="50" charset="-128"/>
+                <a:ea typeface="游ゴシック" panose="020B0400000000000000" pitchFamily="50" charset="-128"/>
+              </a:rPr>
+              <a:t>④</a:t>
+            </a:r>
+            <a:endParaRPr kumimoji="0" lang="en-US" altLang="ja-JP" sz="2000" b="1" i="0" u="none" strike="noStrike" kern="0" cap="none" spc="0" normalizeH="0" baseline="0" noProof="0" dirty="0" smtClean="0">
+              <a:ln>
+                <a:noFill/>
+              </a:ln>
+              <a:solidFill>
+                <a:srgbClr val="FFFFFF"/>
+              </a:solidFill>
+              <a:effectLst/>
+              <a:uLnTx/>
+              <a:uFillTx/>
+              <a:latin typeface="游ゴシック" panose="020B0400000000000000" pitchFamily="50" charset="-128"/>
+              <a:ea typeface="游ゴシック" panose="020B0400000000000000" pitchFamily="50" charset="-128"/>
+            </a:endParaRPr>
+          </a:p>
+        </p:txBody>
+      </p:sp>
+      <p:sp>
+        <p:nvSpPr>
+          <p:cNvPr id="96" name="円形吹き出し 95"/>
+          <p:cNvSpPr>
+            <a:spLocks noChangeAspect="1"/>
+          </p:cNvSpPr>
+          <p:nvPr/>
+        </p:nvSpPr>
+        <p:spPr bwMode="auto">
+          <a:xfrm>
+            <a:off x="4423955" y="1489690"/>
+            <a:ext cx="436085" cy="436085"/>
+          </a:xfrm>
+          <a:prstGeom prst="wedgeEllipseCallout">
+            <a:avLst>
+              <a:gd name="adj1" fmla="val 62519"/>
+              <a:gd name="adj2" fmla="val 54432"/>
+            </a:avLst>
+          </a:prstGeom>
+          <a:solidFill>
+            <a:srgbClr val="FF0000"/>
+          </a:solidFill>
+          <a:ln w="38100" cap="flat" cmpd="sng" algn="ctr">
+            <a:solidFill>
+              <a:srgbClr val="FFFFFF"/>
+            </a:solidFill>
+            <a:prstDash val="solid"/>
+          </a:ln>
+          <a:effectLst/>
+          <a:extLst/>
+        </p:spPr>
+        <p:txBody>
+          <a:bodyPr rot="0" spcFirstLastPara="0" vertOverflow="overflow" horzOverflow="overflow" vert="horz" wrap="none" lIns="72001" tIns="72001" rIns="72001" bIns="72001" numCol="1" spcCol="0" rtlCol="0" fromWordArt="0" anchor="ctr" anchorCtr="1" forceAA="0" compatLnSpc="1">
+            <a:prstTxWarp prst="textNoShape">
+              <a:avLst/>
+            </a:prstTxWarp>
+            <a:noAutofit/>
+          </a:bodyPr>
+          <a:lstStyle/>
+          <a:p>
+            <a:pPr marL="0" marR="0" lvl="0" indent="0" algn="ctr" defTabSz="914369" eaLnBrk="1" fontAlgn="auto" latinLnBrk="0" hangingPunct="1">
+              <a:lnSpc>
+                <a:spcPct val="100000"/>
+              </a:lnSpc>
+              <a:spcBef>
+                <a:spcPts val="0"/>
+              </a:spcBef>
+              <a:spcAft>
+                <a:spcPts val="0"/>
+              </a:spcAft>
+              <a:buClrTx/>
+              <a:buSzTx/>
+              <a:buFontTx/>
+              <a:buNone/>
+              <a:tabLst/>
+              <a:defRPr/>
+            </a:pPr>
+            <a:r>
+              <a:rPr kumimoji="0" lang="ja-JP" altLang="en-US" sz="2000" b="1" kern="0" noProof="0" dirty="0" smtClean="0">
+                <a:solidFill>
+                  <a:srgbClr val="FFFFFF"/>
+                </a:solidFill>
+                <a:latin typeface="游ゴシック" panose="020B0400000000000000" pitchFamily="50" charset="-128"/>
+                <a:ea typeface="游ゴシック" panose="020B0400000000000000" pitchFamily="50" charset="-128"/>
+              </a:rPr>
+              <a:t>①</a:t>
+            </a:r>
+            <a:endParaRPr kumimoji="0" lang="en-US" altLang="ja-JP" sz="2000" b="1" i="0" u="none" strike="noStrike" kern="0" cap="none" spc="0" normalizeH="0" baseline="0" noProof="0" dirty="0" smtClean="0">
+              <a:ln>
+                <a:noFill/>
+              </a:ln>
+              <a:solidFill>
+                <a:srgbClr val="FFFFFF"/>
+              </a:solidFill>
+              <a:effectLst/>
+              <a:uLnTx/>
+              <a:uFillTx/>
+              <a:latin typeface="游ゴシック" panose="020B0400000000000000" pitchFamily="50" charset="-128"/>
+              <a:ea typeface="游ゴシック" panose="020B0400000000000000" pitchFamily="50" charset="-128"/>
+            </a:endParaRPr>
+          </a:p>
+        </p:txBody>
+      </p:sp>
+      <p:sp>
+        <p:nvSpPr>
+          <p:cNvPr id="124" name="円形吹き出し 123"/>
+          <p:cNvSpPr>
+            <a:spLocks noChangeAspect="1"/>
+          </p:cNvSpPr>
+          <p:nvPr/>
+        </p:nvSpPr>
+        <p:spPr bwMode="auto">
+          <a:xfrm>
+            <a:off x="3338336" y="4484298"/>
+            <a:ext cx="436085" cy="436085"/>
+          </a:xfrm>
+          <a:prstGeom prst="wedgeEllipseCallout">
+            <a:avLst>
+              <a:gd name="adj1" fmla="val 54879"/>
+              <a:gd name="adj2" fmla="val 72322"/>
+            </a:avLst>
+          </a:prstGeom>
+          <a:solidFill>
+            <a:srgbClr val="FF0000"/>
+          </a:solidFill>
+          <a:ln w="38100" cap="flat" cmpd="sng" algn="ctr">
+            <a:solidFill>
+              <a:srgbClr val="FFFFFF"/>
+            </a:solidFill>
+            <a:prstDash val="solid"/>
+          </a:ln>
+          <a:effectLst>
+            <a:outerShdw blurRad="40000" dist="23000" dir="5400000" rotWithShape="0">
+              <a:srgbClr val="000000">
+                <a:alpha val="35000"/>
+              </a:srgbClr>
+            </a:outerShdw>
+          </a:effectLst>
+          <a:extLst/>
+        </p:spPr>
+        <p:txBody>
+          <a:bodyPr rot="0" spcFirstLastPara="0" vertOverflow="overflow" horzOverflow="overflow" vert="horz" wrap="none" lIns="72001" tIns="72001" rIns="72001" bIns="72001" numCol="1" spcCol="0" rtlCol="0" fromWordArt="0" anchor="ctr" anchorCtr="1" forceAA="0" compatLnSpc="1">
+            <a:prstTxWarp prst="textNoShape">
+              <a:avLst/>
+            </a:prstTxWarp>
+            <a:noAutofit/>
+          </a:bodyPr>
+          <a:lstStyle/>
+          <a:p>
+            <a:pPr marL="0" marR="0" lvl="0" indent="0" algn="ctr" defTabSz="914369" eaLnBrk="1" fontAlgn="auto" latinLnBrk="0" hangingPunct="1">
+              <a:lnSpc>
+                <a:spcPct val="100000"/>
+              </a:lnSpc>
+              <a:spcBef>
+                <a:spcPts val="0"/>
+              </a:spcBef>
+              <a:spcAft>
+                <a:spcPts val="0"/>
+              </a:spcAft>
+              <a:buClrTx/>
+              <a:buSzTx/>
+              <a:buFontTx/>
+              <a:buNone/>
+              <a:tabLst/>
+              <a:defRPr/>
+            </a:pPr>
+            <a:r>
+              <a:rPr kumimoji="0" lang="ja-JP" altLang="en-US" sz="2000" b="1" kern="0" dirty="0" smtClean="0">
+                <a:solidFill>
+                  <a:srgbClr val="FFFFFF"/>
+                </a:solidFill>
+                <a:latin typeface="游ゴシック" panose="020B0400000000000000" pitchFamily="50" charset="-128"/>
+                <a:ea typeface="游ゴシック" panose="020B0400000000000000" pitchFamily="50" charset="-128"/>
+              </a:rPr>
+              <a:t>⑤</a:t>
+            </a:r>
+            <a:endParaRPr kumimoji="0" lang="en-US" altLang="ja-JP" sz="2000" b="1" i="0" u="none" strike="noStrike" kern="0" cap="none" spc="0" normalizeH="0" baseline="0" noProof="0" dirty="0" smtClean="0">
+              <a:ln>
+                <a:noFill/>
+              </a:ln>
+              <a:solidFill>
+                <a:srgbClr val="FFFFFF"/>
+              </a:solidFill>
+              <a:effectLst/>
+              <a:uLnTx/>
+              <a:uFillTx/>
+              <a:latin typeface="游ゴシック" panose="020B0400000000000000" pitchFamily="50" charset="-128"/>
+              <a:ea typeface="游ゴシック" panose="020B0400000000000000" pitchFamily="50" charset="-128"/>
+            </a:endParaRPr>
+          </a:p>
+        </p:txBody>
+      </p:sp>
+      <p:sp>
+        <p:nvSpPr>
+          <p:cNvPr id="127" name="円形吹き出し 126"/>
+          <p:cNvSpPr>
+            <a:spLocks noChangeAspect="1"/>
+          </p:cNvSpPr>
+          <p:nvPr/>
+        </p:nvSpPr>
+        <p:spPr bwMode="auto">
+          <a:xfrm>
+            <a:off x="4418035" y="3092494"/>
+            <a:ext cx="436085" cy="436085"/>
+          </a:xfrm>
+          <a:prstGeom prst="wedgeEllipseCallout">
+            <a:avLst>
+              <a:gd name="adj1" fmla="val 62519"/>
+              <a:gd name="adj2" fmla="val 54432"/>
+            </a:avLst>
+          </a:prstGeom>
+          <a:solidFill>
+            <a:srgbClr val="FF0000"/>
+          </a:solidFill>
+          <a:ln w="38100" cap="flat" cmpd="sng" algn="ctr">
+            <a:solidFill>
+              <a:srgbClr val="FFFFFF"/>
+            </a:solidFill>
+            <a:prstDash val="solid"/>
+          </a:ln>
+          <a:effectLst/>
+          <a:extLst/>
+        </p:spPr>
+        <p:txBody>
+          <a:bodyPr rot="0" spcFirstLastPara="0" vertOverflow="overflow" horzOverflow="overflow" vert="horz" wrap="none" lIns="72001" tIns="72001" rIns="72001" bIns="72001" numCol="1" spcCol="0" rtlCol="0" fromWordArt="0" anchor="ctr" anchorCtr="1" forceAA="0" compatLnSpc="1">
+            <a:prstTxWarp prst="textNoShape">
+              <a:avLst/>
+            </a:prstTxWarp>
+            <a:noAutofit/>
+          </a:bodyPr>
+          <a:lstStyle/>
+          <a:p>
+            <a:pPr marL="0" marR="0" lvl="0" indent="0" algn="ctr" defTabSz="914369" eaLnBrk="1" fontAlgn="auto" latinLnBrk="0" hangingPunct="1">
+              <a:lnSpc>
+                <a:spcPct val="100000"/>
+              </a:lnSpc>
+              <a:spcBef>
+                <a:spcPts val="0"/>
+              </a:spcBef>
+              <a:spcAft>
+                <a:spcPts val="0"/>
+              </a:spcAft>
+              <a:buClrTx/>
+              <a:buSzTx/>
+              <a:buFontTx/>
+              <a:buNone/>
+              <a:tabLst/>
+              <a:defRPr/>
+            </a:pPr>
+            <a:r>
+              <a:rPr kumimoji="0" lang="ja-JP" altLang="en-US" sz="2000" b="1" kern="0" noProof="0" dirty="0" smtClean="0">
+                <a:solidFill>
+                  <a:srgbClr val="FFFFFF"/>
+                </a:solidFill>
+                <a:latin typeface="游ゴシック" panose="020B0400000000000000" pitchFamily="50" charset="-128"/>
+                <a:ea typeface="游ゴシック" panose="020B0400000000000000" pitchFamily="50" charset="-128"/>
+              </a:rPr>
+              <a:t>①</a:t>
+            </a:r>
+            <a:endParaRPr kumimoji="0" lang="en-US" altLang="ja-JP" sz="2000" b="1" i="0" u="none" strike="noStrike" kern="0" cap="none" spc="0" normalizeH="0" baseline="0" noProof="0" dirty="0" smtClean="0">
+              <a:ln>
+                <a:noFill/>
+              </a:ln>
+              <a:solidFill>
+                <a:srgbClr val="FFFFFF"/>
+              </a:solidFill>
+              <a:effectLst/>
+              <a:uLnTx/>
+              <a:uFillTx/>
+              <a:latin typeface="游ゴシック" panose="020B0400000000000000" pitchFamily="50" charset="-128"/>
+              <a:ea typeface="游ゴシック" panose="020B0400000000000000" pitchFamily="50" charset="-128"/>
+            </a:endParaRPr>
+          </a:p>
+        </p:txBody>
+      </p:sp>
+      <p:sp>
+        <p:nvSpPr>
+          <p:cNvPr id="128" name="円形吹き出し 127"/>
+          <p:cNvSpPr>
+            <a:spLocks noChangeAspect="1"/>
+          </p:cNvSpPr>
+          <p:nvPr/>
+        </p:nvSpPr>
+        <p:spPr bwMode="auto">
+          <a:xfrm>
+            <a:off x="4562544" y="2176143"/>
+            <a:ext cx="436085" cy="436085"/>
+          </a:xfrm>
+          <a:prstGeom prst="wedgeEllipseCallout">
+            <a:avLst>
+              <a:gd name="adj1" fmla="val 62519"/>
+              <a:gd name="adj2" fmla="val 54432"/>
+            </a:avLst>
+          </a:prstGeom>
+          <a:solidFill>
+            <a:srgbClr val="FF0000"/>
+          </a:solidFill>
+          <a:ln w="38100" cap="flat" cmpd="sng" algn="ctr">
+            <a:solidFill>
+              <a:srgbClr val="FFFFFF"/>
+            </a:solidFill>
+            <a:prstDash val="solid"/>
+          </a:ln>
+          <a:effectLst/>
+          <a:extLst/>
+        </p:spPr>
+        <p:txBody>
+          <a:bodyPr rot="0" spcFirstLastPara="0" vertOverflow="overflow" horzOverflow="overflow" vert="horz" wrap="none" lIns="72001" tIns="72001" rIns="72001" bIns="72001" numCol="1" spcCol="0" rtlCol="0" fromWordArt="0" anchor="ctr" anchorCtr="1" forceAA="0" compatLnSpc="1">
+            <a:prstTxWarp prst="textNoShape">
+              <a:avLst/>
+            </a:prstTxWarp>
+            <a:noAutofit/>
+          </a:bodyPr>
+          <a:lstStyle/>
+          <a:p>
+            <a:pPr marL="0" marR="0" lvl="0" indent="0" algn="ctr" defTabSz="914369" eaLnBrk="1" fontAlgn="auto" latinLnBrk="0" hangingPunct="1">
+              <a:lnSpc>
+                <a:spcPct val="100000"/>
+              </a:lnSpc>
+              <a:spcBef>
+                <a:spcPts val="0"/>
+              </a:spcBef>
+              <a:spcAft>
+                <a:spcPts val="0"/>
+              </a:spcAft>
+              <a:buClrTx/>
+              <a:buSzTx/>
+              <a:buFontTx/>
+              <a:buNone/>
+              <a:tabLst/>
+              <a:defRPr/>
+            </a:pPr>
+            <a:r>
+              <a:rPr kumimoji="0" lang="ja-JP" altLang="en-US" sz="2000" b="1" kern="0" noProof="0" dirty="0" smtClean="0">
+                <a:solidFill>
+                  <a:srgbClr val="FFFFFF"/>
+                </a:solidFill>
+                <a:latin typeface="游ゴシック" panose="020B0400000000000000" pitchFamily="50" charset="-128"/>
+                <a:ea typeface="游ゴシック" panose="020B0400000000000000" pitchFamily="50" charset="-128"/>
+              </a:rPr>
+              <a:t>②</a:t>
+            </a:r>
+            <a:endParaRPr kumimoji="0" lang="en-US" altLang="ja-JP" sz="2000" b="1" i="0" u="none" strike="noStrike" kern="0" cap="none" spc="0" normalizeH="0" baseline="0" noProof="0" dirty="0" smtClean="0">
+              <a:ln>
+                <a:noFill/>
+              </a:ln>
+              <a:solidFill>
+                <a:srgbClr val="FFFFFF"/>
+              </a:solidFill>
+              <a:effectLst/>
+              <a:uLnTx/>
+              <a:uFillTx/>
+              <a:latin typeface="游ゴシック" panose="020B0400000000000000" pitchFamily="50" charset="-128"/>
+              <a:ea typeface="游ゴシック" panose="020B0400000000000000" pitchFamily="50" charset="-128"/>
+            </a:endParaRPr>
+          </a:p>
+        </p:txBody>
+      </p:sp>
+      <p:sp>
+        <p:nvSpPr>
+          <p:cNvPr id="129" name="円形吹き出し 128"/>
+          <p:cNvSpPr>
+            <a:spLocks noChangeAspect="1"/>
+          </p:cNvSpPr>
+          <p:nvPr/>
+        </p:nvSpPr>
+        <p:spPr bwMode="auto">
+          <a:xfrm>
+            <a:off x="4568496" y="3778947"/>
+            <a:ext cx="436085" cy="436085"/>
+          </a:xfrm>
+          <a:prstGeom prst="wedgeEllipseCallout">
+            <a:avLst>
+              <a:gd name="adj1" fmla="val 62519"/>
+              <a:gd name="adj2" fmla="val 54432"/>
+            </a:avLst>
+          </a:prstGeom>
+          <a:solidFill>
+            <a:srgbClr val="FF0000"/>
+          </a:solidFill>
+          <a:ln w="38100" cap="flat" cmpd="sng" algn="ctr">
+            <a:solidFill>
+              <a:srgbClr val="FFFFFF"/>
+            </a:solidFill>
+            <a:prstDash val="solid"/>
+          </a:ln>
+          <a:effectLst/>
+          <a:extLst/>
+        </p:spPr>
+        <p:txBody>
+          <a:bodyPr rot="0" spcFirstLastPara="0" vertOverflow="overflow" horzOverflow="overflow" vert="horz" wrap="none" lIns="72001" tIns="72001" rIns="72001" bIns="72001" numCol="1" spcCol="0" rtlCol="0" fromWordArt="0" anchor="ctr" anchorCtr="1" forceAA="0" compatLnSpc="1">
+            <a:prstTxWarp prst="textNoShape">
+              <a:avLst/>
+            </a:prstTxWarp>
+            <a:noAutofit/>
+          </a:bodyPr>
+          <a:lstStyle/>
+          <a:p>
+            <a:pPr marL="0" marR="0" lvl="0" indent="0" algn="ctr" defTabSz="914369" eaLnBrk="1" fontAlgn="auto" latinLnBrk="0" hangingPunct="1">
+              <a:lnSpc>
+                <a:spcPct val="100000"/>
+              </a:lnSpc>
+              <a:spcBef>
+                <a:spcPts val="0"/>
+              </a:spcBef>
+              <a:spcAft>
+                <a:spcPts val="0"/>
+              </a:spcAft>
+              <a:buClrTx/>
+              <a:buSzTx/>
+              <a:buFontTx/>
+              <a:buNone/>
+              <a:tabLst/>
+              <a:defRPr/>
+            </a:pPr>
+            <a:r>
+              <a:rPr kumimoji="0" lang="ja-JP" altLang="en-US" sz="2000" b="1" kern="0" noProof="0" dirty="0" smtClean="0">
+                <a:solidFill>
+                  <a:srgbClr val="FFFFFF"/>
+                </a:solidFill>
+                <a:latin typeface="游ゴシック" panose="020B0400000000000000" pitchFamily="50" charset="-128"/>
+                <a:ea typeface="游ゴシック" panose="020B0400000000000000" pitchFamily="50" charset="-128"/>
+              </a:rPr>
+              <a:t>②</a:t>
+            </a:r>
+            <a:endParaRPr kumimoji="0" lang="en-US" altLang="ja-JP" sz="2000" b="1" i="0" u="none" strike="noStrike" kern="0" cap="none" spc="0" normalizeH="0" baseline="0" noProof="0" dirty="0" smtClean="0">
+              <a:ln>
+                <a:noFill/>
+              </a:ln>
+              <a:solidFill>
+                <a:srgbClr val="FFFFFF"/>
+              </a:solidFill>
+              <a:effectLst/>
+              <a:uLnTx/>
+              <a:uFillTx/>
+              <a:latin typeface="游ゴシック" panose="020B0400000000000000" pitchFamily="50" charset="-128"/>
+              <a:ea typeface="游ゴシック" panose="020B0400000000000000" pitchFamily="50" charset="-128"/>
+            </a:endParaRPr>
+          </a:p>
+        </p:txBody>
+      </p:sp>
+      <p:sp>
+        <p:nvSpPr>
+          <p:cNvPr id="130" name="円形吹き出し 129"/>
+          <p:cNvSpPr>
+            <a:spLocks noChangeAspect="1"/>
+          </p:cNvSpPr>
+          <p:nvPr/>
+        </p:nvSpPr>
+        <p:spPr bwMode="auto">
+          <a:xfrm>
+            <a:off x="5550888" y="2912881"/>
+            <a:ext cx="436085" cy="436085"/>
+          </a:xfrm>
+          <a:prstGeom prst="wedgeEllipseCallout">
+            <a:avLst>
+              <a:gd name="adj1" fmla="val 62519"/>
+              <a:gd name="adj2" fmla="val 54432"/>
+            </a:avLst>
+          </a:prstGeom>
+          <a:solidFill>
+            <a:srgbClr val="FF0000"/>
+          </a:solidFill>
+          <a:ln w="38100" cap="flat" cmpd="sng" algn="ctr">
+            <a:solidFill>
+              <a:srgbClr val="FFFFFF"/>
+            </a:solidFill>
+            <a:prstDash val="solid"/>
+          </a:ln>
+          <a:effectLst/>
+          <a:extLst/>
+        </p:spPr>
+        <p:txBody>
+          <a:bodyPr rot="0" spcFirstLastPara="0" vertOverflow="overflow" horzOverflow="overflow" vert="horz" wrap="none" lIns="72001" tIns="72001" rIns="72001" bIns="72001" numCol="1" spcCol="0" rtlCol="0" fromWordArt="0" anchor="ctr" anchorCtr="1" forceAA="0" compatLnSpc="1">
+            <a:prstTxWarp prst="textNoShape">
+              <a:avLst/>
+            </a:prstTxWarp>
+            <a:noAutofit/>
+          </a:bodyPr>
+          <a:lstStyle/>
+          <a:p>
+            <a:pPr marL="0" marR="0" lvl="0" indent="0" algn="ctr" defTabSz="914369" eaLnBrk="1" fontAlgn="auto" latinLnBrk="0" hangingPunct="1">
+              <a:lnSpc>
+                <a:spcPct val="100000"/>
+              </a:lnSpc>
+              <a:spcBef>
+                <a:spcPts val="0"/>
+              </a:spcBef>
+              <a:spcAft>
+                <a:spcPts val="0"/>
+              </a:spcAft>
+              <a:buClrTx/>
+              <a:buSzTx/>
+              <a:buFontTx/>
+              <a:buNone/>
+              <a:tabLst/>
+              <a:defRPr/>
+            </a:pPr>
+            <a:r>
+              <a:rPr kumimoji="0" lang="ja-JP" altLang="en-US" sz="2000" b="1" kern="0" noProof="0" dirty="0" smtClean="0">
+                <a:solidFill>
+                  <a:srgbClr val="FFFFFF"/>
+                </a:solidFill>
+                <a:latin typeface="游ゴシック" panose="020B0400000000000000" pitchFamily="50" charset="-128"/>
+                <a:ea typeface="游ゴシック" panose="020B0400000000000000" pitchFamily="50" charset="-128"/>
+              </a:rPr>
+              <a:t>③</a:t>
+            </a:r>
+            <a:endParaRPr kumimoji="0" lang="en-US" altLang="ja-JP" sz="2000" b="1" i="0" u="none" strike="noStrike" kern="0" cap="none" spc="0" normalizeH="0" baseline="0" noProof="0" dirty="0" smtClean="0">
+              <a:ln>
+                <a:noFill/>
+              </a:ln>
+              <a:solidFill>
+                <a:srgbClr val="FFFFFF"/>
+              </a:solidFill>
+              <a:effectLst/>
+              <a:uLnTx/>
+              <a:uFillTx/>
+              <a:latin typeface="游ゴシック" panose="020B0400000000000000" pitchFamily="50" charset="-128"/>
+              <a:ea typeface="游ゴシック" panose="020B0400000000000000" pitchFamily="50" charset="-128"/>
+            </a:endParaRPr>
+          </a:p>
+        </p:txBody>
+      </p:sp>
+      <p:sp>
+        <p:nvSpPr>
+          <p:cNvPr id="131" name="正方形/長方形 130"/>
+          <p:cNvSpPr/>
+          <p:nvPr/>
+        </p:nvSpPr>
+        <p:spPr>
+          <a:xfrm>
+            <a:off x="4820517" y="4983091"/>
+            <a:ext cx="2860524" cy="461665"/>
+          </a:xfrm>
+          <a:prstGeom prst="rect">
+            <a:avLst/>
+          </a:prstGeom>
+        </p:spPr>
+        <p:txBody>
+          <a:bodyPr wrap="square">
+            <a:spAutoFit/>
+          </a:bodyPr>
+          <a:lstStyle/>
+          <a:p>
+            <a:r>
+              <a:rPr lang="en-US" altLang="ja-JP" sz="1200" b="1" dirty="0" smtClean="0">
+                <a:solidFill>
+                  <a:srgbClr val="FF0000"/>
+                </a:solidFill>
+                <a:latin typeface="メイリオ" panose="020B0604030504040204" pitchFamily="50" charset="-128"/>
+                <a:ea typeface="メイリオ" panose="020B0604030504040204" pitchFamily="50" charset="-128"/>
+              </a:rPr>
+              <a:t>Items with differences will be marked with red text</a:t>
+            </a:r>
+            <a:endParaRPr lang="ja-JP" altLang="en-US" sz="1200" b="1" dirty="0">
+              <a:solidFill>
+                <a:srgbClr val="FF0000"/>
+              </a:solidFill>
+              <a:latin typeface="メイリオ" panose="020B0604030504040204" pitchFamily="50" charset="-128"/>
+              <a:ea typeface="メイリオ" panose="020B0604030504040204" pitchFamily="50" charset="-128"/>
+            </a:endParaRPr>
           </a:p>
         </p:txBody>
       </p:sp>
     </p:spTree>
     <p:extLst>
       <p:ext uri="{BB962C8B-B14F-4D97-AF65-F5344CB8AC3E}">
-        <p14:creationId xmlns:p14="http://schemas.microsoft.com/office/powerpoint/2010/main" val="2681200597"/>
+        <p14:creationId xmlns:p14="http://schemas.microsoft.com/office/powerpoint/2010/main" val="1190418032"/>
       </p:ext>
     </p:extLst>
   </p:cSld>
@@ -20112,20 +26259,29 @@
           <a:lstStyle/>
           <a:p>
             <a:r>
-              <a:rPr altLang="ja-JP"/>
-              <a:t>4.1</a:t>
-            </a:r>
-            <a:r>
-              <a:rPr altLang="en-US"/>
+              <a:rPr lang="en-US" altLang="ja-JP" dirty="0" smtClean="0"/>
+              <a:t>3.3</a:t>
+            </a:r>
+            <a:r>
+              <a:rPr lang="ja-JP" altLang="en-US" dirty="0" smtClean="0"/>
               <a:t> </a:t>
             </a:r>
             <a:r>
-              <a:rPr altLang="en-US">
-                <a:latin typeface="+mn-ea"/>
-              </a:rPr>
-              <a:t>Application example</a:t>
-            </a:r>
-            <a:endParaRPr lang="ja-JP" altLang="en-US" dirty="0"/>
+              <a:rPr lang="en-US" altLang="ja-JP" dirty="0" smtClean="0"/>
+              <a:t>Workflow</a:t>
+            </a:r>
+            <a:r>
+              <a:rPr lang="ja-JP" altLang="en-US" dirty="0" smtClean="0"/>
+              <a:t>（</a:t>
+            </a:r>
+            <a:r>
+              <a:rPr lang="en-US" altLang="ja-JP" dirty="0" smtClean="0"/>
+              <a:t>2/2</a:t>
+            </a:r>
+            <a:r>
+              <a:rPr lang="ja-JP" altLang="en-US" dirty="0"/>
+              <a:t>）</a:t>
+            </a:r>
           </a:p>
         </p:txBody>
       </p:sp>
@@ -20151,71 +26307,1378 @@
           </a:bodyPr>
           <a:lstStyle/>
           <a:p>
-            <a:pPr>
-              <a:defRPr altLang="en-US"/>
+            <a:pPr marL="0" lvl="0" indent="0">
+              <a:buClr>
+                <a:srgbClr val="002B62"/>
+              </a:buClr>
+              <a:buNone/>
             </a:pPr>
             <a:r>
-              <a:rPr dirty="0"/>
-              <a:t>Collection function</a:t>
-            </a:r>
-            <a:endParaRPr lang="en-US" altLang="ja-JP" dirty="0" smtClean="0"/>
+              <a:rPr lang="en-US" altLang="ja-JP" dirty="0" smtClean="0">
+                <a:solidFill>
+                  <a:srgbClr val="000000"/>
+                </a:solidFill>
+              </a:rPr>
+              <a:t>The overview for the different steps are as following</a:t>
+            </a:r>
           </a:p>
           <a:p>
-            <a:pPr marL="0" indent="0">
-              <a:buNone/>
+            <a:pPr lvl="0">
+              <a:buClr>
+                <a:srgbClr val="002B62"/>
+              </a:buClr>
+              <a:buFont typeface="Wingdings" panose="05000000000000000000" pitchFamily="2" charset="2"/>
+              <a:buChar char="l"/>
             </a:pPr>
             <a:r>
-              <a:rPr altLang="en-US" dirty="0"/>
-              <a:t>By collecting the results of the network device's config output command and AWS EC2 list, users can synchronize the values of the parameter sheets and the values of the actual machine, meaning that work efficiency will improve while mistakes will occur less frequently.</a:t>
-            </a:r>
-            <a:r>
-              <a:rPr altLang="ja-JP" dirty="0"/>
-              <a:t> </a:t>
-            </a:r>
-            <a:endParaRPr lang="en-US" altLang="ja-JP" dirty="0" smtClean="0"/>
-          </a:p>
-          <a:p>
-            <a:pPr marL="0" indent="0">
-              <a:buNone/>
-            </a:pPr>
-            <a:endParaRPr lang="en-US" altLang="ja-JP" dirty="0" smtClean="0"/>
-          </a:p>
-          <a:p>
-            <a:pPr>
-              <a:defRPr altLang="en-US"/>
-            </a:pPr>
-            <a:r>
-              <a:rPr dirty="0"/>
-              <a:t>Contrast function</a:t>
-            </a:r>
-            <a:endParaRPr lang="en-US" altLang="ja-JP" dirty="0" smtClean="0"/>
-          </a:p>
-          <a:p>
-            <a:pPr marL="0" indent="0">
-              <a:buNone/>
-              <a:defRPr altLang="en-US"/>
-            </a:pPr>
-            <a:r>
-              <a:rPr dirty="0"/>
-              <a:t>We can first use the Contrast function to compare  [Pre-execution Expected value] and [Post-execution Actual value  (collected value</a:t>
-            </a:r>
-            <a:r>
-              <a:rPr dirty="0" smtClean="0"/>
-              <a:t>)] </a:t>
-            </a:r>
-            <a:r>
-              <a:rPr dirty="0"/>
-              <a:t>to have the system show us what places we want to change, aka the differences. 
-After applying the changes, we can use the Contrast function again to confirm there are no differences anymore, meaning that the application has been successful. </a:t>
-            </a:r>
-            <a:endParaRPr lang="ja-JP" altLang="en-US" dirty="0"/>
+              <a:rPr lang="en-US" altLang="ja-JP" sz="1600" dirty="0" smtClean="0">
+                <a:solidFill>
+                  <a:srgbClr val="000000"/>
+                </a:solidFill>
+                <a:hlinkClick r:id="rId2"/>
+              </a:rPr>
+              <a:t>For more information, please see</a:t>
+            </a:r>
+            <a:r>
+              <a:rPr lang="ja-JP" altLang="en-US" sz="1600" dirty="0" smtClean="0">
+                <a:solidFill>
+                  <a:srgbClr val="000000"/>
+                </a:solidFill>
+                <a:hlinkClick r:id="rId2"/>
+              </a:rPr>
+              <a:t>「</a:t>
+            </a:r>
+            <a:r>
+              <a:rPr lang="en-US" altLang="ja-JP" sz="1600" dirty="0" err="1" smtClean="0">
+                <a:solidFill>
+                  <a:srgbClr val="000000"/>
+                </a:solidFill>
+                <a:hlinkClick r:id="rId2"/>
+              </a:rPr>
+              <a:t>User_instruction_manual_CompareFunction</a:t>
+            </a:r>
+            <a:r>
+              <a:rPr lang="ja-JP" altLang="en-US" sz="1600" dirty="0" smtClean="0">
+                <a:solidFill>
+                  <a:srgbClr val="000000"/>
+                </a:solidFill>
+                <a:hlinkClick r:id="rId2"/>
+              </a:rPr>
+              <a:t>」</a:t>
+            </a:r>
+            <a:endParaRPr lang="en-US" altLang="ja-JP" sz="1600" dirty="0">
+              <a:solidFill>
+                <a:srgbClr val="000000"/>
+              </a:solidFill>
+            </a:endParaRPr>
           </a:p>
         </p:txBody>
       </p:sp>
+      <p:graphicFrame>
+        <p:nvGraphicFramePr>
+          <p:cNvPr id="25" name="表 24"/>
+          <p:cNvGraphicFramePr>
+            <a:graphicFrameLocks noGrp="1"/>
+          </p:cNvGraphicFramePr>
+          <p:nvPr>
+            <p:extLst>
+              <p:ext uri="{D42A27DB-BD31-4B8C-83A1-F6EECF244321}">
+                <p14:modId xmlns:p14="http://schemas.microsoft.com/office/powerpoint/2010/main" val="54213491"/>
+              </p:ext>
+            </p:extLst>
+          </p:nvPr>
+        </p:nvGraphicFramePr>
+        <p:xfrm>
+          <a:off x="237574" y="2121201"/>
+          <a:ext cx="8655026" cy="2209800"/>
+        </p:xfrm>
+        <a:graphic>
+          <a:graphicData uri="http://schemas.openxmlformats.org/drawingml/2006/table">
+            <a:tbl>
+              <a:tblPr firstRow="1" bandRow="1">
+                <a:tableStyleId>{16D9F66E-5EB9-4882-86FB-DCBF35E3C3E4}</a:tableStyleId>
+              </a:tblPr>
+              <a:tblGrid>
+                <a:gridCol w="388800">
+                  <a:extLst>
+                    <a:ext uri="{9D8B030D-6E8A-4147-A177-3AD203B41FA5}">
+                      <a16:colId xmlns:a16="http://schemas.microsoft.com/office/drawing/2014/main" val="3261435330"/>
+                    </a:ext>
+                  </a:extLst>
+                </a:gridCol>
+                <a:gridCol w="2725200">
+                  <a:extLst>
+                    <a:ext uri="{9D8B030D-6E8A-4147-A177-3AD203B41FA5}">
+                      <a16:colId xmlns:a16="http://schemas.microsoft.com/office/drawing/2014/main" val="3494894693"/>
+                    </a:ext>
+                  </a:extLst>
+                </a:gridCol>
+                <a:gridCol w="5541026">
+                  <a:extLst>
+                    <a:ext uri="{9D8B030D-6E8A-4147-A177-3AD203B41FA5}">
+                      <a16:colId xmlns:a16="http://schemas.microsoft.com/office/drawing/2014/main" val="1557895503"/>
+                    </a:ext>
+                  </a:extLst>
+                </a:gridCol>
+              </a:tblGrid>
+              <a:tr h="370840">
+                <a:tc>
+                  <a:txBody>
+                    <a:bodyPr/>
+                    <a:lstStyle/>
+                    <a:p>
+                      <a:pPr algn="ctr"/>
+                      <a:r>
+                        <a:rPr kumimoji="1" lang="ja-JP" altLang="en-US" sz="1600" b="1" dirty="0" smtClean="0">
+                          <a:solidFill>
+                            <a:srgbClr val="FF0000"/>
+                          </a:solidFill>
+                        </a:rPr>
+                        <a:t>①</a:t>
+                      </a:r>
+                      <a:endParaRPr kumimoji="1" lang="ja-JP" altLang="en-US" sz="1600" b="1" dirty="0">
+                        <a:solidFill>
+                          <a:srgbClr val="FF0000"/>
+                        </a:solidFill>
+                      </a:endParaRPr>
+                    </a:p>
+                  </a:txBody>
+                  <a:tcPr anchor="ctr">
+                    <a:lnL w="12700" cap="flat" cmpd="sng" algn="ctr">
+                      <a:solidFill>
+                        <a:schemeClr val="bg1">
+                          <a:lumMod val="75000"/>
+                        </a:schemeClr>
+                      </a:solidFill>
+                      <a:prstDash val="solid"/>
+                      <a:round/>
+                      <a:headEnd type="none" w="med" len="med"/>
+                      <a:tailEnd type="none" w="med" len="med"/>
+                    </a:lnL>
+                    <a:lnR w="12700" cap="flat" cmpd="sng" algn="ctr">
+                      <a:solidFill>
+                        <a:schemeClr val="bg1">
+                          <a:lumMod val="75000"/>
+                        </a:schemeClr>
+                      </a:solidFill>
+                      <a:prstDash val="solid"/>
+                      <a:round/>
+                      <a:headEnd type="none" w="med" len="med"/>
+                      <a:tailEnd type="none" w="med" len="med"/>
+                    </a:lnR>
+                    <a:lnT w="12700" cap="flat" cmpd="sng" algn="ctr">
+                      <a:solidFill>
+                        <a:schemeClr val="bg1">
+                          <a:lumMod val="75000"/>
+                        </a:schemeClr>
+                      </a:solidFill>
+                      <a:prstDash val="solid"/>
+                      <a:round/>
+                      <a:headEnd type="none" w="med" len="med"/>
+                      <a:tailEnd type="none" w="med" len="med"/>
+                    </a:lnT>
+                    <a:lnB w="12700" cap="flat" cmpd="sng" algn="ctr">
+                      <a:solidFill>
+                        <a:schemeClr val="bg1">
+                          <a:lumMod val="75000"/>
+                        </a:schemeClr>
+                      </a:solidFill>
+                      <a:prstDash val="solid"/>
+                      <a:round/>
+                      <a:headEnd type="none" w="med" len="med"/>
+                      <a:tailEnd type="none" w="med" len="med"/>
+                    </a:lnB>
+                    <a:solidFill>
+                      <a:schemeClr val="bg1">
+                        <a:lumMod val="95000"/>
+                      </a:schemeClr>
+                    </a:solidFill>
+                  </a:tcPr>
+                </a:tc>
+                <a:tc>
+                  <a:txBody>
+                    <a:bodyPr/>
+                    <a:lstStyle/>
+                    <a:p>
+                      <a:r>
+                        <a:rPr kumimoji="1" lang="en-US" altLang="ja-JP" sz="1200" b="0" dirty="0" smtClean="0"/>
+                        <a:t>Create Parameter sheets</a:t>
+                      </a:r>
+                      <a:endParaRPr kumimoji="1" lang="ja-JP" altLang="en-US" sz="1200" b="0" dirty="0" smtClean="0">
+                        <a:solidFill>
+                          <a:srgbClr val="002060"/>
+                        </a:solidFill>
+                      </a:endParaRPr>
+                    </a:p>
+                  </a:txBody>
+                  <a:tcPr anchor="ctr">
+                    <a:lnL w="12700" cap="flat" cmpd="sng" algn="ctr">
+                      <a:solidFill>
+                        <a:schemeClr val="bg1">
+                          <a:lumMod val="75000"/>
+                        </a:schemeClr>
+                      </a:solidFill>
+                      <a:prstDash val="solid"/>
+                      <a:round/>
+                      <a:headEnd type="none" w="med" len="med"/>
+                      <a:tailEnd type="none" w="med" len="med"/>
+                    </a:lnL>
+                    <a:lnR w="12700" cap="flat" cmpd="sng" algn="ctr">
+                      <a:solidFill>
+                        <a:schemeClr val="bg1">
+                          <a:lumMod val="75000"/>
+                        </a:schemeClr>
+                      </a:solidFill>
+                      <a:prstDash val="solid"/>
+                      <a:round/>
+                      <a:headEnd type="none" w="med" len="med"/>
+                      <a:tailEnd type="none" w="med" len="med"/>
+                    </a:lnR>
+                    <a:lnT w="12700" cap="flat" cmpd="sng" algn="ctr">
+                      <a:solidFill>
+                        <a:schemeClr val="bg1">
+                          <a:lumMod val="75000"/>
+                        </a:schemeClr>
+                      </a:solidFill>
+                      <a:prstDash val="solid"/>
+                      <a:round/>
+                      <a:headEnd type="none" w="med" len="med"/>
+                      <a:tailEnd type="none" w="med" len="med"/>
+                    </a:lnT>
+                    <a:lnB w="12700" cap="flat" cmpd="sng" algn="ctr">
+                      <a:solidFill>
+                        <a:schemeClr val="bg1">
+                          <a:lumMod val="75000"/>
+                        </a:schemeClr>
+                      </a:solidFill>
+                      <a:prstDash val="solid"/>
+                      <a:round/>
+                      <a:headEnd type="none" w="med" len="med"/>
+                      <a:tailEnd type="none" w="med" len="med"/>
+                    </a:lnB>
+                    <a:solidFill>
+                      <a:schemeClr val="bg1">
+                        <a:lumMod val="95000"/>
+                      </a:schemeClr>
+                    </a:solidFill>
+                  </a:tcPr>
+                </a:tc>
+                <a:tc>
+                  <a:txBody>
+                    <a:bodyPr/>
+                    <a:lstStyle/>
+                    <a:p>
+                      <a:pPr marL="0" marR="0" lvl="0" indent="0" algn="l" defTabSz="914400" rtl="0" eaLnBrk="1" fontAlgn="auto" latinLnBrk="0" hangingPunct="1">
+                        <a:lnSpc>
+                          <a:spcPct val="100000"/>
+                        </a:lnSpc>
+                        <a:spcBef>
+                          <a:spcPts val="0"/>
+                        </a:spcBef>
+                        <a:spcAft>
+                          <a:spcPts val="0"/>
+                        </a:spcAft>
+                        <a:buClrTx/>
+                        <a:buSzTx/>
+                        <a:buFontTx/>
+                        <a:buNone/>
+                        <a:tabLst/>
+                        <a:defRPr/>
+                      </a:pPr>
+                      <a:r>
+                        <a:rPr kumimoji="1" lang="en-US" altLang="ja-JP" sz="1200" b="0" i="0" u="none" strike="noStrike" kern="1200" cap="none" spc="0" normalizeH="0" baseline="0" noProof="0" dirty="0" smtClean="0">
+                          <a:ln>
+                            <a:noFill/>
+                          </a:ln>
+                          <a:solidFill>
+                            <a:schemeClr val="tx1"/>
+                          </a:solidFill>
+                          <a:effectLst/>
+                          <a:uLnTx/>
+                          <a:uFillTx/>
+                          <a:latin typeface="メイリオ" panose="020B0604030504040204" pitchFamily="50" charset="-128"/>
+                          <a:ea typeface="メイリオ" panose="020B0604030504040204" pitchFamily="50" charset="-128"/>
+                          <a:cs typeface="+mn-cs"/>
+                        </a:rPr>
+                        <a:t>Create Parameter sheet.</a:t>
+                      </a:r>
+                      <a:endParaRPr kumimoji="1" lang="ja-JP" altLang="en-US" sz="1200" b="0" i="0" u="none" strike="noStrike" kern="1200" cap="none" spc="0" normalizeH="0" baseline="0" noProof="0" dirty="0" smtClean="0">
+                        <a:ln>
+                          <a:noFill/>
+                        </a:ln>
+                        <a:solidFill>
+                          <a:schemeClr val="tx1"/>
+                        </a:solidFill>
+                        <a:effectLst/>
+                        <a:uLnTx/>
+                        <a:uFillTx/>
+                        <a:latin typeface="メイリオ" panose="020B0604030504040204" pitchFamily="50" charset="-128"/>
+                        <a:ea typeface="メイリオ" panose="020B0604030504040204" pitchFamily="50" charset="-128"/>
+                        <a:cs typeface="+mn-cs"/>
+                      </a:endParaRPr>
+                    </a:p>
+                  </a:txBody>
+                  <a:tcPr anchor="ctr">
+                    <a:lnL w="12700" cap="flat" cmpd="sng" algn="ctr">
+                      <a:solidFill>
+                        <a:schemeClr val="bg1">
+                          <a:lumMod val="75000"/>
+                        </a:schemeClr>
+                      </a:solidFill>
+                      <a:prstDash val="solid"/>
+                      <a:round/>
+                      <a:headEnd type="none" w="med" len="med"/>
+                      <a:tailEnd type="none" w="med" len="med"/>
+                    </a:lnL>
+                    <a:lnR w="12700" cap="flat" cmpd="sng" algn="ctr">
+                      <a:solidFill>
+                        <a:schemeClr val="bg1">
+                          <a:lumMod val="75000"/>
+                        </a:schemeClr>
+                      </a:solidFill>
+                      <a:prstDash val="solid"/>
+                      <a:round/>
+                      <a:headEnd type="none" w="med" len="med"/>
+                      <a:tailEnd type="none" w="med" len="med"/>
+                    </a:lnR>
+                    <a:lnT w="12700" cap="flat" cmpd="sng" algn="ctr">
+                      <a:solidFill>
+                        <a:schemeClr val="bg1">
+                          <a:lumMod val="75000"/>
+                        </a:schemeClr>
+                      </a:solidFill>
+                      <a:prstDash val="solid"/>
+                      <a:round/>
+                      <a:headEnd type="none" w="med" len="med"/>
+                      <a:tailEnd type="none" w="med" len="med"/>
+                    </a:lnT>
+                    <a:lnB w="12700" cap="flat" cmpd="sng" algn="ctr">
+                      <a:solidFill>
+                        <a:schemeClr val="bg1">
+                          <a:lumMod val="75000"/>
+                        </a:schemeClr>
+                      </a:solidFill>
+                      <a:prstDash val="solid"/>
+                      <a:round/>
+                      <a:headEnd type="none" w="med" len="med"/>
+                      <a:tailEnd type="none" w="med" len="med"/>
+                    </a:lnB>
+                    <a:solidFill>
+                      <a:schemeClr val="bg1"/>
+                    </a:solidFill>
+                  </a:tcPr>
+                </a:tc>
+                <a:extLst>
+                  <a:ext uri="{0D108BD9-81ED-4DB2-BD59-A6C34878D82A}">
+                    <a16:rowId xmlns:a16="http://schemas.microsoft.com/office/drawing/2014/main" val="390252670"/>
+                  </a:ext>
+                </a:extLst>
+              </a:tr>
+              <a:tr h="370840">
+                <a:tc>
+                  <a:txBody>
+                    <a:bodyPr/>
+                    <a:lstStyle/>
+                    <a:p>
+                      <a:pPr algn="ctr"/>
+                      <a:r>
+                        <a:rPr kumimoji="1" lang="ja-JP" altLang="en-US" sz="1600" b="1" dirty="0" smtClean="0">
+                          <a:solidFill>
+                            <a:srgbClr val="FF0000"/>
+                          </a:solidFill>
+                        </a:rPr>
+                        <a:t>②</a:t>
+                      </a:r>
+                      <a:endParaRPr kumimoji="1" lang="ja-JP" altLang="en-US" sz="1600" b="1" dirty="0">
+                        <a:solidFill>
+                          <a:srgbClr val="FF0000"/>
+                        </a:solidFill>
+                      </a:endParaRPr>
+                    </a:p>
+                  </a:txBody>
+                  <a:tcPr anchor="ctr">
+                    <a:lnL w="12700" cap="flat" cmpd="sng" algn="ctr">
+                      <a:solidFill>
+                        <a:schemeClr val="bg1">
+                          <a:lumMod val="75000"/>
+                        </a:schemeClr>
+                      </a:solidFill>
+                      <a:prstDash val="solid"/>
+                      <a:round/>
+                      <a:headEnd type="none" w="med" len="med"/>
+                      <a:tailEnd type="none" w="med" len="med"/>
+                    </a:lnL>
+                    <a:lnR w="12700" cap="flat" cmpd="sng" algn="ctr">
+                      <a:solidFill>
+                        <a:schemeClr val="bg1">
+                          <a:lumMod val="75000"/>
+                        </a:schemeClr>
+                      </a:solidFill>
+                      <a:prstDash val="solid"/>
+                      <a:round/>
+                      <a:headEnd type="none" w="med" len="med"/>
+                      <a:tailEnd type="none" w="med" len="med"/>
+                    </a:lnR>
+                    <a:lnT w="12700" cap="flat" cmpd="sng" algn="ctr">
+                      <a:solidFill>
+                        <a:schemeClr val="bg1">
+                          <a:lumMod val="75000"/>
+                        </a:schemeClr>
+                      </a:solidFill>
+                      <a:prstDash val="solid"/>
+                      <a:round/>
+                      <a:headEnd type="none" w="med" len="med"/>
+                      <a:tailEnd type="none" w="med" len="med"/>
+                    </a:lnT>
+                    <a:lnB w="12700" cap="flat" cmpd="sng" algn="ctr">
+                      <a:solidFill>
+                        <a:schemeClr val="bg1">
+                          <a:lumMod val="75000"/>
+                        </a:schemeClr>
+                      </a:solidFill>
+                      <a:prstDash val="solid"/>
+                      <a:round/>
+                      <a:headEnd type="none" w="med" len="med"/>
+                      <a:tailEnd type="none" w="med" len="med"/>
+                    </a:lnB>
+                    <a:solidFill>
+                      <a:schemeClr val="bg1">
+                        <a:lumMod val="95000"/>
+                      </a:schemeClr>
+                    </a:solidFill>
+                  </a:tcPr>
+                </a:tc>
+                <a:tc>
+                  <a:txBody>
+                    <a:bodyPr/>
+                    <a:lstStyle/>
+                    <a:p>
+                      <a:r>
+                        <a:rPr kumimoji="1" lang="en-US" altLang="ja-JP" sz="1200" b="0" dirty="0" smtClean="0"/>
+                        <a:t>Register data</a:t>
+                      </a:r>
+                      <a:r>
+                        <a:rPr kumimoji="1" lang="en-US" altLang="ja-JP" sz="1200" b="0" baseline="0" dirty="0" smtClean="0"/>
+                        <a:t> to the parameter sheets and run Collect function</a:t>
+                      </a:r>
+                      <a:endParaRPr kumimoji="1" lang="ja-JP" altLang="en-US" sz="1200" b="0" dirty="0" smtClean="0">
+                        <a:solidFill>
+                          <a:schemeClr val="tx1"/>
+                        </a:solidFill>
+                      </a:endParaRPr>
+                    </a:p>
+                  </a:txBody>
+                  <a:tcPr anchor="ctr">
+                    <a:lnL w="12700" cap="flat" cmpd="sng" algn="ctr">
+                      <a:solidFill>
+                        <a:schemeClr val="bg1">
+                          <a:lumMod val="75000"/>
+                        </a:schemeClr>
+                      </a:solidFill>
+                      <a:prstDash val="solid"/>
+                      <a:round/>
+                      <a:headEnd type="none" w="med" len="med"/>
+                      <a:tailEnd type="none" w="med" len="med"/>
+                    </a:lnL>
+                    <a:lnR w="12700" cap="flat" cmpd="sng" algn="ctr">
+                      <a:solidFill>
+                        <a:schemeClr val="bg1">
+                          <a:lumMod val="75000"/>
+                        </a:schemeClr>
+                      </a:solidFill>
+                      <a:prstDash val="solid"/>
+                      <a:round/>
+                      <a:headEnd type="none" w="med" len="med"/>
+                      <a:tailEnd type="none" w="med" len="med"/>
+                    </a:lnR>
+                    <a:lnT w="12700" cap="flat" cmpd="sng" algn="ctr">
+                      <a:solidFill>
+                        <a:schemeClr val="bg1">
+                          <a:lumMod val="75000"/>
+                        </a:schemeClr>
+                      </a:solidFill>
+                      <a:prstDash val="solid"/>
+                      <a:round/>
+                      <a:headEnd type="none" w="med" len="med"/>
+                      <a:tailEnd type="none" w="med" len="med"/>
+                    </a:lnT>
+                    <a:lnB w="12700" cap="flat" cmpd="sng" algn="ctr">
+                      <a:solidFill>
+                        <a:schemeClr val="bg1">
+                          <a:lumMod val="75000"/>
+                        </a:schemeClr>
+                      </a:solidFill>
+                      <a:prstDash val="solid"/>
+                      <a:round/>
+                      <a:headEnd type="none" w="med" len="med"/>
+                      <a:tailEnd type="none" w="med" len="med"/>
+                    </a:lnB>
+                    <a:solidFill>
+                      <a:schemeClr val="bg1">
+                        <a:lumMod val="95000"/>
+                      </a:schemeClr>
+                    </a:solidFill>
+                  </a:tcPr>
+                </a:tc>
+                <a:tc>
+                  <a:txBody>
+                    <a:bodyPr/>
+                    <a:lstStyle/>
+                    <a:p>
+                      <a:pPr marL="0" marR="0" lvl="0" indent="0" algn="l" defTabSz="914400" rtl="0" eaLnBrk="1" fontAlgn="auto" latinLnBrk="0" hangingPunct="1">
+                        <a:lnSpc>
+                          <a:spcPct val="100000"/>
+                        </a:lnSpc>
+                        <a:spcBef>
+                          <a:spcPts val="0"/>
+                        </a:spcBef>
+                        <a:spcAft>
+                          <a:spcPts val="0"/>
+                        </a:spcAft>
+                        <a:buClrTx/>
+                        <a:buSzTx/>
+                        <a:buFontTx/>
+                        <a:buNone/>
+                        <a:tabLst/>
+                        <a:defRPr/>
+                      </a:pPr>
+                      <a:r>
+                        <a:rPr lang="en-US" altLang="ja-JP" sz="1200" dirty="0" smtClean="0">
+                          <a:solidFill>
+                            <a:schemeClr val="tx1"/>
+                          </a:solidFill>
+                          <a:latin typeface="メイリオ" panose="020B0604030504040204" pitchFamily="50" charset="-128"/>
+                          <a:ea typeface="メイリオ" panose="020B0604030504040204" pitchFamily="50" charset="-128"/>
+                        </a:rPr>
+                        <a:t>Register data to the</a:t>
+                      </a:r>
+                      <a:r>
+                        <a:rPr lang="en-US" altLang="ja-JP" sz="1200" baseline="0" dirty="0" smtClean="0">
+                          <a:solidFill>
+                            <a:schemeClr val="tx1"/>
+                          </a:solidFill>
+                          <a:latin typeface="メイリオ" panose="020B0604030504040204" pitchFamily="50" charset="-128"/>
+                          <a:ea typeface="メイリオ" panose="020B0604030504040204" pitchFamily="50" charset="-128"/>
+                        </a:rPr>
+                        <a:t> Parameter sheets. If the user is using the Collect function, run it in this step.</a:t>
+                      </a:r>
+                      <a:endParaRPr kumimoji="1" lang="ja-JP" altLang="en-US" sz="1200" b="0" dirty="0" smtClean="0">
+                        <a:solidFill>
+                          <a:schemeClr val="tx1"/>
+                        </a:solidFill>
+                        <a:latin typeface="メイリオ" panose="020B0604030504040204" pitchFamily="50" charset="-128"/>
+                        <a:ea typeface="メイリオ" panose="020B0604030504040204" pitchFamily="50" charset="-128"/>
+                      </a:endParaRPr>
+                    </a:p>
+                  </a:txBody>
+                  <a:tcPr anchor="ctr">
+                    <a:lnL w="12700" cap="flat" cmpd="sng" algn="ctr">
+                      <a:solidFill>
+                        <a:schemeClr val="bg1">
+                          <a:lumMod val="75000"/>
+                        </a:schemeClr>
+                      </a:solidFill>
+                      <a:prstDash val="solid"/>
+                      <a:round/>
+                      <a:headEnd type="none" w="med" len="med"/>
+                      <a:tailEnd type="none" w="med" len="med"/>
+                    </a:lnL>
+                    <a:lnR w="12700" cap="flat" cmpd="sng" algn="ctr">
+                      <a:solidFill>
+                        <a:schemeClr val="bg1">
+                          <a:lumMod val="75000"/>
+                        </a:schemeClr>
+                      </a:solidFill>
+                      <a:prstDash val="solid"/>
+                      <a:round/>
+                      <a:headEnd type="none" w="med" len="med"/>
+                      <a:tailEnd type="none" w="med" len="med"/>
+                    </a:lnR>
+                    <a:lnT w="12700" cap="flat" cmpd="sng" algn="ctr">
+                      <a:solidFill>
+                        <a:schemeClr val="bg1">
+                          <a:lumMod val="75000"/>
+                        </a:schemeClr>
+                      </a:solidFill>
+                      <a:prstDash val="solid"/>
+                      <a:round/>
+                      <a:headEnd type="none" w="med" len="med"/>
+                      <a:tailEnd type="none" w="med" len="med"/>
+                    </a:lnT>
+                    <a:lnB w="12700" cap="flat" cmpd="sng" algn="ctr">
+                      <a:solidFill>
+                        <a:schemeClr val="bg1">
+                          <a:lumMod val="75000"/>
+                        </a:schemeClr>
+                      </a:solidFill>
+                      <a:prstDash val="solid"/>
+                      <a:round/>
+                      <a:headEnd type="none" w="med" len="med"/>
+                      <a:tailEnd type="none" w="med" len="med"/>
+                    </a:lnB>
+                    <a:solidFill>
+                      <a:schemeClr val="bg1"/>
+                    </a:solidFill>
+                  </a:tcPr>
+                </a:tc>
+                <a:extLst>
+                  <a:ext uri="{0D108BD9-81ED-4DB2-BD59-A6C34878D82A}">
+                    <a16:rowId xmlns:a16="http://schemas.microsoft.com/office/drawing/2014/main" val="2289614555"/>
+                  </a:ext>
+                </a:extLst>
+              </a:tr>
+              <a:tr h="370840">
+                <a:tc>
+                  <a:txBody>
+                    <a:bodyPr/>
+                    <a:lstStyle/>
+                    <a:p>
+                      <a:pPr algn="ctr"/>
+                      <a:r>
+                        <a:rPr kumimoji="1" lang="ja-JP" altLang="en-US" sz="1600" b="1" dirty="0" smtClean="0">
+                          <a:solidFill>
+                            <a:srgbClr val="FF0000"/>
+                          </a:solidFill>
+                        </a:rPr>
+                        <a:t>③</a:t>
+                      </a:r>
+                      <a:endParaRPr kumimoji="1" lang="ja-JP" altLang="en-US" sz="1600" b="1" dirty="0">
+                        <a:solidFill>
+                          <a:srgbClr val="FF0000"/>
+                        </a:solidFill>
+                      </a:endParaRPr>
+                    </a:p>
+                  </a:txBody>
+                  <a:tcPr anchor="ctr">
+                    <a:lnL w="12700" cap="flat" cmpd="sng" algn="ctr">
+                      <a:solidFill>
+                        <a:schemeClr val="bg1">
+                          <a:lumMod val="75000"/>
+                        </a:schemeClr>
+                      </a:solidFill>
+                      <a:prstDash val="solid"/>
+                      <a:round/>
+                      <a:headEnd type="none" w="med" len="med"/>
+                      <a:tailEnd type="none" w="med" len="med"/>
+                    </a:lnL>
+                    <a:lnR w="12700" cap="flat" cmpd="sng" algn="ctr">
+                      <a:solidFill>
+                        <a:schemeClr val="bg1">
+                          <a:lumMod val="75000"/>
+                        </a:schemeClr>
+                      </a:solidFill>
+                      <a:prstDash val="solid"/>
+                      <a:round/>
+                      <a:headEnd type="none" w="med" len="med"/>
+                      <a:tailEnd type="none" w="med" len="med"/>
+                    </a:lnR>
+                    <a:lnT w="12700" cap="flat" cmpd="sng" algn="ctr">
+                      <a:solidFill>
+                        <a:schemeClr val="bg1">
+                          <a:lumMod val="75000"/>
+                        </a:schemeClr>
+                      </a:solidFill>
+                      <a:prstDash val="solid"/>
+                      <a:round/>
+                      <a:headEnd type="none" w="med" len="med"/>
+                      <a:tailEnd type="none" w="med" len="med"/>
+                    </a:lnT>
+                    <a:lnB w="12700" cap="flat" cmpd="sng" algn="ctr">
+                      <a:solidFill>
+                        <a:schemeClr val="bg1">
+                          <a:lumMod val="75000"/>
+                        </a:schemeClr>
+                      </a:solidFill>
+                      <a:prstDash val="solid"/>
+                      <a:round/>
+                      <a:headEnd type="none" w="med" len="med"/>
+                      <a:tailEnd type="none" w="med" len="med"/>
+                    </a:lnB>
+                    <a:solidFill>
+                      <a:schemeClr val="bg1">
+                        <a:lumMod val="95000"/>
+                      </a:schemeClr>
+                    </a:solidFill>
+                  </a:tcPr>
+                </a:tc>
+                <a:tc>
+                  <a:txBody>
+                    <a:bodyPr/>
+                    <a:lstStyle/>
+                    <a:p>
+                      <a:r>
+                        <a:rPr kumimoji="1" lang="en-US" altLang="ja-JP" sz="1200" b="0" dirty="0" smtClean="0"/>
+                        <a:t>Create Comparison definition</a:t>
+                      </a:r>
+                      <a:endParaRPr kumimoji="1" lang="ja-JP" altLang="en-US" sz="1200" b="0" dirty="0">
+                        <a:solidFill>
+                          <a:srgbClr val="002060"/>
+                        </a:solidFill>
+                      </a:endParaRPr>
+                    </a:p>
+                  </a:txBody>
+                  <a:tcPr anchor="ctr">
+                    <a:lnL w="12700" cap="flat" cmpd="sng" algn="ctr">
+                      <a:solidFill>
+                        <a:schemeClr val="bg1">
+                          <a:lumMod val="75000"/>
+                        </a:schemeClr>
+                      </a:solidFill>
+                      <a:prstDash val="solid"/>
+                      <a:round/>
+                      <a:headEnd type="none" w="med" len="med"/>
+                      <a:tailEnd type="none" w="med" len="med"/>
+                    </a:lnL>
+                    <a:lnR w="12700" cap="flat" cmpd="sng" algn="ctr">
+                      <a:solidFill>
+                        <a:schemeClr val="bg1">
+                          <a:lumMod val="75000"/>
+                        </a:schemeClr>
+                      </a:solidFill>
+                      <a:prstDash val="solid"/>
+                      <a:round/>
+                      <a:headEnd type="none" w="med" len="med"/>
+                      <a:tailEnd type="none" w="med" len="med"/>
+                    </a:lnR>
+                    <a:lnT w="12700" cap="flat" cmpd="sng" algn="ctr">
+                      <a:solidFill>
+                        <a:schemeClr val="bg1">
+                          <a:lumMod val="75000"/>
+                        </a:schemeClr>
+                      </a:solidFill>
+                      <a:prstDash val="solid"/>
+                      <a:round/>
+                      <a:headEnd type="none" w="med" len="med"/>
+                      <a:tailEnd type="none" w="med" len="med"/>
+                    </a:lnT>
+                    <a:lnB w="12700" cap="flat" cmpd="sng" algn="ctr">
+                      <a:solidFill>
+                        <a:schemeClr val="bg1">
+                          <a:lumMod val="75000"/>
+                        </a:schemeClr>
+                      </a:solidFill>
+                      <a:prstDash val="solid"/>
+                      <a:round/>
+                      <a:headEnd type="none" w="med" len="med"/>
+                      <a:tailEnd type="none" w="med" len="med"/>
+                    </a:lnB>
+                    <a:solidFill>
+                      <a:schemeClr val="bg1">
+                        <a:lumMod val="95000"/>
+                      </a:schemeClr>
+                    </a:solidFill>
+                  </a:tcPr>
+                </a:tc>
+                <a:tc>
+                  <a:txBody>
+                    <a:bodyPr/>
+                    <a:lstStyle/>
+                    <a:p>
+                      <a:pPr marL="0" marR="0" lvl="0" indent="0" algn="l" defTabSz="914400" rtl="0" eaLnBrk="1" fontAlgn="auto" latinLnBrk="0" hangingPunct="1">
+                        <a:lnSpc>
+                          <a:spcPct val="100000"/>
+                        </a:lnSpc>
+                        <a:spcBef>
+                          <a:spcPts val="0"/>
+                        </a:spcBef>
+                        <a:spcAft>
+                          <a:spcPts val="0"/>
+                        </a:spcAft>
+                        <a:buClrTx/>
+                        <a:buSzTx/>
+                        <a:buFontTx/>
+                        <a:buNone/>
+                        <a:tabLst/>
+                        <a:defRPr/>
+                      </a:pPr>
+                      <a:r>
+                        <a:rPr kumimoji="1" lang="en-US" altLang="ja-JP" sz="1200" b="0" dirty="0" smtClean="0">
+                          <a:solidFill>
+                            <a:schemeClr val="tx1"/>
+                          </a:solidFill>
+                          <a:latin typeface="メイリオ" panose="020B0604030504040204" pitchFamily="50" charset="-128"/>
+                          <a:ea typeface="メイリオ" panose="020B0604030504040204" pitchFamily="50" charset="-128"/>
+                        </a:rPr>
+                        <a:t>Select what</a:t>
+                      </a:r>
+                      <a:r>
+                        <a:rPr kumimoji="1" lang="en-US" altLang="ja-JP" sz="1200" b="0" baseline="0" dirty="0" smtClean="0">
+                          <a:solidFill>
+                            <a:schemeClr val="tx1"/>
+                          </a:solidFill>
+                          <a:latin typeface="メイリオ" panose="020B0604030504040204" pitchFamily="50" charset="-128"/>
+                          <a:ea typeface="メイリオ" panose="020B0604030504040204" pitchFamily="50" charset="-128"/>
+                        </a:rPr>
+                        <a:t> menus (Parameter sheets) to compare.</a:t>
+                      </a:r>
+                      <a:endParaRPr kumimoji="1" lang="ja-JP" altLang="en-US" sz="1200" b="0" dirty="0" smtClean="0">
+                        <a:solidFill>
+                          <a:schemeClr val="tx1"/>
+                        </a:solidFill>
+                        <a:latin typeface="メイリオ" panose="020B0604030504040204" pitchFamily="50" charset="-128"/>
+                        <a:ea typeface="メイリオ" panose="020B0604030504040204" pitchFamily="50" charset="-128"/>
+                      </a:endParaRPr>
+                    </a:p>
+                  </a:txBody>
+                  <a:tcPr anchor="ctr">
+                    <a:lnL w="12700" cap="flat" cmpd="sng" algn="ctr">
+                      <a:solidFill>
+                        <a:schemeClr val="bg1">
+                          <a:lumMod val="75000"/>
+                        </a:schemeClr>
+                      </a:solidFill>
+                      <a:prstDash val="solid"/>
+                      <a:round/>
+                      <a:headEnd type="none" w="med" len="med"/>
+                      <a:tailEnd type="none" w="med" len="med"/>
+                    </a:lnL>
+                    <a:lnR w="12700" cap="flat" cmpd="sng" algn="ctr">
+                      <a:solidFill>
+                        <a:schemeClr val="bg1">
+                          <a:lumMod val="75000"/>
+                        </a:schemeClr>
+                      </a:solidFill>
+                      <a:prstDash val="solid"/>
+                      <a:round/>
+                      <a:headEnd type="none" w="med" len="med"/>
+                      <a:tailEnd type="none" w="med" len="med"/>
+                    </a:lnR>
+                    <a:lnT w="12700" cap="flat" cmpd="sng" algn="ctr">
+                      <a:solidFill>
+                        <a:schemeClr val="bg1">
+                          <a:lumMod val="75000"/>
+                        </a:schemeClr>
+                      </a:solidFill>
+                      <a:prstDash val="solid"/>
+                      <a:round/>
+                      <a:headEnd type="none" w="med" len="med"/>
+                      <a:tailEnd type="none" w="med" len="med"/>
+                    </a:lnT>
+                    <a:lnB w="12700" cap="flat" cmpd="sng" algn="ctr">
+                      <a:solidFill>
+                        <a:schemeClr val="bg1">
+                          <a:lumMod val="75000"/>
+                        </a:schemeClr>
+                      </a:solidFill>
+                      <a:prstDash val="solid"/>
+                      <a:round/>
+                      <a:headEnd type="none" w="med" len="med"/>
+                      <a:tailEnd type="none" w="med" len="med"/>
+                    </a:lnB>
+                    <a:solidFill>
+                      <a:schemeClr val="bg1"/>
+                    </a:solidFill>
+                  </a:tcPr>
+                </a:tc>
+                <a:extLst>
+                  <a:ext uri="{0D108BD9-81ED-4DB2-BD59-A6C34878D82A}">
+                    <a16:rowId xmlns:a16="http://schemas.microsoft.com/office/drawing/2014/main" val="2635798848"/>
+                  </a:ext>
+                </a:extLst>
+              </a:tr>
+              <a:tr h="370840">
+                <a:tc>
+                  <a:txBody>
+                    <a:bodyPr/>
+                    <a:lstStyle/>
+                    <a:p>
+                      <a:pPr algn="ctr"/>
+                      <a:r>
+                        <a:rPr kumimoji="1" lang="ja-JP" altLang="en-US" sz="1600" b="1" dirty="0" smtClean="0">
+                          <a:solidFill>
+                            <a:srgbClr val="FF0000"/>
+                          </a:solidFill>
+                        </a:rPr>
+                        <a:t>④</a:t>
+                      </a:r>
+                      <a:endParaRPr kumimoji="1" lang="ja-JP" altLang="en-US" sz="1600" b="1" dirty="0">
+                        <a:solidFill>
+                          <a:srgbClr val="FF0000"/>
+                        </a:solidFill>
+                      </a:endParaRPr>
+                    </a:p>
+                  </a:txBody>
+                  <a:tcPr anchor="ctr">
+                    <a:lnL w="12700" cap="flat" cmpd="sng" algn="ctr">
+                      <a:solidFill>
+                        <a:schemeClr val="bg1">
+                          <a:lumMod val="75000"/>
+                        </a:schemeClr>
+                      </a:solidFill>
+                      <a:prstDash val="solid"/>
+                      <a:round/>
+                      <a:headEnd type="none" w="med" len="med"/>
+                      <a:tailEnd type="none" w="med" len="med"/>
+                    </a:lnL>
+                    <a:lnR w="12700" cap="flat" cmpd="sng" algn="ctr">
+                      <a:solidFill>
+                        <a:schemeClr val="bg1">
+                          <a:lumMod val="75000"/>
+                        </a:schemeClr>
+                      </a:solidFill>
+                      <a:prstDash val="solid"/>
+                      <a:round/>
+                      <a:headEnd type="none" w="med" len="med"/>
+                      <a:tailEnd type="none" w="med" len="med"/>
+                    </a:lnR>
+                    <a:lnT w="12700" cap="flat" cmpd="sng" algn="ctr">
+                      <a:solidFill>
+                        <a:schemeClr val="bg1">
+                          <a:lumMod val="75000"/>
+                        </a:schemeClr>
+                      </a:solidFill>
+                      <a:prstDash val="solid"/>
+                      <a:round/>
+                      <a:headEnd type="none" w="med" len="med"/>
+                      <a:tailEnd type="none" w="med" len="med"/>
+                    </a:lnT>
+                    <a:lnB w="12700" cap="flat" cmpd="sng" algn="ctr">
+                      <a:solidFill>
+                        <a:schemeClr val="bg1">
+                          <a:lumMod val="75000"/>
+                        </a:schemeClr>
+                      </a:solidFill>
+                      <a:prstDash val="solid"/>
+                      <a:round/>
+                      <a:headEnd type="none" w="med" len="med"/>
+                      <a:tailEnd type="none" w="med" len="med"/>
+                    </a:lnB>
+                    <a:solidFill>
+                      <a:schemeClr val="bg1">
+                        <a:lumMod val="95000"/>
+                      </a:schemeClr>
+                    </a:solidFill>
+                  </a:tcPr>
+                </a:tc>
+                <a:tc>
+                  <a:txBody>
+                    <a:bodyPr/>
+                    <a:lstStyle/>
+                    <a:p>
+                      <a:r>
+                        <a:rPr kumimoji="1" lang="en-US" altLang="ja-JP" sz="1200" b="0" dirty="0" smtClean="0"/>
+                        <a:t>(Optional) configure detailed</a:t>
+                      </a:r>
+                      <a:r>
+                        <a:rPr kumimoji="1" lang="en-US" altLang="ja-JP" sz="1200" b="0" baseline="0" dirty="0" smtClean="0"/>
+                        <a:t> information for the </a:t>
+                      </a:r>
+                      <a:r>
+                        <a:rPr kumimoji="1" lang="en-US" altLang="ja-JP" sz="1200" b="0" dirty="0" smtClean="0"/>
+                        <a:t>comparison</a:t>
+                      </a:r>
+                      <a:r>
+                        <a:rPr kumimoji="1" lang="en-US" altLang="ja-JP" sz="1200" b="0" baseline="0" dirty="0" smtClean="0"/>
+                        <a:t> definition</a:t>
+                      </a:r>
+                      <a:endParaRPr kumimoji="1" lang="ja-JP" altLang="en-US" sz="1200" b="0" dirty="0">
+                        <a:solidFill>
+                          <a:srgbClr val="002060"/>
+                        </a:solidFill>
+                      </a:endParaRPr>
+                    </a:p>
+                  </a:txBody>
+                  <a:tcPr anchor="ctr">
+                    <a:lnL w="12700" cap="flat" cmpd="sng" algn="ctr">
+                      <a:solidFill>
+                        <a:schemeClr val="bg1">
+                          <a:lumMod val="75000"/>
+                        </a:schemeClr>
+                      </a:solidFill>
+                      <a:prstDash val="solid"/>
+                      <a:round/>
+                      <a:headEnd type="none" w="med" len="med"/>
+                      <a:tailEnd type="none" w="med" len="med"/>
+                    </a:lnL>
+                    <a:lnR w="12700" cap="flat" cmpd="sng" algn="ctr">
+                      <a:solidFill>
+                        <a:schemeClr val="bg1">
+                          <a:lumMod val="75000"/>
+                        </a:schemeClr>
+                      </a:solidFill>
+                      <a:prstDash val="solid"/>
+                      <a:round/>
+                      <a:headEnd type="none" w="med" len="med"/>
+                      <a:tailEnd type="none" w="med" len="med"/>
+                    </a:lnR>
+                    <a:lnT w="12700" cap="flat" cmpd="sng" algn="ctr">
+                      <a:solidFill>
+                        <a:schemeClr val="bg1">
+                          <a:lumMod val="75000"/>
+                        </a:schemeClr>
+                      </a:solidFill>
+                      <a:prstDash val="solid"/>
+                      <a:round/>
+                      <a:headEnd type="none" w="med" len="med"/>
+                      <a:tailEnd type="none" w="med" len="med"/>
+                    </a:lnT>
+                    <a:lnB w="12700" cap="flat" cmpd="sng" algn="ctr">
+                      <a:solidFill>
+                        <a:schemeClr val="bg1">
+                          <a:lumMod val="75000"/>
+                        </a:schemeClr>
+                      </a:solidFill>
+                      <a:prstDash val="solid"/>
+                      <a:round/>
+                      <a:headEnd type="none" w="med" len="med"/>
+                      <a:tailEnd type="none" w="med" len="med"/>
+                    </a:lnB>
+                    <a:solidFill>
+                      <a:schemeClr val="bg1">
+                        <a:lumMod val="95000"/>
+                      </a:schemeClr>
+                    </a:solidFill>
+                  </a:tcPr>
+                </a:tc>
+                <a:tc>
+                  <a:txBody>
+                    <a:bodyPr/>
+                    <a:lstStyle/>
+                    <a:p>
+                      <a:pPr marL="0" marR="0" lvl="0" indent="0" algn="l" defTabSz="914400" rtl="0" eaLnBrk="1" fontAlgn="auto" latinLnBrk="0" hangingPunct="1">
+                        <a:lnSpc>
+                          <a:spcPct val="100000"/>
+                        </a:lnSpc>
+                        <a:spcBef>
+                          <a:spcPts val="0"/>
+                        </a:spcBef>
+                        <a:spcAft>
+                          <a:spcPts val="0"/>
+                        </a:spcAft>
+                        <a:buClrTx/>
+                        <a:buSzTx/>
+                        <a:buFontTx/>
+                        <a:buNone/>
+                        <a:tabLst/>
+                        <a:defRPr/>
+                      </a:pPr>
+                      <a:r>
+                        <a:rPr kumimoji="1" lang="en-US" altLang="ja-JP" sz="1200" b="0" dirty="0" smtClean="0">
+                          <a:solidFill>
+                            <a:schemeClr val="tx1"/>
+                          </a:solidFill>
+                          <a:latin typeface="メイリオ" panose="020B0604030504040204" pitchFamily="50" charset="-128"/>
+                          <a:ea typeface="メイリオ" panose="020B0604030504040204" pitchFamily="50" charset="-128"/>
+                        </a:rPr>
+                        <a:t>Select what column in the menus (Parameter sheets) to compare.</a:t>
+                      </a:r>
+                      <a:endParaRPr kumimoji="1" lang="ja-JP" altLang="en-US" sz="1200" b="0" dirty="0" smtClean="0">
+                        <a:solidFill>
+                          <a:schemeClr val="tx1"/>
+                        </a:solidFill>
+                        <a:latin typeface="メイリオ" panose="020B0604030504040204" pitchFamily="50" charset="-128"/>
+                        <a:ea typeface="メイリオ" panose="020B0604030504040204" pitchFamily="50" charset="-128"/>
+                      </a:endParaRPr>
+                    </a:p>
+                  </a:txBody>
+                  <a:tcPr anchor="ctr">
+                    <a:lnL w="12700" cap="flat" cmpd="sng" algn="ctr">
+                      <a:solidFill>
+                        <a:schemeClr val="bg1">
+                          <a:lumMod val="75000"/>
+                        </a:schemeClr>
+                      </a:solidFill>
+                      <a:prstDash val="solid"/>
+                      <a:round/>
+                      <a:headEnd type="none" w="med" len="med"/>
+                      <a:tailEnd type="none" w="med" len="med"/>
+                    </a:lnL>
+                    <a:lnR w="12700" cap="flat" cmpd="sng" algn="ctr">
+                      <a:solidFill>
+                        <a:schemeClr val="bg1">
+                          <a:lumMod val="75000"/>
+                        </a:schemeClr>
+                      </a:solidFill>
+                      <a:prstDash val="solid"/>
+                      <a:round/>
+                      <a:headEnd type="none" w="med" len="med"/>
+                      <a:tailEnd type="none" w="med" len="med"/>
+                    </a:lnR>
+                    <a:lnT w="12700" cap="flat" cmpd="sng" algn="ctr">
+                      <a:solidFill>
+                        <a:schemeClr val="bg1">
+                          <a:lumMod val="75000"/>
+                        </a:schemeClr>
+                      </a:solidFill>
+                      <a:prstDash val="solid"/>
+                      <a:round/>
+                      <a:headEnd type="none" w="med" len="med"/>
+                      <a:tailEnd type="none" w="med" len="med"/>
+                    </a:lnT>
+                    <a:lnB w="12700" cap="flat" cmpd="sng" algn="ctr">
+                      <a:solidFill>
+                        <a:schemeClr val="bg1">
+                          <a:lumMod val="75000"/>
+                        </a:schemeClr>
+                      </a:solidFill>
+                      <a:prstDash val="solid"/>
+                      <a:round/>
+                      <a:headEnd type="none" w="med" len="med"/>
+                      <a:tailEnd type="none" w="med" len="med"/>
+                    </a:lnB>
+                    <a:solidFill>
+                      <a:schemeClr val="bg1"/>
+                    </a:solidFill>
+                  </a:tcPr>
+                </a:tc>
+                <a:extLst>
+                  <a:ext uri="{0D108BD9-81ED-4DB2-BD59-A6C34878D82A}">
+                    <a16:rowId xmlns:a16="http://schemas.microsoft.com/office/drawing/2014/main" val="1100677892"/>
+                  </a:ext>
+                </a:extLst>
+              </a:tr>
+              <a:tr h="370840">
+                <a:tc>
+                  <a:txBody>
+                    <a:bodyPr/>
+                    <a:lstStyle/>
+                    <a:p>
+                      <a:pPr algn="ctr"/>
+                      <a:r>
+                        <a:rPr kumimoji="1" lang="ja-JP" altLang="en-US" sz="1600" b="1" dirty="0" smtClean="0">
+                          <a:solidFill>
+                            <a:srgbClr val="FF0000"/>
+                          </a:solidFill>
+                        </a:rPr>
+                        <a:t>⑤</a:t>
+                      </a:r>
+                      <a:endParaRPr kumimoji="1" lang="ja-JP" altLang="en-US" sz="1600" b="1" dirty="0">
+                        <a:solidFill>
+                          <a:srgbClr val="FF0000"/>
+                        </a:solidFill>
+                      </a:endParaRPr>
+                    </a:p>
+                  </a:txBody>
+                  <a:tcPr anchor="ctr">
+                    <a:lnL w="12700" cap="flat" cmpd="sng" algn="ctr">
+                      <a:solidFill>
+                        <a:schemeClr val="bg1">
+                          <a:lumMod val="75000"/>
+                        </a:schemeClr>
+                      </a:solidFill>
+                      <a:prstDash val="solid"/>
+                      <a:round/>
+                      <a:headEnd type="none" w="med" len="med"/>
+                      <a:tailEnd type="none" w="med" len="med"/>
+                    </a:lnL>
+                    <a:lnR w="12700" cap="flat" cmpd="sng" algn="ctr">
+                      <a:solidFill>
+                        <a:schemeClr val="bg1">
+                          <a:lumMod val="75000"/>
+                        </a:schemeClr>
+                      </a:solidFill>
+                      <a:prstDash val="solid"/>
+                      <a:round/>
+                      <a:headEnd type="none" w="med" len="med"/>
+                      <a:tailEnd type="none" w="med" len="med"/>
+                    </a:lnR>
+                    <a:lnT w="12700" cap="flat" cmpd="sng" algn="ctr">
+                      <a:solidFill>
+                        <a:schemeClr val="bg1">
+                          <a:lumMod val="75000"/>
+                        </a:schemeClr>
+                      </a:solidFill>
+                      <a:prstDash val="solid"/>
+                      <a:round/>
+                      <a:headEnd type="none" w="med" len="med"/>
+                      <a:tailEnd type="none" w="med" len="med"/>
+                    </a:lnT>
+                    <a:lnB w="12700" cap="flat" cmpd="sng" algn="ctr">
+                      <a:solidFill>
+                        <a:schemeClr val="bg1">
+                          <a:lumMod val="75000"/>
+                        </a:schemeClr>
+                      </a:solidFill>
+                      <a:prstDash val="solid"/>
+                      <a:round/>
+                      <a:headEnd type="none" w="med" len="med"/>
+                      <a:tailEnd type="none" w="med" len="med"/>
+                    </a:lnB>
+                    <a:solidFill>
+                      <a:schemeClr val="bg1">
+                        <a:lumMod val="95000"/>
+                      </a:schemeClr>
+                    </a:solidFill>
+                  </a:tcPr>
+                </a:tc>
+                <a:tc>
+                  <a:txBody>
+                    <a:bodyPr/>
+                    <a:lstStyle/>
+                    <a:p>
+                      <a:r>
+                        <a:rPr kumimoji="1" lang="en-US" altLang="ja-JP" sz="1200" b="0" dirty="0" smtClean="0">
+                          <a:solidFill>
+                            <a:schemeClr val="dk1"/>
+                          </a:solidFill>
+                        </a:rPr>
+                        <a:t>Run</a:t>
+                      </a:r>
+                      <a:r>
+                        <a:rPr kumimoji="1" lang="en-US" altLang="ja-JP" sz="1200" b="0" baseline="0" dirty="0" smtClean="0">
+                          <a:solidFill>
+                            <a:schemeClr val="dk1"/>
+                          </a:solidFill>
+                        </a:rPr>
+                        <a:t> Comparison</a:t>
+                      </a:r>
+                      <a:endParaRPr kumimoji="1" lang="ja-JP" altLang="en-US" sz="1200" b="0" dirty="0" smtClean="0">
+                        <a:solidFill>
+                          <a:srgbClr val="002060"/>
+                        </a:solidFill>
+                      </a:endParaRPr>
+                    </a:p>
+                  </a:txBody>
+                  <a:tcPr anchor="ctr">
+                    <a:lnL w="12700" cap="flat" cmpd="sng" algn="ctr">
+                      <a:solidFill>
+                        <a:schemeClr val="bg1">
+                          <a:lumMod val="75000"/>
+                        </a:schemeClr>
+                      </a:solidFill>
+                      <a:prstDash val="solid"/>
+                      <a:round/>
+                      <a:headEnd type="none" w="med" len="med"/>
+                      <a:tailEnd type="none" w="med" len="med"/>
+                    </a:lnL>
+                    <a:lnR w="12700" cap="flat" cmpd="sng" algn="ctr">
+                      <a:solidFill>
+                        <a:schemeClr val="bg1">
+                          <a:lumMod val="75000"/>
+                        </a:schemeClr>
+                      </a:solidFill>
+                      <a:prstDash val="solid"/>
+                      <a:round/>
+                      <a:headEnd type="none" w="med" len="med"/>
+                      <a:tailEnd type="none" w="med" len="med"/>
+                    </a:lnR>
+                    <a:lnT w="12700" cap="flat" cmpd="sng" algn="ctr">
+                      <a:solidFill>
+                        <a:schemeClr val="bg1">
+                          <a:lumMod val="75000"/>
+                        </a:schemeClr>
+                      </a:solidFill>
+                      <a:prstDash val="solid"/>
+                      <a:round/>
+                      <a:headEnd type="none" w="med" len="med"/>
+                      <a:tailEnd type="none" w="med" len="med"/>
+                    </a:lnT>
+                    <a:lnB w="12700" cap="flat" cmpd="sng" algn="ctr">
+                      <a:solidFill>
+                        <a:schemeClr val="bg1">
+                          <a:lumMod val="75000"/>
+                        </a:schemeClr>
+                      </a:solidFill>
+                      <a:prstDash val="solid"/>
+                      <a:round/>
+                      <a:headEnd type="none" w="med" len="med"/>
+                      <a:tailEnd type="none" w="med" len="med"/>
+                    </a:lnB>
+                    <a:solidFill>
+                      <a:schemeClr val="bg1">
+                        <a:lumMod val="95000"/>
+                      </a:schemeClr>
+                    </a:solidFill>
+                  </a:tcPr>
+                </a:tc>
+                <a:tc>
+                  <a:txBody>
+                    <a:bodyPr/>
+                    <a:lstStyle/>
+                    <a:p>
+                      <a:r>
+                        <a:rPr kumimoji="1" lang="en-US" altLang="ja-JP" sz="1200" b="0" dirty="0" smtClean="0">
+                          <a:solidFill>
+                            <a:schemeClr val="tx1"/>
+                          </a:solidFill>
+                          <a:latin typeface="メイリオ" panose="020B0604030504040204" pitchFamily="50" charset="-128"/>
+                          <a:ea typeface="メイリオ" panose="020B0604030504040204" pitchFamily="50" charset="-128"/>
+                        </a:rPr>
+                        <a:t>Run the defined comparison.</a:t>
+                      </a:r>
+                      <a:r>
+                        <a:rPr kumimoji="1" lang="en-US" altLang="ja-JP" sz="1200" b="0" baseline="0" dirty="0" smtClean="0">
+                          <a:solidFill>
+                            <a:schemeClr val="tx1"/>
+                          </a:solidFill>
+                          <a:latin typeface="メイリオ" panose="020B0604030504040204" pitchFamily="50" charset="-128"/>
+                          <a:ea typeface="メイリオ" panose="020B0604030504040204" pitchFamily="50" charset="-128"/>
+                        </a:rPr>
+                        <a:t> Any differences will be marked in red text.</a:t>
+                      </a:r>
+                      <a:endParaRPr kumimoji="1" lang="ja-JP" altLang="en-US" sz="1200" b="0" dirty="0" smtClean="0">
+                        <a:solidFill>
+                          <a:schemeClr val="tx1"/>
+                        </a:solidFill>
+                        <a:latin typeface="メイリオ" panose="020B0604030504040204" pitchFamily="50" charset="-128"/>
+                        <a:ea typeface="メイリオ" panose="020B0604030504040204" pitchFamily="50" charset="-128"/>
+                      </a:endParaRPr>
+                    </a:p>
+                  </a:txBody>
+                  <a:tcPr anchor="ctr">
+                    <a:lnL w="12700" cap="flat" cmpd="sng" algn="ctr">
+                      <a:solidFill>
+                        <a:schemeClr val="bg1">
+                          <a:lumMod val="75000"/>
+                        </a:schemeClr>
+                      </a:solidFill>
+                      <a:prstDash val="solid"/>
+                      <a:round/>
+                      <a:headEnd type="none" w="med" len="med"/>
+                      <a:tailEnd type="none" w="med" len="med"/>
+                    </a:lnL>
+                    <a:lnR w="12700" cap="flat" cmpd="sng" algn="ctr">
+                      <a:solidFill>
+                        <a:schemeClr val="bg1">
+                          <a:lumMod val="75000"/>
+                        </a:schemeClr>
+                      </a:solidFill>
+                      <a:prstDash val="solid"/>
+                      <a:round/>
+                      <a:headEnd type="none" w="med" len="med"/>
+                      <a:tailEnd type="none" w="med" len="med"/>
+                    </a:lnR>
+                    <a:lnT w="12700" cap="flat" cmpd="sng" algn="ctr">
+                      <a:solidFill>
+                        <a:schemeClr val="bg1">
+                          <a:lumMod val="75000"/>
+                        </a:schemeClr>
+                      </a:solidFill>
+                      <a:prstDash val="solid"/>
+                      <a:round/>
+                      <a:headEnd type="none" w="med" len="med"/>
+                      <a:tailEnd type="none" w="med" len="med"/>
+                    </a:lnT>
+                    <a:lnB w="12700" cap="flat" cmpd="sng" algn="ctr">
+                      <a:solidFill>
+                        <a:schemeClr val="bg1">
+                          <a:lumMod val="75000"/>
+                        </a:schemeClr>
+                      </a:solidFill>
+                      <a:prstDash val="solid"/>
+                      <a:round/>
+                      <a:headEnd type="none" w="med" len="med"/>
+                      <a:tailEnd type="none" w="med" len="med"/>
+                    </a:lnB>
+                    <a:solidFill>
+                      <a:schemeClr val="bg1"/>
+                    </a:solidFill>
+                  </a:tcPr>
+                </a:tc>
+                <a:extLst>
+                  <a:ext uri="{0D108BD9-81ED-4DB2-BD59-A6C34878D82A}">
+                    <a16:rowId xmlns:a16="http://schemas.microsoft.com/office/drawing/2014/main" val="924922777"/>
+                  </a:ext>
+                </a:extLst>
+              </a:tr>
+            </a:tbl>
+          </a:graphicData>
+        </a:graphic>
+      </p:graphicFrame>
     </p:spTree>
     <p:extLst>
       <p:ext uri="{BB962C8B-B14F-4D97-AF65-F5344CB8AC3E}">
-        <p14:creationId xmlns:p14="http://schemas.microsoft.com/office/powerpoint/2010/main" val="1594094524"/>
+        <p14:creationId xmlns:p14="http://schemas.microsoft.com/office/powerpoint/2010/main" val="3812299817"/>
       </p:ext>
     </p:extLst>
   </p:cSld>
@@ -20249,10 +27712,48 @@
           <a:chExt cx="0" cy="0"/>
         </a:xfrm>
       </p:grpSpPr>
+      <p:sp>
+        <p:nvSpPr>
+          <p:cNvPr id="2" name="タイトル 1"/>
+          <p:cNvSpPr>
+            <a:spLocks noGrp="1"/>
+          </p:cNvSpPr>
+          <p:nvPr>
+            <p:ph type="title"/>
+          </p:nvPr>
+        </p:nvSpPr>
+        <p:spPr>
+          <a:xfrm>
+            <a:off x="179388" y="3106628"/>
+            <a:ext cx="8784000" cy="405683"/>
+          </a:xfrm>
+        </p:spPr>
+        <p:txBody>
+          <a:bodyPr/>
+          <a:lstStyle/>
+          <a:p>
+            <a:r>
+              <a:rPr lang="en-US" altLang="ja-JP" sz="2400" dirty="0"/>
+              <a:t>4.</a:t>
+            </a:r>
+            <a:r>
+              <a:rPr lang="ja-JP" altLang="en-US" sz="2400" dirty="0"/>
+              <a:t>　</a:t>
+            </a:r>
+            <a:r>
+              <a:rPr lang="en-US" altLang="ja-JP" sz="2400" dirty="0" smtClean="0">
+                <a:latin typeface="+mn-ea"/>
+              </a:rPr>
+              <a:t>Collect function / Compare function application</a:t>
+            </a:r>
+            <a:endParaRPr lang="ja-JP" altLang="en-US" sz="2400" dirty="0"/>
+          </a:p>
+        </p:txBody>
+      </p:sp>
     </p:spTree>
     <p:extLst>
       <p:ext uri="{BB962C8B-B14F-4D97-AF65-F5344CB8AC3E}">
-        <p14:creationId xmlns:p14="http://schemas.microsoft.com/office/powerpoint/2010/main" val="2400791721"/>
+        <p14:creationId xmlns:p14="http://schemas.microsoft.com/office/powerpoint/2010/main" val="2681200597"/>
       </p:ext>
     </p:extLst>
   </p:cSld>
@@ -20354,6 +27855,7 @@
               </a:defRPr>
             </a:pPr>
             <a:r>
+              <a:rPr dirty="0"/>
               <a:t>Introduction</a:t>
             </a:r>
             <a:endParaRPr lang="en-US" altLang="ja-JP" sz="1600" dirty="0">
@@ -20368,11 +27870,11 @@
               </a:defRPr>
             </a:pPr>
             <a:r>
-              <a:rPr altLang="ja-JP"/>
+              <a:rPr altLang="ja-JP" dirty="0"/>
               <a:t>1.1</a:t>
             </a:r>
             <a:r>
-              <a:rPr altLang="en-US"/>
+              <a:rPr altLang="en-US" dirty="0"/>
               <a:t>　About this document</a:t>
             </a:r>
             <a:endParaRPr lang="en-US" altLang="ja-JP" sz="1600" dirty="0" smtClean="0">
@@ -20394,6 +27896,7 @@
               </a:defRPr>
             </a:pPr>
             <a:r>
+              <a:rPr dirty="0"/>
               <a:t>Collect function</a:t>
             </a:r>
             <a:endParaRPr lang="en-US" altLang="ja-JP" sz="1600" dirty="0" smtClean="0">
@@ -20408,15 +27911,15 @@
               </a:defRPr>
             </a:pPr>
             <a:r>
-              <a:rPr altLang="ja-JP"/>
+              <a:rPr altLang="ja-JP" dirty="0"/>
               <a:t>2.1</a:t>
             </a:r>
             <a:r>
-              <a:rPr altLang="en-US"/>
+              <a:rPr altLang="en-US" dirty="0"/>
               <a:t>　What is the collection function</a:t>
             </a:r>
             <a:r>
-              <a:rPr altLang="ja-JP"/>
+              <a:rPr altLang="ja-JP" dirty="0"/>
               <a:t>?</a:t>
             </a:r>
             <a:endParaRPr lang="en-US" altLang="ja-JP" sz="1600" dirty="0" smtClean="0">
@@ -20431,39 +27934,39 @@
               </a:defRPr>
             </a:pPr>
             <a:r>
-              <a:rPr altLang="ja-JP"/>
+              <a:rPr altLang="ja-JP" dirty="0"/>
               <a:t>2.2</a:t>
             </a:r>
             <a:r>
-              <a:rPr altLang="en-US"/>
+              <a:rPr altLang="en-US" dirty="0"/>
               <a:t>　</a:t>
             </a:r>
             <a:r>
-              <a:rPr altLang="ja-JP"/>
+              <a:rPr altLang="ja-JP" dirty="0"/>
               <a:t>YAML</a:t>
             </a:r>
             <a:r>
-              <a:rPr altLang="en-US"/>
+              <a:rPr altLang="en-US" dirty="0"/>
               <a:t> Variables (</a:t>
             </a:r>
             <a:r>
-              <a:rPr altLang="ja-JP"/>
+              <a:rPr altLang="ja-JP" dirty="0"/>
               <a:t>FROM</a:t>
             </a:r>
             <a:r>
-              <a:rPr altLang="en-US"/>
+              <a:rPr altLang="en-US" dirty="0"/>
               <a:t>) and Parameter Sheet Items (</a:t>
             </a:r>
             <a:r>
-              <a:rPr altLang="ja-JP"/>
+              <a:rPr altLang="ja-JP" dirty="0"/>
               <a:t>TO</a:t>
             </a:r>
             <a:r>
-              <a:rPr altLang="en-US"/>
+              <a:rPr altLang="en-US" dirty="0"/>
               <a:t>)</a:t>
             </a:r>
             <a:r>
-              <a:rPr altLang="ja-JP"/>
+              <a:rPr altLang="ja-JP" dirty="0"/>
               <a:t> </a:t>
             </a:r>
             <a:endParaRPr lang="en-US" altLang="ja-JP" sz="1600" dirty="0" smtClean="0">
@@ -20478,11 +27981,11 @@
               </a:defRPr>
             </a:pPr>
             <a:r>
-              <a:rPr altLang="ja-JP"/>
+              <a:rPr altLang="ja-JP" dirty="0"/>
               <a:t>2.3</a:t>
             </a:r>
             <a:r>
-              <a:rPr altLang="en-US"/>
+              <a:rPr altLang="en-US" dirty="0"/>
               <a:t>　Work flow</a:t>
             </a:r>
             <a:endParaRPr lang="en-US" altLang="ja-JP" sz="1600" dirty="0" smtClean="0">
@@ -20496,13 +27999,13 @@
               </a:defRPr>
             </a:pPr>
             <a:r>
-              <a:rPr altLang="ja-JP">
+              <a:rPr altLang="ja-JP" dirty="0">
                 <a:hlinkClick r:id="rId6" action="ppaction://hlinksldjump"/>
               </a:rPr>
               <a:t>2.3.1</a:t>
             </a:r>
             <a:r>
-              <a:rPr altLang="en-US">
+              <a:rPr altLang="en-US" dirty="0">
                 <a:hlinkClick r:id="rId6" action="ppaction://hlinksldjump"/>
               </a:rPr>
               <a:t>　Collect interface information</a:t>
@@ -20518,13 +28021,13 @@
               </a:defRPr>
             </a:pPr>
             <a:r>
-              <a:rPr altLang="ja-JP">
+              <a:rPr altLang="ja-JP" dirty="0">
                 <a:hlinkClick r:id="rId7" action="ppaction://hlinksldjump"/>
               </a:rPr>
               <a:t>2.3.2</a:t>
             </a:r>
             <a:r>
-              <a:rPr altLang="en-US">
+              <a:rPr altLang="en-US" dirty="0">
                 <a:hlinkClick r:id="rId7" action="ppaction://hlinksldjump"/>
               </a:rPr>
               <a:t>　Collect item value list</a:t>
@@ -20541,23 +28044,20 @@
               </a:defRPr>
             </a:pPr>
             <a:r>
-              <a:rPr altLang="ja-JP"/>
-              <a:t>|||UNTRANSLATED_CONTENT_START|||2.4</a:t>
-            </a:r>
-            <a:r>
-              <a:rPr altLang="en-US"/>
-              <a:t>　収集状況の確認</a:t>
-            </a:r>
-            <a:r>
-              <a:rPr altLang="ja-JP"/>
-              <a:t>|||UNTRANSLATED_CONTENT_END|||</a:t>
-            </a:r>
-            <a:endParaRPr lang="en-US" altLang="ja-JP" sz="1600" dirty="0">
-              <a:latin typeface="+mn-ea"/>
-            </a:endParaRPr>
-          </a:p>
-          <a:p>
-            <a:pPr lvl="1"/>
+              <a:rPr altLang="ja-JP" dirty="0" smtClean="0"/>
+              <a:t>2.4</a:t>
+            </a:r>
+            <a:r>
+              <a:rPr altLang="en-US" dirty="0"/>
+              <a:t>　</a:t>
+            </a:r>
+            <a:r>
+              <a:rPr lang="en-US" altLang="en-US" dirty="0" smtClean="0"/>
+              <a:t>Check Collect status</a:t>
+            </a:r>
+            <a:br>
+              <a:rPr lang="en-US" altLang="en-US" dirty="0" smtClean="0"/>
+            </a:br>
             <a:endParaRPr lang="en-US" altLang="ja-JP" sz="1600" dirty="0" smtClean="0">
               <a:latin typeface="+mn-ea"/>
             </a:endParaRPr>
@@ -20571,7 +28071,20 @@
               </a:defRPr>
             </a:pPr>
             <a:r>
-              <a:t>Contrast function</a:t>
+              <a:rPr dirty="0" smtClean="0"/>
+              <a:t>Co</a:t>
+            </a:r>
+            <a:r>
+              <a:rPr lang="en-US" dirty="0" smtClean="0"/>
+              <a:t>mpare</a:t>
+            </a:r>
+            <a:r>
+              <a:rPr dirty="0" smtClean="0"/>
+              <a:t> </a:t>
+            </a:r>
+            <a:r>
+              <a:rPr dirty="0"/>
+              <a:t>function</a:t>
             </a:r>
             <a:endParaRPr lang="en-US" altLang="ja-JP" sz="1600" dirty="0" smtClean="0">
               <a:latin typeface="+mn-ea"/>
@@ -20585,34 +28098,26 @@
               </a:defRPr>
             </a:pPr>
             <a:r>
-              <a:rPr altLang="ja-JP"/>
-              <a:t>|||UNTRANSLATED_CONTENT_START|||3.1</a:t>
-            </a:r>
-            <a:r>
-              <a:rPr altLang="en-US"/>
-              <a:t>　比較機能とは</a:t>
-            </a:r>
-            <a:r>
-              <a:rPr altLang="ja-JP"/>
-              <a:t>|||UNTRANSLATED_CONTENT_END|||</a:t>
-            </a:r>
-            <a:endParaRPr lang="en-US" altLang="ja-JP" sz="1600" dirty="0">
-              <a:latin typeface="+mn-ea"/>
-            </a:endParaRPr>
-          </a:p>
-          <a:p>
-            <a:pPr lvl="1">
-              <a:defRPr sz="1600">
-                <a:latin typeface="+mn-ea"/>
-                <a:hlinkClick r:id="rId10" action="ppaction://hlinksldjump"/>
-              </a:defRPr>
-            </a:pPr>
-            <a:r>
-              <a:rPr altLang="ja-JP"/>
+              <a:rPr altLang="ja-JP" dirty="0" smtClean="0"/>
+              <a:t>3.1</a:t>
+            </a:r>
+            <a:r>
+              <a:rPr altLang="en-US" dirty="0"/>
+              <a:t>　</a:t>
+            </a:r>
+            <a:r>
+              <a:rPr lang="en-US" altLang="en-US" dirty="0" smtClean="0"/>
+              <a:t>Compare function</a:t>
+            </a:r>
+            <a:br>
+              <a:rPr lang="en-US" altLang="en-US" dirty="0" smtClean="0"/>
+            </a:br>
+            <a:r>
+              <a:rPr altLang="ja-JP" dirty="0" smtClean="0"/>
               <a:t>3.2</a:t>
             </a:r>
             <a:r>
-              <a:rPr altLang="en-US"/>
+              <a:rPr altLang="en-US" dirty="0"/>
               <a:t>　Comparison menu group</a:t>
             </a:r>
             <a:endParaRPr lang="en-US" altLang="ja-JP" sz="1600" dirty="0" smtClean="0">
@@ -20626,42 +28131,44 @@
               </a:defRPr>
             </a:pPr>
             <a:r>
-              <a:rPr altLang="ja-JP"/>
-              <a:t>|||UNTRANSLATED_CONTENT_START|||	</a:t>
-            </a:r>
-            <a:r>
-              <a:rPr altLang="ja-JP">
-                <a:hlinkClick r:id="rId11" action="ppaction://hlinksldjump"/>
+              <a:rPr altLang="ja-JP" dirty="0"/>
+              <a:t>	</a:t>
+            </a:r>
+            <a:r>
+              <a:rPr altLang="ja-JP" dirty="0">
+                <a:hlinkClick r:id="rId10" action="ppaction://hlinksldjump"/>
               </a:rPr>
               <a:t>3.2.1</a:t>
             </a:r>
             <a:r>
-              <a:rPr altLang="en-US">
-                <a:hlinkClick r:id="rId11" action="ppaction://hlinksldjump"/>
+              <a:rPr altLang="en-US" dirty="0">
+                <a:hlinkClick r:id="rId10" action="ppaction://hlinksldjump"/>
               </a:rPr>
-              <a:t>　基準日について</a:t>
-            </a:r>
-            <a:r>
-              <a:rPr altLang="ja-JP"/>
-              <a:t>|||UNTRANSLATED_CONTENT_END|||</a:t>
-            </a:r>
-            <a:endParaRPr lang="en-US" altLang="ja-JP" sz="1600" dirty="0">
-              <a:latin typeface="+mn-ea"/>
-            </a:endParaRPr>
-          </a:p>
-          <a:p>
-            <a:pPr lvl="1">
-              <a:defRPr sz="1600">
-                <a:latin typeface="+mn-ea"/>
-                <a:hlinkClick r:id="rId12" action="ppaction://hlinksldjump"/>
-              </a:defRPr>
-            </a:pPr>
-            <a:r>
-              <a:rPr altLang="ja-JP"/>
+              <a:t>　</a:t>
+            </a:r>
+            <a:r>
+              <a:rPr lang="en-US" altLang="en-US" dirty="0" smtClean="0">
+                <a:hlinkClick r:id="rId10" action="ppaction://hlinksldjump"/>
+              </a:rPr>
+              <a:t>Standard date/time</a:t>
+            </a:r>
+            <a:r>
+              <a:rPr lang="en-US" altLang="en-US" dirty="0" smtClean="0"/>
+              <a:t/>
+            </a:r>
+            <a:br>
+              <a:rPr lang="en-US" altLang="en-US" dirty="0" smtClean="0"/>
+            </a:br>
+            <a:r>
+              <a:rPr altLang="ja-JP" dirty="0" smtClean="0">
+                <a:hlinkClick r:id="rId5" action="ppaction://hlinksldjump"/>
+              </a:rPr>
               <a:t>3.3</a:t>
             </a:r>
             <a:r>
-              <a:rPr altLang="en-US"/>
+              <a:rPr altLang="en-US" dirty="0">
+                <a:hlinkClick r:id="rId5" action="ppaction://hlinksldjump"/>
+              </a:rPr>
               <a:t>　Work flow</a:t>
             </a:r>
             <a:endParaRPr lang="en-US" altLang="ja-JP" sz="1600" dirty="0" smtClean="0">
@@ -20683,7 +28190,20 @@
               </a:defRPr>
             </a:pPr>
             <a:r>
-              <a:t>Collect / Contrast function application</a:t>
+              <a:rPr dirty="0"/>
+              <a:t>Collect / </a:t>
+            </a:r>
+            <a:r>
+              <a:rPr lang="en-US" dirty="0" smtClean="0"/>
+              <a:t>Compare</a:t>
+            </a:r>
+            <a:r>
+              <a:rPr dirty="0" smtClean="0"/>
+              <a:t> </a:t>
+            </a:r>
+            <a:r>
+              <a:rPr dirty="0"/>
+              <a:t>function application</a:t>
             </a:r>
             <a:endParaRPr lang="en-US" altLang="ja-JP" sz="1600" dirty="0">
               <a:latin typeface="+mn-ea"/>
@@ -20693,15 +28213,15 @@
             <a:pPr lvl="1">
               <a:defRPr sz="1600">
                 <a:latin typeface="+mn-ea"/>
-                <a:hlinkClick r:id="rId13" action="ppaction://hlinksldjump"/>
+                <a:hlinkClick r:id="rId11" action="ppaction://hlinksldjump"/>
               </a:defRPr>
             </a:pPr>
             <a:r>
-              <a:rPr altLang="ja-JP"/>
+              <a:rPr altLang="ja-JP" dirty="0"/>
               <a:t>4.1</a:t>
             </a:r>
             <a:r>
-              <a:rPr altLang="en-US"/>
+              <a:rPr altLang="en-US" dirty="0"/>
               <a:t>　Application example</a:t>
             </a:r>
             <a:endParaRPr lang="en-US" altLang="ja-JP" sz="1600" dirty="0" smtClean="0">
@@ -20735,6 +28255,228 @@
     <p:extLst>
       <p:ext uri="{BB962C8B-B14F-4D97-AF65-F5344CB8AC3E}">
         <p14:creationId xmlns:p14="http://schemas.microsoft.com/office/powerpoint/2010/main" val="2198988984"/>
+      </p:ext>
+    </p:extLst>
+  </p:cSld>
+  <p:clrMapOvr>
+    <a:masterClrMapping/>
+  </p:clrMapOvr>
+  <p:timing>
+    <p:tnLst>
+      <p:par>
+        <p:cTn id="1" dur="indefinite" restart="never" nodeType="tmRoot"/>
+      </p:par>
+    </p:tnLst>
+  </p:timing>
+</p:sld>
+</file>
+
+<file path=ppt/slides/slide20.xml><?xml version="1.0" encoding="utf-8"?>
+<p:sld xmlns:a="http://schemas.openxmlformats.org/drawingml/2006/main" xmlns:r="http://schemas.openxmlformats.org/officeDocument/2006/relationships" xmlns:p="http://schemas.openxmlformats.org/presentationml/2006/main">
+  <p:cSld>
+    <p:spTree>
+      <p:nvGrpSpPr>
+        <p:cNvPr id="1" name=""/>
+        <p:cNvGrpSpPr/>
+        <p:nvPr/>
+      </p:nvGrpSpPr>
+      <p:grpSpPr>
+        <a:xfrm>
+          <a:off x="0" y="0"/>
+          <a:ext cx="0" cy="0"/>
+          <a:chOff x="0" y="0"/>
+          <a:chExt cx="0" cy="0"/>
+        </a:xfrm>
+      </p:grpSpPr>
+      <p:sp>
+        <p:nvSpPr>
+          <p:cNvPr id="2" name="タイトル 1"/>
+          <p:cNvSpPr>
+            <a:spLocks noGrp="1"/>
+          </p:cNvSpPr>
+          <p:nvPr>
+            <p:ph type="title"/>
+          </p:nvPr>
+        </p:nvSpPr>
+        <p:spPr/>
+        <p:txBody>
+          <a:bodyPr/>
+          <a:lstStyle/>
+          <a:p>
+            <a:r>
+              <a:rPr altLang="ja-JP"/>
+              <a:t>4.1</a:t>
+            </a:r>
+            <a:r>
+              <a:rPr altLang="en-US"/>
+              <a:t> </a:t>
+            </a:r>
+            <a:r>
+              <a:rPr altLang="en-US">
+                <a:latin typeface="+mn-ea"/>
+              </a:rPr>
+              <a:t>Application example</a:t>
+            </a:r>
+            <a:endParaRPr lang="ja-JP" altLang="en-US" dirty="0"/>
+          </a:p>
+        </p:txBody>
+      </p:sp>
+      <p:sp>
+        <p:nvSpPr>
+          <p:cNvPr id="21" name="コンテンツ プレースホルダー 2"/>
+          <p:cNvSpPr>
+            <a:spLocks noGrp="1"/>
+          </p:cNvSpPr>
+          <p:nvPr>
+            <p:ph sz="quarter" idx="10"/>
+          </p:nvPr>
+        </p:nvSpPr>
+        <p:spPr>
+          <a:xfrm>
+            <a:off x="252833" y="836712"/>
+            <a:ext cx="8639767" cy="5688718"/>
+          </a:xfrm>
+        </p:spPr>
+        <p:txBody>
+          <a:bodyPr>
+            <a:normAutofit/>
+          </a:bodyPr>
+          <a:lstStyle/>
+          <a:p>
+            <a:pPr>
+              <a:defRPr altLang="en-US"/>
+            </a:pPr>
+            <a:r>
+              <a:rPr dirty="0"/>
+              <a:t>Collection function</a:t>
+            </a:r>
+            <a:endParaRPr lang="en-US" altLang="ja-JP" dirty="0" smtClean="0"/>
+          </a:p>
+          <a:p>
+            <a:pPr marL="0" indent="0">
+              <a:buNone/>
+            </a:pPr>
+            <a:r>
+              <a:rPr altLang="en-US" dirty="0"/>
+              <a:t>By collecting the results of the network device's config output command and AWS EC2 list, users can synchronize the values of the parameter sheets and the values of the actual machine, meaning that work efficiency will improve while mistakes will occur less frequently.</a:t>
+            </a:r>
+            <a:r>
+              <a:rPr altLang="ja-JP" dirty="0"/>
+              <a:t> </a:t>
+            </a:r>
+            <a:endParaRPr lang="en-US" altLang="ja-JP" dirty="0" smtClean="0"/>
+          </a:p>
+          <a:p>
+            <a:pPr marL="0" indent="0">
+              <a:buNone/>
+            </a:pPr>
+            <a:endParaRPr lang="en-US" altLang="ja-JP" dirty="0" smtClean="0"/>
+          </a:p>
+          <a:p>
+            <a:pPr>
+              <a:defRPr altLang="en-US"/>
+            </a:pPr>
+            <a:r>
+              <a:rPr lang="en-US" dirty="0" smtClean="0"/>
+              <a:t>Compare</a:t>
+            </a:r>
+            <a:r>
+              <a:rPr dirty="0" smtClean="0"/>
+              <a:t> </a:t>
+            </a:r>
+            <a:r>
+              <a:rPr dirty="0"/>
+              <a:t>function</a:t>
+            </a:r>
+            <a:endParaRPr lang="en-US" altLang="ja-JP" dirty="0" smtClean="0"/>
+          </a:p>
+          <a:p>
+            <a:pPr marL="0" indent="0">
+              <a:buNone/>
+              <a:defRPr altLang="en-US"/>
+            </a:pPr>
+            <a:r>
+              <a:rPr dirty="0"/>
+              <a:t>We can first use the </a:t>
+            </a:r>
+            <a:r>
+              <a:rPr lang="en-US" dirty="0" smtClean="0"/>
+              <a:t>Compare</a:t>
+            </a:r>
+            <a:r>
+              <a:rPr dirty="0" smtClean="0"/>
+              <a:t> </a:t>
+            </a:r>
+            <a:r>
+              <a:rPr dirty="0"/>
+              <a:t>function to compare  [Pre-execution Expected value] and [Post-execution Actual value  (collected value</a:t>
+            </a:r>
+            <a:r>
+              <a:rPr dirty="0" smtClean="0"/>
+              <a:t>)] </a:t>
+            </a:r>
+            <a:r>
+              <a:rPr dirty="0"/>
+              <a:t>to have the system show us what places we want to change, aka the differences. 
+After applying the changes, we can use the </a:t>
+            </a:r>
+            <a:r>
+              <a:rPr lang="en-US" dirty="0" smtClean="0"/>
+              <a:t>Compare</a:t>
+            </a:r>
+            <a:r>
+              <a:rPr dirty="0" smtClean="0"/>
+              <a:t> </a:t>
+            </a:r>
+            <a:r>
+              <a:rPr dirty="0"/>
+              <a:t>function again to confirm there are no differences anymore, meaning that the application has been successful. </a:t>
+            </a:r>
+            <a:endParaRPr lang="ja-JP" altLang="en-US" dirty="0"/>
+          </a:p>
+        </p:txBody>
+      </p:sp>
+    </p:spTree>
+    <p:extLst>
+      <p:ext uri="{BB962C8B-B14F-4D97-AF65-F5344CB8AC3E}">
+        <p14:creationId xmlns:p14="http://schemas.microsoft.com/office/powerpoint/2010/main" val="1594094524"/>
+      </p:ext>
+    </p:extLst>
+  </p:cSld>
+  <p:clrMapOvr>
+    <a:masterClrMapping/>
+  </p:clrMapOvr>
+  <p:timing>
+    <p:tnLst>
+      <p:par>
+        <p:cTn id="1" dur="indefinite" restart="never" nodeType="tmRoot"/>
+      </p:par>
+    </p:tnLst>
+  </p:timing>
+</p:sld>
+</file>
+
+<file path=ppt/slides/slide21.xml><?xml version="1.0" encoding="utf-8"?>
+<p:sld xmlns:a="http://schemas.openxmlformats.org/drawingml/2006/main" xmlns:r="http://schemas.openxmlformats.org/officeDocument/2006/relationships" xmlns:p="http://schemas.openxmlformats.org/presentationml/2006/main">
+  <p:cSld>
+    <p:spTree>
+      <p:nvGrpSpPr>
+        <p:cNvPr id="1" name=""/>
+        <p:cNvGrpSpPr/>
+        <p:nvPr/>
+      </p:nvGrpSpPr>
+      <p:grpSpPr>
+        <a:xfrm>
+          <a:off x="0" y="0"/>
+          <a:ext cx="0" cy="0"/>
+          <a:chOff x="0" y="0"/>
+          <a:chExt cx="0" cy="0"/>
+        </a:xfrm>
+      </p:grpSpPr>
+    </p:spTree>
+    <p:extLst>
+      <p:ext uri="{BB962C8B-B14F-4D97-AF65-F5344CB8AC3E}">
+        <p14:creationId xmlns:p14="http://schemas.microsoft.com/office/powerpoint/2010/main" val="2400791721"/>
       </p:ext>
     </p:extLst>
   </p:cSld>
@@ -20917,7 +28659,19 @@
             </a:pPr>
             <a:r>
               <a:rPr dirty="0"/>
-              <a:t>This document aims to explain the Collect and Contrast function. </a:t>
+              <a:t>This document aims to explain the Collect and </a:t>
+            </a:r>
+            <a:r>
+              <a:rPr lang="en-US" dirty="0" smtClean="0"/>
+              <a:t>Compare</a:t>
+            </a:r>
+            <a:r>
+              <a:rPr dirty="0" smtClean="0"/>
+              <a:t> </a:t>
+            </a:r>
+            <a:r>
+              <a:rPr dirty="0"/>
+              <a:t>function. </a:t>
             </a:r>
             <a:endParaRPr lang="en-US" altLang="ja-JP" dirty="0"/>
           </a:p>
